--- a/Presentations/656_project_slide_v2(1)(2).pptx
+++ b/Presentations/656_project_slide_v2(1)(2).pptx
@@ -1,35 +1,35 @@
 
 <file path=ppt/presentation.xml><?xml version="1.0" encoding="utf-8"?>
-<p:presentation xmlns:a="http://schemas.openxmlformats.org/drawingml/2006/main" xmlns:r="http://schemas.openxmlformats.org/officeDocument/2006/relationships" xmlns:mc="http://schemas.openxmlformats.org/markup-compatibility/2006" xmlns:mv="urn:schemas-microsoft-com:mac:vml" xmlns:p="http://schemas.openxmlformats.org/presentationml/2006/main" xmlns:c="http://schemas.openxmlformats.org/drawingml/2006/chart" xmlns:dgm="http://schemas.openxmlformats.org/drawingml/2006/diagram" xmlns:o="urn:schemas-microsoft-com:office:office" xmlns:v="urn:schemas-microsoft-com:vml" xmlns:pvml="urn:schemas-microsoft-com:office:powerpoint" xmlns:com="http://schemas.openxmlformats.org/drawingml/2006/compatibility" xmlns:p14="http://schemas.microsoft.com/office/powerpoint/2010/main" xmlns:p15="http://schemas.microsoft.com/office/powerpoint/2012/main" xmlns:ahyp="http://schemas.microsoft.com/office/drawing/2018/hyperlinkcolor" autoCompressPictures="0" embedTrueTypeFonts="1" strictFirstAndLastChars="0" saveSubsetFonts="1">
+<p:presentation xmlns:a="http://schemas.openxmlformats.org/drawingml/2006/main" xmlns:r="http://schemas.openxmlformats.org/officeDocument/2006/relationships" xmlns:p="http://schemas.openxmlformats.org/presentationml/2006/main" strictFirstAndLastChars="0" embedTrueTypeFonts="1" saveSubsetFonts="1" autoCompressPictures="0">
   <p:sldMasterIdLst>
-    <p:sldMasterId id="2147483648" r:id="rId4"/>
+    <p:sldMasterId id="2147483648" r:id="rId1"/>
   </p:sldMasterIdLst>
   <p:notesMasterIdLst>
-    <p:notesMasterId r:id="rId5"/>
+    <p:notesMasterId r:id="rId3"/>
   </p:notesMasterIdLst>
   <p:sldIdLst>
-    <p:sldId id="256" r:id="rId6"/>
+    <p:sldId id="256" r:id="rId2"/>
   </p:sldIdLst>
-  <p:sldSz cy="5143500" cx="9144000"/>
+  <p:sldSz cx="9144000" cy="5143500" type="screen16x9"/>
   <p:notesSz cx="6858000" cy="9144000"/>
   <p:embeddedFontLst>
     <p:embeddedFont>
-      <p:font typeface="Economica"/>
-      <p:regular r:id="rId7"/>
-      <p:bold r:id="rId8"/>
-      <p:italic r:id="rId9"/>
-      <p:boldItalic r:id="rId10"/>
+      <p:font typeface="Economica" panose="020B0604020202020204" charset="0"/>
+      <p:regular r:id="rId4"/>
+      <p:bold r:id="rId5"/>
+      <p:italic r:id="rId6"/>
+      <p:boldItalic r:id="rId7"/>
     </p:embeddedFont>
     <p:embeddedFont>
-      <p:font typeface="Open Sans"/>
-      <p:regular r:id="rId11"/>
-      <p:bold r:id="rId12"/>
-      <p:italic r:id="rId13"/>
-      <p:boldItalic r:id="rId14"/>
+      <p:font typeface="Open Sans" panose="020B0606030504020204" pitchFamily="34" charset="0"/>
+      <p:regular r:id="rId8"/>
+      <p:bold r:id="rId9"/>
+      <p:italic r:id="rId10"/>
+      <p:boldItalic r:id="rId11"/>
     </p:embeddedFont>
   </p:embeddedFontLst>
   <p:defaultTextStyle>
-    <a:defPPr lvl="0" marR="0" rtl="0" algn="l">
+    <a:defPPr marR="0" lvl="0" algn="l" rtl="0">
       <a:lnSpc>
         <a:spcPct val="100000"/>
       </a:lnSpc>
@@ -40,7 +40,7 @@
         <a:spcPts val="0"/>
       </a:spcAft>
     </a:defPPr>
-    <a:lvl1pPr lvl="0" marR="0" rtl="0" algn="l">
+    <a:lvl1pPr marR="0" lvl="0" algn="l" rtl="0">
       <a:lnSpc>
         <a:spcPct val="100000"/>
       </a:lnSpc>
@@ -54,7 +54,7 @@
         <a:srgbClr val="000000"/>
       </a:buClr>
       <a:buFont typeface="Arial"/>
-      <a:defRPr b="0" i="0" sz="1400" u="none" cap="none" strike="noStrike">
+      <a:defRPr sz="1400" b="0" i="0" u="none" strike="noStrike" cap="none">
         <a:solidFill>
           <a:srgbClr val="000000"/>
         </a:solidFill>
@@ -64,7 +64,7 @@
         <a:sym typeface="Arial"/>
       </a:defRPr>
     </a:lvl1pPr>
-    <a:lvl2pPr lvl="1" marR="0" rtl="0" algn="l">
+    <a:lvl2pPr marR="0" lvl="1" algn="l" rtl="0">
       <a:lnSpc>
         <a:spcPct val="100000"/>
       </a:lnSpc>
@@ -78,7 +78,7 @@
         <a:srgbClr val="000000"/>
       </a:buClr>
       <a:buFont typeface="Arial"/>
-      <a:defRPr b="0" i="0" sz="1400" u="none" cap="none" strike="noStrike">
+      <a:defRPr sz="1400" b="0" i="0" u="none" strike="noStrike" cap="none">
         <a:solidFill>
           <a:srgbClr val="000000"/>
         </a:solidFill>
@@ -88,7 +88,7 @@
         <a:sym typeface="Arial"/>
       </a:defRPr>
     </a:lvl2pPr>
-    <a:lvl3pPr lvl="2" marR="0" rtl="0" algn="l">
+    <a:lvl3pPr marR="0" lvl="2" algn="l" rtl="0">
       <a:lnSpc>
         <a:spcPct val="100000"/>
       </a:lnSpc>
@@ -102,7 +102,7 @@
         <a:srgbClr val="000000"/>
       </a:buClr>
       <a:buFont typeface="Arial"/>
-      <a:defRPr b="0" i="0" sz="1400" u="none" cap="none" strike="noStrike">
+      <a:defRPr sz="1400" b="0" i="0" u="none" strike="noStrike" cap="none">
         <a:solidFill>
           <a:srgbClr val="000000"/>
         </a:solidFill>
@@ -112,7 +112,7 @@
         <a:sym typeface="Arial"/>
       </a:defRPr>
     </a:lvl3pPr>
-    <a:lvl4pPr lvl="3" marR="0" rtl="0" algn="l">
+    <a:lvl4pPr marR="0" lvl="3" algn="l" rtl="0">
       <a:lnSpc>
         <a:spcPct val="100000"/>
       </a:lnSpc>
@@ -126,7 +126,7 @@
         <a:srgbClr val="000000"/>
       </a:buClr>
       <a:buFont typeface="Arial"/>
-      <a:defRPr b="0" i="0" sz="1400" u="none" cap="none" strike="noStrike">
+      <a:defRPr sz="1400" b="0" i="0" u="none" strike="noStrike" cap="none">
         <a:solidFill>
           <a:srgbClr val="000000"/>
         </a:solidFill>
@@ -136,7 +136,7 @@
         <a:sym typeface="Arial"/>
       </a:defRPr>
     </a:lvl4pPr>
-    <a:lvl5pPr lvl="4" marR="0" rtl="0" algn="l">
+    <a:lvl5pPr marR="0" lvl="4" algn="l" rtl="0">
       <a:lnSpc>
         <a:spcPct val="100000"/>
       </a:lnSpc>
@@ -150,7 +150,7 @@
         <a:srgbClr val="000000"/>
       </a:buClr>
       <a:buFont typeface="Arial"/>
-      <a:defRPr b="0" i="0" sz="1400" u="none" cap="none" strike="noStrike">
+      <a:defRPr sz="1400" b="0" i="0" u="none" strike="noStrike" cap="none">
         <a:solidFill>
           <a:srgbClr val="000000"/>
         </a:solidFill>
@@ -160,7 +160,7 @@
         <a:sym typeface="Arial"/>
       </a:defRPr>
     </a:lvl5pPr>
-    <a:lvl6pPr lvl="5" marR="0" rtl="0" algn="l">
+    <a:lvl6pPr marR="0" lvl="5" algn="l" rtl="0">
       <a:lnSpc>
         <a:spcPct val="100000"/>
       </a:lnSpc>
@@ -174,7 +174,7 @@
         <a:srgbClr val="000000"/>
       </a:buClr>
       <a:buFont typeface="Arial"/>
-      <a:defRPr b="0" i="0" sz="1400" u="none" cap="none" strike="noStrike">
+      <a:defRPr sz="1400" b="0" i="0" u="none" strike="noStrike" cap="none">
         <a:solidFill>
           <a:srgbClr val="000000"/>
         </a:solidFill>
@@ -184,7 +184,7 @@
         <a:sym typeface="Arial"/>
       </a:defRPr>
     </a:lvl6pPr>
-    <a:lvl7pPr lvl="6" marR="0" rtl="0" algn="l">
+    <a:lvl7pPr marR="0" lvl="6" algn="l" rtl="0">
       <a:lnSpc>
         <a:spcPct val="100000"/>
       </a:lnSpc>
@@ -198,7 +198,7 @@
         <a:srgbClr val="000000"/>
       </a:buClr>
       <a:buFont typeface="Arial"/>
-      <a:defRPr b="0" i="0" sz="1400" u="none" cap="none" strike="noStrike">
+      <a:defRPr sz="1400" b="0" i="0" u="none" strike="noStrike" cap="none">
         <a:solidFill>
           <a:srgbClr val="000000"/>
         </a:solidFill>
@@ -208,7 +208,7 @@
         <a:sym typeface="Arial"/>
       </a:defRPr>
     </a:lvl7pPr>
-    <a:lvl8pPr lvl="7" marR="0" rtl="0" algn="l">
+    <a:lvl8pPr marR="0" lvl="7" algn="l" rtl="0">
       <a:lnSpc>
         <a:spcPct val="100000"/>
       </a:lnSpc>
@@ -222,7 +222,7 @@
         <a:srgbClr val="000000"/>
       </a:buClr>
       <a:buFont typeface="Arial"/>
-      <a:defRPr b="0" i="0" sz="1400" u="none" cap="none" strike="noStrike">
+      <a:defRPr sz="1400" b="0" i="0" u="none" strike="noStrike" cap="none">
         <a:solidFill>
           <a:srgbClr val="000000"/>
         </a:solidFill>
@@ -232,7 +232,7 @@
         <a:sym typeface="Arial"/>
       </a:defRPr>
     </a:lvl8pPr>
-    <a:lvl9pPr lvl="8" marR="0" rtl="0" algn="l">
+    <a:lvl9pPr marR="0" lvl="8" algn="l" rtl="0">
       <a:lnSpc>
         <a:spcPct val="100000"/>
       </a:lnSpc>
@@ -246,7 +246,7 @@
         <a:srgbClr val="000000"/>
       </a:buClr>
       <a:buFont typeface="Arial"/>
-      <a:defRPr b="0" i="0" sz="1400" u="none" cap="none" strike="noStrike">
+      <a:defRPr sz="1400" b="0" i="0" u="none" strike="noStrike" cap="none">
         <a:solidFill>
           <a:srgbClr val="000000"/>
         </a:solidFill>
@@ -259,7 +259,7 @@
   </p:defaultTextStyle>
   <p:extLst>
     <p:ext uri="{EFAFB233-063F-42B5-8137-9DF3F51BA10A}">
-      <p15:sldGuideLst>
+      <p15:sldGuideLst xmlns:p15="http://schemas.microsoft.com/office/powerpoint/2012/main">
         <p15:guide id="1" orient="horz" pos="1620">
           <p15:clr>
             <a:srgbClr val="A4A3A4"/>
@@ -273,25 +273,26 @@
       </p15:sldGuideLst>
     </p:ext>
     <p:ext uri="http://customooxmlschemas.google.com/">
-      <go:slidesCustomData xmlns:go="http://customooxmlschemas.google.com/" r:id="rId15" roundtripDataSignature="AMtx7mh2+p63+ynBXoyQuXCf8dMH2QQxkw=="/>
+      <go:slidesCustomData xmlns:go="http://customooxmlschemas.google.com/" xmlns:ahyp="http://schemas.microsoft.com/office/drawing/2018/hyperlinkcolor" xmlns:p15="http://schemas.microsoft.com/office/powerpoint/2012/main" xmlns:p14="http://schemas.microsoft.com/office/powerpoint/2010/main" xmlns:com="http://schemas.openxmlformats.org/drawingml/2006/compatibility" xmlns:pvml="urn:schemas-microsoft-com:office:powerpoint" xmlns:v="urn:schemas-microsoft-com:vml" xmlns:o="urn:schemas-microsoft-com:office:office" xmlns:dgm="http://schemas.openxmlformats.org/drawingml/2006/diagram" xmlns:c="http://schemas.openxmlformats.org/drawingml/2006/chart" xmlns:mv="urn:schemas-microsoft-com:mac:vml" xmlns:mc="http://schemas.openxmlformats.org/markup-compatibility/2006" xmlns="" r:id="rId15" roundtripDataSignature="AMtx7mh2+p63+ynBXoyQuXCf8dMH2QQxkw=="/>
     </p:ext>
   </p:extLst>
 </p:presentation>
 </file>
 
 <file path=ppt/notesMasters/notesMaster1.xml><?xml version="1.0" encoding="utf-8"?>
-<p:notesMaster xmlns:a="http://schemas.openxmlformats.org/drawingml/2006/main" xmlns:r="http://schemas.openxmlformats.org/officeDocument/2006/relationships" xmlns:mc="http://schemas.openxmlformats.org/markup-compatibility/2006" xmlns:mv="urn:schemas-microsoft-com:mac:vml" xmlns:p="http://schemas.openxmlformats.org/presentationml/2006/main" xmlns:c="http://schemas.openxmlformats.org/drawingml/2006/chart" xmlns:dgm="http://schemas.openxmlformats.org/drawingml/2006/diagram" xmlns:o="urn:schemas-microsoft-com:office:office" xmlns:v="urn:schemas-microsoft-com:vml" xmlns:pvml="urn:schemas-microsoft-com:office:powerpoint" xmlns:com="http://schemas.openxmlformats.org/drawingml/2006/compatibility" xmlns:p14="http://schemas.microsoft.com/office/powerpoint/2010/main" xmlns:p15="http://schemas.microsoft.com/office/powerpoint/2012/main" xmlns:ahyp="http://schemas.microsoft.com/office/drawing/2018/hyperlinkcolor">
+<p:notesMaster xmlns:a="http://schemas.openxmlformats.org/drawingml/2006/main" xmlns:r="http://schemas.openxmlformats.org/officeDocument/2006/relationships" xmlns:p="http://schemas.openxmlformats.org/presentationml/2006/main">
   <p:cSld>
     <p:bg>
       <p:bgPr>
         <a:solidFill>
           <a:schemeClr val="lt1"/>
         </a:solidFill>
+        <a:effectLst/>
       </p:bgPr>
     </p:bg>
     <p:spTree>
       <p:nvGrpSpPr>
-        <p:cNvPr id="2" name="Shape 2"/>
+        <p:cNvPr id="1" name="Shape 2"/>
         <p:cNvGrpSpPr/>
         <p:nvPr/>
       </p:nvGrpSpPr>
@@ -306,9 +307,11 @@
       <p:sp>
         <p:nvSpPr>
           <p:cNvPr id="3" name="Google Shape;3;n"/>
-          <p:cNvSpPr/>
+          <p:cNvSpPr>
+            <a:spLocks noGrp="1" noRot="1" noChangeAspect="1"/>
+          </p:cNvSpPr>
           <p:nvPr>
-            <p:ph idx="2" type="sldImg"/>
+            <p:ph type="sldImg" idx="2"/>
           </p:nvPr>
         </p:nvSpPr>
         <p:spPr>
@@ -317,9 +320,13 @@
             <a:ext cx="6096075" cy="3429000"/>
           </a:xfrm>
           <a:custGeom>
-            <a:rect b="b" l="l" r="r" t="t"/>
+            <a:avLst/>
+            <a:gdLst/>
+            <a:ahLst/>
+            <a:cxnLst/>
+            <a:rect l="l" t="t" r="r" b="b"/>
             <a:pathLst>
-              <a:path extrusionOk="0" h="120000" w="120000">
+              <a:path w="120000" h="120000" extrusionOk="0">
                 <a:moveTo>
                   <a:pt x="0" y="0"/>
                 </a:moveTo>
@@ -337,23 +344,25 @@
             </a:pathLst>
           </a:custGeom>
           <a:noFill/>
-          <a:ln cap="flat" cmpd="sng" w="9525">
+          <a:ln w="9525" cap="flat" cmpd="sng">
             <a:solidFill>
               <a:srgbClr val="000000"/>
             </a:solidFill>
             <a:prstDash val="solid"/>
             <a:round/>
-            <a:headEnd len="sm" w="sm" type="none"/>
-            <a:tailEnd len="sm" w="sm" type="none"/>
+            <a:headEnd type="none" w="sm" len="sm"/>
+            <a:tailEnd type="none" w="sm" len="sm"/>
           </a:ln>
         </p:spPr>
       </p:sp>
       <p:sp>
         <p:nvSpPr>
           <p:cNvPr id="4" name="Google Shape;4;n"/>
-          <p:cNvSpPr txBox="1"/>
+          <p:cNvSpPr txBox="1">
+            <a:spLocks noGrp="1"/>
+          </p:cNvSpPr>
           <p:nvPr>
-            <p:ph idx="1" type="body"/>
+            <p:ph type="body" idx="1"/>
           </p:nvPr>
         </p:nvSpPr>
         <p:spPr>
@@ -370,11 +379,11 @@
           </a:ln>
         </p:spPr>
         <p:txBody>
-          <a:bodyPr anchorCtr="0" anchor="t" bIns="91425" lIns="91425" spcFirstLastPara="1" rIns="91425" wrap="square" tIns="91425">
+          <a:bodyPr spcFirstLastPara="1" wrap="square" lIns="91425" tIns="91425" rIns="91425" bIns="91425" anchor="t" anchorCtr="0">
             <a:noAutofit/>
           </a:bodyPr>
           <a:lstStyle>
-            <a:lvl1pPr indent="-317500" lvl="0" marL="457200" marR="0" rtl="0" algn="l">
+            <a:lvl1pPr marL="457200" marR="0" lvl="0" indent="-317500" algn="l" rtl="0">
               <a:lnSpc>
                 <a:spcPct val="100000"/>
               </a:lnSpc>
@@ -390,7 +399,7 @@
               <a:buSzPts val="1400"/>
               <a:buFont typeface="Arial"/>
               <a:buChar char="●"/>
-              <a:defRPr b="0" i="0" sz="1100" u="none" cap="none" strike="noStrike">
+              <a:defRPr sz="1100" b="0" i="0" u="none" strike="noStrike" cap="none">
                 <a:solidFill>
                   <a:srgbClr val="000000"/>
                 </a:solidFill>
@@ -400,7 +409,7 @@
                 <a:sym typeface="Arial"/>
               </a:defRPr>
             </a:lvl1pPr>
-            <a:lvl2pPr indent="-317500" lvl="1" marL="914400" marR="0" rtl="0" algn="l">
+            <a:lvl2pPr marL="914400" marR="0" lvl="1" indent="-317500" algn="l" rtl="0">
               <a:lnSpc>
                 <a:spcPct val="100000"/>
               </a:lnSpc>
@@ -416,7 +425,7 @@
               <a:buSzPts val="1400"/>
               <a:buFont typeface="Arial"/>
               <a:buChar char="○"/>
-              <a:defRPr b="0" i="0" sz="1100" u="none" cap="none" strike="noStrike">
+              <a:defRPr sz="1100" b="0" i="0" u="none" strike="noStrike" cap="none">
                 <a:solidFill>
                   <a:srgbClr val="000000"/>
                 </a:solidFill>
@@ -426,7 +435,7 @@
                 <a:sym typeface="Arial"/>
               </a:defRPr>
             </a:lvl2pPr>
-            <a:lvl3pPr indent="-317500" lvl="2" marL="1371600" marR="0" rtl="0" algn="l">
+            <a:lvl3pPr marL="1371600" marR="0" lvl="2" indent="-317500" algn="l" rtl="0">
               <a:lnSpc>
                 <a:spcPct val="100000"/>
               </a:lnSpc>
@@ -442,7 +451,7 @@
               <a:buSzPts val="1400"/>
               <a:buFont typeface="Arial"/>
               <a:buChar char="■"/>
-              <a:defRPr b="0" i="0" sz="1100" u="none" cap="none" strike="noStrike">
+              <a:defRPr sz="1100" b="0" i="0" u="none" strike="noStrike" cap="none">
                 <a:solidFill>
                   <a:srgbClr val="000000"/>
                 </a:solidFill>
@@ -452,7 +461,7 @@
                 <a:sym typeface="Arial"/>
               </a:defRPr>
             </a:lvl3pPr>
-            <a:lvl4pPr indent="-317500" lvl="3" marL="1828800" marR="0" rtl="0" algn="l">
+            <a:lvl4pPr marL="1828800" marR="0" lvl="3" indent="-317500" algn="l" rtl="0">
               <a:lnSpc>
                 <a:spcPct val="100000"/>
               </a:lnSpc>
@@ -468,7 +477,7 @@
               <a:buSzPts val="1400"/>
               <a:buFont typeface="Arial"/>
               <a:buChar char="●"/>
-              <a:defRPr b="0" i="0" sz="1100" u="none" cap="none" strike="noStrike">
+              <a:defRPr sz="1100" b="0" i="0" u="none" strike="noStrike" cap="none">
                 <a:solidFill>
                   <a:srgbClr val="000000"/>
                 </a:solidFill>
@@ -478,7 +487,7 @@
                 <a:sym typeface="Arial"/>
               </a:defRPr>
             </a:lvl4pPr>
-            <a:lvl5pPr indent="-317500" lvl="4" marL="2286000" marR="0" rtl="0" algn="l">
+            <a:lvl5pPr marL="2286000" marR="0" lvl="4" indent="-317500" algn="l" rtl="0">
               <a:lnSpc>
                 <a:spcPct val="100000"/>
               </a:lnSpc>
@@ -494,7 +503,7 @@
               <a:buSzPts val="1400"/>
               <a:buFont typeface="Arial"/>
               <a:buChar char="○"/>
-              <a:defRPr b="0" i="0" sz="1100" u="none" cap="none" strike="noStrike">
+              <a:defRPr sz="1100" b="0" i="0" u="none" strike="noStrike" cap="none">
                 <a:solidFill>
                   <a:srgbClr val="000000"/>
                 </a:solidFill>
@@ -504,7 +513,7 @@
                 <a:sym typeface="Arial"/>
               </a:defRPr>
             </a:lvl5pPr>
-            <a:lvl6pPr indent="-317500" lvl="5" marL="2743200" marR="0" rtl="0" algn="l">
+            <a:lvl6pPr marL="2743200" marR="0" lvl="5" indent="-317500" algn="l" rtl="0">
               <a:lnSpc>
                 <a:spcPct val="100000"/>
               </a:lnSpc>
@@ -520,7 +529,7 @@
               <a:buSzPts val="1400"/>
               <a:buFont typeface="Arial"/>
               <a:buChar char="■"/>
-              <a:defRPr b="0" i="0" sz="1100" u="none" cap="none" strike="noStrike">
+              <a:defRPr sz="1100" b="0" i="0" u="none" strike="noStrike" cap="none">
                 <a:solidFill>
                   <a:srgbClr val="000000"/>
                 </a:solidFill>
@@ -530,7 +539,7 @@
                 <a:sym typeface="Arial"/>
               </a:defRPr>
             </a:lvl6pPr>
-            <a:lvl7pPr indent="-317500" lvl="6" marL="3200400" marR="0" rtl="0" algn="l">
+            <a:lvl7pPr marL="3200400" marR="0" lvl="6" indent="-317500" algn="l" rtl="0">
               <a:lnSpc>
                 <a:spcPct val="100000"/>
               </a:lnSpc>
@@ -546,7 +555,7 @@
               <a:buSzPts val="1400"/>
               <a:buFont typeface="Arial"/>
               <a:buChar char="●"/>
-              <a:defRPr b="0" i="0" sz="1100" u="none" cap="none" strike="noStrike">
+              <a:defRPr sz="1100" b="0" i="0" u="none" strike="noStrike" cap="none">
                 <a:solidFill>
                   <a:srgbClr val="000000"/>
                 </a:solidFill>
@@ -556,7 +565,7 @@
                 <a:sym typeface="Arial"/>
               </a:defRPr>
             </a:lvl7pPr>
-            <a:lvl8pPr indent="-317500" lvl="7" marL="3657600" marR="0" rtl="0" algn="l">
+            <a:lvl8pPr marL="3657600" marR="0" lvl="7" indent="-317500" algn="l" rtl="0">
               <a:lnSpc>
                 <a:spcPct val="100000"/>
               </a:lnSpc>
@@ -572,7 +581,7 @@
               <a:buSzPts val="1400"/>
               <a:buFont typeface="Arial"/>
               <a:buChar char="○"/>
-              <a:defRPr b="0" i="0" sz="1100" u="none" cap="none" strike="noStrike">
+              <a:defRPr sz="1100" b="0" i="0" u="none" strike="noStrike" cap="none">
                 <a:solidFill>
                   <a:srgbClr val="000000"/>
                 </a:solidFill>
@@ -582,7 +591,7 @@
                 <a:sym typeface="Arial"/>
               </a:defRPr>
             </a:lvl8pPr>
-            <a:lvl9pPr indent="-317500" lvl="8" marL="4114800" marR="0" rtl="0" algn="l">
+            <a:lvl9pPr marL="4114800" marR="0" lvl="8" indent="-317500" algn="l" rtl="0">
               <a:lnSpc>
                 <a:spcPct val="100000"/>
               </a:lnSpc>
@@ -598,7 +607,7 @@
               <a:buSzPts val="1400"/>
               <a:buFont typeface="Arial"/>
               <a:buChar char="■"/>
-              <a:defRPr b="0" i="0" sz="1100" u="none" cap="none" strike="noStrike">
+              <a:defRPr sz="1100" b="0" i="0" u="none" strike="noStrike" cap="none">
                 <a:solidFill>
                   <a:srgbClr val="000000"/>
                 </a:solidFill>
@@ -609,14 +618,16 @@
               </a:defRPr>
             </a:lvl9pPr>
           </a:lstStyle>
-          <a:p/>
+          <a:p>
+            <a:endParaRPr/>
+          </a:p>
         </p:txBody>
       </p:sp>
     </p:spTree>
   </p:cSld>
-  <p:clrMap accent1="accent1" accent2="accent2" accent3="accent3" accent4="accent4" accent5="accent5" accent6="accent6" bg1="lt1" bg2="dk2" tx1="dk1" tx2="lt2" folHlink="folHlink" hlink="hlink"/>
+  <p:clrMap bg1="lt1" tx1="dk1" bg2="dk2" tx2="lt2" accent1="accent1" accent2="accent2" accent3="accent3" accent4="accent4" accent5="accent5" accent6="accent6" hlink="hlink" folHlink="folHlink"/>
   <p:notesStyle>
-    <a:defPPr lvl="0" marR="0" rtl="0" algn="l">
+    <a:defPPr marR="0" lvl="0" algn="l" rtl="0">
       <a:lnSpc>
         <a:spcPct val="100000"/>
       </a:lnSpc>
@@ -627,7 +638,7 @@
         <a:spcPts val="0"/>
       </a:spcAft>
     </a:defPPr>
-    <a:lvl1pPr lvl="0" marR="0" rtl="0" algn="l">
+    <a:lvl1pPr marR="0" lvl="0" algn="l" rtl="0">
       <a:lnSpc>
         <a:spcPct val="100000"/>
       </a:lnSpc>
@@ -641,7 +652,7 @@
         <a:srgbClr val="000000"/>
       </a:buClr>
       <a:buFont typeface="Arial"/>
-      <a:defRPr b="0" i="0" sz="1400" u="none" cap="none" strike="noStrike">
+      <a:defRPr sz="1400" b="0" i="0" u="none" strike="noStrike" cap="none">
         <a:solidFill>
           <a:srgbClr val="000000"/>
         </a:solidFill>
@@ -651,7 +662,7 @@
         <a:sym typeface="Arial"/>
       </a:defRPr>
     </a:lvl1pPr>
-    <a:lvl2pPr lvl="1" marR="0" rtl="0" algn="l">
+    <a:lvl2pPr marR="0" lvl="1" algn="l" rtl="0">
       <a:lnSpc>
         <a:spcPct val="100000"/>
       </a:lnSpc>
@@ -665,7 +676,7 @@
         <a:srgbClr val="000000"/>
       </a:buClr>
       <a:buFont typeface="Arial"/>
-      <a:defRPr b="0" i="0" sz="1400" u="none" cap="none" strike="noStrike">
+      <a:defRPr sz="1400" b="0" i="0" u="none" strike="noStrike" cap="none">
         <a:solidFill>
           <a:srgbClr val="000000"/>
         </a:solidFill>
@@ -675,7 +686,7 @@
         <a:sym typeface="Arial"/>
       </a:defRPr>
     </a:lvl2pPr>
-    <a:lvl3pPr lvl="2" marR="0" rtl="0" algn="l">
+    <a:lvl3pPr marR="0" lvl="2" algn="l" rtl="0">
       <a:lnSpc>
         <a:spcPct val="100000"/>
       </a:lnSpc>
@@ -689,7 +700,7 @@
         <a:srgbClr val="000000"/>
       </a:buClr>
       <a:buFont typeface="Arial"/>
-      <a:defRPr b="0" i="0" sz="1400" u="none" cap="none" strike="noStrike">
+      <a:defRPr sz="1400" b="0" i="0" u="none" strike="noStrike" cap="none">
         <a:solidFill>
           <a:srgbClr val="000000"/>
         </a:solidFill>
@@ -699,7 +710,7 @@
         <a:sym typeface="Arial"/>
       </a:defRPr>
     </a:lvl3pPr>
-    <a:lvl4pPr lvl="3" marR="0" rtl="0" algn="l">
+    <a:lvl4pPr marR="0" lvl="3" algn="l" rtl="0">
       <a:lnSpc>
         <a:spcPct val="100000"/>
       </a:lnSpc>
@@ -713,7 +724,7 @@
         <a:srgbClr val="000000"/>
       </a:buClr>
       <a:buFont typeface="Arial"/>
-      <a:defRPr b="0" i="0" sz="1400" u="none" cap="none" strike="noStrike">
+      <a:defRPr sz="1400" b="0" i="0" u="none" strike="noStrike" cap="none">
         <a:solidFill>
           <a:srgbClr val="000000"/>
         </a:solidFill>
@@ -723,7 +734,7 @@
         <a:sym typeface="Arial"/>
       </a:defRPr>
     </a:lvl4pPr>
-    <a:lvl5pPr lvl="4" marR="0" rtl="0" algn="l">
+    <a:lvl5pPr marR="0" lvl="4" algn="l" rtl="0">
       <a:lnSpc>
         <a:spcPct val="100000"/>
       </a:lnSpc>
@@ -737,7 +748,7 @@
         <a:srgbClr val="000000"/>
       </a:buClr>
       <a:buFont typeface="Arial"/>
-      <a:defRPr b="0" i="0" sz="1400" u="none" cap="none" strike="noStrike">
+      <a:defRPr sz="1400" b="0" i="0" u="none" strike="noStrike" cap="none">
         <a:solidFill>
           <a:srgbClr val="000000"/>
         </a:solidFill>
@@ -747,7 +758,7 @@
         <a:sym typeface="Arial"/>
       </a:defRPr>
     </a:lvl5pPr>
-    <a:lvl6pPr lvl="5" marR="0" rtl="0" algn="l">
+    <a:lvl6pPr marR="0" lvl="5" algn="l" rtl="0">
       <a:lnSpc>
         <a:spcPct val="100000"/>
       </a:lnSpc>
@@ -761,7 +772,7 @@
         <a:srgbClr val="000000"/>
       </a:buClr>
       <a:buFont typeface="Arial"/>
-      <a:defRPr b="0" i="0" sz="1400" u="none" cap="none" strike="noStrike">
+      <a:defRPr sz="1400" b="0" i="0" u="none" strike="noStrike" cap="none">
         <a:solidFill>
           <a:srgbClr val="000000"/>
         </a:solidFill>
@@ -771,7 +782,7 @@
         <a:sym typeface="Arial"/>
       </a:defRPr>
     </a:lvl6pPr>
-    <a:lvl7pPr lvl="6" marR="0" rtl="0" algn="l">
+    <a:lvl7pPr marR="0" lvl="6" algn="l" rtl="0">
       <a:lnSpc>
         <a:spcPct val="100000"/>
       </a:lnSpc>
@@ -785,7 +796,7 @@
         <a:srgbClr val="000000"/>
       </a:buClr>
       <a:buFont typeface="Arial"/>
-      <a:defRPr b="0" i="0" sz="1400" u="none" cap="none" strike="noStrike">
+      <a:defRPr sz="1400" b="0" i="0" u="none" strike="noStrike" cap="none">
         <a:solidFill>
           <a:srgbClr val="000000"/>
         </a:solidFill>
@@ -795,7 +806,7 @@
         <a:sym typeface="Arial"/>
       </a:defRPr>
     </a:lvl7pPr>
-    <a:lvl8pPr lvl="7" marR="0" rtl="0" algn="l">
+    <a:lvl8pPr marR="0" lvl="7" algn="l" rtl="0">
       <a:lnSpc>
         <a:spcPct val="100000"/>
       </a:lnSpc>
@@ -809,7 +820,7 @@
         <a:srgbClr val="000000"/>
       </a:buClr>
       <a:buFont typeface="Arial"/>
-      <a:defRPr b="0" i="0" sz="1400" u="none" cap="none" strike="noStrike">
+      <a:defRPr sz="1400" b="0" i="0" u="none" strike="noStrike" cap="none">
         <a:solidFill>
           <a:srgbClr val="000000"/>
         </a:solidFill>
@@ -819,7 +830,7 @@
         <a:sym typeface="Arial"/>
       </a:defRPr>
     </a:lvl8pPr>
-    <a:lvl9pPr lvl="8" marR="0" rtl="0" algn="l">
+    <a:lvl9pPr marR="0" lvl="8" algn="l" rtl="0">
       <a:lnSpc>
         <a:spcPct val="100000"/>
       </a:lnSpc>
@@ -833,7 +844,7 @@
         <a:srgbClr val="000000"/>
       </a:buClr>
       <a:buFont typeface="Arial"/>
-      <a:defRPr b="0" i="0" sz="1400" u="none" cap="none" strike="noStrike">
+      <a:defRPr sz="1400" b="0" i="0" u="none" strike="noStrike" cap="none">
         <a:solidFill>
           <a:srgbClr val="000000"/>
         </a:solidFill>
@@ -848,11 +859,11 @@
 </file>
 
 <file path=ppt/notesSlides/notesSlide1.xml><?xml version="1.0" encoding="utf-8"?>
-<p:notes xmlns:a="http://schemas.openxmlformats.org/drawingml/2006/main" xmlns:r="http://schemas.openxmlformats.org/officeDocument/2006/relationships" xmlns:mc="http://schemas.openxmlformats.org/markup-compatibility/2006" xmlns:mv="urn:schemas-microsoft-com:mac:vml" xmlns:p="http://schemas.openxmlformats.org/presentationml/2006/main" xmlns:c="http://schemas.openxmlformats.org/drawingml/2006/chart" xmlns:dgm="http://schemas.openxmlformats.org/drawingml/2006/diagram" xmlns:o="urn:schemas-microsoft-com:office:office" xmlns:v="urn:schemas-microsoft-com:vml" xmlns:pvml="urn:schemas-microsoft-com:office:powerpoint" xmlns:com="http://schemas.openxmlformats.org/drawingml/2006/compatibility" xmlns:p14="http://schemas.microsoft.com/office/powerpoint/2010/main" xmlns:p15="http://schemas.microsoft.com/office/powerpoint/2012/main" xmlns:ahyp="http://schemas.microsoft.com/office/drawing/2018/hyperlinkcolor" showMasterPhAnim="0" showMasterSp="0">
+<p:notes xmlns:a="http://schemas.openxmlformats.org/drawingml/2006/main" xmlns:r="http://schemas.openxmlformats.org/officeDocument/2006/relationships" xmlns:p="http://schemas.openxmlformats.org/presentationml/2006/main" showMasterSp="0" showMasterPhAnim="0">
   <p:cSld>
     <p:spTree>
       <p:nvGrpSpPr>
-        <p:cNvPr id="58" name="Shape 58"/>
+        <p:cNvPr id="1" name="Shape 58"/>
         <p:cNvGrpSpPr/>
         <p:nvPr/>
       </p:nvGrpSpPr>
@@ -867,9 +878,11 @@
       <p:sp>
         <p:nvSpPr>
           <p:cNvPr id="59" name="Google Shape;59;p1:notes"/>
-          <p:cNvSpPr/>
+          <p:cNvSpPr>
+            <a:spLocks noGrp="1" noRot="1" noChangeAspect="1"/>
+          </p:cNvSpPr>
           <p:nvPr>
-            <p:ph idx="2" type="sldImg"/>
+            <p:ph type="sldImg" idx="2"/>
           </p:nvPr>
         </p:nvSpPr>
         <p:spPr>
@@ -878,9 +891,13 @@
             <a:ext cx="6096000" cy="3429000"/>
           </a:xfrm>
           <a:custGeom>
-            <a:rect b="b" l="l" r="r" t="t"/>
+            <a:avLst/>
+            <a:gdLst/>
+            <a:ahLst/>
+            <a:cxnLst/>
+            <a:rect l="l" t="t" r="r" b="b"/>
             <a:pathLst>
-              <a:path extrusionOk="0" h="120000" w="120000">
+              <a:path w="120000" h="120000" extrusionOk="0">
                 <a:moveTo>
                   <a:pt x="0" y="0"/>
                 </a:moveTo>
@@ -898,23 +915,25 @@
             </a:pathLst>
           </a:custGeom>
           <a:noFill/>
-          <a:ln cap="flat" cmpd="sng" w="9525">
+          <a:ln w="9525" cap="flat" cmpd="sng">
             <a:solidFill>
               <a:srgbClr val="000000"/>
             </a:solidFill>
             <a:prstDash val="solid"/>
             <a:round/>
-            <a:headEnd len="sm" w="sm" type="none"/>
-            <a:tailEnd len="sm" w="sm" type="none"/>
+            <a:headEnd type="none" w="sm" len="sm"/>
+            <a:tailEnd type="none" w="sm" len="sm"/>
           </a:ln>
         </p:spPr>
       </p:sp>
       <p:sp>
         <p:nvSpPr>
           <p:cNvPr id="60" name="Google Shape;60;p1:notes"/>
-          <p:cNvSpPr txBox="1"/>
+          <p:cNvSpPr txBox="1">
+            <a:spLocks noGrp="1"/>
+          </p:cNvSpPr>
           <p:nvPr>
-            <p:ph idx="1" type="body"/>
+            <p:ph type="body" idx="1"/>
           </p:nvPr>
         </p:nvSpPr>
         <p:spPr>
@@ -931,12 +950,12 @@
           </a:ln>
         </p:spPr>
         <p:txBody>
-          <a:bodyPr anchorCtr="0" anchor="t" bIns="91425" lIns="91425" spcFirstLastPara="1" rIns="91425" wrap="square" tIns="91425">
+          <a:bodyPr spcFirstLastPara="1" wrap="square" lIns="91425" tIns="91425" rIns="91425" bIns="91425" anchor="t" anchorCtr="0">
             <a:noAutofit/>
           </a:bodyPr>
           <a:lstStyle/>
           <a:p>
-            <a:pPr indent="0" lvl="0" marL="0" rtl="0" algn="l">
+            <a:pPr marL="0" lvl="0" indent="0" algn="l" rtl="0">
               <a:lnSpc>
                 <a:spcPct val="100000"/>
               </a:lnSpc>
@@ -949,11 +968,7 @@
               <a:buSzPts val="1400"/>
               <a:buNone/>
             </a:pPr>
-            <a:r>
-              <a:rPr lang="en"/>
-              <a:t>I’m not sure we have the data to answer the “Who” Questions?</a:t>
-            </a:r>
-            <a:endParaRPr/>
+            <a:endParaRPr dirty="0"/>
           </a:p>
         </p:txBody>
       </p:sp>
@@ -966,11 +981,11 @@
 </file>
 
 <file path=ppt/slideLayouts/slideLayout1.xml><?xml version="1.0" encoding="utf-8"?>
-<p:sldLayout xmlns:a="http://schemas.openxmlformats.org/drawingml/2006/main" xmlns:r="http://schemas.openxmlformats.org/officeDocument/2006/relationships" xmlns:mc="http://schemas.openxmlformats.org/markup-compatibility/2006" xmlns:mv="urn:schemas-microsoft-com:mac:vml" xmlns:p="http://schemas.openxmlformats.org/presentationml/2006/main" xmlns:c="http://schemas.openxmlformats.org/drawingml/2006/chart" xmlns:dgm="http://schemas.openxmlformats.org/drawingml/2006/diagram" xmlns:o="urn:schemas-microsoft-com:office:office" xmlns:v="urn:schemas-microsoft-com:vml" xmlns:pvml="urn:schemas-microsoft-com:office:powerpoint" xmlns:com="http://schemas.openxmlformats.org/drawingml/2006/compatibility" xmlns:p14="http://schemas.microsoft.com/office/powerpoint/2010/main" xmlns:p15="http://schemas.microsoft.com/office/powerpoint/2012/main" xmlns:ahyp="http://schemas.microsoft.com/office/drawing/2018/hyperlinkcolor" matchingName="Title only" type="titleOnly">
+<p:sldLayout xmlns:a="http://schemas.openxmlformats.org/drawingml/2006/main" xmlns:r="http://schemas.openxmlformats.org/officeDocument/2006/relationships" xmlns:p="http://schemas.openxmlformats.org/presentationml/2006/main" matchingName="Title only" type="titleOnly">
   <p:cSld name="TITLE_ONLY">
     <p:spTree>
       <p:nvGrpSpPr>
-        <p:cNvPr id="9" name="Shape 9"/>
+        <p:cNvPr id="1" name="Shape 9"/>
         <p:cNvGrpSpPr/>
         <p:nvPr/>
       </p:nvGrpSpPr>
@@ -985,7 +1000,9 @@
       <p:sp>
         <p:nvSpPr>
           <p:cNvPr id="10" name="Google Shape;10;p3"/>
-          <p:cNvSpPr txBox="1"/>
+          <p:cNvSpPr txBox="1">
+            <a:spLocks noGrp="1"/>
+          </p:cNvSpPr>
           <p:nvPr>
             <p:ph type="title"/>
           </p:nvPr>
@@ -1004,7 +1021,7 @@
           </a:ln>
         </p:spPr>
         <p:txBody>
-          <a:bodyPr anchorCtr="0" anchor="b" bIns="91425" lIns="91425" spcFirstLastPara="1" rIns="91425" wrap="square" tIns="91425">
+          <a:bodyPr spcFirstLastPara="1" wrap="square" lIns="91425" tIns="91425" rIns="91425" bIns="91425" anchor="b" anchorCtr="0">
             <a:noAutofit/>
           </a:bodyPr>
           <a:lstStyle>
@@ -1135,15 +1152,19 @@
               <a:defRPr/>
             </a:lvl9pPr>
           </a:lstStyle>
-          <a:p/>
+          <a:p>
+            <a:endParaRPr/>
+          </a:p>
         </p:txBody>
       </p:sp>
       <p:sp>
         <p:nvSpPr>
           <p:cNvPr id="11" name="Google Shape;11;p3"/>
-          <p:cNvSpPr txBox="1"/>
+          <p:cNvSpPr txBox="1">
+            <a:spLocks noGrp="1"/>
+          </p:cNvSpPr>
           <p:nvPr>
-            <p:ph idx="12" type="sldNum"/>
+            <p:ph type="sldNum" idx="12"/>
           </p:nvPr>
         </p:nvSpPr>
         <p:spPr>
@@ -1160,27 +1181,27 @@
           </a:ln>
         </p:spPr>
         <p:txBody>
-          <a:bodyPr anchorCtr="0" anchor="ctr" bIns="91425" lIns="91425" spcFirstLastPara="1" rIns="91425" wrap="square" tIns="91425">
+          <a:bodyPr spcFirstLastPara="1" wrap="square" lIns="91425" tIns="91425" rIns="91425" bIns="91425" anchor="ctr" anchorCtr="0">
             <a:noAutofit/>
           </a:bodyPr>
           <a:lstStyle>
-            <a:lvl1pPr indent="0" lvl="0" marL="0" marR="0" algn="r">
-              <a:lnSpc>
-                <a:spcPct val="100000"/>
-              </a:lnSpc>
-              <a:spcBef>
-                <a:spcPts val="0"/>
-              </a:spcBef>
-              <a:spcAft>
-                <a:spcPts val="0"/>
-              </a:spcAft>
-              <a:buClr>
-                <a:srgbClr val="000000"/>
-              </a:buClr>
-              <a:buSzPts val="1000"/>
-              <a:buFont typeface="Arial"/>
-              <a:buNone/>
-              <a:defRPr b="0" i="0" sz="1000" u="none" cap="none" strike="noStrike">
+            <a:lvl1pPr marL="0" marR="0" lvl="0" indent="0" algn="r">
+              <a:lnSpc>
+                <a:spcPct val="100000"/>
+              </a:lnSpc>
+              <a:spcBef>
+                <a:spcPts val="0"/>
+              </a:spcBef>
+              <a:spcAft>
+                <a:spcPts val="0"/>
+              </a:spcAft>
+              <a:buClr>
+                <a:srgbClr val="000000"/>
+              </a:buClr>
+              <a:buSzPts val="1000"/>
+              <a:buFont typeface="Arial"/>
+              <a:buNone/>
+              <a:defRPr sz="1000" b="0" i="0" u="none" strike="noStrike" cap="none">
                 <a:solidFill>
                   <a:schemeClr val="dk1"/>
                 </a:solidFill>
@@ -1190,23 +1211,23 @@
                 <a:sym typeface="Economica"/>
               </a:defRPr>
             </a:lvl1pPr>
-            <a:lvl2pPr indent="0" lvl="1" marL="0" marR="0" algn="r">
-              <a:lnSpc>
-                <a:spcPct val="100000"/>
-              </a:lnSpc>
-              <a:spcBef>
-                <a:spcPts val="0"/>
-              </a:spcBef>
-              <a:spcAft>
-                <a:spcPts val="0"/>
-              </a:spcAft>
-              <a:buClr>
-                <a:srgbClr val="000000"/>
-              </a:buClr>
-              <a:buSzPts val="1000"/>
-              <a:buFont typeface="Arial"/>
-              <a:buNone/>
-              <a:defRPr b="0" i="0" sz="1000" u="none" cap="none" strike="noStrike">
+            <a:lvl2pPr marL="0" marR="0" lvl="1" indent="0" algn="r">
+              <a:lnSpc>
+                <a:spcPct val="100000"/>
+              </a:lnSpc>
+              <a:spcBef>
+                <a:spcPts val="0"/>
+              </a:spcBef>
+              <a:spcAft>
+                <a:spcPts val="0"/>
+              </a:spcAft>
+              <a:buClr>
+                <a:srgbClr val="000000"/>
+              </a:buClr>
+              <a:buSzPts val="1000"/>
+              <a:buFont typeface="Arial"/>
+              <a:buNone/>
+              <a:defRPr sz="1000" b="0" i="0" u="none" strike="noStrike" cap="none">
                 <a:solidFill>
                   <a:schemeClr val="dk1"/>
                 </a:solidFill>
@@ -1216,23 +1237,23 @@
                 <a:sym typeface="Economica"/>
               </a:defRPr>
             </a:lvl2pPr>
-            <a:lvl3pPr indent="0" lvl="2" marL="0" marR="0" algn="r">
-              <a:lnSpc>
-                <a:spcPct val="100000"/>
-              </a:lnSpc>
-              <a:spcBef>
-                <a:spcPts val="0"/>
-              </a:spcBef>
-              <a:spcAft>
-                <a:spcPts val="0"/>
-              </a:spcAft>
-              <a:buClr>
-                <a:srgbClr val="000000"/>
-              </a:buClr>
-              <a:buSzPts val="1000"/>
-              <a:buFont typeface="Arial"/>
-              <a:buNone/>
-              <a:defRPr b="0" i="0" sz="1000" u="none" cap="none" strike="noStrike">
+            <a:lvl3pPr marL="0" marR="0" lvl="2" indent="0" algn="r">
+              <a:lnSpc>
+                <a:spcPct val="100000"/>
+              </a:lnSpc>
+              <a:spcBef>
+                <a:spcPts val="0"/>
+              </a:spcBef>
+              <a:spcAft>
+                <a:spcPts val="0"/>
+              </a:spcAft>
+              <a:buClr>
+                <a:srgbClr val="000000"/>
+              </a:buClr>
+              <a:buSzPts val="1000"/>
+              <a:buFont typeface="Arial"/>
+              <a:buNone/>
+              <a:defRPr sz="1000" b="0" i="0" u="none" strike="noStrike" cap="none">
                 <a:solidFill>
                   <a:schemeClr val="dk1"/>
                 </a:solidFill>
@@ -1242,23 +1263,23 @@
                 <a:sym typeface="Economica"/>
               </a:defRPr>
             </a:lvl3pPr>
-            <a:lvl4pPr indent="0" lvl="3" marL="0" marR="0" algn="r">
-              <a:lnSpc>
-                <a:spcPct val="100000"/>
-              </a:lnSpc>
-              <a:spcBef>
-                <a:spcPts val="0"/>
-              </a:spcBef>
-              <a:spcAft>
-                <a:spcPts val="0"/>
-              </a:spcAft>
-              <a:buClr>
-                <a:srgbClr val="000000"/>
-              </a:buClr>
-              <a:buSzPts val="1000"/>
-              <a:buFont typeface="Arial"/>
-              <a:buNone/>
-              <a:defRPr b="0" i="0" sz="1000" u="none" cap="none" strike="noStrike">
+            <a:lvl4pPr marL="0" marR="0" lvl="3" indent="0" algn="r">
+              <a:lnSpc>
+                <a:spcPct val="100000"/>
+              </a:lnSpc>
+              <a:spcBef>
+                <a:spcPts val="0"/>
+              </a:spcBef>
+              <a:spcAft>
+                <a:spcPts val="0"/>
+              </a:spcAft>
+              <a:buClr>
+                <a:srgbClr val="000000"/>
+              </a:buClr>
+              <a:buSzPts val="1000"/>
+              <a:buFont typeface="Arial"/>
+              <a:buNone/>
+              <a:defRPr sz="1000" b="0" i="0" u="none" strike="noStrike" cap="none">
                 <a:solidFill>
                   <a:schemeClr val="dk1"/>
                 </a:solidFill>
@@ -1268,23 +1289,23 @@
                 <a:sym typeface="Economica"/>
               </a:defRPr>
             </a:lvl4pPr>
-            <a:lvl5pPr indent="0" lvl="4" marL="0" marR="0" algn="r">
-              <a:lnSpc>
-                <a:spcPct val="100000"/>
-              </a:lnSpc>
-              <a:spcBef>
-                <a:spcPts val="0"/>
-              </a:spcBef>
-              <a:spcAft>
-                <a:spcPts val="0"/>
-              </a:spcAft>
-              <a:buClr>
-                <a:srgbClr val="000000"/>
-              </a:buClr>
-              <a:buSzPts val="1000"/>
-              <a:buFont typeface="Arial"/>
-              <a:buNone/>
-              <a:defRPr b="0" i="0" sz="1000" u="none" cap="none" strike="noStrike">
+            <a:lvl5pPr marL="0" marR="0" lvl="4" indent="0" algn="r">
+              <a:lnSpc>
+                <a:spcPct val="100000"/>
+              </a:lnSpc>
+              <a:spcBef>
+                <a:spcPts val="0"/>
+              </a:spcBef>
+              <a:spcAft>
+                <a:spcPts val="0"/>
+              </a:spcAft>
+              <a:buClr>
+                <a:srgbClr val="000000"/>
+              </a:buClr>
+              <a:buSzPts val="1000"/>
+              <a:buFont typeface="Arial"/>
+              <a:buNone/>
+              <a:defRPr sz="1000" b="0" i="0" u="none" strike="noStrike" cap="none">
                 <a:solidFill>
                   <a:schemeClr val="dk1"/>
                 </a:solidFill>
@@ -1294,23 +1315,23 @@
                 <a:sym typeface="Economica"/>
               </a:defRPr>
             </a:lvl5pPr>
-            <a:lvl6pPr indent="0" lvl="5" marL="0" marR="0" algn="r">
-              <a:lnSpc>
-                <a:spcPct val="100000"/>
-              </a:lnSpc>
-              <a:spcBef>
-                <a:spcPts val="0"/>
-              </a:spcBef>
-              <a:spcAft>
-                <a:spcPts val="0"/>
-              </a:spcAft>
-              <a:buClr>
-                <a:srgbClr val="000000"/>
-              </a:buClr>
-              <a:buSzPts val="1000"/>
-              <a:buFont typeface="Arial"/>
-              <a:buNone/>
-              <a:defRPr b="0" i="0" sz="1000" u="none" cap="none" strike="noStrike">
+            <a:lvl6pPr marL="0" marR="0" lvl="5" indent="0" algn="r">
+              <a:lnSpc>
+                <a:spcPct val="100000"/>
+              </a:lnSpc>
+              <a:spcBef>
+                <a:spcPts val="0"/>
+              </a:spcBef>
+              <a:spcAft>
+                <a:spcPts val="0"/>
+              </a:spcAft>
+              <a:buClr>
+                <a:srgbClr val="000000"/>
+              </a:buClr>
+              <a:buSzPts val="1000"/>
+              <a:buFont typeface="Arial"/>
+              <a:buNone/>
+              <a:defRPr sz="1000" b="0" i="0" u="none" strike="noStrike" cap="none">
                 <a:solidFill>
                   <a:schemeClr val="dk1"/>
                 </a:solidFill>
@@ -1320,23 +1341,23 @@
                 <a:sym typeface="Economica"/>
               </a:defRPr>
             </a:lvl6pPr>
-            <a:lvl7pPr indent="0" lvl="6" marL="0" marR="0" algn="r">
-              <a:lnSpc>
-                <a:spcPct val="100000"/>
-              </a:lnSpc>
-              <a:spcBef>
-                <a:spcPts val="0"/>
-              </a:spcBef>
-              <a:spcAft>
-                <a:spcPts val="0"/>
-              </a:spcAft>
-              <a:buClr>
-                <a:srgbClr val="000000"/>
-              </a:buClr>
-              <a:buSzPts val="1000"/>
-              <a:buFont typeface="Arial"/>
-              <a:buNone/>
-              <a:defRPr b="0" i="0" sz="1000" u="none" cap="none" strike="noStrike">
+            <a:lvl7pPr marL="0" marR="0" lvl="6" indent="0" algn="r">
+              <a:lnSpc>
+                <a:spcPct val="100000"/>
+              </a:lnSpc>
+              <a:spcBef>
+                <a:spcPts val="0"/>
+              </a:spcBef>
+              <a:spcAft>
+                <a:spcPts val="0"/>
+              </a:spcAft>
+              <a:buClr>
+                <a:srgbClr val="000000"/>
+              </a:buClr>
+              <a:buSzPts val="1000"/>
+              <a:buFont typeface="Arial"/>
+              <a:buNone/>
+              <a:defRPr sz="1000" b="0" i="0" u="none" strike="noStrike" cap="none">
                 <a:solidFill>
                   <a:schemeClr val="dk1"/>
                 </a:solidFill>
@@ -1346,23 +1367,23 @@
                 <a:sym typeface="Economica"/>
               </a:defRPr>
             </a:lvl7pPr>
-            <a:lvl8pPr indent="0" lvl="7" marL="0" marR="0" algn="r">
-              <a:lnSpc>
-                <a:spcPct val="100000"/>
-              </a:lnSpc>
-              <a:spcBef>
-                <a:spcPts val="0"/>
-              </a:spcBef>
-              <a:spcAft>
-                <a:spcPts val="0"/>
-              </a:spcAft>
-              <a:buClr>
-                <a:srgbClr val="000000"/>
-              </a:buClr>
-              <a:buSzPts val="1000"/>
-              <a:buFont typeface="Arial"/>
-              <a:buNone/>
-              <a:defRPr b="0" i="0" sz="1000" u="none" cap="none" strike="noStrike">
+            <a:lvl8pPr marL="0" marR="0" lvl="7" indent="0" algn="r">
+              <a:lnSpc>
+                <a:spcPct val="100000"/>
+              </a:lnSpc>
+              <a:spcBef>
+                <a:spcPts val="0"/>
+              </a:spcBef>
+              <a:spcAft>
+                <a:spcPts val="0"/>
+              </a:spcAft>
+              <a:buClr>
+                <a:srgbClr val="000000"/>
+              </a:buClr>
+              <a:buSzPts val="1000"/>
+              <a:buFont typeface="Arial"/>
+              <a:buNone/>
+              <a:defRPr sz="1000" b="0" i="0" u="none" strike="noStrike" cap="none">
                 <a:solidFill>
                   <a:schemeClr val="dk1"/>
                 </a:solidFill>
@@ -1372,23 +1393,23 @@
                 <a:sym typeface="Economica"/>
               </a:defRPr>
             </a:lvl8pPr>
-            <a:lvl9pPr indent="0" lvl="8" marL="0" marR="0" algn="r">
-              <a:lnSpc>
-                <a:spcPct val="100000"/>
-              </a:lnSpc>
-              <a:spcBef>
-                <a:spcPts val="0"/>
-              </a:spcBef>
-              <a:spcAft>
-                <a:spcPts val="0"/>
-              </a:spcAft>
-              <a:buClr>
-                <a:srgbClr val="000000"/>
-              </a:buClr>
-              <a:buSzPts val="1000"/>
-              <a:buFont typeface="Arial"/>
-              <a:buNone/>
-              <a:defRPr b="0" i="0" sz="1000" u="none" cap="none" strike="noStrike">
+            <a:lvl9pPr marL="0" marR="0" lvl="8" indent="0" algn="r">
+              <a:lnSpc>
+                <a:spcPct val="100000"/>
+              </a:lnSpc>
+              <a:spcBef>
+                <a:spcPts val="0"/>
+              </a:spcBef>
+              <a:spcAft>
+                <a:spcPts val="0"/>
+              </a:spcAft>
+              <a:buClr>
+                <a:srgbClr val="000000"/>
+              </a:buClr>
+              <a:buSzPts val="1000"/>
+              <a:buFont typeface="Arial"/>
+              <a:buNone/>
+              <a:defRPr sz="1000" b="0" i="0" u="none" strike="noStrike" cap="none">
                 <a:solidFill>
                   <a:schemeClr val="dk1"/>
                 </a:solidFill>
@@ -1400,7 +1421,7 @@
             </a:lvl9pPr>
           </a:lstStyle>
           <a:p>
-            <a:pPr indent="0" lvl="0" marL="0" rtl="0" algn="r">
+            <a:pPr marL="0" lvl="0" indent="0" algn="r" rtl="0">
               <a:spcBef>
                 <a:spcPts val="0"/>
               </a:spcBef>
@@ -1426,11 +1447,11 @@
 </file>
 
 <file path=ppt/slideLayouts/slideLayout10.xml><?xml version="1.0" encoding="utf-8"?>
-<p:sldLayout xmlns:a="http://schemas.openxmlformats.org/drawingml/2006/main" xmlns:r="http://schemas.openxmlformats.org/officeDocument/2006/relationships" xmlns:mc="http://schemas.openxmlformats.org/markup-compatibility/2006" xmlns:mv="urn:schemas-microsoft-com:mac:vml" xmlns:p="http://schemas.openxmlformats.org/presentationml/2006/main" xmlns:c="http://schemas.openxmlformats.org/drawingml/2006/chart" xmlns:dgm="http://schemas.openxmlformats.org/drawingml/2006/diagram" xmlns:o="urn:schemas-microsoft-com:office:office" xmlns:v="urn:schemas-microsoft-com:vml" xmlns:pvml="urn:schemas-microsoft-com:office:powerpoint" xmlns:com="http://schemas.openxmlformats.org/drawingml/2006/compatibility" xmlns:p14="http://schemas.microsoft.com/office/powerpoint/2010/main" xmlns:p15="http://schemas.microsoft.com/office/powerpoint/2012/main" xmlns:ahyp="http://schemas.microsoft.com/office/drawing/2018/hyperlinkcolor" matchingName="Big number">
+<p:sldLayout xmlns:a="http://schemas.openxmlformats.org/drawingml/2006/main" xmlns:r="http://schemas.openxmlformats.org/officeDocument/2006/relationships" xmlns:p="http://schemas.openxmlformats.org/presentationml/2006/main" matchingName="Big number">
   <p:cSld name="BIG_NUMBER">
     <p:spTree>
       <p:nvGrpSpPr>
-        <p:cNvPr id="51" name="Shape 51"/>
+        <p:cNvPr id="1" name="Shape 51"/>
         <p:cNvGrpSpPr/>
         <p:nvPr/>
       </p:nvGrpSpPr>
@@ -1464,12 +1485,12 @@
           </a:ln>
         </p:spPr>
         <p:txBody>
-          <a:bodyPr anchorCtr="0" anchor="ctr" bIns="91425" lIns="91425" spcFirstLastPara="1" rIns="91425" wrap="square" tIns="91425">
+          <a:bodyPr spcFirstLastPara="1" wrap="square" lIns="91425" tIns="91425" rIns="91425" bIns="91425" anchor="ctr" anchorCtr="0">
             <a:noAutofit/>
           </a:bodyPr>
           <a:lstStyle/>
           <a:p>
-            <a:pPr indent="0" lvl="0" marL="0" marR="0" rtl="0" algn="l">
+            <a:pPr marL="0" marR="0" lvl="0" indent="0" algn="l" rtl="0">
               <a:lnSpc>
                 <a:spcPct val="100000"/>
               </a:lnSpc>
@@ -1486,10 +1507,7 @@
               <a:buFont typeface="Arial"/>
               <a:buNone/>
             </a:pPr>
-            <a:r>
-              <a:t/>
-            </a:r>
-            <a:endParaRPr b="0" i="0" sz="1400" u="none" cap="none" strike="noStrike">
+            <a:endParaRPr sz="1400" b="0" i="0" u="none" strike="noStrike" cap="none">
               <a:solidFill>
                 <a:srgbClr val="000000"/>
               </a:solidFill>
@@ -1504,9 +1522,11 @@
       <p:sp>
         <p:nvSpPr>
           <p:cNvPr id="53" name="Google Shape;53;p12"/>
-          <p:cNvSpPr txBox="1"/>
+          <p:cNvSpPr txBox="1">
+            <a:spLocks noGrp="1"/>
+          </p:cNvSpPr>
           <p:nvPr>
-            <p:ph hasCustomPrompt="1" type="title"/>
+            <p:ph type="title" hasCustomPrompt="1"/>
           </p:nvPr>
         </p:nvSpPr>
         <p:spPr>
@@ -1523,7 +1543,7 @@
           </a:ln>
         </p:spPr>
         <p:txBody>
-          <a:bodyPr anchorCtr="0" anchor="ctr" bIns="91425" lIns="91425" spcFirstLastPara="1" rIns="91425" wrap="square" tIns="91425">
+          <a:bodyPr spcFirstLastPara="1" wrap="square" lIns="91425" tIns="91425" rIns="91425" bIns="91425" anchor="ctr" anchorCtr="0">
             <a:noAutofit/>
           </a:bodyPr>
           <a:lstStyle>
@@ -1727,9 +1747,11 @@
       <p:sp>
         <p:nvSpPr>
           <p:cNvPr id="54" name="Google Shape;54;p12"/>
-          <p:cNvSpPr txBox="1"/>
+          <p:cNvSpPr txBox="1">
+            <a:spLocks noGrp="1"/>
+          </p:cNvSpPr>
           <p:nvPr>
-            <p:ph idx="1" type="body"/>
+            <p:ph type="body" idx="1"/>
           </p:nvPr>
         </p:nvSpPr>
         <p:spPr>
@@ -1746,11 +1768,11 @@
           </a:ln>
         </p:spPr>
         <p:txBody>
-          <a:bodyPr anchorCtr="0" anchor="t" bIns="91425" lIns="91425" spcFirstLastPara="1" rIns="91425" wrap="square" tIns="91425">
+          <a:bodyPr spcFirstLastPara="1" wrap="square" lIns="91425" tIns="91425" rIns="91425" bIns="91425" anchor="t" anchorCtr="0">
             <a:noAutofit/>
           </a:bodyPr>
           <a:lstStyle>
-            <a:lvl1pPr indent="-342900" lvl="0" marL="457200" algn="ctr">
+            <a:lvl1pPr marL="457200" lvl="0" indent="-342900" algn="ctr">
               <a:lnSpc>
                 <a:spcPct val="115000"/>
               </a:lnSpc>
@@ -1764,7 +1786,7 @@
               <a:buChar char="●"/>
               <a:defRPr/>
             </a:lvl1pPr>
-            <a:lvl2pPr indent="-317500" lvl="1" marL="914400" algn="ctr">
+            <a:lvl2pPr marL="914400" lvl="1" indent="-317500" algn="ctr">
               <a:lnSpc>
                 <a:spcPct val="115000"/>
               </a:lnSpc>
@@ -1778,7 +1800,7 @@
               <a:buChar char="○"/>
               <a:defRPr/>
             </a:lvl2pPr>
-            <a:lvl3pPr indent="-317500" lvl="2" marL="1371600" algn="ctr">
+            <a:lvl3pPr marL="1371600" lvl="2" indent="-317500" algn="ctr">
               <a:lnSpc>
                 <a:spcPct val="115000"/>
               </a:lnSpc>
@@ -1792,7 +1814,7 @@
               <a:buChar char="■"/>
               <a:defRPr/>
             </a:lvl3pPr>
-            <a:lvl4pPr indent="-317500" lvl="3" marL="1828800" algn="ctr">
+            <a:lvl4pPr marL="1828800" lvl="3" indent="-317500" algn="ctr">
               <a:lnSpc>
                 <a:spcPct val="115000"/>
               </a:lnSpc>
@@ -1806,7 +1828,7 @@
               <a:buChar char="●"/>
               <a:defRPr/>
             </a:lvl4pPr>
-            <a:lvl5pPr indent="-317500" lvl="4" marL="2286000" algn="ctr">
+            <a:lvl5pPr marL="2286000" lvl="4" indent="-317500" algn="ctr">
               <a:lnSpc>
                 <a:spcPct val="115000"/>
               </a:lnSpc>
@@ -1820,7 +1842,7 @@
               <a:buChar char="○"/>
               <a:defRPr/>
             </a:lvl5pPr>
-            <a:lvl6pPr indent="-317500" lvl="5" marL="2743200" algn="ctr">
+            <a:lvl6pPr marL="2743200" lvl="5" indent="-317500" algn="ctr">
               <a:lnSpc>
                 <a:spcPct val="115000"/>
               </a:lnSpc>
@@ -1834,7 +1856,7 @@
               <a:buChar char="■"/>
               <a:defRPr/>
             </a:lvl6pPr>
-            <a:lvl7pPr indent="-317500" lvl="6" marL="3200400" algn="ctr">
+            <a:lvl7pPr marL="3200400" lvl="6" indent="-317500" algn="ctr">
               <a:lnSpc>
                 <a:spcPct val="115000"/>
               </a:lnSpc>
@@ -1848,7 +1870,7 @@
               <a:buChar char="●"/>
               <a:defRPr/>
             </a:lvl7pPr>
-            <a:lvl8pPr indent="-317500" lvl="7" marL="3657600" algn="ctr">
+            <a:lvl8pPr marL="3657600" lvl="7" indent="-317500" algn="ctr">
               <a:lnSpc>
                 <a:spcPct val="115000"/>
               </a:lnSpc>
@@ -1862,7 +1884,7 @@
               <a:buChar char="○"/>
               <a:defRPr/>
             </a:lvl8pPr>
-            <a:lvl9pPr indent="-317500" lvl="8" marL="4114800" algn="ctr">
+            <a:lvl9pPr marL="4114800" lvl="8" indent="-317500" algn="ctr">
               <a:lnSpc>
                 <a:spcPct val="115000"/>
               </a:lnSpc>
@@ -1877,15 +1899,19 @@
               <a:defRPr/>
             </a:lvl9pPr>
           </a:lstStyle>
-          <a:p/>
+          <a:p>
+            <a:endParaRPr/>
+          </a:p>
         </p:txBody>
       </p:sp>
       <p:sp>
         <p:nvSpPr>
           <p:cNvPr id="55" name="Google Shape;55;p12"/>
-          <p:cNvSpPr txBox="1"/>
+          <p:cNvSpPr txBox="1">
+            <a:spLocks noGrp="1"/>
+          </p:cNvSpPr>
           <p:nvPr>
-            <p:ph idx="12" type="sldNum"/>
+            <p:ph type="sldNum" idx="12"/>
           </p:nvPr>
         </p:nvSpPr>
         <p:spPr>
@@ -1902,27 +1928,27 @@
           </a:ln>
         </p:spPr>
         <p:txBody>
-          <a:bodyPr anchorCtr="0" anchor="ctr" bIns="91425" lIns="91425" spcFirstLastPara="1" rIns="91425" wrap="square" tIns="91425">
+          <a:bodyPr spcFirstLastPara="1" wrap="square" lIns="91425" tIns="91425" rIns="91425" bIns="91425" anchor="ctr" anchorCtr="0">
             <a:noAutofit/>
           </a:bodyPr>
           <a:lstStyle>
-            <a:lvl1pPr indent="0" lvl="0" marL="0" marR="0" algn="r">
-              <a:lnSpc>
-                <a:spcPct val="100000"/>
-              </a:lnSpc>
-              <a:spcBef>
-                <a:spcPts val="0"/>
-              </a:spcBef>
-              <a:spcAft>
-                <a:spcPts val="0"/>
-              </a:spcAft>
-              <a:buClr>
-                <a:srgbClr val="000000"/>
-              </a:buClr>
-              <a:buSzPts val="1000"/>
-              <a:buFont typeface="Arial"/>
-              <a:buNone/>
-              <a:defRPr b="0" i="0" sz="1000" u="none" cap="none" strike="noStrike">
+            <a:lvl1pPr marL="0" marR="0" lvl="0" indent="0" algn="r">
+              <a:lnSpc>
+                <a:spcPct val="100000"/>
+              </a:lnSpc>
+              <a:spcBef>
+                <a:spcPts val="0"/>
+              </a:spcBef>
+              <a:spcAft>
+                <a:spcPts val="0"/>
+              </a:spcAft>
+              <a:buClr>
+                <a:srgbClr val="000000"/>
+              </a:buClr>
+              <a:buSzPts val="1000"/>
+              <a:buFont typeface="Arial"/>
+              <a:buNone/>
+              <a:defRPr sz="1000" b="0" i="0" u="none" strike="noStrike" cap="none">
                 <a:solidFill>
                   <a:schemeClr val="dk1"/>
                 </a:solidFill>
@@ -1932,23 +1958,23 @@
                 <a:sym typeface="Economica"/>
               </a:defRPr>
             </a:lvl1pPr>
-            <a:lvl2pPr indent="0" lvl="1" marL="0" marR="0" algn="r">
-              <a:lnSpc>
-                <a:spcPct val="100000"/>
-              </a:lnSpc>
-              <a:spcBef>
-                <a:spcPts val="0"/>
-              </a:spcBef>
-              <a:spcAft>
-                <a:spcPts val="0"/>
-              </a:spcAft>
-              <a:buClr>
-                <a:srgbClr val="000000"/>
-              </a:buClr>
-              <a:buSzPts val="1000"/>
-              <a:buFont typeface="Arial"/>
-              <a:buNone/>
-              <a:defRPr b="0" i="0" sz="1000" u="none" cap="none" strike="noStrike">
+            <a:lvl2pPr marL="0" marR="0" lvl="1" indent="0" algn="r">
+              <a:lnSpc>
+                <a:spcPct val="100000"/>
+              </a:lnSpc>
+              <a:spcBef>
+                <a:spcPts val="0"/>
+              </a:spcBef>
+              <a:spcAft>
+                <a:spcPts val="0"/>
+              </a:spcAft>
+              <a:buClr>
+                <a:srgbClr val="000000"/>
+              </a:buClr>
+              <a:buSzPts val="1000"/>
+              <a:buFont typeface="Arial"/>
+              <a:buNone/>
+              <a:defRPr sz="1000" b="0" i="0" u="none" strike="noStrike" cap="none">
                 <a:solidFill>
                   <a:schemeClr val="dk1"/>
                 </a:solidFill>
@@ -1958,23 +1984,23 @@
                 <a:sym typeface="Economica"/>
               </a:defRPr>
             </a:lvl2pPr>
-            <a:lvl3pPr indent="0" lvl="2" marL="0" marR="0" algn="r">
-              <a:lnSpc>
-                <a:spcPct val="100000"/>
-              </a:lnSpc>
-              <a:spcBef>
-                <a:spcPts val="0"/>
-              </a:spcBef>
-              <a:spcAft>
-                <a:spcPts val="0"/>
-              </a:spcAft>
-              <a:buClr>
-                <a:srgbClr val="000000"/>
-              </a:buClr>
-              <a:buSzPts val="1000"/>
-              <a:buFont typeface="Arial"/>
-              <a:buNone/>
-              <a:defRPr b="0" i="0" sz="1000" u="none" cap="none" strike="noStrike">
+            <a:lvl3pPr marL="0" marR="0" lvl="2" indent="0" algn="r">
+              <a:lnSpc>
+                <a:spcPct val="100000"/>
+              </a:lnSpc>
+              <a:spcBef>
+                <a:spcPts val="0"/>
+              </a:spcBef>
+              <a:spcAft>
+                <a:spcPts val="0"/>
+              </a:spcAft>
+              <a:buClr>
+                <a:srgbClr val="000000"/>
+              </a:buClr>
+              <a:buSzPts val="1000"/>
+              <a:buFont typeface="Arial"/>
+              <a:buNone/>
+              <a:defRPr sz="1000" b="0" i="0" u="none" strike="noStrike" cap="none">
                 <a:solidFill>
                   <a:schemeClr val="dk1"/>
                 </a:solidFill>
@@ -1984,23 +2010,23 @@
                 <a:sym typeface="Economica"/>
               </a:defRPr>
             </a:lvl3pPr>
-            <a:lvl4pPr indent="0" lvl="3" marL="0" marR="0" algn="r">
-              <a:lnSpc>
-                <a:spcPct val="100000"/>
-              </a:lnSpc>
-              <a:spcBef>
-                <a:spcPts val="0"/>
-              </a:spcBef>
-              <a:spcAft>
-                <a:spcPts val="0"/>
-              </a:spcAft>
-              <a:buClr>
-                <a:srgbClr val="000000"/>
-              </a:buClr>
-              <a:buSzPts val="1000"/>
-              <a:buFont typeface="Arial"/>
-              <a:buNone/>
-              <a:defRPr b="0" i="0" sz="1000" u="none" cap="none" strike="noStrike">
+            <a:lvl4pPr marL="0" marR="0" lvl="3" indent="0" algn="r">
+              <a:lnSpc>
+                <a:spcPct val="100000"/>
+              </a:lnSpc>
+              <a:spcBef>
+                <a:spcPts val="0"/>
+              </a:spcBef>
+              <a:spcAft>
+                <a:spcPts val="0"/>
+              </a:spcAft>
+              <a:buClr>
+                <a:srgbClr val="000000"/>
+              </a:buClr>
+              <a:buSzPts val="1000"/>
+              <a:buFont typeface="Arial"/>
+              <a:buNone/>
+              <a:defRPr sz="1000" b="0" i="0" u="none" strike="noStrike" cap="none">
                 <a:solidFill>
                   <a:schemeClr val="dk1"/>
                 </a:solidFill>
@@ -2010,23 +2036,23 @@
                 <a:sym typeface="Economica"/>
               </a:defRPr>
             </a:lvl4pPr>
-            <a:lvl5pPr indent="0" lvl="4" marL="0" marR="0" algn="r">
-              <a:lnSpc>
-                <a:spcPct val="100000"/>
-              </a:lnSpc>
-              <a:spcBef>
-                <a:spcPts val="0"/>
-              </a:spcBef>
-              <a:spcAft>
-                <a:spcPts val="0"/>
-              </a:spcAft>
-              <a:buClr>
-                <a:srgbClr val="000000"/>
-              </a:buClr>
-              <a:buSzPts val="1000"/>
-              <a:buFont typeface="Arial"/>
-              <a:buNone/>
-              <a:defRPr b="0" i="0" sz="1000" u="none" cap="none" strike="noStrike">
+            <a:lvl5pPr marL="0" marR="0" lvl="4" indent="0" algn="r">
+              <a:lnSpc>
+                <a:spcPct val="100000"/>
+              </a:lnSpc>
+              <a:spcBef>
+                <a:spcPts val="0"/>
+              </a:spcBef>
+              <a:spcAft>
+                <a:spcPts val="0"/>
+              </a:spcAft>
+              <a:buClr>
+                <a:srgbClr val="000000"/>
+              </a:buClr>
+              <a:buSzPts val="1000"/>
+              <a:buFont typeface="Arial"/>
+              <a:buNone/>
+              <a:defRPr sz="1000" b="0" i="0" u="none" strike="noStrike" cap="none">
                 <a:solidFill>
                   <a:schemeClr val="dk1"/>
                 </a:solidFill>
@@ -2036,23 +2062,23 @@
                 <a:sym typeface="Economica"/>
               </a:defRPr>
             </a:lvl5pPr>
-            <a:lvl6pPr indent="0" lvl="5" marL="0" marR="0" algn="r">
-              <a:lnSpc>
-                <a:spcPct val="100000"/>
-              </a:lnSpc>
-              <a:spcBef>
-                <a:spcPts val="0"/>
-              </a:spcBef>
-              <a:spcAft>
-                <a:spcPts val="0"/>
-              </a:spcAft>
-              <a:buClr>
-                <a:srgbClr val="000000"/>
-              </a:buClr>
-              <a:buSzPts val="1000"/>
-              <a:buFont typeface="Arial"/>
-              <a:buNone/>
-              <a:defRPr b="0" i="0" sz="1000" u="none" cap="none" strike="noStrike">
+            <a:lvl6pPr marL="0" marR="0" lvl="5" indent="0" algn="r">
+              <a:lnSpc>
+                <a:spcPct val="100000"/>
+              </a:lnSpc>
+              <a:spcBef>
+                <a:spcPts val="0"/>
+              </a:spcBef>
+              <a:spcAft>
+                <a:spcPts val="0"/>
+              </a:spcAft>
+              <a:buClr>
+                <a:srgbClr val="000000"/>
+              </a:buClr>
+              <a:buSzPts val="1000"/>
+              <a:buFont typeface="Arial"/>
+              <a:buNone/>
+              <a:defRPr sz="1000" b="0" i="0" u="none" strike="noStrike" cap="none">
                 <a:solidFill>
                   <a:schemeClr val="dk1"/>
                 </a:solidFill>
@@ -2062,23 +2088,23 @@
                 <a:sym typeface="Economica"/>
               </a:defRPr>
             </a:lvl6pPr>
-            <a:lvl7pPr indent="0" lvl="6" marL="0" marR="0" algn="r">
-              <a:lnSpc>
-                <a:spcPct val="100000"/>
-              </a:lnSpc>
-              <a:spcBef>
-                <a:spcPts val="0"/>
-              </a:spcBef>
-              <a:spcAft>
-                <a:spcPts val="0"/>
-              </a:spcAft>
-              <a:buClr>
-                <a:srgbClr val="000000"/>
-              </a:buClr>
-              <a:buSzPts val="1000"/>
-              <a:buFont typeface="Arial"/>
-              <a:buNone/>
-              <a:defRPr b="0" i="0" sz="1000" u="none" cap="none" strike="noStrike">
+            <a:lvl7pPr marL="0" marR="0" lvl="6" indent="0" algn="r">
+              <a:lnSpc>
+                <a:spcPct val="100000"/>
+              </a:lnSpc>
+              <a:spcBef>
+                <a:spcPts val="0"/>
+              </a:spcBef>
+              <a:spcAft>
+                <a:spcPts val="0"/>
+              </a:spcAft>
+              <a:buClr>
+                <a:srgbClr val="000000"/>
+              </a:buClr>
+              <a:buSzPts val="1000"/>
+              <a:buFont typeface="Arial"/>
+              <a:buNone/>
+              <a:defRPr sz="1000" b="0" i="0" u="none" strike="noStrike" cap="none">
                 <a:solidFill>
                   <a:schemeClr val="dk1"/>
                 </a:solidFill>
@@ -2088,23 +2114,23 @@
                 <a:sym typeface="Economica"/>
               </a:defRPr>
             </a:lvl7pPr>
-            <a:lvl8pPr indent="0" lvl="7" marL="0" marR="0" algn="r">
-              <a:lnSpc>
-                <a:spcPct val="100000"/>
-              </a:lnSpc>
-              <a:spcBef>
-                <a:spcPts val="0"/>
-              </a:spcBef>
-              <a:spcAft>
-                <a:spcPts val="0"/>
-              </a:spcAft>
-              <a:buClr>
-                <a:srgbClr val="000000"/>
-              </a:buClr>
-              <a:buSzPts val="1000"/>
-              <a:buFont typeface="Arial"/>
-              <a:buNone/>
-              <a:defRPr b="0" i="0" sz="1000" u="none" cap="none" strike="noStrike">
+            <a:lvl8pPr marL="0" marR="0" lvl="7" indent="0" algn="r">
+              <a:lnSpc>
+                <a:spcPct val="100000"/>
+              </a:lnSpc>
+              <a:spcBef>
+                <a:spcPts val="0"/>
+              </a:spcBef>
+              <a:spcAft>
+                <a:spcPts val="0"/>
+              </a:spcAft>
+              <a:buClr>
+                <a:srgbClr val="000000"/>
+              </a:buClr>
+              <a:buSzPts val="1000"/>
+              <a:buFont typeface="Arial"/>
+              <a:buNone/>
+              <a:defRPr sz="1000" b="0" i="0" u="none" strike="noStrike" cap="none">
                 <a:solidFill>
                   <a:schemeClr val="dk1"/>
                 </a:solidFill>
@@ -2114,23 +2140,23 @@
                 <a:sym typeface="Economica"/>
               </a:defRPr>
             </a:lvl8pPr>
-            <a:lvl9pPr indent="0" lvl="8" marL="0" marR="0" algn="r">
-              <a:lnSpc>
-                <a:spcPct val="100000"/>
-              </a:lnSpc>
-              <a:spcBef>
-                <a:spcPts val="0"/>
-              </a:spcBef>
-              <a:spcAft>
-                <a:spcPts val="0"/>
-              </a:spcAft>
-              <a:buClr>
-                <a:srgbClr val="000000"/>
-              </a:buClr>
-              <a:buSzPts val="1000"/>
-              <a:buFont typeface="Arial"/>
-              <a:buNone/>
-              <a:defRPr b="0" i="0" sz="1000" u="none" cap="none" strike="noStrike">
+            <a:lvl9pPr marL="0" marR="0" lvl="8" indent="0" algn="r">
+              <a:lnSpc>
+                <a:spcPct val="100000"/>
+              </a:lnSpc>
+              <a:spcBef>
+                <a:spcPts val="0"/>
+              </a:spcBef>
+              <a:spcAft>
+                <a:spcPts val="0"/>
+              </a:spcAft>
+              <a:buClr>
+                <a:srgbClr val="000000"/>
+              </a:buClr>
+              <a:buSzPts val="1000"/>
+              <a:buFont typeface="Arial"/>
+              <a:buNone/>
+              <a:defRPr sz="1000" b="0" i="0" u="none" strike="noStrike" cap="none">
                 <a:solidFill>
                   <a:schemeClr val="dk1"/>
                 </a:solidFill>
@@ -2142,7 +2168,7 @@
             </a:lvl9pPr>
           </a:lstStyle>
           <a:p>
-            <a:pPr indent="0" lvl="0" marL="0" rtl="0" algn="r">
+            <a:pPr marL="0" lvl="0" indent="0" algn="r" rtl="0">
               <a:spcBef>
                 <a:spcPts val="0"/>
               </a:spcBef>
@@ -2168,11 +2194,11 @@
 </file>
 
 <file path=ppt/slideLayouts/slideLayout11.xml><?xml version="1.0" encoding="utf-8"?>
-<p:sldLayout xmlns:a="http://schemas.openxmlformats.org/drawingml/2006/main" xmlns:r="http://schemas.openxmlformats.org/officeDocument/2006/relationships" xmlns:mc="http://schemas.openxmlformats.org/markup-compatibility/2006" xmlns:mv="urn:schemas-microsoft-com:mac:vml" xmlns:p="http://schemas.openxmlformats.org/presentationml/2006/main" xmlns:c="http://schemas.openxmlformats.org/drawingml/2006/chart" xmlns:dgm="http://schemas.openxmlformats.org/drawingml/2006/diagram" xmlns:o="urn:schemas-microsoft-com:office:office" xmlns:v="urn:schemas-microsoft-com:vml" xmlns:pvml="urn:schemas-microsoft-com:office:powerpoint" xmlns:com="http://schemas.openxmlformats.org/drawingml/2006/compatibility" xmlns:p14="http://schemas.microsoft.com/office/powerpoint/2010/main" xmlns:p15="http://schemas.microsoft.com/office/powerpoint/2012/main" xmlns:ahyp="http://schemas.microsoft.com/office/drawing/2018/hyperlinkcolor" matchingName="Blank" type="blank">
+<p:sldLayout xmlns:a="http://schemas.openxmlformats.org/drawingml/2006/main" xmlns:r="http://schemas.openxmlformats.org/officeDocument/2006/relationships" xmlns:p="http://schemas.openxmlformats.org/presentationml/2006/main" matchingName="Blank" type="blank">
   <p:cSld name="BLANK">
     <p:spTree>
       <p:nvGrpSpPr>
-        <p:cNvPr id="56" name="Shape 56"/>
+        <p:cNvPr id="1" name="Shape 56"/>
         <p:cNvGrpSpPr/>
         <p:nvPr/>
       </p:nvGrpSpPr>
@@ -2187,9 +2213,11 @@
       <p:sp>
         <p:nvSpPr>
           <p:cNvPr id="57" name="Google Shape;57;p13"/>
-          <p:cNvSpPr txBox="1"/>
+          <p:cNvSpPr txBox="1">
+            <a:spLocks noGrp="1"/>
+          </p:cNvSpPr>
           <p:nvPr>
-            <p:ph idx="12" type="sldNum"/>
+            <p:ph type="sldNum" idx="12"/>
           </p:nvPr>
         </p:nvSpPr>
         <p:spPr>
@@ -2206,27 +2234,27 @@
           </a:ln>
         </p:spPr>
         <p:txBody>
-          <a:bodyPr anchorCtr="0" anchor="ctr" bIns="91425" lIns="91425" spcFirstLastPara="1" rIns="91425" wrap="square" tIns="91425">
+          <a:bodyPr spcFirstLastPara="1" wrap="square" lIns="91425" tIns="91425" rIns="91425" bIns="91425" anchor="ctr" anchorCtr="0">
             <a:noAutofit/>
           </a:bodyPr>
           <a:lstStyle>
-            <a:lvl1pPr indent="0" lvl="0" marL="0" marR="0" algn="r">
-              <a:lnSpc>
-                <a:spcPct val="100000"/>
-              </a:lnSpc>
-              <a:spcBef>
-                <a:spcPts val="0"/>
-              </a:spcBef>
-              <a:spcAft>
-                <a:spcPts val="0"/>
-              </a:spcAft>
-              <a:buClr>
-                <a:srgbClr val="000000"/>
-              </a:buClr>
-              <a:buSzPts val="1000"/>
-              <a:buFont typeface="Arial"/>
-              <a:buNone/>
-              <a:defRPr b="0" i="0" sz="1000" u="none" cap="none" strike="noStrike">
+            <a:lvl1pPr marL="0" marR="0" lvl="0" indent="0" algn="r">
+              <a:lnSpc>
+                <a:spcPct val="100000"/>
+              </a:lnSpc>
+              <a:spcBef>
+                <a:spcPts val="0"/>
+              </a:spcBef>
+              <a:spcAft>
+                <a:spcPts val="0"/>
+              </a:spcAft>
+              <a:buClr>
+                <a:srgbClr val="000000"/>
+              </a:buClr>
+              <a:buSzPts val="1000"/>
+              <a:buFont typeface="Arial"/>
+              <a:buNone/>
+              <a:defRPr sz="1000" b="0" i="0" u="none" strike="noStrike" cap="none">
                 <a:solidFill>
                   <a:schemeClr val="dk1"/>
                 </a:solidFill>
@@ -2236,23 +2264,23 @@
                 <a:sym typeface="Economica"/>
               </a:defRPr>
             </a:lvl1pPr>
-            <a:lvl2pPr indent="0" lvl="1" marL="0" marR="0" algn="r">
-              <a:lnSpc>
-                <a:spcPct val="100000"/>
-              </a:lnSpc>
-              <a:spcBef>
-                <a:spcPts val="0"/>
-              </a:spcBef>
-              <a:spcAft>
-                <a:spcPts val="0"/>
-              </a:spcAft>
-              <a:buClr>
-                <a:srgbClr val="000000"/>
-              </a:buClr>
-              <a:buSzPts val="1000"/>
-              <a:buFont typeface="Arial"/>
-              <a:buNone/>
-              <a:defRPr b="0" i="0" sz="1000" u="none" cap="none" strike="noStrike">
+            <a:lvl2pPr marL="0" marR="0" lvl="1" indent="0" algn="r">
+              <a:lnSpc>
+                <a:spcPct val="100000"/>
+              </a:lnSpc>
+              <a:spcBef>
+                <a:spcPts val="0"/>
+              </a:spcBef>
+              <a:spcAft>
+                <a:spcPts val="0"/>
+              </a:spcAft>
+              <a:buClr>
+                <a:srgbClr val="000000"/>
+              </a:buClr>
+              <a:buSzPts val="1000"/>
+              <a:buFont typeface="Arial"/>
+              <a:buNone/>
+              <a:defRPr sz="1000" b="0" i="0" u="none" strike="noStrike" cap="none">
                 <a:solidFill>
                   <a:schemeClr val="dk1"/>
                 </a:solidFill>
@@ -2262,23 +2290,23 @@
                 <a:sym typeface="Economica"/>
               </a:defRPr>
             </a:lvl2pPr>
-            <a:lvl3pPr indent="0" lvl="2" marL="0" marR="0" algn="r">
-              <a:lnSpc>
-                <a:spcPct val="100000"/>
-              </a:lnSpc>
-              <a:spcBef>
-                <a:spcPts val="0"/>
-              </a:spcBef>
-              <a:spcAft>
-                <a:spcPts val="0"/>
-              </a:spcAft>
-              <a:buClr>
-                <a:srgbClr val="000000"/>
-              </a:buClr>
-              <a:buSzPts val="1000"/>
-              <a:buFont typeface="Arial"/>
-              <a:buNone/>
-              <a:defRPr b="0" i="0" sz="1000" u="none" cap="none" strike="noStrike">
+            <a:lvl3pPr marL="0" marR="0" lvl="2" indent="0" algn="r">
+              <a:lnSpc>
+                <a:spcPct val="100000"/>
+              </a:lnSpc>
+              <a:spcBef>
+                <a:spcPts val="0"/>
+              </a:spcBef>
+              <a:spcAft>
+                <a:spcPts val="0"/>
+              </a:spcAft>
+              <a:buClr>
+                <a:srgbClr val="000000"/>
+              </a:buClr>
+              <a:buSzPts val="1000"/>
+              <a:buFont typeface="Arial"/>
+              <a:buNone/>
+              <a:defRPr sz="1000" b="0" i="0" u="none" strike="noStrike" cap="none">
                 <a:solidFill>
                   <a:schemeClr val="dk1"/>
                 </a:solidFill>
@@ -2288,23 +2316,23 @@
                 <a:sym typeface="Economica"/>
               </a:defRPr>
             </a:lvl3pPr>
-            <a:lvl4pPr indent="0" lvl="3" marL="0" marR="0" algn="r">
-              <a:lnSpc>
-                <a:spcPct val="100000"/>
-              </a:lnSpc>
-              <a:spcBef>
-                <a:spcPts val="0"/>
-              </a:spcBef>
-              <a:spcAft>
-                <a:spcPts val="0"/>
-              </a:spcAft>
-              <a:buClr>
-                <a:srgbClr val="000000"/>
-              </a:buClr>
-              <a:buSzPts val="1000"/>
-              <a:buFont typeface="Arial"/>
-              <a:buNone/>
-              <a:defRPr b="0" i="0" sz="1000" u="none" cap="none" strike="noStrike">
+            <a:lvl4pPr marL="0" marR="0" lvl="3" indent="0" algn="r">
+              <a:lnSpc>
+                <a:spcPct val="100000"/>
+              </a:lnSpc>
+              <a:spcBef>
+                <a:spcPts val="0"/>
+              </a:spcBef>
+              <a:spcAft>
+                <a:spcPts val="0"/>
+              </a:spcAft>
+              <a:buClr>
+                <a:srgbClr val="000000"/>
+              </a:buClr>
+              <a:buSzPts val="1000"/>
+              <a:buFont typeface="Arial"/>
+              <a:buNone/>
+              <a:defRPr sz="1000" b="0" i="0" u="none" strike="noStrike" cap="none">
                 <a:solidFill>
                   <a:schemeClr val="dk1"/>
                 </a:solidFill>
@@ -2314,23 +2342,23 @@
                 <a:sym typeface="Economica"/>
               </a:defRPr>
             </a:lvl4pPr>
-            <a:lvl5pPr indent="0" lvl="4" marL="0" marR="0" algn="r">
-              <a:lnSpc>
-                <a:spcPct val="100000"/>
-              </a:lnSpc>
-              <a:spcBef>
-                <a:spcPts val="0"/>
-              </a:spcBef>
-              <a:spcAft>
-                <a:spcPts val="0"/>
-              </a:spcAft>
-              <a:buClr>
-                <a:srgbClr val="000000"/>
-              </a:buClr>
-              <a:buSzPts val="1000"/>
-              <a:buFont typeface="Arial"/>
-              <a:buNone/>
-              <a:defRPr b="0" i="0" sz="1000" u="none" cap="none" strike="noStrike">
+            <a:lvl5pPr marL="0" marR="0" lvl="4" indent="0" algn="r">
+              <a:lnSpc>
+                <a:spcPct val="100000"/>
+              </a:lnSpc>
+              <a:spcBef>
+                <a:spcPts val="0"/>
+              </a:spcBef>
+              <a:spcAft>
+                <a:spcPts val="0"/>
+              </a:spcAft>
+              <a:buClr>
+                <a:srgbClr val="000000"/>
+              </a:buClr>
+              <a:buSzPts val="1000"/>
+              <a:buFont typeface="Arial"/>
+              <a:buNone/>
+              <a:defRPr sz="1000" b="0" i="0" u="none" strike="noStrike" cap="none">
                 <a:solidFill>
                   <a:schemeClr val="dk1"/>
                 </a:solidFill>
@@ -2340,23 +2368,23 @@
                 <a:sym typeface="Economica"/>
               </a:defRPr>
             </a:lvl5pPr>
-            <a:lvl6pPr indent="0" lvl="5" marL="0" marR="0" algn="r">
-              <a:lnSpc>
-                <a:spcPct val="100000"/>
-              </a:lnSpc>
-              <a:spcBef>
-                <a:spcPts val="0"/>
-              </a:spcBef>
-              <a:spcAft>
-                <a:spcPts val="0"/>
-              </a:spcAft>
-              <a:buClr>
-                <a:srgbClr val="000000"/>
-              </a:buClr>
-              <a:buSzPts val="1000"/>
-              <a:buFont typeface="Arial"/>
-              <a:buNone/>
-              <a:defRPr b="0" i="0" sz="1000" u="none" cap="none" strike="noStrike">
+            <a:lvl6pPr marL="0" marR="0" lvl="5" indent="0" algn="r">
+              <a:lnSpc>
+                <a:spcPct val="100000"/>
+              </a:lnSpc>
+              <a:spcBef>
+                <a:spcPts val="0"/>
+              </a:spcBef>
+              <a:spcAft>
+                <a:spcPts val="0"/>
+              </a:spcAft>
+              <a:buClr>
+                <a:srgbClr val="000000"/>
+              </a:buClr>
+              <a:buSzPts val="1000"/>
+              <a:buFont typeface="Arial"/>
+              <a:buNone/>
+              <a:defRPr sz="1000" b="0" i="0" u="none" strike="noStrike" cap="none">
                 <a:solidFill>
                   <a:schemeClr val="dk1"/>
                 </a:solidFill>
@@ -2366,23 +2394,23 @@
                 <a:sym typeface="Economica"/>
               </a:defRPr>
             </a:lvl6pPr>
-            <a:lvl7pPr indent="0" lvl="6" marL="0" marR="0" algn="r">
-              <a:lnSpc>
-                <a:spcPct val="100000"/>
-              </a:lnSpc>
-              <a:spcBef>
-                <a:spcPts val="0"/>
-              </a:spcBef>
-              <a:spcAft>
-                <a:spcPts val="0"/>
-              </a:spcAft>
-              <a:buClr>
-                <a:srgbClr val="000000"/>
-              </a:buClr>
-              <a:buSzPts val="1000"/>
-              <a:buFont typeface="Arial"/>
-              <a:buNone/>
-              <a:defRPr b="0" i="0" sz="1000" u="none" cap="none" strike="noStrike">
+            <a:lvl7pPr marL="0" marR="0" lvl="6" indent="0" algn="r">
+              <a:lnSpc>
+                <a:spcPct val="100000"/>
+              </a:lnSpc>
+              <a:spcBef>
+                <a:spcPts val="0"/>
+              </a:spcBef>
+              <a:spcAft>
+                <a:spcPts val="0"/>
+              </a:spcAft>
+              <a:buClr>
+                <a:srgbClr val="000000"/>
+              </a:buClr>
+              <a:buSzPts val="1000"/>
+              <a:buFont typeface="Arial"/>
+              <a:buNone/>
+              <a:defRPr sz="1000" b="0" i="0" u="none" strike="noStrike" cap="none">
                 <a:solidFill>
                   <a:schemeClr val="dk1"/>
                 </a:solidFill>
@@ -2392,23 +2420,23 @@
                 <a:sym typeface="Economica"/>
               </a:defRPr>
             </a:lvl7pPr>
-            <a:lvl8pPr indent="0" lvl="7" marL="0" marR="0" algn="r">
-              <a:lnSpc>
-                <a:spcPct val="100000"/>
-              </a:lnSpc>
-              <a:spcBef>
-                <a:spcPts val="0"/>
-              </a:spcBef>
-              <a:spcAft>
-                <a:spcPts val="0"/>
-              </a:spcAft>
-              <a:buClr>
-                <a:srgbClr val="000000"/>
-              </a:buClr>
-              <a:buSzPts val="1000"/>
-              <a:buFont typeface="Arial"/>
-              <a:buNone/>
-              <a:defRPr b="0" i="0" sz="1000" u="none" cap="none" strike="noStrike">
+            <a:lvl8pPr marL="0" marR="0" lvl="7" indent="0" algn="r">
+              <a:lnSpc>
+                <a:spcPct val="100000"/>
+              </a:lnSpc>
+              <a:spcBef>
+                <a:spcPts val="0"/>
+              </a:spcBef>
+              <a:spcAft>
+                <a:spcPts val="0"/>
+              </a:spcAft>
+              <a:buClr>
+                <a:srgbClr val="000000"/>
+              </a:buClr>
+              <a:buSzPts val="1000"/>
+              <a:buFont typeface="Arial"/>
+              <a:buNone/>
+              <a:defRPr sz="1000" b="0" i="0" u="none" strike="noStrike" cap="none">
                 <a:solidFill>
                   <a:schemeClr val="dk1"/>
                 </a:solidFill>
@@ -2418,23 +2446,23 @@
                 <a:sym typeface="Economica"/>
               </a:defRPr>
             </a:lvl8pPr>
-            <a:lvl9pPr indent="0" lvl="8" marL="0" marR="0" algn="r">
-              <a:lnSpc>
-                <a:spcPct val="100000"/>
-              </a:lnSpc>
-              <a:spcBef>
-                <a:spcPts val="0"/>
-              </a:spcBef>
-              <a:spcAft>
-                <a:spcPts val="0"/>
-              </a:spcAft>
-              <a:buClr>
-                <a:srgbClr val="000000"/>
-              </a:buClr>
-              <a:buSzPts val="1000"/>
-              <a:buFont typeface="Arial"/>
-              <a:buNone/>
-              <a:defRPr b="0" i="0" sz="1000" u="none" cap="none" strike="noStrike">
+            <a:lvl9pPr marL="0" marR="0" lvl="8" indent="0" algn="r">
+              <a:lnSpc>
+                <a:spcPct val="100000"/>
+              </a:lnSpc>
+              <a:spcBef>
+                <a:spcPts val="0"/>
+              </a:spcBef>
+              <a:spcAft>
+                <a:spcPts val="0"/>
+              </a:spcAft>
+              <a:buClr>
+                <a:srgbClr val="000000"/>
+              </a:buClr>
+              <a:buSzPts val="1000"/>
+              <a:buFont typeface="Arial"/>
+              <a:buNone/>
+              <a:defRPr sz="1000" b="0" i="0" u="none" strike="noStrike" cap="none">
                 <a:solidFill>
                   <a:schemeClr val="dk1"/>
                 </a:solidFill>
@@ -2446,7 +2474,7 @@
             </a:lvl9pPr>
           </a:lstStyle>
           <a:p>
-            <a:pPr indent="0" lvl="0" marL="0" rtl="0" algn="r">
+            <a:pPr marL="0" lvl="0" indent="0" algn="r" rtl="0">
               <a:spcBef>
                 <a:spcPts val="0"/>
               </a:spcBef>
@@ -2472,11 +2500,11 @@
 </file>
 
 <file path=ppt/slideLayouts/slideLayout2.xml><?xml version="1.0" encoding="utf-8"?>
-<p:sldLayout xmlns:a="http://schemas.openxmlformats.org/drawingml/2006/main" xmlns:r="http://schemas.openxmlformats.org/officeDocument/2006/relationships" xmlns:mc="http://schemas.openxmlformats.org/markup-compatibility/2006" xmlns:mv="urn:schemas-microsoft-com:mac:vml" xmlns:p="http://schemas.openxmlformats.org/presentationml/2006/main" xmlns:c="http://schemas.openxmlformats.org/drawingml/2006/chart" xmlns:dgm="http://schemas.openxmlformats.org/drawingml/2006/diagram" xmlns:o="urn:schemas-microsoft-com:office:office" xmlns:v="urn:schemas-microsoft-com:vml" xmlns:pvml="urn:schemas-microsoft-com:office:powerpoint" xmlns:com="http://schemas.openxmlformats.org/drawingml/2006/compatibility" xmlns:p14="http://schemas.microsoft.com/office/powerpoint/2010/main" xmlns:p15="http://schemas.microsoft.com/office/powerpoint/2012/main" xmlns:ahyp="http://schemas.microsoft.com/office/drawing/2018/hyperlinkcolor" matchingName="Title slide" type="title">
+<p:sldLayout xmlns:a="http://schemas.openxmlformats.org/drawingml/2006/main" xmlns:r="http://schemas.openxmlformats.org/officeDocument/2006/relationships" xmlns:p="http://schemas.openxmlformats.org/presentationml/2006/main" matchingName="Title slide" type="title">
   <p:cSld name="TITLE">
     <p:spTree>
       <p:nvGrpSpPr>
-        <p:cNvPr id="12" name="Shape 12"/>
+        <p:cNvPr id="1" name="Shape 12"/>
         <p:cNvGrpSpPr/>
         <p:nvPr/>
       </p:nvGrpSpPr>
@@ -2500,9 +2528,13 @@
             <a:ext cx="1081625" cy="1124950"/>
           </a:xfrm>
           <a:custGeom>
-            <a:rect b="b" l="l" r="r" t="t"/>
+            <a:avLst/>
+            <a:gdLst/>
+            <a:ahLst/>
+            <a:cxnLst/>
+            <a:rect l="l" t="t" r="r" b="b"/>
             <a:pathLst>
-              <a:path extrusionOk="0" h="44998" w="43265">
+              <a:path w="43265" h="44998" extrusionOk="0">
                 <a:moveTo>
                   <a:pt x="0" y="44998"/>
                 </a:moveTo>
@@ -2516,14 +2548,14 @@
             </a:pathLst>
           </a:custGeom>
           <a:noFill/>
-          <a:ln cap="flat" cmpd="sng" w="28575">
+          <a:ln w="28575" cap="flat" cmpd="sng">
             <a:solidFill>
               <a:schemeClr val="lt2"/>
             </a:solidFill>
             <a:prstDash val="solid"/>
             <a:miter lim="8000"/>
-            <a:headEnd len="sm" w="sm" type="none"/>
-            <a:tailEnd len="sm" w="sm" type="none"/>
+            <a:headEnd type="none" w="sm" len="sm"/>
+            <a:tailEnd type="none" w="sm" len="sm"/>
           </a:ln>
         </p:spPr>
       </p:sp>
@@ -2539,9 +2571,13 @@
             <a:ext cx="1081625" cy="1124950"/>
           </a:xfrm>
           <a:custGeom>
-            <a:rect b="b" l="l" r="r" t="t"/>
+            <a:avLst/>
+            <a:gdLst/>
+            <a:ahLst/>
+            <a:cxnLst/>
+            <a:rect l="l" t="t" r="r" b="b"/>
             <a:pathLst>
-              <a:path extrusionOk="0" h="44998" w="43265">
+              <a:path w="43265" h="44998" extrusionOk="0">
                 <a:moveTo>
                   <a:pt x="0" y="44998"/>
                 </a:moveTo>
@@ -2555,21 +2591,23 @@
             </a:pathLst>
           </a:custGeom>
           <a:noFill/>
-          <a:ln cap="flat" cmpd="sng" w="28575">
+          <a:ln w="28575" cap="flat" cmpd="sng">
             <a:solidFill>
               <a:schemeClr val="lt2"/>
             </a:solidFill>
             <a:prstDash val="solid"/>
             <a:miter lim="8000"/>
-            <a:headEnd len="sm" w="sm" type="none"/>
-            <a:tailEnd len="sm" w="sm" type="none"/>
+            <a:headEnd type="none" w="sm" len="sm"/>
+            <a:tailEnd type="none" w="sm" len="sm"/>
           </a:ln>
         </p:spPr>
       </p:sp>
       <p:sp>
         <p:nvSpPr>
           <p:cNvPr id="15" name="Google Shape;15;p4"/>
-          <p:cNvSpPr txBox="1"/>
+          <p:cNvSpPr txBox="1">
+            <a:spLocks noGrp="1"/>
+          </p:cNvSpPr>
           <p:nvPr>
             <p:ph type="ctrTitle"/>
           </p:nvPr>
@@ -2588,7 +2626,7 @@
           </a:ln>
         </p:spPr>
         <p:txBody>
-          <a:bodyPr anchorCtr="0" anchor="b" bIns="91425" lIns="91425" spcFirstLastPara="1" rIns="91425" wrap="square" tIns="91425">
+          <a:bodyPr spcFirstLastPara="1" wrap="square" lIns="91425" tIns="91425" rIns="91425" bIns="91425" anchor="b" anchorCtr="0">
             <a:noAutofit/>
           </a:bodyPr>
           <a:lstStyle>
@@ -2719,15 +2757,19 @@
               <a:defRPr/>
             </a:lvl9pPr>
           </a:lstStyle>
-          <a:p/>
+          <a:p>
+            <a:endParaRPr/>
+          </a:p>
         </p:txBody>
       </p:sp>
       <p:sp>
         <p:nvSpPr>
           <p:cNvPr id="16" name="Google Shape;16;p4"/>
-          <p:cNvSpPr txBox="1"/>
+          <p:cNvSpPr txBox="1">
+            <a:spLocks noGrp="1"/>
+          </p:cNvSpPr>
           <p:nvPr>
-            <p:ph idx="1" type="subTitle"/>
+            <p:ph type="subTitle" idx="1"/>
           </p:nvPr>
         </p:nvSpPr>
         <p:spPr>
@@ -2744,7 +2786,7 @@
           </a:ln>
         </p:spPr>
         <p:txBody>
-          <a:bodyPr anchorCtr="0" anchor="t" bIns="91425" lIns="91425" spcFirstLastPara="1" rIns="91425" wrap="square" tIns="91425">
+          <a:bodyPr spcFirstLastPara="1" wrap="square" lIns="91425" tIns="91425" rIns="91425" bIns="91425" anchor="t" anchorCtr="0">
             <a:noAutofit/>
           </a:bodyPr>
           <a:lstStyle>
@@ -2929,15 +2971,19 @@
               </a:defRPr>
             </a:lvl9pPr>
           </a:lstStyle>
-          <a:p/>
+          <a:p>
+            <a:endParaRPr/>
+          </a:p>
         </p:txBody>
       </p:sp>
       <p:sp>
         <p:nvSpPr>
           <p:cNvPr id="17" name="Google Shape;17;p4"/>
-          <p:cNvSpPr txBox="1"/>
+          <p:cNvSpPr txBox="1">
+            <a:spLocks noGrp="1"/>
+          </p:cNvSpPr>
           <p:nvPr>
-            <p:ph idx="12" type="sldNum"/>
+            <p:ph type="sldNum" idx="12"/>
           </p:nvPr>
         </p:nvSpPr>
         <p:spPr>
@@ -2954,27 +3000,27 @@
           </a:ln>
         </p:spPr>
         <p:txBody>
-          <a:bodyPr anchorCtr="0" anchor="ctr" bIns="91425" lIns="91425" spcFirstLastPara="1" rIns="91425" wrap="square" tIns="91425">
+          <a:bodyPr spcFirstLastPara="1" wrap="square" lIns="91425" tIns="91425" rIns="91425" bIns="91425" anchor="ctr" anchorCtr="0">
             <a:noAutofit/>
           </a:bodyPr>
           <a:lstStyle>
-            <a:lvl1pPr indent="0" lvl="0" marL="0" marR="0" algn="r">
-              <a:lnSpc>
-                <a:spcPct val="100000"/>
-              </a:lnSpc>
-              <a:spcBef>
-                <a:spcPts val="0"/>
-              </a:spcBef>
-              <a:spcAft>
-                <a:spcPts val="0"/>
-              </a:spcAft>
-              <a:buClr>
-                <a:srgbClr val="000000"/>
-              </a:buClr>
-              <a:buSzPts val="1000"/>
-              <a:buFont typeface="Arial"/>
-              <a:buNone/>
-              <a:defRPr b="0" i="0" sz="1000" u="none" cap="none" strike="noStrike">
+            <a:lvl1pPr marL="0" marR="0" lvl="0" indent="0" algn="r">
+              <a:lnSpc>
+                <a:spcPct val="100000"/>
+              </a:lnSpc>
+              <a:spcBef>
+                <a:spcPts val="0"/>
+              </a:spcBef>
+              <a:spcAft>
+                <a:spcPts val="0"/>
+              </a:spcAft>
+              <a:buClr>
+                <a:srgbClr val="000000"/>
+              </a:buClr>
+              <a:buSzPts val="1000"/>
+              <a:buFont typeface="Arial"/>
+              <a:buNone/>
+              <a:defRPr sz="1000" b="0" i="0" u="none" strike="noStrike" cap="none">
                 <a:solidFill>
                   <a:schemeClr val="dk1"/>
                 </a:solidFill>
@@ -2984,23 +3030,23 @@
                 <a:sym typeface="Economica"/>
               </a:defRPr>
             </a:lvl1pPr>
-            <a:lvl2pPr indent="0" lvl="1" marL="0" marR="0" algn="r">
-              <a:lnSpc>
-                <a:spcPct val="100000"/>
-              </a:lnSpc>
-              <a:spcBef>
-                <a:spcPts val="0"/>
-              </a:spcBef>
-              <a:spcAft>
-                <a:spcPts val="0"/>
-              </a:spcAft>
-              <a:buClr>
-                <a:srgbClr val="000000"/>
-              </a:buClr>
-              <a:buSzPts val="1000"/>
-              <a:buFont typeface="Arial"/>
-              <a:buNone/>
-              <a:defRPr b="0" i="0" sz="1000" u="none" cap="none" strike="noStrike">
+            <a:lvl2pPr marL="0" marR="0" lvl="1" indent="0" algn="r">
+              <a:lnSpc>
+                <a:spcPct val="100000"/>
+              </a:lnSpc>
+              <a:spcBef>
+                <a:spcPts val="0"/>
+              </a:spcBef>
+              <a:spcAft>
+                <a:spcPts val="0"/>
+              </a:spcAft>
+              <a:buClr>
+                <a:srgbClr val="000000"/>
+              </a:buClr>
+              <a:buSzPts val="1000"/>
+              <a:buFont typeface="Arial"/>
+              <a:buNone/>
+              <a:defRPr sz="1000" b="0" i="0" u="none" strike="noStrike" cap="none">
                 <a:solidFill>
                   <a:schemeClr val="dk1"/>
                 </a:solidFill>
@@ -3010,23 +3056,23 @@
                 <a:sym typeface="Economica"/>
               </a:defRPr>
             </a:lvl2pPr>
-            <a:lvl3pPr indent="0" lvl="2" marL="0" marR="0" algn="r">
-              <a:lnSpc>
-                <a:spcPct val="100000"/>
-              </a:lnSpc>
-              <a:spcBef>
-                <a:spcPts val="0"/>
-              </a:spcBef>
-              <a:spcAft>
-                <a:spcPts val="0"/>
-              </a:spcAft>
-              <a:buClr>
-                <a:srgbClr val="000000"/>
-              </a:buClr>
-              <a:buSzPts val="1000"/>
-              <a:buFont typeface="Arial"/>
-              <a:buNone/>
-              <a:defRPr b="0" i="0" sz="1000" u="none" cap="none" strike="noStrike">
+            <a:lvl3pPr marL="0" marR="0" lvl="2" indent="0" algn="r">
+              <a:lnSpc>
+                <a:spcPct val="100000"/>
+              </a:lnSpc>
+              <a:spcBef>
+                <a:spcPts val="0"/>
+              </a:spcBef>
+              <a:spcAft>
+                <a:spcPts val="0"/>
+              </a:spcAft>
+              <a:buClr>
+                <a:srgbClr val="000000"/>
+              </a:buClr>
+              <a:buSzPts val="1000"/>
+              <a:buFont typeface="Arial"/>
+              <a:buNone/>
+              <a:defRPr sz="1000" b="0" i="0" u="none" strike="noStrike" cap="none">
                 <a:solidFill>
                   <a:schemeClr val="dk1"/>
                 </a:solidFill>
@@ -3036,23 +3082,23 @@
                 <a:sym typeface="Economica"/>
               </a:defRPr>
             </a:lvl3pPr>
-            <a:lvl4pPr indent="0" lvl="3" marL="0" marR="0" algn="r">
-              <a:lnSpc>
-                <a:spcPct val="100000"/>
-              </a:lnSpc>
-              <a:spcBef>
-                <a:spcPts val="0"/>
-              </a:spcBef>
-              <a:spcAft>
-                <a:spcPts val="0"/>
-              </a:spcAft>
-              <a:buClr>
-                <a:srgbClr val="000000"/>
-              </a:buClr>
-              <a:buSzPts val="1000"/>
-              <a:buFont typeface="Arial"/>
-              <a:buNone/>
-              <a:defRPr b="0" i="0" sz="1000" u="none" cap="none" strike="noStrike">
+            <a:lvl4pPr marL="0" marR="0" lvl="3" indent="0" algn="r">
+              <a:lnSpc>
+                <a:spcPct val="100000"/>
+              </a:lnSpc>
+              <a:spcBef>
+                <a:spcPts val="0"/>
+              </a:spcBef>
+              <a:spcAft>
+                <a:spcPts val="0"/>
+              </a:spcAft>
+              <a:buClr>
+                <a:srgbClr val="000000"/>
+              </a:buClr>
+              <a:buSzPts val="1000"/>
+              <a:buFont typeface="Arial"/>
+              <a:buNone/>
+              <a:defRPr sz="1000" b="0" i="0" u="none" strike="noStrike" cap="none">
                 <a:solidFill>
                   <a:schemeClr val="dk1"/>
                 </a:solidFill>
@@ -3062,23 +3108,23 @@
                 <a:sym typeface="Economica"/>
               </a:defRPr>
             </a:lvl4pPr>
-            <a:lvl5pPr indent="0" lvl="4" marL="0" marR="0" algn="r">
-              <a:lnSpc>
-                <a:spcPct val="100000"/>
-              </a:lnSpc>
-              <a:spcBef>
-                <a:spcPts val="0"/>
-              </a:spcBef>
-              <a:spcAft>
-                <a:spcPts val="0"/>
-              </a:spcAft>
-              <a:buClr>
-                <a:srgbClr val="000000"/>
-              </a:buClr>
-              <a:buSzPts val="1000"/>
-              <a:buFont typeface="Arial"/>
-              <a:buNone/>
-              <a:defRPr b="0" i="0" sz="1000" u="none" cap="none" strike="noStrike">
+            <a:lvl5pPr marL="0" marR="0" lvl="4" indent="0" algn="r">
+              <a:lnSpc>
+                <a:spcPct val="100000"/>
+              </a:lnSpc>
+              <a:spcBef>
+                <a:spcPts val="0"/>
+              </a:spcBef>
+              <a:spcAft>
+                <a:spcPts val="0"/>
+              </a:spcAft>
+              <a:buClr>
+                <a:srgbClr val="000000"/>
+              </a:buClr>
+              <a:buSzPts val="1000"/>
+              <a:buFont typeface="Arial"/>
+              <a:buNone/>
+              <a:defRPr sz="1000" b="0" i="0" u="none" strike="noStrike" cap="none">
                 <a:solidFill>
                   <a:schemeClr val="dk1"/>
                 </a:solidFill>
@@ -3088,23 +3134,23 @@
                 <a:sym typeface="Economica"/>
               </a:defRPr>
             </a:lvl5pPr>
-            <a:lvl6pPr indent="0" lvl="5" marL="0" marR="0" algn="r">
-              <a:lnSpc>
-                <a:spcPct val="100000"/>
-              </a:lnSpc>
-              <a:spcBef>
-                <a:spcPts val="0"/>
-              </a:spcBef>
-              <a:spcAft>
-                <a:spcPts val="0"/>
-              </a:spcAft>
-              <a:buClr>
-                <a:srgbClr val="000000"/>
-              </a:buClr>
-              <a:buSzPts val="1000"/>
-              <a:buFont typeface="Arial"/>
-              <a:buNone/>
-              <a:defRPr b="0" i="0" sz="1000" u="none" cap="none" strike="noStrike">
+            <a:lvl6pPr marL="0" marR="0" lvl="5" indent="0" algn="r">
+              <a:lnSpc>
+                <a:spcPct val="100000"/>
+              </a:lnSpc>
+              <a:spcBef>
+                <a:spcPts val="0"/>
+              </a:spcBef>
+              <a:spcAft>
+                <a:spcPts val="0"/>
+              </a:spcAft>
+              <a:buClr>
+                <a:srgbClr val="000000"/>
+              </a:buClr>
+              <a:buSzPts val="1000"/>
+              <a:buFont typeface="Arial"/>
+              <a:buNone/>
+              <a:defRPr sz="1000" b="0" i="0" u="none" strike="noStrike" cap="none">
                 <a:solidFill>
                   <a:schemeClr val="dk1"/>
                 </a:solidFill>
@@ -3114,23 +3160,23 @@
                 <a:sym typeface="Economica"/>
               </a:defRPr>
             </a:lvl6pPr>
-            <a:lvl7pPr indent="0" lvl="6" marL="0" marR="0" algn="r">
-              <a:lnSpc>
-                <a:spcPct val="100000"/>
-              </a:lnSpc>
-              <a:spcBef>
-                <a:spcPts val="0"/>
-              </a:spcBef>
-              <a:spcAft>
-                <a:spcPts val="0"/>
-              </a:spcAft>
-              <a:buClr>
-                <a:srgbClr val="000000"/>
-              </a:buClr>
-              <a:buSzPts val="1000"/>
-              <a:buFont typeface="Arial"/>
-              <a:buNone/>
-              <a:defRPr b="0" i="0" sz="1000" u="none" cap="none" strike="noStrike">
+            <a:lvl7pPr marL="0" marR="0" lvl="6" indent="0" algn="r">
+              <a:lnSpc>
+                <a:spcPct val="100000"/>
+              </a:lnSpc>
+              <a:spcBef>
+                <a:spcPts val="0"/>
+              </a:spcBef>
+              <a:spcAft>
+                <a:spcPts val="0"/>
+              </a:spcAft>
+              <a:buClr>
+                <a:srgbClr val="000000"/>
+              </a:buClr>
+              <a:buSzPts val="1000"/>
+              <a:buFont typeface="Arial"/>
+              <a:buNone/>
+              <a:defRPr sz="1000" b="0" i="0" u="none" strike="noStrike" cap="none">
                 <a:solidFill>
                   <a:schemeClr val="dk1"/>
                 </a:solidFill>
@@ -3140,23 +3186,23 @@
                 <a:sym typeface="Economica"/>
               </a:defRPr>
             </a:lvl7pPr>
-            <a:lvl8pPr indent="0" lvl="7" marL="0" marR="0" algn="r">
-              <a:lnSpc>
-                <a:spcPct val="100000"/>
-              </a:lnSpc>
-              <a:spcBef>
-                <a:spcPts val="0"/>
-              </a:spcBef>
-              <a:spcAft>
-                <a:spcPts val="0"/>
-              </a:spcAft>
-              <a:buClr>
-                <a:srgbClr val="000000"/>
-              </a:buClr>
-              <a:buSzPts val="1000"/>
-              <a:buFont typeface="Arial"/>
-              <a:buNone/>
-              <a:defRPr b="0" i="0" sz="1000" u="none" cap="none" strike="noStrike">
+            <a:lvl8pPr marL="0" marR="0" lvl="7" indent="0" algn="r">
+              <a:lnSpc>
+                <a:spcPct val="100000"/>
+              </a:lnSpc>
+              <a:spcBef>
+                <a:spcPts val="0"/>
+              </a:spcBef>
+              <a:spcAft>
+                <a:spcPts val="0"/>
+              </a:spcAft>
+              <a:buClr>
+                <a:srgbClr val="000000"/>
+              </a:buClr>
+              <a:buSzPts val="1000"/>
+              <a:buFont typeface="Arial"/>
+              <a:buNone/>
+              <a:defRPr sz="1000" b="0" i="0" u="none" strike="noStrike" cap="none">
                 <a:solidFill>
                   <a:schemeClr val="dk1"/>
                 </a:solidFill>
@@ -3166,23 +3212,23 @@
                 <a:sym typeface="Economica"/>
               </a:defRPr>
             </a:lvl8pPr>
-            <a:lvl9pPr indent="0" lvl="8" marL="0" marR="0" algn="r">
-              <a:lnSpc>
-                <a:spcPct val="100000"/>
-              </a:lnSpc>
-              <a:spcBef>
-                <a:spcPts val="0"/>
-              </a:spcBef>
-              <a:spcAft>
-                <a:spcPts val="0"/>
-              </a:spcAft>
-              <a:buClr>
-                <a:srgbClr val="000000"/>
-              </a:buClr>
-              <a:buSzPts val="1000"/>
-              <a:buFont typeface="Arial"/>
-              <a:buNone/>
-              <a:defRPr b="0" i="0" sz="1000" u="none" cap="none" strike="noStrike">
+            <a:lvl9pPr marL="0" marR="0" lvl="8" indent="0" algn="r">
+              <a:lnSpc>
+                <a:spcPct val="100000"/>
+              </a:lnSpc>
+              <a:spcBef>
+                <a:spcPts val="0"/>
+              </a:spcBef>
+              <a:spcAft>
+                <a:spcPts val="0"/>
+              </a:spcAft>
+              <a:buClr>
+                <a:srgbClr val="000000"/>
+              </a:buClr>
+              <a:buSzPts val="1000"/>
+              <a:buFont typeface="Arial"/>
+              <a:buNone/>
+              <a:defRPr sz="1000" b="0" i="0" u="none" strike="noStrike" cap="none">
                 <a:solidFill>
                   <a:schemeClr val="dk1"/>
                 </a:solidFill>
@@ -3194,7 +3240,7 @@
             </a:lvl9pPr>
           </a:lstStyle>
           <a:p>
-            <a:pPr indent="0" lvl="0" marL="0" rtl="0" algn="r">
+            <a:pPr marL="0" lvl="0" indent="0" algn="r" rtl="0">
               <a:spcBef>
                 <a:spcPts val="0"/>
               </a:spcBef>
@@ -3220,11 +3266,11 @@
 </file>
 
 <file path=ppt/slideLayouts/slideLayout3.xml><?xml version="1.0" encoding="utf-8"?>
-<p:sldLayout xmlns:a="http://schemas.openxmlformats.org/drawingml/2006/main" xmlns:r="http://schemas.openxmlformats.org/officeDocument/2006/relationships" xmlns:mc="http://schemas.openxmlformats.org/markup-compatibility/2006" xmlns:mv="urn:schemas-microsoft-com:mac:vml" xmlns:p="http://schemas.openxmlformats.org/presentationml/2006/main" xmlns:c="http://schemas.openxmlformats.org/drawingml/2006/chart" xmlns:dgm="http://schemas.openxmlformats.org/drawingml/2006/diagram" xmlns:o="urn:schemas-microsoft-com:office:office" xmlns:v="urn:schemas-microsoft-com:vml" xmlns:pvml="urn:schemas-microsoft-com:office:powerpoint" xmlns:com="http://schemas.openxmlformats.org/drawingml/2006/compatibility" xmlns:p14="http://schemas.microsoft.com/office/powerpoint/2010/main" xmlns:p15="http://schemas.microsoft.com/office/powerpoint/2012/main" xmlns:ahyp="http://schemas.microsoft.com/office/drawing/2018/hyperlinkcolor" matchingName="Section header" type="secHead">
+<p:sldLayout xmlns:a="http://schemas.openxmlformats.org/drawingml/2006/main" xmlns:r="http://schemas.openxmlformats.org/officeDocument/2006/relationships" xmlns:p="http://schemas.openxmlformats.org/presentationml/2006/main" matchingName="Section header" type="secHead">
   <p:cSld name="SECTION_HEADER">
     <p:spTree>
       <p:nvGrpSpPr>
-        <p:cNvPr id="18" name="Shape 18"/>
+        <p:cNvPr id="1" name="Shape 18"/>
         <p:cNvGrpSpPr/>
         <p:nvPr/>
       </p:nvGrpSpPr>
@@ -3248,9 +3294,13 @@
             <a:ext cx="1081625" cy="1124950"/>
           </a:xfrm>
           <a:custGeom>
-            <a:rect b="b" l="l" r="r" t="t"/>
+            <a:avLst/>
+            <a:gdLst/>
+            <a:ahLst/>
+            <a:cxnLst/>
+            <a:rect l="l" t="t" r="r" b="b"/>
             <a:pathLst>
-              <a:path extrusionOk="0" h="44998" w="43265">
+              <a:path w="43265" h="44998" extrusionOk="0">
                 <a:moveTo>
                   <a:pt x="0" y="44998"/>
                 </a:moveTo>
@@ -3264,14 +3314,14 @@
             </a:pathLst>
           </a:custGeom>
           <a:noFill/>
-          <a:ln cap="flat" cmpd="sng" w="28575">
+          <a:ln w="28575" cap="flat" cmpd="sng">
             <a:solidFill>
               <a:schemeClr val="lt2"/>
             </a:solidFill>
             <a:prstDash val="solid"/>
             <a:miter lim="8000"/>
-            <a:headEnd len="sm" w="sm" type="none"/>
-            <a:tailEnd len="sm" w="sm" type="none"/>
+            <a:headEnd type="none" w="sm" len="sm"/>
+            <a:tailEnd type="none" w="sm" len="sm"/>
           </a:ln>
         </p:spPr>
       </p:sp>
@@ -3282,14 +3332,18 @@
           <p:nvPr/>
         </p:nvSpPr>
         <p:spPr>
-          <a:xfrm flipH="1" rot="10800000">
+          <a:xfrm rot="10800000" flipH="1">
             <a:off x="466425" y="3558325"/>
             <a:ext cx="1081625" cy="1124950"/>
           </a:xfrm>
           <a:custGeom>
-            <a:rect b="b" l="l" r="r" t="t"/>
+            <a:avLst/>
+            <a:gdLst/>
+            <a:ahLst/>
+            <a:cxnLst/>
+            <a:rect l="l" t="t" r="r" b="b"/>
             <a:pathLst>
-              <a:path extrusionOk="0" h="44998" w="43265">
+              <a:path w="43265" h="44998" extrusionOk="0">
                 <a:moveTo>
                   <a:pt x="0" y="44998"/>
                 </a:moveTo>
@@ -3303,21 +3357,23 @@
             </a:pathLst>
           </a:custGeom>
           <a:noFill/>
-          <a:ln cap="flat" cmpd="sng" w="28575">
+          <a:ln w="28575" cap="flat" cmpd="sng">
             <a:solidFill>
               <a:schemeClr val="lt2"/>
             </a:solidFill>
             <a:prstDash val="solid"/>
             <a:miter lim="8000"/>
-            <a:headEnd len="sm" w="sm" type="none"/>
-            <a:tailEnd len="sm" w="sm" type="none"/>
+            <a:headEnd type="none" w="sm" len="sm"/>
+            <a:tailEnd type="none" w="sm" len="sm"/>
           </a:ln>
         </p:spPr>
       </p:sp>
       <p:sp>
         <p:nvSpPr>
           <p:cNvPr id="21" name="Google Shape;21;p5"/>
-          <p:cNvSpPr txBox="1"/>
+          <p:cNvSpPr txBox="1">
+            <a:spLocks noGrp="1"/>
+          </p:cNvSpPr>
           <p:nvPr>
             <p:ph type="title"/>
           </p:nvPr>
@@ -3336,7 +3392,7 @@
           </a:ln>
         </p:spPr>
         <p:txBody>
-          <a:bodyPr anchorCtr="0" anchor="ctr" bIns="91425" lIns="91425" spcFirstLastPara="1" rIns="91425" wrap="square" tIns="91425">
+          <a:bodyPr spcFirstLastPara="1" wrap="square" lIns="91425" tIns="91425" rIns="91425" bIns="91425" anchor="ctr" anchorCtr="0">
             <a:noAutofit/>
           </a:bodyPr>
           <a:lstStyle>
@@ -3467,15 +3523,19 @@
               <a:defRPr/>
             </a:lvl9pPr>
           </a:lstStyle>
-          <a:p/>
+          <a:p>
+            <a:endParaRPr/>
+          </a:p>
         </p:txBody>
       </p:sp>
       <p:sp>
         <p:nvSpPr>
           <p:cNvPr id="22" name="Google Shape;22;p5"/>
-          <p:cNvSpPr txBox="1"/>
+          <p:cNvSpPr txBox="1">
+            <a:spLocks noGrp="1"/>
+          </p:cNvSpPr>
           <p:nvPr>
-            <p:ph idx="12" type="sldNum"/>
+            <p:ph type="sldNum" idx="12"/>
           </p:nvPr>
         </p:nvSpPr>
         <p:spPr>
@@ -3492,27 +3552,27 @@
           </a:ln>
         </p:spPr>
         <p:txBody>
-          <a:bodyPr anchorCtr="0" anchor="ctr" bIns="91425" lIns="91425" spcFirstLastPara="1" rIns="91425" wrap="square" tIns="91425">
+          <a:bodyPr spcFirstLastPara="1" wrap="square" lIns="91425" tIns="91425" rIns="91425" bIns="91425" anchor="ctr" anchorCtr="0">
             <a:noAutofit/>
           </a:bodyPr>
           <a:lstStyle>
-            <a:lvl1pPr indent="0" lvl="0" marL="0" marR="0" algn="r">
-              <a:lnSpc>
-                <a:spcPct val="100000"/>
-              </a:lnSpc>
-              <a:spcBef>
-                <a:spcPts val="0"/>
-              </a:spcBef>
-              <a:spcAft>
-                <a:spcPts val="0"/>
-              </a:spcAft>
-              <a:buClr>
-                <a:srgbClr val="000000"/>
-              </a:buClr>
-              <a:buSzPts val="1000"/>
-              <a:buFont typeface="Arial"/>
-              <a:buNone/>
-              <a:defRPr b="0" i="0" sz="1000" u="none" cap="none" strike="noStrike">
+            <a:lvl1pPr marL="0" marR="0" lvl="0" indent="0" algn="r">
+              <a:lnSpc>
+                <a:spcPct val="100000"/>
+              </a:lnSpc>
+              <a:spcBef>
+                <a:spcPts val="0"/>
+              </a:spcBef>
+              <a:spcAft>
+                <a:spcPts val="0"/>
+              </a:spcAft>
+              <a:buClr>
+                <a:srgbClr val="000000"/>
+              </a:buClr>
+              <a:buSzPts val="1000"/>
+              <a:buFont typeface="Arial"/>
+              <a:buNone/>
+              <a:defRPr sz="1000" b="0" i="0" u="none" strike="noStrike" cap="none">
                 <a:solidFill>
                   <a:schemeClr val="dk1"/>
                 </a:solidFill>
@@ -3522,23 +3582,23 @@
                 <a:sym typeface="Economica"/>
               </a:defRPr>
             </a:lvl1pPr>
-            <a:lvl2pPr indent="0" lvl="1" marL="0" marR="0" algn="r">
-              <a:lnSpc>
-                <a:spcPct val="100000"/>
-              </a:lnSpc>
-              <a:spcBef>
-                <a:spcPts val="0"/>
-              </a:spcBef>
-              <a:spcAft>
-                <a:spcPts val="0"/>
-              </a:spcAft>
-              <a:buClr>
-                <a:srgbClr val="000000"/>
-              </a:buClr>
-              <a:buSzPts val="1000"/>
-              <a:buFont typeface="Arial"/>
-              <a:buNone/>
-              <a:defRPr b="0" i="0" sz="1000" u="none" cap="none" strike="noStrike">
+            <a:lvl2pPr marL="0" marR="0" lvl="1" indent="0" algn="r">
+              <a:lnSpc>
+                <a:spcPct val="100000"/>
+              </a:lnSpc>
+              <a:spcBef>
+                <a:spcPts val="0"/>
+              </a:spcBef>
+              <a:spcAft>
+                <a:spcPts val="0"/>
+              </a:spcAft>
+              <a:buClr>
+                <a:srgbClr val="000000"/>
+              </a:buClr>
+              <a:buSzPts val="1000"/>
+              <a:buFont typeface="Arial"/>
+              <a:buNone/>
+              <a:defRPr sz="1000" b="0" i="0" u="none" strike="noStrike" cap="none">
                 <a:solidFill>
                   <a:schemeClr val="dk1"/>
                 </a:solidFill>
@@ -3548,23 +3608,23 @@
                 <a:sym typeface="Economica"/>
               </a:defRPr>
             </a:lvl2pPr>
-            <a:lvl3pPr indent="0" lvl="2" marL="0" marR="0" algn="r">
-              <a:lnSpc>
-                <a:spcPct val="100000"/>
-              </a:lnSpc>
-              <a:spcBef>
-                <a:spcPts val="0"/>
-              </a:spcBef>
-              <a:spcAft>
-                <a:spcPts val="0"/>
-              </a:spcAft>
-              <a:buClr>
-                <a:srgbClr val="000000"/>
-              </a:buClr>
-              <a:buSzPts val="1000"/>
-              <a:buFont typeface="Arial"/>
-              <a:buNone/>
-              <a:defRPr b="0" i="0" sz="1000" u="none" cap="none" strike="noStrike">
+            <a:lvl3pPr marL="0" marR="0" lvl="2" indent="0" algn="r">
+              <a:lnSpc>
+                <a:spcPct val="100000"/>
+              </a:lnSpc>
+              <a:spcBef>
+                <a:spcPts val="0"/>
+              </a:spcBef>
+              <a:spcAft>
+                <a:spcPts val="0"/>
+              </a:spcAft>
+              <a:buClr>
+                <a:srgbClr val="000000"/>
+              </a:buClr>
+              <a:buSzPts val="1000"/>
+              <a:buFont typeface="Arial"/>
+              <a:buNone/>
+              <a:defRPr sz="1000" b="0" i="0" u="none" strike="noStrike" cap="none">
                 <a:solidFill>
                   <a:schemeClr val="dk1"/>
                 </a:solidFill>
@@ -3574,23 +3634,23 @@
                 <a:sym typeface="Economica"/>
               </a:defRPr>
             </a:lvl3pPr>
-            <a:lvl4pPr indent="0" lvl="3" marL="0" marR="0" algn="r">
-              <a:lnSpc>
-                <a:spcPct val="100000"/>
-              </a:lnSpc>
-              <a:spcBef>
-                <a:spcPts val="0"/>
-              </a:spcBef>
-              <a:spcAft>
-                <a:spcPts val="0"/>
-              </a:spcAft>
-              <a:buClr>
-                <a:srgbClr val="000000"/>
-              </a:buClr>
-              <a:buSzPts val="1000"/>
-              <a:buFont typeface="Arial"/>
-              <a:buNone/>
-              <a:defRPr b="0" i="0" sz="1000" u="none" cap="none" strike="noStrike">
+            <a:lvl4pPr marL="0" marR="0" lvl="3" indent="0" algn="r">
+              <a:lnSpc>
+                <a:spcPct val="100000"/>
+              </a:lnSpc>
+              <a:spcBef>
+                <a:spcPts val="0"/>
+              </a:spcBef>
+              <a:spcAft>
+                <a:spcPts val="0"/>
+              </a:spcAft>
+              <a:buClr>
+                <a:srgbClr val="000000"/>
+              </a:buClr>
+              <a:buSzPts val="1000"/>
+              <a:buFont typeface="Arial"/>
+              <a:buNone/>
+              <a:defRPr sz="1000" b="0" i="0" u="none" strike="noStrike" cap="none">
                 <a:solidFill>
                   <a:schemeClr val="dk1"/>
                 </a:solidFill>
@@ -3600,23 +3660,23 @@
                 <a:sym typeface="Economica"/>
               </a:defRPr>
             </a:lvl4pPr>
-            <a:lvl5pPr indent="0" lvl="4" marL="0" marR="0" algn="r">
-              <a:lnSpc>
-                <a:spcPct val="100000"/>
-              </a:lnSpc>
-              <a:spcBef>
-                <a:spcPts val="0"/>
-              </a:spcBef>
-              <a:spcAft>
-                <a:spcPts val="0"/>
-              </a:spcAft>
-              <a:buClr>
-                <a:srgbClr val="000000"/>
-              </a:buClr>
-              <a:buSzPts val="1000"/>
-              <a:buFont typeface="Arial"/>
-              <a:buNone/>
-              <a:defRPr b="0" i="0" sz="1000" u="none" cap="none" strike="noStrike">
+            <a:lvl5pPr marL="0" marR="0" lvl="4" indent="0" algn="r">
+              <a:lnSpc>
+                <a:spcPct val="100000"/>
+              </a:lnSpc>
+              <a:spcBef>
+                <a:spcPts val="0"/>
+              </a:spcBef>
+              <a:spcAft>
+                <a:spcPts val="0"/>
+              </a:spcAft>
+              <a:buClr>
+                <a:srgbClr val="000000"/>
+              </a:buClr>
+              <a:buSzPts val="1000"/>
+              <a:buFont typeface="Arial"/>
+              <a:buNone/>
+              <a:defRPr sz="1000" b="0" i="0" u="none" strike="noStrike" cap="none">
                 <a:solidFill>
                   <a:schemeClr val="dk1"/>
                 </a:solidFill>
@@ -3626,23 +3686,23 @@
                 <a:sym typeface="Economica"/>
               </a:defRPr>
             </a:lvl5pPr>
-            <a:lvl6pPr indent="0" lvl="5" marL="0" marR="0" algn="r">
-              <a:lnSpc>
-                <a:spcPct val="100000"/>
-              </a:lnSpc>
-              <a:spcBef>
-                <a:spcPts val="0"/>
-              </a:spcBef>
-              <a:spcAft>
-                <a:spcPts val="0"/>
-              </a:spcAft>
-              <a:buClr>
-                <a:srgbClr val="000000"/>
-              </a:buClr>
-              <a:buSzPts val="1000"/>
-              <a:buFont typeface="Arial"/>
-              <a:buNone/>
-              <a:defRPr b="0" i="0" sz="1000" u="none" cap="none" strike="noStrike">
+            <a:lvl6pPr marL="0" marR="0" lvl="5" indent="0" algn="r">
+              <a:lnSpc>
+                <a:spcPct val="100000"/>
+              </a:lnSpc>
+              <a:spcBef>
+                <a:spcPts val="0"/>
+              </a:spcBef>
+              <a:spcAft>
+                <a:spcPts val="0"/>
+              </a:spcAft>
+              <a:buClr>
+                <a:srgbClr val="000000"/>
+              </a:buClr>
+              <a:buSzPts val="1000"/>
+              <a:buFont typeface="Arial"/>
+              <a:buNone/>
+              <a:defRPr sz="1000" b="0" i="0" u="none" strike="noStrike" cap="none">
                 <a:solidFill>
                   <a:schemeClr val="dk1"/>
                 </a:solidFill>
@@ -3652,23 +3712,23 @@
                 <a:sym typeface="Economica"/>
               </a:defRPr>
             </a:lvl6pPr>
-            <a:lvl7pPr indent="0" lvl="6" marL="0" marR="0" algn="r">
-              <a:lnSpc>
-                <a:spcPct val="100000"/>
-              </a:lnSpc>
-              <a:spcBef>
-                <a:spcPts val="0"/>
-              </a:spcBef>
-              <a:spcAft>
-                <a:spcPts val="0"/>
-              </a:spcAft>
-              <a:buClr>
-                <a:srgbClr val="000000"/>
-              </a:buClr>
-              <a:buSzPts val="1000"/>
-              <a:buFont typeface="Arial"/>
-              <a:buNone/>
-              <a:defRPr b="0" i="0" sz="1000" u="none" cap="none" strike="noStrike">
+            <a:lvl7pPr marL="0" marR="0" lvl="6" indent="0" algn="r">
+              <a:lnSpc>
+                <a:spcPct val="100000"/>
+              </a:lnSpc>
+              <a:spcBef>
+                <a:spcPts val="0"/>
+              </a:spcBef>
+              <a:spcAft>
+                <a:spcPts val="0"/>
+              </a:spcAft>
+              <a:buClr>
+                <a:srgbClr val="000000"/>
+              </a:buClr>
+              <a:buSzPts val="1000"/>
+              <a:buFont typeface="Arial"/>
+              <a:buNone/>
+              <a:defRPr sz="1000" b="0" i="0" u="none" strike="noStrike" cap="none">
                 <a:solidFill>
                   <a:schemeClr val="dk1"/>
                 </a:solidFill>
@@ -3678,23 +3738,23 @@
                 <a:sym typeface="Economica"/>
               </a:defRPr>
             </a:lvl7pPr>
-            <a:lvl8pPr indent="0" lvl="7" marL="0" marR="0" algn="r">
-              <a:lnSpc>
-                <a:spcPct val="100000"/>
-              </a:lnSpc>
-              <a:spcBef>
-                <a:spcPts val="0"/>
-              </a:spcBef>
-              <a:spcAft>
-                <a:spcPts val="0"/>
-              </a:spcAft>
-              <a:buClr>
-                <a:srgbClr val="000000"/>
-              </a:buClr>
-              <a:buSzPts val="1000"/>
-              <a:buFont typeface="Arial"/>
-              <a:buNone/>
-              <a:defRPr b="0" i="0" sz="1000" u="none" cap="none" strike="noStrike">
+            <a:lvl8pPr marL="0" marR="0" lvl="7" indent="0" algn="r">
+              <a:lnSpc>
+                <a:spcPct val="100000"/>
+              </a:lnSpc>
+              <a:spcBef>
+                <a:spcPts val="0"/>
+              </a:spcBef>
+              <a:spcAft>
+                <a:spcPts val="0"/>
+              </a:spcAft>
+              <a:buClr>
+                <a:srgbClr val="000000"/>
+              </a:buClr>
+              <a:buSzPts val="1000"/>
+              <a:buFont typeface="Arial"/>
+              <a:buNone/>
+              <a:defRPr sz="1000" b="0" i="0" u="none" strike="noStrike" cap="none">
                 <a:solidFill>
                   <a:schemeClr val="dk1"/>
                 </a:solidFill>
@@ -3704,23 +3764,23 @@
                 <a:sym typeface="Economica"/>
               </a:defRPr>
             </a:lvl8pPr>
-            <a:lvl9pPr indent="0" lvl="8" marL="0" marR="0" algn="r">
-              <a:lnSpc>
-                <a:spcPct val="100000"/>
-              </a:lnSpc>
-              <a:spcBef>
-                <a:spcPts val="0"/>
-              </a:spcBef>
-              <a:spcAft>
-                <a:spcPts val="0"/>
-              </a:spcAft>
-              <a:buClr>
-                <a:srgbClr val="000000"/>
-              </a:buClr>
-              <a:buSzPts val="1000"/>
-              <a:buFont typeface="Arial"/>
-              <a:buNone/>
-              <a:defRPr b="0" i="0" sz="1000" u="none" cap="none" strike="noStrike">
+            <a:lvl9pPr marL="0" marR="0" lvl="8" indent="0" algn="r">
+              <a:lnSpc>
+                <a:spcPct val="100000"/>
+              </a:lnSpc>
+              <a:spcBef>
+                <a:spcPts val="0"/>
+              </a:spcBef>
+              <a:spcAft>
+                <a:spcPts val="0"/>
+              </a:spcAft>
+              <a:buClr>
+                <a:srgbClr val="000000"/>
+              </a:buClr>
+              <a:buSzPts val="1000"/>
+              <a:buFont typeface="Arial"/>
+              <a:buNone/>
+              <a:defRPr sz="1000" b="0" i="0" u="none" strike="noStrike" cap="none">
                 <a:solidFill>
                   <a:schemeClr val="dk1"/>
                 </a:solidFill>
@@ -3732,7 +3792,7 @@
             </a:lvl9pPr>
           </a:lstStyle>
           <a:p>
-            <a:pPr indent="0" lvl="0" marL="0" rtl="0" algn="r">
+            <a:pPr marL="0" lvl="0" indent="0" algn="r" rtl="0">
               <a:spcBef>
                 <a:spcPts val="0"/>
               </a:spcBef>
@@ -3758,11 +3818,11 @@
 </file>
 
 <file path=ppt/slideLayouts/slideLayout4.xml><?xml version="1.0" encoding="utf-8"?>
-<p:sldLayout xmlns:a="http://schemas.openxmlformats.org/drawingml/2006/main" xmlns:r="http://schemas.openxmlformats.org/officeDocument/2006/relationships" xmlns:mc="http://schemas.openxmlformats.org/markup-compatibility/2006" xmlns:mv="urn:schemas-microsoft-com:mac:vml" xmlns:p="http://schemas.openxmlformats.org/presentationml/2006/main" xmlns:c="http://schemas.openxmlformats.org/drawingml/2006/chart" xmlns:dgm="http://schemas.openxmlformats.org/drawingml/2006/diagram" xmlns:o="urn:schemas-microsoft-com:office:office" xmlns:v="urn:schemas-microsoft-com:vml" xmlns:pvml="urn:schemas-microsoft-com:office:powerpoint" xmlns:com="http://schemas.openxmlformats.org/drawingml/2006/compatibility" xmlns:p14="http://schemas.microsoft.com/office/powerpoint/2010/main" xmlns:p15="http://schemas.microsoft.com/office/powerpoint/2012/main" xmlns:ahyp="http://schemas.microsoft.com/office/drawing/2018/hyperlinkcolor" matchingName="Title and body" type="tx">
+<p:sldLayout xmlns:a="http://schemas.openxmlformats.org/drawingml/2006/main" xmlns:r="http://schemas.openxmlformats.org/officeDocument/2006/relationships" xmlns:p="http://schemas.openxmlformats.org/presentationml/2006/main" matchingName="Title and body" type="tx">
   <p:cSld name="TITLE_AND_BODY">
     <p:spTree>
       <p:nvGrpSpPr>
-        <p:cNvPr id="23" name="Shape 23"/>
+        <p:cNvPr id="1" name="Shape 23"/>
         <p:cNvGrpSpPr/>
         <p:nvPr/>
       </p:nvGrpSpPr>
@@ -3796,12 +3856,12 @@
           </a:ln>
         </p:spPr>
         <p:txBody>
-          <a:bodyPr anchorCtr="0" anchor="ctr" bIns="91425" lIns="91425" spcFirstLastPara="1" rIns="91425" wrap="square" tIns="91425">
+          <a:bodyPr spcFirstLastPara="1" wrap="square" lIns="91425" tIns="91425" rIns="91425" bIns="91425" anchor="ctr" anchorCtr="0">
             <a:noAutofit/>
           </a:bodyPr>
           <a:lstStyle/>
           <a:p>
-            <a:pPr indent="0" lvl="0" marL="0" marR="0" rtl="0" algn="l">
+            <a:pPr marL="0" marR="0" lvl="0" indent="0" algn="l" rtl="0">
               <a:lnSpc>
                 <a:spcPct val="100000"/>
               </a:lnSpc>
@@ -3818,10 +3878,7 @@
               <a:buFont typeface="Arial"/>
               <a:buNone/>
             </a:pPr>
-            <a:r>
-              <a:t/>
-            </a:r>
-            <a:endParaRPr b="0" i="0" sz="1400" u="none" cap="none" strike="noStrike">
+            <a:endParaRPr sz="1400" b="0" i="0" u="none" strike="noStrike" cap="none">
               <a:solidFill>
                 <a:srgbClr val="000000"/>
               </a:solidFill>
@@ -3836,7 +3893,9 @@
       <p:sp>
         <p:nvSpPr>
           <p:cNvPr id="25" name="Google Shape;25;p6"/>
-          <p:cNvSpPr txBox="1"/>
+          <p:cNvSpPr txBox="1">
+            <a:spLocks noGrp="1"/>
+          </p:cNvSpPr>
           <p:nvPr>
             <p:ph type="title"/>
           </p:nvPr>
@@ -3855,7 +3914,7 @@
           </a:ln>
         </p:spPr>
         <p:txBody>
-          <a:bodyPr anchorCtr="0" anchor="b" bIns="91425" lIns="91425" spcFirstLastPara="1" rIns="91425" wrap="square" tIns="91425">
+          <a:bodyPr spcFirstLastPara="1" wrap="square" lIns="91425" tIns="91425" rIns="91425" bIns="91425" anchor="b" anchorCtr="0">
             <a:noAutofit/>
           </a:bodyPr>
           <a:lstStyle>
@@ -3986,15 +4045,19 @@
               <a:defRPr/>
             </a:lvl9pPr>
           </a:lstStyle>
-          <a:p/>
+          <a:p>
+            <a:endParaRPr/>
+          </a:p>
         </p:txBody>
       </p:sp>
       <p:sp>
         <p:nvSpPr>
           <p:cNvPr id="26" name="Google Shape;26;p6"/>
-          <p:cNvSpPr txBox="1"/>
+          <p:cNvSpPr txBox="1">
+            <a:spLocks noGrp="1"/>
+          </p:cNvSpPr>
           <p:nvPr>
-            <p:ph idx="1" type="body"/>
+            <p:ph type="body" idx="1"/>
           </p:nvPr>
         </p:nvSpPr>
         <p:spPr>
@@ -4011,11 +4074,11 @@
           </a:ln>
         </p:spPr>
         <p:txBody>
-          <a:bodyPr anchorCtr="0" anchor="t" bIns="91425" lIns="91425" spcFirstLastPara="1" rIns="91425" wrap="square" tIns="91425">
+          <a:bodyPr spcFirstLastPara="1" wrap="square" lIns="91425" tIns="91425" rIns="91425" bIns="91425" anchor="t" anchorCtr="0">
             <a:noAutofit/>
           </a:bodyPr>
           <a:lstStyle>
-            <a:lvl1pPr indent="-342900" lvl="0" marL="457200" algn="l">
+            <a:lvl1pPr marL="457200" lvl="0" indent="-342900" algn="l">
               <a:lnSpc>
                 <a:spcPct val="115000"/>
               </a:lnSpc>
@@ -4029,7 +4092,7 @@
               <a:buChar char="●"/>
               <a:defRPr/>
             </a:lvl1pPr>
-            <a:lvl2pPr indent="-317500" lvl="1" marL="914400" algn="l">
+            <a:lvl2pPr marL="914400" lvl="1" indent="-317500" algn="l">
               <a:lnSpc>
                 <a:spcPct val="115000"/>
               </a:lnSpc>
@@ -4043,7 +4106,7 @@
               <a:buChar char="○"/>
               <a:defRPr/>
             </a:lvl2pPr>
-            <a:lvl3pPr indent="-317500" lvl="2" marL="1371600" algn="l">
+            <a:lvl3pPr marL="1371600" lvl="2" indent="-317500" algn="l">
               <a:lnSpc>
                 <a:spcPct val="115000"/>
               </a:lnSpc>
@@ -4057,7 +4120,7 @@
               <a:buChar char="■"/>
               <a:defRPr/>
             </a:lvl3pPr>
-            <a:lvl4pPr indent="-317500" lvl="3" marL="1828800" algn="l">
+            <a:lvl4pPr marL="1828800" lvl="3" indent="-317500" algn="l">
               <a:lnSpc>
                 <a:spcPct val="115000"/>
               </a:lnSpc>
@@ -4071,7 +4134,7 @@
               <a:buChar char="●"/>
               <a:defRPr/>
             </a:lvl4pPr>
-            <a:lvl5pPr indent="-317500" lvl="4" marL="2286000" algn="l">
+            <a:lvl5pPr marL="2286000" lvl="4" indent="-317500" algn="l">
               <a:lnSpc>
                 <a:spcPct val="115000"/>
               </a:lnSpc>
@@ -4085,7 +4148,7 @@
               <a:buChar char="○"/>
               <a:defRPr/>
             </a:lvl5pPr>
-            <a:lvl6pPr indent="-317500" lvl="5" marL="2743200" algn="l">
+            <a:lvl6pPr marL="2743200" lvl="5" indent="-317500" algn="l">
               <a:lnSpc>
                 <a:spcPct val="115000"/>
               </a:lnSpc>
@@ -4099,7 +4162,7 @@
               <a:buChar char="■"/>
               <a:defRPr/>
             </a:lvl6pPr>
-            <a:lvl7pPr indent="-317500" lvl="6" marL="3200400" algn="l">
+            <a:lvl7pPr marL="3200400" lvl="6" indent="-317500" algn="l">
               <a:lnSpc>
                 <a:spcPct val="115000"/>
               </a:lnSpc>
@@ -4113,7 +4176,7 @@
               <a:buChar char="●"/>
               <a:defRPr/>
             </a:lvl7pPr>
-            <a:lvl8pPr indent="-317500" lvl="7" marL="3657600" algn="l">
+            <a:lvl8pPr marL="3657600" lvl="7" indent="-317500" algn="l">
               <a:lnSpc>
                 <a:spcPct val="115000"/>
               </a:lnSpc>
@@ -4127,7 +4190,7 @@
               <a:buChar char="○"/>
               <a:defRPr/>
             </a:lvl8pPr>
-            <a:lvl9pPr indent="-317500" lvl="8" marL="4114800" algn="l">
+            <a:lvl9pPr marL="4114800" lvl="8" indent="-317500" algn="l">
               <a:lnSpc>
                 <a:spcPct val="115000"/>
               </a:lnSpc>
@@ -4142,15 +4205,19 @@
               <a:defRPr/>
             </a:lvl9pPr>
           </a:lstStyle>
-          <a:p/>
+          <a:p>
+            <a:endParaRPr/>
+          </a:p>
         </p:txBody>
       </p:sp>
       <p:sp>
         <p:nvSpPr>
           <p:cNvPr id="27" name="Google Shape;27;p6"/>
-          <p:cNvSpPr txBox="1"/>
+          <p:cNvSpPr txBox="1">
+            <a:spLocks noGrp="1"/>
+          </p:cNvSpPr>
           <p:nvPr>
-            <p:ph idx="12" type="sldNum"/>
+            <p:ph type="sldNum" idx="12"/>
           </p:nvPr>
         </p:nvSpPr>
         <p:spPr>
@@ -4167,27 +4234,27 @@
           </a:ln>
         </p:spPr>
         <p:txBody>
-          <a:bodyPr anchorCtr="0" anchor="ctr" bIns="91425" lIns="91425" spcFirstLastPara="1" rIns="91425" wrap="square" tIns="91425">
+          <a:bodyPr spcFirstLastPara="1" wrap="square" lIns="91425" tIns="91425" rIns="91425" bIns="91425" anchor="ctr" anchorCtr="0">
             <a:noAutofit/>
           </a:bodyPr>
           <a:lstStyle>
-            <a:lvl1pPr indent="0" lvl="0" marL="0" marR="0" algn="r">
-              <a:lnSpc>
-                <a:spcPct val="100000"/>
-              </a:lnSpc>
-              <a:spcBef>
-                <a:spcPts val="0"/>
-              </a:spcBef>
-              <a:spcAft>
-                <a:spcPts val="0"/>
-              </a:spcAft>
-              <a:buClr>
-                <a:srgbClr val="000000"/>
-              </a:buClr>
-              <a:buSzPts val="1000"/>
-              <a:buFont typeface="Arial"/>
-              <a:buNone/>
-              <a:defRPr b="0" i="0" sz="1000" u="none" cap="none" strike="noStrike">
+            <a:lvl1pPr marL="0" marR="0" lvl="0" indent="0" algn="r">
+              <a:lnSpc>
+                <a:spcPct val="100000"/>
+              </a:lnSpc>
+              <a:spcBef>
+                <a:spcPts val="0"/>
+              </a:spcBef>
+              <a:spcAft>
+                <a:spcPts val="0"/>
+              </a:spcAft>
+              <a:buClr>
+                <a:srgbClr val="000000"/>
+              </a:buClr>
+              <a:buSzPts val="1000"/>
+              <a:buFont typeface="Arial"/>
+              <a:buNone/>
+              <a:defRPr sz="1000" b="0" i="0" u="none" strike="noStrike" cap="none">
                 <a:solidFill>
                   <a:schemeClr val="dk1"/>
                 </a:solidFill>
@@ -4197,23 +4264,23 @@
                 <a:sym typeface="Economica"/>
               </a:defRPr>
             </a:lvl1pPr>
-            <a:lvl2pPr indent="0" lvl="1" marL="0" marR="0" algn="r">
-              <a:lnSpc>
-                <a:spcPct val="100000"/>
-              </a:lnSpc>
-              <a:spcBef>
-                <a:spcPts val="0"/>
-              </a:spcBef>
-              <a:spcAft>
-                <a:spcPts val="0"/>
-              </a:spcAft>
-              <a:buClr>
-                <a:srgbClr val="000000"/>
-              </a:buClr>
-              <a:buSzPts val="1000"/>
-              <a:buFont typeface="Arial"/>
-              <a:buNone/>
-              <a:defRPr b="0" i="0" sz="1000" u="none" cap="none" strike="noStrike">
+            <a:lvl2pPr marL="0" marR="0" lvl="1" indent="0" algn="r">
+              <a:lnSpc>
+                <a:spcPct val="100000"/>
+              </a:lnSpc>
+              <a:spcBef>
+                <a:spcPts val="0"/>
+              </a:spcBef>
+              <a:spcAft>
+                <a:spcPts val="0"/>
+              </a:spcAft>
+              <a:buClr>
+                <a:srgbClr val="000000"/>
+              </a:buClr>
+              <a:buSzPts val="1000"/>
+              <a:buFont typeface="Arial"/>
+              <a:buNone/>
+              <a:defRPr sz="1000" b="0" i="0" u="none" strike="noStrike" cap="none">
                 <a:solidFill>
                   <a:schemeClr val="dk1"/>
                 </a:solidFill>
@@ -4223,23 +4290,23 @@
                 <a:sym typeface="Economica"/>
               </a:defRPr>
             </a:lvl2pPr>
-            <a:lvl3pPr indent="0" lvl="2" marL="0" marR="0" algn="r">
-              <a:lnSpc>
-                <a:spcPct val="100000"/>
-              </a:lnSpc>
-              <a:spcBef>
-                <a:spcPts val="0"/>
-              </a:spcBef>
-              <a:spcAft>
-                <a:spcPts val="0"/>
-              </a:spcAft>
-              <a:buClr>
-                <a:srgbClr val="000000"/>
-              </a:buClr>
-              <a:buSzPts val="1000"/>
-              <a:buFont typeface="Arial"/>
-              <a:buNone/>
-              <a:defRPr b="0" i="0" sz="1000" u="none" cap="none" strike="noStrike">
+            <a:lvl3pPr marL="0" marR="0" lvl="2" indent="0" algn="r">
+              <a:lnSpc>
+                <a:spcPct val="100000"/>
+              </a:lnSpc>
+              <a:spcBef>
+                <a:spcPts val="0"/>
+              </a:spcBef>
+              <a:spcAft>
+                <a:spcPts val="0"/>
+              </a:spcAft>
+              <a:buClr>
+                <a:srgbClr val="000000"/>
+              </a:buClr>
+              <a:buSzPts val="1000"/>
+              <a:buFont typeface="Arial"/>
+              <a:buNone/>
+              <a:defRPr sz="1000" b="0" i="0" u="none" strike="noStrike" cap="none">
                 <a:solidFill>
                   <a:schemeClr val="dk1"/>
                 </a:solidFill>
@@ -4249,23 +4316,23 @@
                 <a:sym typeface="Economica"/>
               </a:defRPr>
             </a:lvl3pPr>
-            <a:lvl4pPr indent="0" lvl="3" marL="0" marR="0" algn="r">
-              <a:lnSpc>
-                <a:spcPct val="100000"/>
-              </a:lnSpc>
-              <a:spcBef>
-                <a:spcPts val="0"/>
-              </a:spcBef>
-              <a:spcAft>
-                <a:spcPts val="0"/>
-              </a:spcAft>
-              <a:buClr>
-                <a:srgbClr val="000000"/>
-              </a:buClr>
-              <a:buSzPts val="1000"/>
-              <a:buFont typeface="Arial"/>
-              <a:buNone/>
-              <a:defRPr b="0" i="0" sz="1000" u="none" cap="none" strike="noStrike">
+            <a:lvl4pPr marL="0" marR="0" lvl="3" indent="0" algn="r">
+              <a:lnSpc>
+                <a:spcPct val="100000"/>
+              </a:lnSpc>
+              <a:spcBef>
+                <a:spcPts val="0"/>
+              </a:spcBef>
+              <a:spcAft>
+                <a:spcPts val="0"/>
+              </a:spcAft>
+              <a:buClr>
+                <a:srgbClr val="000000"/>
+              </a:buClr>
+              <a:buSzPts val="1000"/>
+              <a:buFont typeface="Arial"/>
+              <a:buNone/>
+              <a:defRPr sz="1000" b="0" i="0" u="none" strike="noStrike" cap="none">
                 <a:solidFill>
                   <a:schemeClr val="dk1"/>
                 </a:solidFill>
@@ -4275,23 +4342,23 @@
                 <a:sym typeface="Economica"/>
               </a:defRPr>
             </a:lvl4pPr>
-            <a:lvl5pPr indent="0" lvl="4" marL="0" marR="0" algn="r">
-              <a:lnSpc>
-                <a:spcPct val="100000"/>
-              </a:lnSpc>
-              <a:spcBef>
-                <a:spcPts val="0"/>
-              </a:spcBef>
-              <a:spcAft>
-                <a:spcPts val="0"/>
-              </a:spcAft>
-              <a:buClr>
-                <a:srgbClr val="000000"/>
-              </a:buClr>
-              <a:buSzPts val="1000"/>
-              <a:buFont typeface="Arial"/>
-              <a:buNone/>
-              <a:defRPr b="0" i="0" sz="1000" u="none" cap="none" strike="noStrike">
+            <a:lvl5pPr marL="0" marR="0" lvl="4" indent="0" algn="r">
+              <a:lnSpc>
+                <a:spcPct val="100000"/>
+              </a:lnSpc>
+              <a:spcBef>
+                <a:spcPts val="0"/>
+              </a:spcBef>
+              <a:spcAft>
+                <a:spcPts val="0"/>
+              </a:spcAft>
+              <a:buClr>
+                <a:srgbClr val="000000"/>
+              </a:buClr>
+              <a:buSzPts val="1000"/>
+              <a:buFont typeface="Arial"/>
+              <a:buNone/>
+              <a:defRPr sz="1000" b="0" i="0" u="none" strike="noStrike" cap="none">
                 <a:solidFill>
                   <a:schemeClr val="dk1"/>
                 </a:solidFill>
@@ -4301,23 +4368,23 @@
                 <a:sym typeface="Economica"/>
               </a:defRPr>
             </a:lvl5pPr>
-            <a:lvl6pPr indent="0" lvl="5" marL="0" marR="0" algn="r">
-              <a:lnSpc>
-                <a:spcPct val="100000"/>
-              </a:lnSpc>
-              <a:spcBef>
-                <a:spcPts val="0"/>
-              </a:spcBef>
-              <a:spcAft>
-                <a:spcPts val="0"/>
-              </a:spcAft>
-              <a:buClr>
-                <a:srgbClr val="000000"/>
-              </a:buClr>
-              <a:buSzPts val="1000"/>
-              <a:buFont typeface="Arial"/>
-              <a:buNone/>
-              <a:defRPr b="0" i="0" sz="1000" u="none" cap="none" strike="noStrike">
+            <a:lvl6pPr marL="0" marR="0" lvl="5" indent="0" algn="r">
+              <a:lnSpc>
+                <a:spcPct val="100000"/>
+              </a:lnSpc>
+              <a:spcBef>
+                <a:spcPts val="0"/>
+              </a:spcBef>
+              <a:spcAft>
+                <a:spcPts val="0"/>
+              </a:spcAft>
+              <a:buClr>
+                <a:srgbClr val="000000"/>
+              </a:buClr>
+              <a:buSzPts val="1000"/>
+              <a:buFont typeface="Arial"/>
+              <a:buNone/>
+              <a:defRPr sz="1000" b="0" i="0" u="none" strike="noStrike" cap="none">
                 <a:solidFill>
                   <a:schemeClr val="dk1"/>
                 </a:solidFill>
@@ -4327,23 +4394,23 @@
                 <a:sym typeface="Economica"/>
               </a:defRPr>
             </a:lvl6pPr>
-            <a:lvl7pPr indent="0" lvl="6" marL="0" marR="0" algn="r">
-              <a:lnSpc>
-                <a:spcPct val="100000"/>
-              </a:lnSpc>
-              <a:spcBef>
-                <a:spcPts val="0"/>
-              </a:spcBef>
-              <a:spcAft>
-                <a:spcPts val="0"/>
-              </a:spcAft>
-              <a:buClr>
-                <a:srgbClr val="000000"/>
-              </a:buClr>
-              <a:buSzPts val="1000"/>
-              <a:buFont typeface="Arial"/>
-              <a:buNone/>
-              <a:defRPr b="0" i="0" sz="1000" u="none" cap="none" strike="noStrike">
+            <a:lvl7pPr marL="0" marR="0" lvl="6" indent="0" algn="r">
+              <a:lnSpc>
+                <a:spcPct val="100000"/>
+              </a:lnSpc>
+              <a:spcBef>
+                <a:spcPts val="0"/>
+              </a:spcBef>
+              <a:spcAft>
+                <a:spcPts val="0"/>
+              </a:spcAft>
+              <a:buClr>
+                <a:srgbClr val="000000"/>
+              </a:buClr>
+              <a:buSzPts val="1000"/>
+              <a:buFont typeface="Arial"/>
+              <a:buNone/>
+              <a:defRPr sz="1000" b="0" i="0" u="none" strike="noStrike" cap="none">
                 <a:solidFill>
                   <a:schemeClr val="dk1"/>
                 </a:solidFill>
@@ -4353,23 +4420,23 @@
                 <a:sym typeface="Economica"/>
               </a:defRPr>
             </a:lvl7pPr>
-            <a:lvl8pPr indent="0" lvl="7" marL="0" marR="0" algn="r">
-              <a:lnSpc>
-                <a:spcPct val="100000"/>
-              </a:lnSpc>
-              <a:spcBef>
-                <a:spcPts val="0"/>
-              </a:spcBef>
-              <a:spcAft>
-                <a:spcPts val="0"/>
-              </a:spcAft>
-              <a:buClr>
-                <a:srgbClr val="000000"/>
-              </a:buClr>
-              <a:buSzPts val="1000"/>
-              <a:buFont typeface="Arial"/>
-              <a:buNone/>
-              <a:defRPr b="0" i="0" sz="1000" u="none" cap="none" strike="noStrike">
+            <a:lvl8pPr marL="0" marR="0" lvl="7" indent="0" algn="r">
+              <a:lnSpc>
+                <a:spcPct val="100000"/>
+              </a:lnSpc>
+              <a:spcBef>
+                <a:spcPts val="0"/>
+              </a:spcBef>
+              <a:spcAft>
+                <a:spcPts val="0"/>
+              </a:spcAft>
+              <a:buClr>
+                <a:srgbClr val="000000"/>
+              </a:buClr>
+              <a:buSzPts val="1000"/>
+              <a:buFont typeface="Arial"/>
+              <a:buNone/>
+              <a:defRPr sz="1000" b="0" i="0" u="none" strike="noStrike" cap="none">
                 <a:solidFill>
                   <a:schemeClr val="dk1"/>
                 </a:solidFill>
@@ -4379,23 +4446,23 @@
                 <a:sym typeface="Economica"/>
               </a:defRPr>
             </a:lvl8pPr>
-            <a:lvl9pPr indent="0" lvl="8" marL="0" marR="0" algn="r">
-              <a:lnSpc>
-                <a:spcPct val="100000"/>
-              </a:lnSpc>
-              <a:spcBef>
-                <a:spcPts val="0"/>
-              </a:spcBef>
-              <a:spcAft>
-                <a:spcPts val="0"/>
-              </a:spcAft>
-              <a:buClr>
-                <a:srgbClr val="000000"/>
-              </a:buClr>
-              <a:buSzPts val="1000"/>
-              <a:buFont typeface="Arial"/>
-              <a:buNone/>
-              <a:defRPr b="0" i="0" sz="1000" u="none" cap="none" strike="noStrike">
+            <a:lvl9pPr marL="0" marR="0" lvl="8" indent="0" algn="r">
+              <a:lnSpc>
+                <a:spcPct val="100000"/>
+              </a:lnSpc>
+              <a:spcBef>
+                <a:spcPts val="0"/>
+              </a:spcBef>
+              <a:spcAft>
+                <a:spcPts val="0"/>
+              </a:spcAft>
+              <a:buClr>
+                <a:srgbClr val="000000"/>
+              </a:buClr>
+              <a:buSzPts val="1000"/>
+              <a:buFont typeface="Arial"/>
+              <a:buNone/>
+              <a:defRPr sz="1000" b="0" i="0" u="none" strike="noStrike" cap="none">
                 <a:solidFill>
                   <a:schemeClr val="dk1"/>
                 </a:solidFill>
@@ -4407,7 +4474,7 @@
             </a:lvl9pPr>
           </a:lstStyle>
           <a:p>
-            <a:pPr indent="0" lvl="0" marL="0" rtl="0" algn="r">
+            <a:pPr marL="0" lvl="0" indent="0" algn="r" rtl="0">
               <a:spcBef>
                 <a:spcPts val="0"/>
               </a:spcBef>
@@ -4433,11 +4500,11 @@
 </file>
 
 <file path=ppt/slideLayouts/slideLayout5.xml><?xml version="1.0" encoding="utf-8"?>
-<p:sldLayout xmlns:a="http://schemas.openxmlformats.org/drawingml/2006/main" xmlns:r="http://schemas.openxmlformats.org/officeDocument/2006/relationships" xmlns:mc="http://schemas.openxmlformats.org/markup-compatibility/2006" xmlns:mv="urn:schemas-microsoft-com:mac:vml" xmlns:p="http://schemas.openxmlformats.org/presentationml/2006/main" xmlns:c="http://schemas.openxmlformats.org/drawingml/2006/chart" xmlns:dgm="http://schemas.openxmlformats.org/drawingml/2006/diagram" xmlns:o="urn:schemas-microsoft-com:office:office" xmlns:v="urn:schemas-microsoft-com:vml" xmlns:pvml="urn:schemas-microsoft-com:office:powerpoint" xmlns:com="http://schemas.openxmlformats.org/drawingml/2006/compatibility" xmlns:p14="http://schemas.microsoft.com/office/powerpoint/2010/main" xmlns:p15="http://schemas.microsoft.com/office/powerpoint/2012/main" xmlns:ahyp="http://schemas.microsoft.com/office/drawing/2018/hyperlinkcolor" matchingName="Title and two columns" type="twoColTx">
+<p:sldLayout xmlns:a="http://schemas.openxmlformats.org/drawingml/2006/main" xmlns:r="http://schemas.openxmlformats.org/officeDocument/2006/relationships" xmlns:p="http://schemas.openxmlformats.org/presentationml/2006/main" matchingName="Title and two columns" type="twoColTx">
   <p:cSld name="TITLE_AND_TWO_COLUMNS">
     <p:spTree>
       <p:nvGrpSpPr>
-        <p:cNvPr id="28" name="Shape 28"/>
+        <p:cNvPr id="1" name="Shape 28"/>
         <p:cNvGrpSpPr/>
         <p:nvPr/>
       </p:nvGrpSpPr>
@@ -4452,7 +4519,9 @@
       <p:sp>
         <p:nvSpPr>
           <p:cNvPr id="29" name="Google Shape;29;p7"/>
-          <p:cNvSpPr txBox="1"/>
+          <p:cNvSpPr txBox="1">
+            <a:spLocks noGrp="1"/>
+          </p:cNvSpPr>
           <p:nvPr>
             <p:ph type="title"/>
           </p:nvPr>
@@ -4471,7 +4540,7 @@
           </a:ln>
         </p:spPr>
         <p:txBody>
-          <a:bodyPr anchorCtr="0" anchor="b" bIns="91425" lIns="91425" spcFirstLastPara="1" rIns="91425" wrap="square" tIns="91425">
+          <a:bodyPr spcFirstLastPara="1" wrap="square" lIns="91425" tIns="91425" rIns="91425" bIns="91425" anchor="b" anchorCtr="0">
             <a:noAutofit/>
           </a:bodyPr>
           <a:lstStyle>
@@ -4602,15 +4671,19 @@
               <a:defRPr/>
             </a:lvl9pPr>
           </a:lstStyle>
-          <a:p/>
+          <a:p>
+            <a:endParaRPr/>
+          </a:p>
         </p:txBody>
       </p:sp>
       <p:sp>
         <p:nvSpPr>
           <p:cNvPr id="30" name="Google Shape;30;p7"/>
-          <p:cNvSpPr txBox="1"/>
+          <p:cNvSpPr txBox="1">
+            <a:spLocks noGrp="1"/>
+          </p:cNvSpPr>
           <p:nvPr>
-            <p:ph idx="1" type="body"/>
+            <p:ph type="body" idx="1"/>
           </p:nvPr>
         </p:nvSpPr>
         <p:spPr>
@@ -4627,11 +4700,11 @@
           </a:ln>
         </p:spPr>
         <p:txBody>
-          <a:bodyPr anchorCtr="0" anchor="t" bIns="91425" lIns="91425" spcFirstLastPara="1" rIns="91425" wrap="square" tIns="91425">
+          <a:bodyPr spcFirstLastPara="1" wrap="square" lIns="91425" tIns="91425" rIns="91425" bIns="91425" anchor="t" anchorCtr="0">
             <a:noAutofit/>
           </a:bodyPr>
           <a:lstStyle>
-            <a:lvl1pPr indent="-317500" lvl="0" marL="457200" algn="l">
+            <a:lvl1pPr marL="457200" lvl="0" indent="-317500" algn="l">
               <a:lnSpc>
                 <a:spcPct val="115000"/>
               </a:lnSpc>
@@ -4645,7 +4718,7 @@
               <a:buChar char="●"/>
               <a:defRPr sz="1400"/>
             </a:lvl1pPr>
-            <a:lvl2pPr indent="-304800" lvl="1" marL="914400" algn="l">
+            <a:lvl2pPr marL="914400" lvl="1" indent="-304800" algn="l">
               <a:lnSpc>
                 <a:spcPct val="115000"/>
               </a:lnSpc>
@@ -4659,7 +4732,7 @@
               <a:buChar char="○"/>
               <a:defRPr sz="1200"/>
             </a:lvl2pPr>
-            <a:lvl3pPr indent="-304800" lvl="2" marL="1371600" algn="l">
+            <a:lvl3pPr marL="1371600" lvl="2" indent="-304800" algn="l">
               <a:lnSpc>
                 <a:spcPct val="115000"/>
               </a:lnSpc>
@@ -4673,7 +4746,7 @@
               <a:buChar char="■"/>
               <a:defRPr sz="1200"/>
             </a:lvl3pPr>
-            <a:lvl4pPr indent="-304800" lvl="3" marL="1828800" algn="l">
+            <a:lvl4pPr marL="1828800" lvl="3" indent="-304800" algn="l">
               <a:lnSpc>
                 <a:spcPct val="115000"/>
               </a:lnSpc>
@@ -4687,7 +4760,7 @@
               <a:buChar char="●"/>
               <a:defRPr sz="1200"/>
             </a:lvl4pPr>
-            <a:lvl5pPr indent="-304800" lvl="4" marL="2286000" algn="l">
+            <a:lvl5pPr marL="2286000" lvl="4" indent="-304800" algn="l">
               <a:lnSpc>
                 <a:spcPct val="115000"/>
               </a:lnSpc>
@@ -4701,7 +4774,7 @@
               <a:buChar char="○"/>
               <a:defRPr sz="1200"/>
             </a:lvl5pPr>
-            <a:lvl6pPr indent="-304800" lvl="5" marL="2743200" algn="l">
+            <a:lvl6pPr marL="2743200" lvl="5" indent="-304800" algn="l">
               <a:lnSpc>
                 <a:spcPct val="115000"/>
               </a:lnSpc>
@@ -4715,7 +4788,7 @@
               <a:buChar char="■"/>
               <a:defRPr sz="1200"/>
             </a:lvl6pPr>
-            <a:lvl7pPr indent="-304800" lvl="6" marL="3200400" algn="l">
+            <a:lvl7pPr marL="3200400" lvl="6" indent="-304800" algn="l">
               <a:lnSpc>
                 <a:spcPct val="115000"/>
               </a:lnSpc>
@@ -4729,7 +4802,7 @@
               <a:buChar char="●"/>
               <a:defRPr sz="1200"/>
             </a:lvl7pPr>
-            <a:lvl8pPr indent="-304800" lvl="7" marL="3657600" algn="l">
+            <a:lvl8pPr marL="3657600" lvl="7" indent="-304800" algn="l">
               <a:lnSpc>
                 <a:spcPct val="115000"/>
               </a:lnSpc>
@@ -4743,7 +4816,7 @@
               <a:buChar char="○"/>
               <a:defRPr sz="1200"/>
             </a:lvl8pPr>
-            <a:lvl9pPr indent="-304800" lvl="8" marL="4114800" algn="l">
+            <a:lvl9pPr marL="4114800" lvl="8" indent="-304800" algn="l">
               <a:lnSpc>
                 <a:spcPct val="115000"/>
               </a:lnSpc>
@@ -4758,15 +4831,19 @@
               <a:defRPr sz="1200"/>
             </a:lvl9pPr>
           </a:lstStyle>
-          <a:p/>
+          <a:p>
+            <a:endParaRPr/>
+          </a:p>
         </p:txBody>
       </p:sp>
       <p:sp>
         <p:nvSpPr>
           <p:cNvPr id="31" name="Google Shape;31;p7"/>
-          <p:cNvSpPr txBox="1"/>
+          <p:cNvSpPr txBox="1">
+            <a:spLocks noGrp="1"/>
+          </p:cNvSpPr>
           <p:nvPr>
-            <p:ph idx="2" type="body"/>
+            <p:ph type="body" idx="2"/>
           </p:nvPr>
         </p:nvSpPr>
         <p:spPr>
@@ -4783,11 +4860,11 @@
           </a:ln>
         </p:spPr>
         <p:txBody>
-          <a:bodyPr anchorCtr="0" anchor="t" bIns="91425" lIns="91425" spcFirstLastPara="1" rIns="91425" wrap="square" tIns="91425">
+          <a:bodyPr spcFirstLastPara="1" wrap="square" lIns="91425" tIns="91425" rIns="91425" bIns="91425" anchor="t" anchorCtr="0">
             <a:noAutofit/>
           </a:bodyPr>
           <a:lstStyle>
-            <a:lvl1pPr indent="-317500" lvl="0" marL="457200" algn="l">
+            <a:lvl1pPr marL="457200" lvl="0" indent="-317500" algn="l">
               <a:lnSpc>
                 <a:spcPct val="115000"/>
               </a:lnSpc>
@@ -4801,7 +4878,7 @@
               <a:buChar char="●"/>
               <a:defRPr sz="1400"/>
             </a:lvl1pPr>
-            <a:lvl2pPr indent="-304800" lvl="1" marL="914400" algn="l">
+            <a:lvl2pPr marL="914400" lvl="1" indent="-304800" algn="l">
               <a:lnSpc>
                 <a:spcPct val="115000"/>
               </a:lnSpc>
@@ -4815,7 +4892,7 @@
               <a:buChar char="○"/>
               <a:defRPr sz="1200"/>
             </a:lvl2pPr>
-            <a:lvl3pPr indent="-304800" lvl="2" marL="1371600" algn="l">
+            <a:lvl3pPr marL="1371600" lvl="2" indent="-304800" algn="l">
               <a:lnSpc>
                 <a:spcPct val="115000"/>
               </a:lnSpc>
@@ -4829,7 +4906,7 @@
               <a:buChar char="■"/>
               <a:defRPr sz="1200"/>
             </a:lvl3pPr>
-            <a:lvl4pPr indent="-304800" lvl="3" marL="1828800" algn="l">
+            <a:lvl4pPr marL="1828800" lvl="3" indent="-304800" algn="l">
               <a:lnSpc>
                 <a:spcPct val="115000"/>
               </a:lnSpc>
@@ -4843,7 +4920,7 @@
               <a:buChar char="●"/>
               <a:defRPr sz="1200"/>
             </a:lvl4pPr>
-            <a:lvl5pPr indent="-304800" lvl="4" marL="2286000" algn="l">
+            <a:lvl5pPr marL="2286000" lvl="4" indent="-304800" algn="l">
               <a:lnSpc>
                 <a:spcPct val="115000"/>
               </a:lnSpc>
@@ -4857,7 +4934,7 @@
               <a:buChar char="○"/>
               <a:defRPr sz="1200"/>
             </a:lvl5pPr>
-            <a:lvl6pPr indent="-304800" lvl="5" marL="2743200" algn="l">
+            <a:lvl6pPr marL="2743200" lvl="5" indent="-304800" algn="l">
               <a:lnSpc>
                 <a:spcPct val="115000"/>
               </a:lnSpc>
@@ -4871,7 +4948,7 @@
               <a:buChar char="■"/>
               <a:defRPr sz="1200"/>
             </a:lvl6pPr>
-            <a:lvl7pPr indent="-304800" lvl="6" marL="3200400" algn="l">
+            <a:lvl7pPr marL="3200400" lvl="6" indent="-304800" algn="l">
               <a:lnSpc>
                 <a:spcPct val="115000"/>
               </a:lnSpc>
@@ -4885,7 +4962,7 @@
               <a:buChar char="●"/>
               <a:defRPr sz="1200"/>
             </a:lvl7pPr>
-            <a:lvl8pPr indent="-304800" lvl="7" marL="3657600" algn="l">
+            <a:lvl8pPr marL="3657600" lvl="7" indent="-304800" algn="l">
               <a:lnSpc>
                 <a:spcPct val="115000"/>
               </a:lnSpc>
@@ -4899,7 +4976,7 @@
               <a:buChar char="○"/>
               <a:defRPr sz="1200"/>
             </a:lvl8pPr>
-            <a:lvl9pPr indent="-304800" lvl="8" marL="4114800" algn="l">
+            <a:lvl9pPr marL="4114800" lvl="8" indent="-304800" algn="l">
               <a:lnSpc>
                 <a:spcPct val="115000"/>
               </a:lnSpc>
@@ -4914,15 +4991,19 @@
               <a:defRPr sz="1200"/>
             </a:lvl9pPr>
           </a:lstStyle>
-          <a:p/>
+          <a:p>
+            <a:endParaRPr/>
+          </a:p>
         </p:txBody>
       </p:sp>
       <p:sp>
         <p:nvSpPr>
           <p:cNvPr id="32" name="Google Shape;32;p7"/>
-          <p:cNvSpPr txBox="1"/>
+          <p:cNvSpPr txBox="1">
+            <a:spLocks noGrp="1"/>
+          </p:cNvSpPr>
           <p:nvPr>
-            <p:ph idx="12" type="sldNum"/>
+            <p:ph type="sldNum" idx="12"/>
           </p:nvPr>
         </p:nvSpPr>
         <p:spPr>
@@ -4939,27 +5020,27 @@
           </a:ln>
         </p:spPr>
         <p:txBody>
-          <a:bodyPr anchorCtr="0" anchor="ctr" bIns="91425" lIns="91425" spcFirstLastPara="1" rIns="91425" wrap="square" tIns="91425">
+          <a:bodyPr spcFirstLastPara="1" wrap="square" lIns="91425" tIns="91425" rIns="91425" bIns="91425" anchor="ctr" anchorCtr="0">
             <a:noAutofit/>
           </a:bodyPr>
           <a:lstStyle>
-            <a:lvl1pPr indent="0" lvl="0" marL="0" marR="0" algn="r">
-              <a:lnSpc>
-                <a:spcPct val="100000"/>
-              </a:lnSpc>
-              <a:spcBef>
-                <a:spcPts val="0"/>
-              </a:spcBef>
-              <a:spcAft>
-                <a:spcPts val="0"/>
-              </a:spcAft>
-              <a:buClr>
-                <a:srgbClr val="000000"/>
-              </a:buClr>
-              <a:buSzPts val="1000"/>
-              <a:buFont typeface="Arial"/>
-              <a:buNone/>
-              <a:defRPr b="0" i="0" sz="1000" u="none" cap="none" strike="noStrike">
+            <a:lvl1pPr marL="0" marR="0" lvl="0" indent="0" algn="r">
+              <a:lnSpc>
+                <a:spcPct val="100000"/>
+              </a:lnSpc>
+              <a:spcBef>
+                <a:spcPts val="0"/>
+              </a:spcBef>
+              <a:spcAft>
+                <a:spcPts val="0"/>
+              </a:spcAft>
+              <a:buClr>
+                <a:srgbClr val="000000"/>
+              </a:buClr>
+              <a:buSzPts val="1000"/>
+              <a:buFont typeface="Arial"/>
+              <a:buNone/>
+              <a:defRPr sz="1000" b="0" i="0" u="none" strike="noStrike" cap="none">
                 <a:solidFill>
                   <a:schemeClr val="dk1"/>
                 </a:solidFill>
@@ -4969,23 +5050,23 @@
                 <a:sym typeface="Economica"/>
               </a:defRPr>
             </a:lvl1pPr>
-            <a:lvl2pPr indent="0" lvl="1" marL="0" marR="0" algn="r">
-              <a:lnSpc>
-                <a:spcPct val="100000"/>
-              </a:lnSpc>
-              <a:spcBef>
-                <a:spcPts val="0"/>
-              </a:spcBef>
-              <a:spcAft>
-                <a:spcPts val="0"/>
-              </a:spcAft>
-              <a:buClr>
-                <a:srgbClr val="000000"/>
-              </a:buClr>
-              <a:buSzPts val="1000"/>
-              <a:buFont typeface="Arial"/>
-              <a:buNone/>
-              <a:defRPr b="0" i="0" sz="1000" u="none" cap="none" strike="noStrike">
+            <a:lvl2pPr marL="0" marR="0" lvl="1" indent="0" algn="r">
+              <a:lnSpc>
+                <a:spcPct val="100000"/>
+              </a:lnSpc>
+              <a:spcBef>
+                <a:spcPts val="0"/>
+              </a:spcBef>
+              <a:spcAft>
+                <a:spcPts val="0"/>
+              </a:spcAft>
+              <a:buClr>
+                <a:srgbClr val="000000"/>
+              </a:buClr>
+              <a:buSzPts val="1000"/>
+              <a:buFont typeface="Arial"/>
+              <a:buNone/>
+              <a:defRPr sz="1000" b="0" i="0" u="none" strike="noStrike" cap="none">
                 <a:solidFill>
                   <a:schemeClr val="dk1"/>
                 </a:solidFill>
@@ -4995,23 +5076,23 @@
                 <a:sym typeface="Economica"/>
               </a:defRPr>
             </a:lvl2pPr>
-            <a:lvl3pPr indent="0" lvl="2" marL="0" marR="0" algn="r">
-              <a:lnSpc>
-                <a:spcPct val="100000"/>
-              </a:lnSpc>
-              <a:spcBef>
-                <a:spcPts val="0"/>
-              </a:spcBef>
-              <a:spcAft>
-                <a:spcPts val="0"/>
-              </a:spcAft>
-              <a:buClr>
-                <a:srgbClr val="000000"/>
-              </a:buClr>
-              <a:buSzPts val="1000"/>
-              <a:buFont typeface="Arial"/>
-              <a:buNone/>
-              <a:defRPr b="0" i="0" sz="1000" u="none" cap="none" strike="noStrike">
+            <a:lvl3pPr marL="0" marR="0" lvl="2" indent="0" algn="r">
+              <a:lnSpc>
+                <a:spcPct val="100000"/>
+              </a:lnSpc>
+              <a:spcBef>
+                <a:spcPts val="0"/>
+              </a:spcBef>
+              <a:spcAft>
+                <a:spcPts val="0"/>
+              </a:spcAft>
+              <a:buClr>
+                <a:srgbClr val="000000"/>
+              </a:buClr>
+              <a:buSzPts val="1000"/>
+              <a:buFont typeface="Arial"/>
+              <a:buNone/>
+              <a:defRPr sz="1000" b="0" i="0" u="none" strike="noStrike" cap="none">
                 <a:solidFill>
                   <a:schemeClr val="dk1"/>
                 </a:solidFill>
@@ -5021,23 +5102,23 @@
                 <a:sym typeface="Economica"/>
               </a:defRPr>
             </a:lvl3pPr>
-            <a:lvl4pPr indent="0" lvl="3" marL="0" marR="0" algn="r">
-              <a:lnSpc>
-                <a:spcPct val="100000"/>
-              </a:lnSpc>
-              <a:spcBef>
-                <a:spcPts val="0"/>
-              </a:spcBef>
-              <a:spcAft>
-                <a:spcPts val="0"/>
-              </a:spcAft>
-              <a:buClr>
-                <a:srgbClr val="000000"/>
-              </a:buClr>
-              <a:buSzPts val="1000"/>
-              <a:buFont typeface="Arial"/>
-              <a:buNone/>
-              <a:defRPr b="0" i="0" sz="1000" u="none" cap="none" strike="noStrike">
+            <a:lvl4pPr marL="0" marR="0" lvl="3" indent="0" algn="r">
+              <a:lnSpc>
+                <a:spcPct val="100000"/>
+              </a:lnSpc>
+              <a:spcBef>
+                <a:spcPts val="0"/>
+              </a:spcBef>
+              <a:spcAft>
+                <a:spcPts val="0"/>
+              </a:spcAft>
+              <a:buClr>
+                <a:srgbClr val="000000"/>
+              </a:buClr>
+              <a:buSzPts val="1000"/>
+              <a:buFont typeface="Arial"/>
+              <a:buNone/>
+              <a:defRPr sz="1000" b="0" i="0" u="none" strike="noStrike" cap="none">
                 <a:solidFill>
                   <a:schemeClr val="dk1"/>
                 </a:solidFill>
@@ -5047,23 +5128,23 @@
                 <a:sym typeface="Economica"/>
               </a:defRPr>
             </a:lvl4pPr>
-            <a:lvl5pPr indent="0" lvl="4" marL="0" marR="0" algn="r">
-              <a:lnSpc>
-                <a:spcPct val="100000"/>
-              </a:lnSpc>
-              <a:spcBef>
-                <a:spcPts val="0"/>
-              </a:spcBef>
-              <a:spcAft>
-                <a:spcPts val="0"/>
-              </a:spcAft>
-              <a:buClr>
-                <a:srgbClr val="000000"/>
-              </a:buClr>
-              <a:buSzPts val="1000"/>
-              <a:buFont typeface="Arial"/>
-              <a:buNone/>
-              <a:defRPr b="0" i="0" sz="1000" u="none" cap="none" strike="noStrike">
+            <a:lvl5pPr marL="0" marR="0" lvl="4" indent="0" algn="r">
+              <a:lnSpc>
+                <a:spcPct val="100000"/>
+              </a:lnSpc>
+              <a:spcBef>
+                <a:spcPts val="0"/>
+              </a:spcBef>
+              <a:spcAft>
+                <a:spcPts val="0"/>
+              </a:spcAft>
+              <a:buClr>
+                <a:srgbClr val="000000"/>
+              </a:buClr>
+              <a:buSzPts val="1000"/>
+              <a:buFont typeface="Arial"/>
+              <a:buNone/>
+              <a:defRPr sz="1000" b="0" i="0" u="none" strike="noStrike" cap="none">
                 <a:solidFill>
                   <a:schemeClr val="dk1"/>
                 </a:solidFill>
@@ -5073,23 +5154,23 @@
                 <a:sym typeface="Economica"/>
               </a:defRPr>
             </a:lvl5pPr>
-            <a:lvl6pPr indent="0" lvl="5" marL="0" marR="0" algn="r">
-              <a:lnSpc>
-                <a:spcPct val="100000"/>
-              </a:lnSpc>
-              <a:spcBef>
-                <a:spcPts val="0"/>
-              </a:spcBef>
-              <a:spcAft>
-                <a:spcPts val="0"/>
-              </a:spcAft>
-              <a:buClr>
-                <a:srgbClr val="000000"/>
-              </a:buClr>
-              <a:buSzPts val="1000"/>
-              <a:buFont typeface="Arial"/>
-              <a:buNone/>
-              <a:defRPr b="0" i="0" sz="1000" u="none" cap="none" strike="noStrike">
+            <a:lvl6pPr marL="0" marR="0" lvl="5" indent="0" algn="r">
+              <a:lnSpc>
+                <a:spcPct val="100000"/>
+              </a:lnSpc>
+              <a:spcBef>
+                <a:spcPts val="0"/>
+              </a:spcBef>
+              <a:spcAft>
+                <a:spcPts val="0"/>
+              </a:spcAft>
+              <a:buClr>
+                <a:srgbClr val="000000"/>
+              </a:buClr>
+              <a:buSzPts val="1000"/>
+              <a:buFont typeface="Arial"/>
+              <a:buNone/>
+              <a:defRPr sz="1000" b="0" i="0" u="none" strike="noStrike" cap="none">
                 <a:solidFill>
                   <a:schemeClr val="dk1"/>
                 </a:solidFill>
@@ -5099,23 +5180,23 @@
                 <a:sym typeface="Economica"/>
               </a:defRPr>
             </a:lvl6pPr>
-            <a:lvl7pPr indent="0" lvl="6" marL="0" marR="0" algn="r">
-              <a:lnSpc>
-                <a:spcPct val="100000"/>
-              </a:lnSpc>
-              <a:spcBef>
-                <a:spcPts val="0"/>
-              </a:spcBef>
-              <a:spcAft>
-                <a:spcPts val="0"/>
-              </a:spcAft>
-              <a:buClr>
-                <a:srgbClr val="000000"/>
-              </a:buClr>
-              <a:buSzPts val="1000"/>
-              <a:buFont typeface="Arial"/>
-              <a:buNone/>
-              <a:defRPr b="0" i="0" sz="1000" u="none" cap="none" strike="noStrike">
+            <a:lvl7pPr marL="0" marR="0" lvl="6" indent="0" algn="r">
+              <a:lnSpc>
+                <a:spcPct val="100000"/>
+              </a:lnSpc>
+              <a:spcBef>
+                <a:spcPts val="0"/>
+              </a:spcBef>
+              <a:spcAft>
+                <a:spcPts val="0"/>
+              </a:spcAft>
+              <a:buClr>
+                <a:srgbClr val="000000"/>
+              </a:buClr>
+              <a:buSzPts val="1000"/>
+              <a:buFont typeface="Arial"/>
+              <a:buNone/>
+              <a:defRPr sz="1000" b="0" i="0" u="none" strike="noStrike" cap="none">
                 <a:solidFill>
                   <a:schemeClr val="dk1"/>
                 </a:solidFill>
@@ -5125,23 +5206,23 @@
                 <a:sym typeface="Economica"/>
               </a:defRPr>
             </a:lvl7pPr>
-            <a:lvl8pPr indent="0" lvl="7" marL="0" marR="0" algn="r">
-              <a:lnSpc>
-                <a:spcPct val="100000"/>
-              </a:lnSpc>
-              <a:spcBef>
-                <a:spcPts val="0"/>
-              </a:spcBef>
-              <a:spcAft>
-                <a:spcPts val="0"/>
-              </a:spcAft>
-              <a:buClr>
-                <a:srgbClr val="000000"/>
-              </a:buClr>
-              <a:buSzPts val="1000"/>
-              <a:buFont typeface="Arial"/>
-              <a:buNone/>
-              <a:defRPr b="0" i="0" sz="1000" u="none" cap="none" strike="noStrike">
+            <a:lvl8pPr marL="0" marR="0" lvl="7" indent="0" algn="r">
+              <a:lnSpc>
+                <a:spcPct val="100000"/>
+              </a:lnSpc>
+              <a:spcBef>
+                <a:spcPts val="0"/>
+              </a:spcBef>
+              <a:spcAft>
+                <a:spcPts val="0"/>
+              </a:spcAft>
+              <a:buClr>
+                <a:srgbClr val="000000"/>
+              </a:buClr>
+              <a:buSzPts val="1000"/>
+              <a:buFont typeface="Arial"/>
+              <a:buNone/>
+              <a:defRPr sz="1000" b="0" i="0" u="none" strike="noStrike" cap="none">
                 <a:solidFill>
                   <a:schemeClr val="dk1"/>
                 </a:solidFill>
@@ -5151,23 +5232,23 @@
                 <a:sym typeface="Economica"/>
               </a:defRPr>
             </a:lvl8pPr>
-            <a:lvl9pPr indent="0" lvl="8" marL="0" marR="0" algn="r">
-              <a:lnSpc>
-                <a:spcPct val="100000"/>
-              </a:lnSpc>
-              <a:spcBef>
-                <a:spcPts val="0"/>
-              </a:spcBef>
-              <a:spcAft>
-                <a:spcPts val="0"/>
-              </a:spcAft>
-              <a:buClr>
-                <a:srgbClr val="000000"/>
-              </a:buClr>
-              <a:buSzPts val="1000"/>
-              <a:buFont typeface="Arial"/>
-              <a:buNone/>
-              <a:defRPr b="0" i="0" sz="1000" u="none" cap="none" strike="noStrike">
+            <a:lvl9pPr marL="0" marR="0" lvl="8" indent="0" algn="r">
+              <a:lnSpc>
+                <a:spcPct val="100000"/>
+              </a:lnSpc>
+              <a:spcBef>
+                <a:spcPts val="0"/>
+              </a:spcBef>
+              <a:spcAft>
+                <a:spcPts val="0"/>
+              </a:spcAft>
+              <a:buClr>
+                <a:srgbClr val="000000"/>
+              </a:buClr>
+              <a:buSzPts val="1000"/>
+              <a:buFont typeface="Arial"/>
+              <a:buNone/>
+              <a:defRPr sz="1000" b="0" i="0" u="none" strike="noStrike" cap="none">
                 <a:solidFill>
                   <a:schemeClr val="dk1"/>
                 </a:solidFill>
@@ -5179,7 +5260,7 @@
             </a:lvl9pPr>
           </a:lstStyle>
           <a:p>
-            <a:pPr indent="0" lvl="0" marL="0" rtl="0" algn="r">
+            <a:pPr marL="0" lvl="0" indent="0" algn="r" rtl="0">
               <a:spcBef>
                 <a:spcPts val="0"/>
               </a:spcBef>
@@ -5205,11 +5286,11 @@
 </file>
 
 <file path=ppt/slideLayouts/slideLayout6.xml><?xml version="1.0" encoding="utf-8"?>
-<p:sldLayout xmlns:a="http://schemas.openxmlformats.org/drawingml/2006/main" xmlns:r="http://schemas.openxmlformats.org/officeDocument/2006/relationships" xmlns:mc="http://schemas.openxmlformats.org/markup-compatibility/2006" xmlns:mv="urn:schemas-microsoft-com:mac:vml" xmlns:p="http://schemas.openxmlformats.org/presentationml/2006/main" xmlns:c="http://schemas.openxmlformats.org/drawingml/2006/chart" xmlns:dgm="http://schemas.openxmlformats.org/drawingml/2006/diagram" xmlns:o="urn:schemas-microsoft-com:office:office" xmlns:v="urn:schemas-microsoft-com:vml" xmlns:pvml="urn:schemas-microsoft-com:office:powerpoint" xmlns:com="http://schemas.openxmlformats.org/drawingml/2006/compatibility" xmlns:p14="http://schemas.microsoft.com/office/powerpoint/2010/main" xmlns:p15="http://schemas.microsoft.com/office/powerpoint/2012/main" xmlns:ahyp="http://schemas.microsoft.com/office/drawing/2018/hyperlinkcolor" matchingName="One column text">
+<p:sldLayout xmlns:a="http://schemas.openxmlformats.org/drawingml/2006/main" xmlns:r="http://schemas.openxmlformats.org/officeDocument/2006/relationships" xmlns:p="http://schemas.openxmlformats.org/presentationml/2006/main" matchingName="One column text">
   <p:cSld name="ONE_COLUMN_TEXT">
     <p:spTree>
       <p:nvGrpSpPr>
-        <p:cNvPr id="33" name="Shape 33"/>
+        <p:cNvPr id="1" name="Shape 33"/>
         <p:cNvGrpSpPr/>
         <p:nvPr/>
       </p:nvGrpSpPr>
@@ -5224,7 +5305,9 @@
       <p:sp>
         <p:nvSpPr>
           <p:cNvPr id="34" name="Google Shape;34;p8"/>
-          <p:cNvSpPr txBox="1"/>
+          <p:cNvSpPr txBox="1">
+            <a:spLocks noGrp="1"/>
+          </p:cNvSpPr>
           <p:nvPr>
             <p:ph type="title"/>
           </p:nvPr>
@@ -5243,7 +5326,7 @@
           </a:ln>
         </p:spPr>
         <p:txBody>
-          <a:bodyPr anchorCtr="0" anchor="b" bIns="91425" lIns="91425" spcFirstLastPara="1" rIns="91425" wrap="square" tIns="91425">
+          <a:bodyPr spcFirstLastPara="1" wrap="square" lIns="91425" tIns="91425" rIns="91425" bIns="91425" anchor="b" anchorCtr="0">
             <a:noAutofit/>
           </a:bodyPr>
           <a:lstStyle>
@@ -5374,15 +5457,19 @@
               <a:defRPr sz="3000"/>
             </a:lvl9pPr>
           </a:lstStyle>
-          <a:p/>
+          <a:p>
+            <a:endParaRPr/>
+          </a:p>
         </p:txBody>
       </p:sp>
       <p:sp>
         <p:nvSpPr>
           <p:cNvPr id="35" name="Google Shape;35;p8"/>
-          <p:cNvSpPr txBox="1"/>
+          <p:cNvSpPr txBox="1">
+            <a:spLocks noGrp="1"/>
+          </p:cNvSpPr>
           <p:nvPr>
-            <p:ph idx="1" type="body"/>
+            <p:ph type="body" idx="1"/>
           </p:nvPr>
         </p:nvSpPr>
         <p:spPr>
@@ -5399,11 +5486,11 @@
           </a:ln>
         </p:spPr>
         <p:txBody>
-          <a:bodyPr anchorCtr="0" anchor="t" bIns="91425" lIns="91425" spcFirstLastPara="1" rIns="91425" wrap="square" tIns="91425">
+          <a:bodyPr spcFirstLastPara="1" wrap="square" lIns="91425" tIns="91425" rIns="91425" bIns="91425" anchor="t" anchorCtr="0">
             <a:noAutofit/>
           </a:bodyPr>
           <a:lstStyle>
-            <a:lvl1pPr indent="-304800" lvl="0" marL="457200" algn="l">
+            <a:lvl1pPr marL="457200" lvl="0" indent="-304800" algn="l">
               <a:lnSpc>
                 <a:spcPct val="115000"/>
               </a:lnSpc>
@@ -5417,7 +5504,7 @@
               <a:buChar char="●"/>
               <a:defRPr sz="1200"/>
             </a:lvl1pPr>
-            <a:lvl2pPr indent="-304800" lvl="1" marL="914400" algn="l">
+            <a:lvl2pPr marL="914400" lvl="1" indent="-304800" algn="l">
               <a:lnSpc>
                 <a:spcPct val="115000"/>
               </a:lnSpc>
@@ -5431,7 +5518,7 @@
               <a:buChar char="○"/>
               <a:defRPr sz="1200"/>
             </a:lvl2pPr>
-            <a:lvl3pPr indent="-304800" lvl="2" marL="1371600" algn="l">
+            <a:lvl3pPr marL="1371600" lvl="2" indent="-304800" algn="l">
               <a:lnSpc>
                 <a:spcPct val="115000"/>
               </a:lnSpc>
@@ -5445,7 +5532,7 @@
               <a:buChar char="■"/>
               <a:defRPr sz="1200"/>
             </a:lvl3pPr>
-            <a:lvl4pPr indent="-304800" lvl="3" marL="1828800" algn="l">
+            <a:lvl4pPr marL="1828800" lvl="3" indent="-304800" algn="l">
               <a:lnSpc>
                 <a:spcPct val="115000"/>
               </a:lnSpc>
@@ -5459,7 +5546,7 @@
               <a:buChar char="●"/>
               <a:defRPr sz="1200"/>
             </a:lvl4pPr>
-            <a:lvl5pPr indent="-304800" lvl="4" marL="2286000" algn="l">
+            <a:lvl5pPr marL="2286000" lvl="4" indent="-304800" algn="l">
               <a:lnSpc>
                 <a:spcPct val="115000"/>
               </a:lnSpc>
@@ -5473,7 +5560,7 @@
               <a:buChar char="○"/>
               <a:defRPr sz="1200"/>
             </a:lvl5pPr>
-            <a:lvl6pPr indent="-304800" lvl="5" marL="2743200" algn="l">
+            <a:lvl6pPr marL="2743200" lvl="5" indent="-304800" algn="l">
               <a:lnSpc>
                 <a:spcPct val="115000"/>
               </a:lnSpc>
@@ -5487,7 +5574,7 @@
               <a:buChar char="■"/>
               <a:defRPr sz="1200"/>
             </a:lvl6pPr>
-            <a:lvl7pPr indent="-304800" lvl="6" marL="3200400" algn="l">
+            <a:lvl7pPr marL="3200400" lvl="6" indent="-304800" algn="l">
               <a:lnSpc>
                 <a:spcPct val="115000"/>
               </a:lnSpc>
@@ -5501,7 +5588,7 @@
               <a:buChar char="●"/>
               <a:defRPr sz="1200"/>
             </a:lvl7pPr>
-            <a:lvl8pPr indent="-304800" lvl="7" marL="3657600" algn="l">
+            <a:lvl8pPr marL="3657600" lvl="7" indent="-304800" algn="l">
               <a:lnSpc>
                 <a:spcPct val="115000"/>
               </a:lnSpc>
@@ -5515,7 +5602,7 @@
               <a:buChar char="○"/>
               <a:defRPr sz="1200"/>
             </a:lvl8pPr>
-            <a:lvl9pPr indent="-304800" lvl="8" marL="4114800" algn="l">
+            <a:lvl9pPr marL="4114800" lvl="8" indent="-304800" algn="l">
               <a:lnSpc>
                 <a:spcPct val="115000"/>
               </a:lnSpc>
@@ -5530,15 +5617,19 @@
               <a:defRPr sz="1200"/>
             </a:lvl9pPr>
           </a:lstStyle>
-          <a:p/>
+          <a:p>
+            <a:endParaRPr/>
+          </a:p>
         </p:txBody>
       </p:sp>
       <p:sp>
         <p:nvSpPr>
           <p:cNvPr id="36" name="Google Shape;36;p8"/>
-          <p:cNvSpPr txBox="1"/>
+          <p:cNvSpPr txBox="1">
+            <a:spLocks noGrp="1"/>
+          </p:cNvSpPr>
           <p:nvPr>
-            <p:ph idx="12" type="sldNum"/>
+            <p:ph type="sldNum" idx="12"/>
           </p:nvPr>
         </p:nvSpPr>
         <p:spPr>
@@ -5555,27 +5646,27 @@
           </a:ln>
         </p:spPr>
         <p:txBody>
-          <a:bodyPr anchorCtr="0" anchor="ctr" bIns="91425" lIns="91425" spcFirstLastPara="1" rIns="91425" wrap="square" tIns="91425">
+          <a:bodyPr spcFirstLastPara="1" wrap="square" lIns="91425" tIns="91425" rIns="91425" bIns="91425" anchor="ctr" anchorCtr="0">
             <a:noAutofit/>
           </a:bodyPr>
           <a:lstStyle>
-            <a:lvl1pPr indent="0" lvl="0" marL="0" marR="0" algn="r">
-              <a:lnSpc>
-                <a:spcPct val="100000"/>
-              </a:lnSpc>
-              <a:spcBef>
-                <a:spcPts val="0"/>
-              </a:spcBef>
-              <a:spcAft>
-                <a:spcPts val="0"/>
-              </a:spcAft>
-              <a:buClr>
-                <a:srgbClr val="000000"/>
-              </a:buClr>
-              <a:buSzPts val="1000"/>
-              <a:buFont typeface="Arial"/>
-              <a:buNone/>
-              <a:defRPr b="0" i="0" sz="1000" u="none" cap="none" strike="noStrike">
+            <a:lvl1pPr marL="0" marR="0" lvl="0" indent="0" algn="r">
+              <a:lnSpc>
+                <a:spcPct val="100000"/>
+              </a:lnSpc>
+              <a:spcBef>
+                <a:spcPts val="0"/>
+              </a:spcBef>
+              <a:spcAft>
+                <a:spcPts val="0"/>
+              </a:spcAft>
+              <a:buClr>
+                <a:srgbClr val="000000"/>
+              </a:buClr>
+              <a:buSzPts val="1000"/>
+              <a:buFont typeface="Arial"/>
+              <a:buNone/>
+              <a:defRPr sz="1000" b="0" i="0" u="none" strike="noStrike" cap="none">
                 <a:solidFill>
                   <a:schemeClr val="dk1"/>
                 </a:solidFill>
@@ -5585,23 +5676,23 @@
                 <a:sym typeface="Economica"/>
               </a:defRPr>
             </a:lvl1pPr>
-            <a:lvl2pPr indent="0" lvl="1" marL="0" marR="0" algn="r">
-              <a:lnSpc>
-                <a:spcPct val="100000"/>
-              </a:lnSpc>
-              <a:spcBef>
-                <a:spcPts val="0"/>
-              </a:spcBef>
-              <a:spcAft>
-                <a:spcPts val="0"/>
-              </a:spcAft>
-              <a:buClr>
-                <a:srgbClr val="000000"/>
-              </a:buClr>
-              <a:buSzPts val="1000"/>
-              <a:buFont typeface="Arial"/>
-              <a:buNone/>
-              <a:defRPr b="0" i="0" sz="1000" u="none" cap="none" strike="noStrike">
+            <a:lvl2pPr marL="0" marR="0" lvl="1" indent="0" algn="r">
+              <a:lnSpc>
+                <a:spcPct val="100000"/>
+              </a:lnSpc>
+              <a:spcBef>
+                <a:spcPts val="0"/>
+              </a:spcBef>
+              <a:spcAft>
+                <a:spcPts val="0"/>
+              </a:spcAft>
+              <a:buClr>
+                <a:srgbClr val="000000"/>
+              </a:buClr>
+              <a:buSzPts val="1000"/>
+              <a:buFont typeface="Arial"/>
+              <a:buNone/>
+              <a:defRPr sz="1000" b="0" i="0" u="none" strike="noStrike" cap="none">
                 <a:solidFill>
                   <a:schemeClr val="dk1"/>
                 </a:solidFill>
@@ -5611,23 +5702,23 @@
                 <a:sym typeface="Economica"/>
               </a:defRPr>
             </a:lvl2pPr>
-            <a:lvl3pPr indent="0" lvl="2" marL="0" marR="0" algn="r">
-              <a:lnSpc>
-                <a:spcPct val="100000"/>
-              </a:lnSpc>
-              <a:spcBef>
-                <a:spcPts val="0"/>
-              </a:spcBef>
-              <a:spcAft>
-                <a:spcPts val="0"/>
-              </a:spcAft>
-              <a:buClr>
-                <a:srgbClr val="000000"/>
-              </a:buClr>
-              <a:buSzPts val="1000"/>
-              <a:buFont typeface="Arial"/>
-              <a:buNone/>
-              <a:defRPr b="0" i="0" sz="1000" u="none" cap="none" strike="noStrike">
+            <a:lvl3pPr marL="0" marR="0" lvl="2" indent="0" algn="r">
+              <a:lnSpc>
+                <a:spcPct val="100000"/>
+              </a:lnSpc>
+              <a:spcBef>
+                <a:spcPts val="0"/>
+              </a:spcBef>
+              <a:spcAft>
+                <a:spcPts val="0"/>
+              </a:spcAft>
+              <a:buClr>
+                <a:srgbClr val="000000"/>
+              </a:buClr>
+              <a:buSzPts val="1000"/>
+              <a:buFont typeface="Arial"/>
+              <a:buNone/>
+              <a:defRPr sz="1000" b="0" i="0" u="none" strike="noStrike" cap="none">
                 <a:solidFill>
                   <a:schemeClr val="dk1"/>
                 </a:solidFill>
@@ -5637,23 +5728,23 @@
                 <a:sym typeface="Economica"/>
               </a:defRPr>
             </a:lvl3pPr>
-            <a:lvl4pPr indent="0" lvl="3" marL="0" marR="0" algn="r">
-              <a:lnSpc>
-                <a:spcPct val="100000"/>
-              </a:lnSpc>
-              <a:spcBef>
-                <a:spcPts val="0"/>
-              </a:spcBef>
-              <a:spcAft>
-                <a:spcPts val="0"/>
-              </a:spcAft>
-              <a:buClr>
-                <a:srgbClr val="000000"/>
-              </a:buClr>
-              <a:buSzPts val="1000"/>
-              <a:buFont typeface="Arial"/>
-              <a:buNone/>
-              <a:defRPr b="0" i="0" sz="1000" u="none" cap="none" strike="noStrike">
+            <a:lvl4pPr marL="0" marR="0" lvl="3" indent="0" algn="r">
+              <a:lnSpc>
+                <a:spcPct val="100000"/>
+              </a:lnSpc>
+              <a:spcBef>
+                <a:spcPts val="0"/>
+              </a:spcBef>
+              <a:spcAft>
+                <a:spcPts val="0"/>
+              </a:spcAft>
+              <a:buClr>
+                <a:srgbClr val="000000"/>
+              </a:buClr>
+              <a:buSzPts val="1000"/>
+              <a:buFont typeface="Arial"/>
+              <a:buNone/>
+              <a:defRPr sz="1000" b="0" i="0" u="none" strike="noStrike" cap="none">
                 <a:solidFill>
                   <a:schemeClr val="dk1"/>
                 </a:solidFill>
@@ -5663,23 +5754,23 @@
                 <a:sym typeface="Economica"/>
               </a:defRPr>
             </a:lvl4pPr>
-            <a:lvl5pPr indent="0" lvl="4" marL="0" marR="0" algn="r">
-              <a:lnSpc>
-                <a:spcPct val="100000"/>
-              </a:lnSpc>
-              <a:spcBef>
-                <a:spcPts val="0"/>
-              </a:spcBef>
-              <a:spcAft>
-                <a:spcPts val="0"/>
-              </a:spcAft>
-              <a:buClr>
-                <a:srgbClr val="000000"/>
-              </a:buClr>
-              <a:buSzPts val="1000"/>
-              <a:buFont typeface="Arial"/>
-              <a:buNone/>
-              <a:defRPr b="0" i="0" sz="1000" u="none" cap="none" strike="noStrike">
+            <a:lvl5pPr marL="0" marR="0" lvl="4" indent="0" algn="r">
+              <a:lnSpc>
+                <a:spcPct val="100000"/>
+              </a:lnSpc>
+              <a:spcBef>
+                <a:spcPts val="0"/>
+              </a:spcBef>
+              <a:spcAft>
+                <a:spcPts val="0"/>
+              </a:spcAft>
+              <a:buClr>
+                <a:srgbClr val="000000"/>
+              </a:buClr>
+              <a:buSzPts val="1000"/>
+              <a:buFont typeface="Arial"/>
+              <a:buNone/>
+              <a:defRPr sz="1000" b="0" i="0" u="none" strike="noStrike" cap="none">
                 <a:solidFill>
                   <a:schemeClr val="dk1"/>
                 </a:solidFill>
@@ -5689,23 +5780,23 @@
                 <a:sym typeface="Economica"/>
               </a:defRPr>
             </a:lvl5pPr>
-            <a:lvl6pPr indent="0" lvl="5" marL="0" marR="0" algn="r">
-              <a:lnSpc>
-                <a:spcPct val="100000"/>
-              </a:lnSpc>
-              <a:spcBef>
-                <a:spcPts val="0"/>
-              </a:spcBef>
-              <a:spcAft>
-                <a:spcPts val="0"/>
-              </a:spcAft>
-              <a:buClr>
-                <a:srgbClr val="000000"/>
-              </a:buClr>
-              <a:buSzPts val="1000"/>
-              <a:buFont typeface="Arial"/>
-              <a:buNone/>
-              <a:defRPr b="0" i="0" sz="1000" u="none" cap="none" strike="noStrike">
+            <a:lvl6pPr marL="0" marR="0" lvl="5" indent="0" algn="r">
+              <a:lnSpc>
+                <a:spcPct val="100000"/>
+              </a:lnSpc>
+              <a:spcBef>
+                <a:spcPts val="0"/>
+              </a:spcBef>
+              <a:spcAft>
+                <a:spcPts val="0"/>
+              </a:spcAft>
+              <a:buClr>
+                <a:srgbClr val="000000"/>
+              </a:buClr>
+              <a:buSzPts val="1000"/>
+              <a:buFont typeface="Arial"/>
+              <a:buNone/>
+              <a:defRPr sz="1000" b="0" i="0" u="none" strike="noStrike" cap="none">
                 <a:solidFill>
                   <a:schemeClr val="dk1"/>
                 </a:solidFill>
@@ -5715,23 +5806,23 @@
                 <a:sym typeface="Economica"/>
               </a:defRPr>
             </a:lvl6pPr>
-            <a:lvl7pPr indent="0" lvl="6" marL="0" marR="0" algn="r">
-              <a:lnSpc>
-                <a:spcPct val="100000"/>
-              </a:lnSpc>
-              <a:spcBef>
-                <a:spcPts val="0"/>
-              </a:spcBef>
-              <a:spcAft>
-                <a:spcPts val="0"/>
-              </a:spcAft>
-              <a:buClr>
-                <a:srgbClr val="000000"/>
-              </a:buClr>
-              <a:buSzPts val="1000"/>
-              <a:buFont typeface="Arial"/>
-              <a:buNone/>
-              <a:defRPr b="0" i="0" sz="1000" u="none" cap="none" strike="noStrike">
+            <a:lvl7pPr marL="0" marR="0" lvl="6" indent="0" algn="r">
+              <a:lnSpc>
+                <a:spcPct val="100000"/>
+              </a:lnSpc>
+              <a:spcBef>
+                <a:spcPts val="0"/>
+              </a:spcBef>
+              <a:spcAft>
+                <a:spcPts val="0"/>
+              </a:spcAft>
+              <a:buClr>
+                <a:srgbClr val="000000"/>
+              </a:buClr>
+              <a:buSzPts val="1000"/>
+              <a:buFont typeface="Arial"/>
+              <a:buNone/>
+              <a:defRPr sz="1000" b="0" i="0" u="none" strike="noStrike" cap="none">
                 <a:solidFill>
                   <a:schemeClr val="dk1"/>
                 </a:solidFill>
@@ -5741,23 +5832,23 @@
                 <a:sym typeface="Economica"/>
               </a:defRPr>
             </a:lvl7pPr>
-            <a:lvl8pPr indent="0" lvl="7" marL="0" marR="0" algn="r">
-              <a:lnSpc>
-                <a:spcPct val="100000"/>
-              </a:lnSpc>
-              <a:spcBef>
-                <a:spcPts val="0"/>
-              </a:spcBef>
-              <a:spcAft>
-                <a:spcPts val="0"/>
-              </a:spcAft>
-              <a:buClr>
-                <a:srgbClr val="000000"/>
-              </a:buClr>
-              <a:buSzPts val="1000"/>
-              <a:buFont typeface="Arial"/>
-              <a:buNone/>
-              <a:defRPr b="0" i="0" sz="1000" u="none" cap="none" strike="noStrike">
+            <a:lvl8pPr marL="0" marR="0" lvl="7" indent="0" algn="r">
+              <a:lnSpc>
+                <a:spcPct val="100000"/>
+              </a:lnSpc>
+              <a:spcBef>
+                <a:spcPts val="0"/>
+              </a:spcBef>
+              <a:spcAft>
+                <a:spcPts val="0"/>
+              </a:spcAft>
+              <a:buClr>
+                <a:srgbClr val="000000"/>
+              </a:buClr>
+              <a:buSzPts val="1000"/>
+              <a:buFont typeface="Arial"/>
+              <a:buNone/>
+              <a:defRPr sz="1000" b="0" i="0" u="none" strike="noStrike" cap="none">
                 <a:solidFill>
                   <a:schemeClr val="dk1"/>
                 </a:solidFill>
@@ -5767,23 +5858,23 @@
                 <a:sym typeface="Economica"/>
               </a:defRPr>
             </a:lvl8pPr>
-            <a:lvl9pPr indent="0" lvl="8" marL="0" marR="0" algn="r">
-              <a:lnSpc>
-                <a:spcPct val="100000"/>
-              </a:lnSpc>
-              <a:spcBef>
-                <a:spcPts val="0"/>
-              </a:spcBef>
-              <a:spcAft>
-                <a:spcPts val="0"/>
-              </a:spcAft>
-              <a:buClr>
-                <a:srgbClr val="000000"/>
-              </a:buClr>
-              <a:buSzPts val="1000"/>
-              <a:buFont typeface="Arial"/>
-              <a:buNone/>
-              <a:defRPr b="0" i="0" sz="1000" u="none" cap="none" strike="noStrike">
+            <a:lvl9pPr marL="0" marR="0" lvl="8" indent="0" algn="r">
+              <a:lnSpc>
+                <a:spcPct val="100000"/>
+              </a:lnSpc>
+              <a:spcBef>
+                <a:spcPts val="0"/>
+              </a:spcBef>
+              <a:spcAft>
+                <a:spcPts val="0"/>
+              </a:spcAft>
+              <a:buClr>
+                <a:srgbClr val="000000"/>
+              </a:buClr>
+              <a:buSzPts val="1000"/>
+              <a:buFont typeface="Arial"/>
+              <a:buNone/>
+              <a:defRPr sz="1000" b="0" i="0" u="none" strike="noStrike" cap="none">
                 <a:solidFill>
                   <a:schemeClr val="dk1"/>
                 </a:solidFill>
@@ -5795,7 +5886,7 @@
             </a:lvl9pPr>
           </a:lstStyle>
           <a:p>
-            <a:pPr indent="0" lvl="0" marL="0" rtl="0" algn="r">
+            <a:pPr marL="0" lvl="0" indent="0" algn="r" rtl="0">
               <a:spcBef>
                 <a:spcPts val="0"/>
               </a:spcBef>
@@ -5821,11 +5912,11 @@
 </file>
 
 <file path=ppt/slideLayouts/slideLayout7.xml><?xml version="1.0" encoding="utf-8"?>
-<p:sldLayout xmlns:a="http://schemas.openxmlformats.org/drawingml/2006/main" xmlns:r="http://schemas.openxmlformats.org/officeDocument/2006/relationships" xmlns:mc="http://schemas.openxmlformats.org/markup-compatibility/2006" xmlns:mv="urn:schemas-microsoft-com:mac:vml" xmlns:p="http://schemas.openxmlformats.org/presentationml/2006/main" xmlns:c="http://schemas.openxmlformats.org/drawingml/2006/chart" xmlns:dgm="http://schemas.openxmlformats.org/drawingml/2006/diagram" xmlns:o="urn:schemas-microsoft-com:office:office" xmlns:v="urn:schemas-microsoft-com:vml" xmlns:pvml="urn:schemas-microsoft-com:office:powerpoint" xmlns:com="http://schemas.openxmlformats.org/drawingml/2006/compatibility" xmlns:p14="http://schemas.microsoft.com/office/powerpoint/2010/main" xmlns:p15="http://schemas.microsoft.com/office/powerpoint/2012/main" xmlns:ahyp="http://schemas.microsoft.com/office/drawing/2018/hyperlinkcolor" matchingName="Main point">
+<p:sldLayout xmlns:a="http://schemas.openxmlformats.org/drawingml/2006/main" xmlns:r="http://schemas.openxmlformats.org/officeDocument/2006/relationships" xmlns:p="http://schemas.openxmlformats.org/presentationml/2006/main" matchingName="Main point">
   <p:cSld name="MAIN_POINT">
     <p:spTree>
       <p:nvGrpSpPr>
-        <p:cNvPr id="37" name="Shape 37"/>
+        <p:cNvPr id="1" name="Shape 37"/>
         <p:cNvGrpSpPr/>
         <p:nvPr/>
       </p:nvGrpSpPr>
@@ -5859,12 +5950,12 @@
           </a:ln>
         </p:spPr>
         <p:txBody>
-          <a:bodyPr anchorCtr="0" anchor="ctr" bIns="91425" lIns="91425" spcFirstLastPara="1" rIns="91425" wrap="square" tIns="91425">
+          <a:bodyPr spcFirstLastPara="1" wrap="square" lIns="91425" tIns="91425" rIns="91425" bIns="91425" anchor="ctr" anchorCtr="0">
             <a:noAutofit/>
           </a:bodyPr>
           <a:lstStyle/>
           <a:p>
-            <a:pPr indent="0" lvl="0" marL="0" marR="0" rtl="0" algn="l">
+            <a:pPr marL="0" marR="0" lvl="0" indent="0" algn="l" rtl="0">
               <a:lnSpc>
                 <a:spcPct val="100000"/>
               </a:lnSpc>
@@ -5881,10 +5972,7 @@
               <a:buFont typeface="Arial"/>
               <a:buNone/>
             </a:pPr>
-            <a:r>
-              <a:t/>
-            </a:r>
-            <a:endParaRPr b="0" i="0" sz="1400" u="none" cap="none" strike="noStrike">
+            <a:endParaRPr sz="1400" b="0" i="0" u="none" strike="noStrike" cap="none">
               <a:solidFill>
                 <a:srgbClr val="000000"/>
               </a:solidFill>
@@ -5899,7 +5987,9 @@
       <p:sp>
         <p:nvSpPr>
           <p:cNvPr id="39" name="Google Shape;39;p9"/>
-          <p:cNvSpPr txBox="1"/>
+          <p:cNvSpPr txBox="1">
+            <a:spLocks noGrp="1"/>
+          </p:cNvSpPr>
           <p:nvPr>
             <p:ph type="title"/>
           </p:nvPr>
@@ -5918,7 +6008,7 @@
           </a:ln>
         </p:spPr>
         <p:txBody>
-          <a:bodyPr anchorCtr="0" anchor="ctr" bIns="91425" lIns="91425" spcFirstLastPara="1" rIns="91425" wrap="square" tIns="91425">
+          <a:bodyPr spcFirstLastPara="1" wrap="square" lIns="91425" tIns="91425" rIns="91425" bIns="91425" anchor="ctr" anchorCtr="0">
             <a:noAutofit/>
           </a:bodyPr>
           <a:lstStyle>
@@ -6049,15 +6139,19 @@
               <a:defRPr sz="4800"/>
             </a:lvl9pPr>
           </a:lstStyle>
-          <a:p/>
+          <a:p>
+            <a:endParaRPr/>
+          </a:p>
         </p:txBody>
       </p:sp>
       <p:sp>
         <p:nvSpPr>
           <p:cNvPr id="40" name="Google Shape;40;p9"/>
-          <p:cNvSpPr txBox="1"/>
+          <p:cNvSpPr txBox="1">
+            <a:spLocks noGrp="1"/>
+          </p:cNvSpPr>
           <p:nvPr>
-            <p:ph idx="12" type="sldNum"/>
+            <p:ph type="sldNum" idx="12"/>
           </p:nvPr>
         </p:nvSpPr>
         <p:spPr>
@@ -6074,27 +6168,27 @@
           </a:ln>
         </p:spPr>
         <p:txBody>
-          <a:bodyPr anchorCtr="0" anchor="ctr" bIns="91425" lIns="91425" spcFirstLastPara="1" rIns="91425" wrap="square" tIns="91425">
+          <a:bodyPr spcFirstLastPara="1" wrap="square" lIns="91425" tIns="91425" rIns="91425" bIns="91425" anchor="ctr" anchorCtr="0">
             <a:noAutofit/>
           </a:bodyPr>
           <a:lstStyle>
-            <a:lvl1pPr indent="0" lvl="0" marL="0" marR="0" algn="r">
-              <a:lnSpc>
-                <a:spcPct val="100000"/>
-              </a:lnSpc>
-              <a:spcBef>
-                <a:spcPts val="0"/>
-              </a:spcBef>
-              <a:spcAft>
-                <a:spcPts val="0"/>
-              </a:spcAft>
-              <a:buClr>
-                <a:srgbClr val="000000"/>
-              </a:buClr>
-              <a:buSzPts val="1000"/>
-              <a:buFont typeface="Arial"/>
-              <a:buNone/>
-              <a:defRPr b="0" i="0" sz="1000" u="none" cap="none" strike="noStrike">
+            <a:lvl1pPr marL="0" marR="0" lvl="0" indent="0" algn="r">
+              <a:lnSpc>
+                <a:spcPct val="100000"/>
+              </a:lnSpc>
+              <a:spcBef>
+                <a:spcPts val="0"/>
+              </a:spcBef>
+              <a:spcAft>
+                <a:spcPts val="0"/>
+              </a:spcAft>
+              <a:buClr>
+                <a:srgbClr val="000000"/>
+              </a:buClr>
+              <a:buSzPts val="1000"/>
+              <a:buFont typeface="Arial"/>
+              <a:buNone/>
+              <a:defRPr sz="1000" b="0" i="0" u="none" strike="noStrike" cap="none">
                 <a:solidFill>
                   <a:schemeClr val="dk1"/>
                 </a:solidFill>
@@ -6104,23 +6198,23 @@
                 <a:sym typeface="Economica"/>
               </a:defRPr>
             </a:lvl1pPr>
-            <a:lvl2pPr indent="0" lvl="1" marL="0" marR="0" algn="r">
-              <a:lnSpc>
-                <a:spcPct val="100000"/>
-              </a:lnSpc>
-              <a:spcBef>
-                <a:spcPts val="0"/>
-              </a:spcBef>
-              <a:spcAft>
-                <a:spcPts val="0"/>
-              </a:spcAft>
-              <a:buClr>
-                <a:srgbClr val="000000"/>
-              </a:buClr>
-              <a:buSzPts val="1000"/>
-              <a:buFont typeface="Arial"/>
-              <a:buNone/>
-              <a:defRPr b="0" i="0" sz="1000" u="none" cap="none" strike="noStrike">
+            <a:lvl2pPr marL="0" marR="0" lvl="1" indent="0" algn="r">
+              <a:lnSpc>
+                <a:spcPct val="100000"/>
+              </a:lnSpc>
+              <a:spcBef>
+                <a:spcPts val="0"/>
+              </a:spcBef>
+              <a:spcAft>
+                <a:spcPts val="0"/>
+              </a:spcAft>
+              <a:buClr>
+                <a:srgbClr val="000000"/>
+              </a:buClr>
+              <a:buSzPts val="1000"/>
+              <a:buFont typeface="Arial"/>
+              <a:buNone/>
+              <a:defRPr sz="1000" b="0" i="0" u="none" strike="noStrike" cap="none">
                 <a:solidFill>
                   <a:schemeClr val="dk1"/>
                 </a:solidFill>
@@ -6130,23 +6224,23 @@
                 <a:sym typeface="Economica"/>
               </a:defRPr>
             </a:lvl2pPr>
-            <a:lvl3pPr indent="0" lvl="2" marL="0" marR="0" algn="r">
-              <a:lnSpc>
-                <a:spcPct val="100000"/>
-              </a:lnSpc>
-              <a:spcBef>
-                <a:spcPts val="0"/>
-              </a:spcBef>
-              <a:spcAft>
-                <a:spcPts val="0"/>
-              </a:spcAft>
-              <a:buClr>
-                <a:srgbClr val="000000"/>
-              </a:buClr>
-              <a:buSzPts val="1000"/>
-              <a:buFont typeface="Arial"/>
-              <a:buNone/>
-              <a:defRPr b="0" i="0" sz="1000" u="none" cap="none" strike="noStrike">
+            <a:lvl3pPr marL="0" marR="0" lvl="2" indent="0" algn="r">
+              <a:lnSpc>
+                <a:spcPct val="100000"/>
+              </a:lnSpc>
+              <a:spcBef>
+                <a:spcPts val="0"/>
+              </a:spcBef>
+              <a:spcAft>
+                <a:spcPts val="0"/>
+              </a:spcAft>
+              <a:buClr>
+                <a:srgbClr val="000000"/>
+              </a:buClr>
+              <a:buSzPts val="1000"/>
+              <a:buFont typeface="Arial"/>
+              <a:buNone/>
+              <a:defRPr sz="1000" b="0" i="0" u="none" strike="noStrike" cap="none">
                 <a:solidFill>
                   <a:schemeClr val="dk1"/>
                 </a:solidFill>
@@ -6156,23 +6250,23 @@
                 <a:sym typeface="Economica"/>
               </a:defRPr>
             </a:lvl3pPr>
-            <a:lvl4pPr indent="0" lvl="3" marL="0" marR="0" algn="r">
-              <a:lnSpc>
-                <a:spcPct val="100000"/>
-              </a:lnSpc>
-              <a:spcBef>
-                <a:spcPts val="0"/>
-              </a:spcBef>
-              <a:spcAft>
-                <a:spcPts val="0"/>
-              </a:spcAft>
-              <a:buClr>
-                <a:srgbClr val="000000"/>
-              </a:buClr>
-              <a:buSzPts val="1000"/>
-              <a:buFont typeface="Arial"/>
-              <a:buNone/>
-              <a:defRPr b="0" i="0" sz="1000" u="none" cap="none" strike="noStrike">
+            <a:lvl4pPr marL="0" marR="0" lvl="3" indent="0" algn="r">
+              <a:lnSpc>
+                <a:spcPct val="100000"/>
+              </a:lnSpc>
+              <a:spcBef>
+                <a:spcPts val="0"/>
+              </a:spcBef>
+              <a:spcAft>
+                <a:spcPts val="0"/>
+              </a:spcAft>
+              <a:buClr>
+                <a:srgbClr val="000000"/>
+              </a:buClr>
+              <a:buSzPts val="1000"/>
+              <a:buFont typeface="Arial"/>
+              <a:buNone/>
+              <a:defRPr sz="1000" b="0" i="0" u="none" strike="noStrike" cap="none">
                 <a:solidFill>
                   <a:schemeClr val="dk1"/>
                 </a:solidFill>
@@ -6182,23 +6276,23 @@
                 <a:sym typeface="Economica"/>
               </a:defRPr>
             </a:lvl4pPr>
-            <a:lvl5pPr indent="0" lvl="4" marL="0" marR="0" algn="r">
-              <a:lnSpc>
-                <a:spcPct val="100000"/>
-              </a:lnSpc>
-              <a:spcBef>
-                <a:spcPts val="0"/>
-              </a:spcBef>
-              <a:spcAft>
-                <a:spcPts val="0"/>
-              </a:spcAft>
-              <a:buClr>
-                <a:srgbClr val="000000"/>
-              </a:buClr>
-              <a:buSzPts val="1000"/>
-              <a:buFont typeface="Arial"/>
-              <a:buNone/>
-              <a:defRPr b="0" i="0" sz="1000" u="none" cap="none" strike="noStrike">
+            <a:lvl5pPr marL="0" marR="0" lvl="4" indent="0" algn="r">
+              <a:lnSpc>
+                <a:spcPct val="100000"/>
+              </a:lnSpc>
+              <a:spcBef>
+                <a:spcPts val="0"/>
+              </a:spcBef>
+              <a:spcAft>
+                <a:spcPts val="0"/>
+              </a:spcAft>
+              <a:buClr>
+                <a:srgbClr val="000000"/>
+              </a:buClr>
+              <a:buSzPts val="1000"/>
+              <a:buFont typeface="Arial"/>
+              <a:buNone/>
+              <a:defRPr sz="1000" b="0" i="0" u="none" strike="noStrike" cap="none">
                 <a:solidFill>
                   <a:schemeClr val="dk1"/>
                 </a:solidFill>
@@ -6208,23 +6302,23 @@
                 <a:sym typeface="Economica"/>
               </a:defRPr>
             </a:lvl5pPr>
-            <a:lvl6pPr indent="0" lvl="5" marL="0" marR="0" algn="r">
-              <a:lnSpc>
-                <a:spcPct val="100000"/>
-              </a:lnSpc>
-              <a:spcBef>
-                <a:spcPts val="0"/>
-              </a:spcBef>
-              <a:spcAft>
-                <a:spcPts val="0"/>
-              </a:spcAft>
-              <a:buClr>
-                <a:srgbClr val="000000"/>
-              </a:buClr>
-              <a:buSzPts val="1000"/>
-              <a:buFont typeface="Arial"/>
-              <a:buNone/>
-              <a:defRPr b="0" i="0" sz="1000" u="none" cap="none" strike="noStrike">
+            <a:lvl6pPr marL="0" marR="0" lvl="5" indent="0" algn="r">
+              <a:lnSpc>
+                <a:spcPct val="100000"/>
+              </a:lnSpc>
+              <a:spcBef>
+                <a:spcPts val="0"/>
+              </a:spcBef>
+              <a:spcAft>
+                <a:spcPts val="0"/>
+              </a:spcAft>
+              <a:buClr>
+                <a:srgbClr val="000000"/>
+              </a:buClr>
+              <a:buSzPts val="1000"/>
+              <a:buFont typeface="Arial"/>
+              <a:buNone/>
+              <a:defRPr sz="1000" b="0" i="0" u="none" strike="noStrike" cap="none">
                 <a:solidFill>
                   <a:schemeClr val="dk1"/>
                 </a:solidFill>
@@ -6234,23 +6328,23 @@
                 <a:sym typeface="Economica"/>
               </a:defRPr>
             </a:lvl6pPr>
-            <a:lvl7pPr indent="0" lvl="6" marL="0" marR="0" algn="r">
-              <a:lnSpc>
-                <a:spcPct val="100000"/>
-              </a:lnSpc>
-              <a:spcBef>
-                <a:spcPts val="0"/>
-              </a:spcBef>
-              <a:spcAft>
-                <a:spcPts val="0"/>
-              </a:spcAft>
-              <a:buClr>
-                <a:srgbClr val="000000"/>
-              </a:buClr>
-              <a:buSzPts val="1000"/>
-              <a:buFont typeface="Arial"/>
-              <a:buNone/>
-              <a:defRPr b="0" i="0" sz="1000" u="none" cap="none" strike="noStrike">
+            <a:lvl7pPr marL="0" marR="0" lvl="6" indent="0" algn="r">
+              <a:lnSpc>
+                <a:spcPct val="100000"/>
+              </a:lnSpc>
+              <a:spcBef>
+                <a:spcPts val="0"/>
+              </a:spcBef>
+              <a:spcAft>
+                <a:spcPts val="0"/>
+              </a:spcAft>
+              <a:buClr>
+                <a:srgbClr val="000000"/>
+              </a:buClr>
+              <a:buSzPts val="1000"/>
+              <a:buFont typeface="Arial"/>
+              <a:buNone/>
+              <a:defRPr sz="1000" b="0" i="0" u="none" strike="noStrike" cap="none">
                 <a:solidFill>
                   <a:schemeClr val="dk1"/>
                 </a:solidFill>
@@ -6260,23 +6354,23 @@
                 <a:sym typeface="Economica"/>
               </a:defRPr>
             </a:lvl7pPr>
-            <a:lvl8pPr indent="0" lvl="7" marL="0" marR="0" algn="r">
-              <a:lnSpc>
-                <a:spcPct val="100000"/>
-              </a:lnSpc>
-              <a:spcBef>
-                <a:spcPts val="0"/>
-              </a:spcBef>
-              <a:spcAft>
-                <a:spcPts val="0"/>
-              </a:spcAft>
-              <a:buClr>
-                <a:srgbClr val="000000"/>
-              </a:buClr>
-              <a:buSzPts val="1000"/>
-              <a:buFont typeface="Arial"/>
-              <a:buNone/>
-              <a:defRPr b="0" i="0" sz="1000" u="none" cap="none" strike="noStrike">
+            <a:lvl8pPr marL="0" marR="0" lvl="7" indent="0" algn="r">
+              <a:lnSpc>
+                <a:spcPct val="100000"/>
+              </a:lnSpc>
+              <a:spcBef>
+                <a:spcPts val="0"/>
+              </a:spcBef>
+              <a:spcAft>
+                <a:spcPts val="0"/>
+              </a:spcAft>
+              <a:buClr>
+                <a:srgbClr val="000000"/>
+              </a:buClr>
+              <a:buSzPts val="1000"/>
+              <a:buFont typeface="Arial"/>
+              <a:buNone/>
+              <a:defRPr sz="1000" b="0" i="0" u="none" strike="noStrike" cap="none">
                 <a:solidFill>
                   <a:schemeClr val="dk1"/>
                 </a:solidFill>
@@ -6286,23 +6380,23 @@
                 <a:sym typeface="Economica"/>
               </a:defRPr>
             </a:lvl8pPr>
-            <a:lvl9pPr indent="0" lvl="8" marL="0" marR="0" algn="r">
-              <a:lnSpc>
-                <a:spcPct val="100000"/>
-              </a:lnSpc>
-              <a:spcBef>
-                <a:spcPts val="0"/>
-              </a:spcBef>
-              <a:spcAft>
-                <a:spcPts val="0"/>
-              </a:spcAft>
-              <a:buClr>
-                <a:srgbClr val="000000"/>
-              </a:buClr>
-              <a:buSzPts val="1000"/>
-              <a:buFont typeface="Arial"/>
-              <a:buNone/>
-              <a:defRPr b="0" i="0" sz="1000" u="none" cap="none" strike="noStrike">
+            <a:lvl9pPr marL="0" marR="0" lvl="8" indent="0" algn="r">
+              <a:lnSpc>
+                <a:spcPct val="100000"/>
+              </a:lnSpc>
+              <a:spcBef>
+                <a:spcPts val="0"/>
+              </a:spcBef>
+              <a:spcAft>
+                <a:spcPts val="0"/>
+              </a:spcAft>
+              <a:buClr>
+                <a:srgbClr val="000000"/>
+              </a:buClr>
+              <a:buSzPts val="1000"/>
+              <a:buFont typeface="Arial"/>
+              <a:buNone/>
+              <a:defRPr sz="1000" b="0" i="0" u="none" strike="noStrike" cap="none">
                 <a:solidFill>
                   <a:schemeClr val="dk1"/>
                 </a:solidFill>
@@ -6314,7 +6408,7 @@
             </a:lvl9pPr>
           </a:lstStyle>
           <a:p>
-            <a:pPr indent="0" lvl="0" marL="0" rtl="0" algn="r">
+            <a:pPr marL="0" lvl="0" indent="0" algn="r" rtl="0">
               <a:spcBef>
                 <a:spcPts val="0"/>
               </a:spcBef>
@@ -6340,11 +6434,11 @@
 </file>
 
 <file path=ppt/slideLayouts/slideLayout8.xml><?xml version="1.0" encoding="utf-8"?>
-<p:sldLayout xmlns:a="http://schemas.openxmlformats.org/drawingml/2006/main" xmlns:r="http://schemas.openxmlformats.org/officeDocument/2006/relationships" xmlns:mc="http://schemas.openxmlformats.org/markup-compatibility/2006" xmlns:mv="urn:schemas-microsoft-com:mac:vml" xmlns:p="http://schemas.openxmlformats.org/presentationml/2006/main" xmlns:c="http://schemas.openxmlformats.org/drawingml/2006/chart" xmlns:dgm="http://schemas.openxmlformats.org/drawingml/2006/diagram" xmlns:o="urn:schemas-microsoft-com:office:office" xmlns:v="urn:schemas-microsoft-com:vml" xmlns:pvml="urn:schemas-microsoft-com:office:powerpoint" xmlns:com="http://schemas.openxmlformats.org/drawingml/2006/compatibility" xmlns:p14="http://schemas.microsoft.com/office/powerpoint/2010/main" xmlns:p15="http://schemas.microsoft.com/office/powerpoint/2012/main" xmlns:ahyp="http://schemas.microsoft.com/office/drawing/2018/hyperlinkcolor" matchingName="Section title and description">
+<p:sldLayout xmlns:a="http://schemas.openxmlformats.org/drawingml/2006/main" xmlns:r="http://schemas.openxmlformats.org/officeDocument/2006/relationships" xmlns:p="http://schemas.openxmlformats.org/presentationml/2006/main" matchingName="Section title and description">
   <p:cSld name="SECTION_TITLE_AND_DESCRIPTION">
     <p:spTree>
       <p:nvGrpSpPr>
-        <p:cNvPr id="41" name="Shape 41"/>
+        <p:cNvPr id="1" name="Shape 41"/>
         <p:cNvGrpSpPr/>
         <p:nvPr/>
       </p:nvGrpSpPr>
@@ -6378,12 +6472,12 @@
           </a:ln>
         </p:spPr>
         <p:txBody>
-          <a:bodyPr anchorCtr="0" anchor="ctr" bIns="91425" lIns="91425" spcFirstLastPara="1" rIns="91425" wrap="square" tIns="91425">
+          <a:bodyPr spcFirstLastPara="1" wrap="square" lIns="91425" tIns="91425" rIns="91425" bIns="91425" anchor="ctr" anchorCtr="0">
             <a:noAutofit/>
           </a:bodyPr>
           <a:lstStyle/>
           <a:p>
-            <a:pPr indent="0" lvl="0" marL="0" marR="0" rtl="0" algn="l">
+            <a:pPr marL="0" marR="0" lvl="0" indent="0" algn="l" rtl="0">
               <a:lnSpc>
                 <a:spcPct val="100000"/>
               </a:lnSpc>
@@ -6400,10 +6494,7 @@
               <a:buFont typeface="Arial"/>
               <a:buNone/>
             </a:pPr>
-            <a:r>
-              <a:t/>
-            </a:r>
-            <a:endParaRPr b="0" i="0" sz="1400" u="none" cap="none" strike="noStrike">
+            <a:endParaRPr sz="1400" b="0" i="0" u="none" strike="noStrike" cap="none">
               <a:solidFill>
                 <a:srgbClr val="000000"/>
               </a:solidFill>
@@ -6430,21 +6521,23 @@
             <a:avLst/>
           </a:prstGeom>
           <a:noFill/>
-          <a:ln cap="flat" cmpd="sng" w="19050">
+          <a:ln w="19050" cap="flat" cmpd="sng">
             <a:solidFill>
               <a:schemeClr val="lt1"/>
             </a:solidFill>
             <a:prstDash val="solid"/>
             <a:round/>
-            <a:headEnd len="sm" w="sm" type="none"/>
-            <a:tailEnd len="sm" w="sm" type="none"/>
+            <a:headEnd type="none" w="sm" len="sm"/>
+            <a:tailEnd type="none" w="sm" len="sm"/>
           </a:ln>
         </p:spPr>
       </p:cxnSp>
       <p:sp>
         <p:nvSpPr>
           <p:cNvPr id="44" name="Google Shape;44;p10"/>
-          <p:cNvSpPr txBox="1"/>
+          <p:cNvSpPr txBox="1">
+            <a:spLocks noGrp="1"/>
+          </p:cNvSpPr>
           <p:nvPr>
             <p:ph type="title"/>
           </p:nvPr>
@@ -6463,7 +6556,7 @@
           </a:ln>
         </p:spPr>
         <p:txBody>
-          <a:bodyPr anchorCtr="0" anchor="b" bIns="91425" lIns="91425" spcFirstLastPara="1" rIns="91425" wrap="square" tIns="91425">
+          <a:bodyPr spcFirstLastPara="1" wrap="square" lIns="91425" tIns="91425" rIns="91425" bIns="91425" anchor="b" anchorCtr="0">
             <a:noAutofit/>
           </a:bodyPr>
           <a:lstStyle>
@@ -6657,15 +6750,19 @@
               </a:defRPr>
             </a:lvl9pPr>
           </a:lstStyle>
-          <a:p/>
+          <a:p>
+            <a:endParaRPr/>
+          </a:p>
         </p:txBody>
       </p:sp>
       <p:sp>
         <p:nvSpPr>
           <p:cNvPr id="45" name="Google Shape;45;p10"/>
-          <p:cNvSpPr txBox="1"/>
+          <p:cNvSpPr txBox="1">
+            <a:spLocks noGrp="1"/>
+          </p:cNvSpPr>
           <p:nvPr>
-            <p:ph idx="1" type="subTitle"/>
+            <p:ph type="subTitle" idx="1"/>
           </p:nvPr>
         </p:nvSpPr>
         <p:spPr>
@@ -6682,7 +6779,7 @@
           </a:ln>
         </p:spPr>
         <p:txBody>
-          <a:bodyPr anchorCtr="0" anchor="t" bIns="91425" lIns="91425" spcFirstLastPara="1" rIns="91425" wrap="square" tIns="91425">
+          <a:bodyPr spcFirstLastPara="1" wrap="square" lIns="91425" tIns="91425" rIns="91425" bIns="91425" anchor="t" anchorCtr="0">
             <a:noAutofit/>
           </a:bodyPr>
           <a:lstStyle>
@@ -6867,15 +6964,19 @@
               </a:defRPr>
             </a:lvl9pPr>
           </a:lstStyle>
-          <a:p/>
+          <a:p>
+            <a:endParaRPr/>
+          </a:p>
         </p:txBody>
       </p:sp>
       <p:sp>
         <p:nvSpPr>
           <p:cNvPr id="46" name="Google Shape;46;p10"/>
-          <p:cNvSpPr txBox="1"/>
+          <p:cNvSpPr txBox="1">
+            <a:spLocks noGrp="1"/>
+          </p:cNvSpPr>
           <p:nvPr>
-            <p:ph idx="2" type="body"/>
+            <p:ph type="body" idx="2"/>
           </p:nvPr>
         </p:nvSpPr>
         <p:spPr>
@@ -6892,11 +6993,11 @@
           </a:ln>
         </p:spPr>
         <p:txBody>
-          <a:bodyPr anchorCtr="0" anchor="ctr" bIns="91425" lIns="91425" spcFirstLastPara="1" rIns="91425" wrap="square" tIns="91425">
+          <a:bodyPr spcFirstLastPara="1" wrap="square" lIns="91425" tIns="91425" rIns="91425" bIns="91425" anchor="ctr" anchorCtr="0">
             <a:noAutofit/>
           </a:bodyPr>
           <a:lstStyle>
-            <a:lvl1pPr indent="-342900" lvl="0" marL="457200" algn="l">
+            <a:lvl1pPr marL="457200" lvl="0" indent="-342900" algn="l">
               <a:lnSpc>
                 <a:spcPct val="115000"/>
               </a:lnSpc>
@@ -6917,7 +7018,7 @@
                 </a:solidFill>
               </a:defRPr>
             </a:lvl1pPr>
-            <a:lvl2pPr indent="-317500" lvl="1" marL="914400" algn="l">
+            <a:lvl2pPr marL="914400" lvl="1" indent="-317500" algn="l">
               <a:lnSpc>
                 <a:spcPct val="115000"/>
               </a:lnSpc>
@@ -6938,7 +7039,7 @@
                 </a:solidFill>
               </a:defRPr>
             </a:lvl2pPr>
-            <a:lvl3pPr indent="-317500" lvl="2" marL="1371600" algn="l">
+            <a:lvl3pPr marL="1371600" lvl="2" indent="-317500" algn="l">
               <a:lnSpc>
                 <a:spcPct val="115000"/>
               </a:lnSpc>
@@ -6959,7 +7060,7 @@
                 </a:solidFill>
               </a:defRPr>
             </a:lvl3pPr>
-            <a:lvl4pPr indent="-317500" lvl="3" marL="1828800" algn="l">
+            <a:lvl4pPr marL="1828800" lvl="3" indent="-317500" algn="l">
               <a:lnSpc>
                 <a:spcPct val="115000"/>
               </a:lnSpc>
@@ -6980,7 +7081,7 @@
                 </a:solidFill>
               </a:defRPr>
             </a:lvl4pPr>
-            <a:lvl5pPr indent="-317500" lvl="4" marL="2286000" algn="l">
+            <a:lvl5pPr marL="2286000" lvl="4" indent="-317500" algn="l">
               <a:lnSpc>
                 <a:spcPct val="115000"/>
               </a:lnSpc>
@@ -7001,7 +7102,7 @@
                 </a:solidFill>
               </a:defRPr>
             </a:lvl5pPr>
-            <a:lvl6pPr indent="-317500" lvl="5" marL="2743200" algn="l">
+            <a:lvl6pPr marL="2743200" lvl="5" indent="-317500" algn="l">
               <a:lnSpc>
                 <a:spcPct val="115000"/>
               </a:lnSpc>
@@ -7022,7 +7123,7 @@
                 </a:solidFill>
               </a:defRPr>
             </a:lvl6pPr>
-            <a:lvl7pPr indent="-317500" lvl="6" marL="3200400" algn="l">
+            <a:lvl7pPr marL="3200400" lvl="6" indent="-317500" algn="l">
               <a:lnSpc>
                 <a:spcPct val="115000"/>
               </a:lnSpc>
@@ -7043,7 +7144,7 @@
                 </a:solidFill>
               </a:defRPr>
             </a:lvl7pPr>
-            <a:lvl8pPr indent="-317500" lvl="7" marL="3657600" algn="l">
+            <a:lvl8pPr marL="3657600" lvl="7" indent="-317500" algn="l">
               <a:lnSpc>
                 <a:spcPct val="115000"/>
               </a:lnSpc>
@@ -7064,7 +7165,7 @@
                 </a:solidFill>
               </a:defRPr>
             </a:lvl8pPr>
-            <a:lvl9pPr indent="-317500" lvl="8" marL="4114800" algn="l">
+            <a:lvl9pPr marL="4114800" lvl="8" indent="-317500" algn="l">
               <a:lnSpc>
                 <a:spcPct val="115000"/>
               </a:lnSpc>
@@ -7086,15 +7187,19 @@
               </a:defRPr>
             </a:lvl9pPr>
           </a:lstStyle>
-          <a:p/>
+          <a:p>
+            <a:endParaRPr/>
+          </a:p>
         </p:txBody>
       </p:sp>
       <p:sp>
         <p:nvSpPr>
           <p:cNvPr id="47" name="Google Shape;47;p10"/>
-          <p:cNvSpPr txBox="1"/>
+          <p:cNvSpPr txBox="1">
+            <a:spLocks noGrp="1"/>
+          </p:cNvSpPr>
           <p:nvPr>
-            <p:ph idx="12" type="sldNum"/>
+            <p:ph type="sldNum" idx="12"/>
           </p:nvPr>
         </p:nvSpPr>
         <p:spPr>
@@ -7111,27 +7216,27 @@
           </a:ln>
         </p:spPr>
         <p:txBody>
-          <a:bodyPr anchorCtr="0" anchor="ctr" bIns="91425" lIns="91425" spcFirstLastPara="1" rIns="91425" wrap="square" tIns="91425">
+          <a:bodyPr spcFirstLastPara="1" wrap="square" lIns="91425" tIns="91425" rIns="91425" bIns="91425" anchor="ctr" anchorCtr="0">
             <a:noAutofit/>
           </a:bodyPr>
           <a:lstStyle>
-            <a:lvl1pPr indent="0" lvl="0" marL="0" marR="0" algn="r">
-              <a:lnSpc>
-                <a:spcPct val="100000"/>
-              </a:lnSpc>
-              <a:spcBef>
-                <a:spcPts val="0"/>
-              </a:spcBef>
-              <a:spcAft>
-                <a:spcPts val="0"/>
-              </a:spcAft>
-              <a:buClr>
-                <a:srgbClr val="000000"/>
-              </a:buClr>
-              <a:buSzPts val="1000"/>
-              <a:buFont typeface="Arial"/>
-              <a:buNone/>
-              <a:defRPr b="0" i="0" sz="1000" u="none" cap="none" strike="noStrike">
+            <a:lvl1pPr marL="0" marR="0" lvl="0" indent="0" algn="r">
+              <a:lnSpc>
+                <a:spcPct val="100000"/>
+              </a:lnSpc>
+              <a:spcBef>
+                <a:spcPts val="0"/>
+              </a:spcBef>
+              <a:spcAft>
+                <a:spcPts val="0"/>
+              </a:spcAft>
+              <a:buClr>
+                <a:srgbClr val="000000"/>
+              </a:buClr>
+              <a:buSzPts val="1000"/>
+              <a:buFont typeface="Arial"/>
+              <a:buNone/>
+              <a:defRPr sz="1000" b="0" i="0" u="none" strike="noStrike" cap="none">
                 <a:solidFill>
                   <a:schemeClr val="lt1"/>
                 </a:solidFill>
@@ -7141,23 +7246,23 @@
                 <a:sym typeface="Economica"/>
               </a:defRPr>
             </a:lvl1pPr>
-            <a:lvl2pPr indent="0" lvl="1" marL="0" marR="0" algn="r">
-              <a:lnSpc>
-                <a:spcPct val="100000"/>
-              </a:lnSpc>
-              <a:spcBef>
-                <a:spcPts val="0"/>
-              </a:spcBef>
-              <a:spcAft>
-                <a:spcPts val="0"/>
-              </a:spcAft>
-              <a:buClr>
-                <a:srgbClr val="000000"/>
-              </a:buClr>
-              <a:buSzPts val="1000"/>
-              <a:buFont typeface="Arial"/>
-              <a:buNone/>
-              <a:defRPr b="0" i="0" sz="1000" u="none" cap="none" strike="noStrike">
+            <a:lvl2pPr marL="0" marR="0" lvl="1" indent="0" algn="r">
+              <a:lnSpc>
+                <a:spcPct val="100000"/>
+              </a:lnSpc>
+              <a:spcBef>
+                <a:spcPts val="0"/>
+              </a:spcBef>
+              <a:spcAft>
+                <a:spcPts val="0"/>
+              </a:spcAft>
+              <a:buClr>
+                <a:srgbClr val="000000"/>
+              </a:buClr>
+              <a:buSzPts val="1000"/>
+              <a:buFont typeface="Arial"/>
+              <a:buNone/>
+              <a:defRPr sz="1000" b="0" i="0" u="none" strike="noStrike" cap="none">
                 <a:solidFill>
                   <a:schemeClr val="lt1"/>
                 </a:solidFill>
@@ -7167,23 +7272,23 @@
                 <a:sym typeface="Economica"/>
               </a:defRPr>
             </a:lvl2pPr>
-            <a:lvl3pPr indent="0" lvl="2" marL="0" marR="0" algn="r">
-              <a:lnSpc>
-                <a:spcPct val="100000"/>
-              </a:lnSpc>
-              <a:spcBef>
-                <a:spcPts val="0"/>
-              </a:spcBef>
-              <a:spcAft>
-                <a:spcPts val="0"/>
-              </a:spcAft>
-              <a:buClr>
-                <a:srgbClr val="000000"/>
-              </a:buClr>
-              <a:buSzPts val="1000"/>
-              <a:buFont typeface="Arial"/>
-              <a:buNone/>
-              <a:defRPr b="0" i="0" sz="1000" u="none" cap="none" strike="noStrike">
+            <a:lvl3pPr marL="0" marR="0" lvl="2" indent="0" algn="r">
+              <a:lnSpc>
+                <a:spcPct val="100000"/>
+              </a:lnSpc>
+              <a:spcBef>
+                <a:spcPts val="0"/>
+              </a:spcBef>
+              <a:spcAft>
+                <a:spcPts val="0"/>
+              </a:spcAft>
+              <a:buClr>
+                <a:srgbClr val="000000"/>
+              </a:buClr>
+              <a:buSzPts val="1000"/>
+              <a:buFont typeface="Arial"/>
+              <a:buNone/>
+              <a:defRPr sz="1000" b="0" i="0" u="none" strike="noStrike" cap="none">
                 <a:solidFill>
                   <a:schemeClr val="lt1"/>
                 </a:solidFill>
@@ -7193,23 +7298,23 @@
                 <a:sym typeface="Economica"/>
               </a:defRPr>
             </a:lvl3pPr>
-            <a:lvl4pPr indent="0" lvl="3" marL="0" marR="0" algn="r">
-              <a:lnSpc>
-                <a:spcPct val="100000"/>
-              </a:lnSpc>
-              <a:spcBef>
-                <a:spcPts val="0"/>
-              </a:spcBef>
-              <a:spcAft>
-                <a:spcPts val="0"/>
-              </a:spcAft>
-              <a:buClr>
-                <a:srgbClr val="000000"/>
-              </a:buClr>
-              <a:buSzPts val="1000"/>
-              <a:buFont typeface="Arial"/>
-              <a:buNone/>
-              <a:defRPr b="0" i="0" sz="1000" u="none" cap="none" strike="noStrike">
+            <a:lvl4pPr marL="0" marR="0" lvl="3" indent="0" algn="r">
+              <a:lnSpc>
+                <a:spcPct val="100000"/>
+              </a:lnSpc>
+              <a:spcBef>
+                <a:spcPts val="0"/>
+              </a:spcBef>
+              <a:spcAft>
+                <a:spcPts val="0"/>
+              </a:spcAft>
+              <a:buClr>
+                <a:srgbClr val="000000"/>
+              </a:buClr>
+              <a:buSzPts val="1000"/>
+              <a:buFont typeface="Arial"/>
+              <a:buNone/>
+              <a:defRPr sz="1000" b="0" i="0" u="none" strike="noStrike" cap="none">
                 <a:solidFill>
                   <a:schemeClr val="lt1"/>
                 </a:solidFill>
@@ -7219,23 +7324,23 @@
                 <a:sym typeface="Economica"/>
               </a:defRPr>
             </a:lvl4pPr>
-            <a:lvl5pPr indent="0" lvl="4" marL="0" marR="0" algn="r">
-              <a:lnSpc>
-                <a:spcPct val="100000"/>
-              </a:lnSpc>
-              <a:spcBef>
-                <a:spcPts val="0"/>
-              </a:spcBef>
-              <a:spcAft>
-                <a:spcPts val="0"/>
-              </a:spcAft>
-              <a:buClr>
-                <a:srgbClr val="000000"/>
-              </a:buClr>
-              <a:buSzPts val="1000"/>
-              <a:buFont typeface="Arial"/>
-              <a:buNone/>
-              <a:defRPr b="0" i="0" sz="1000" u="none" cap="none" strike="noStrike">
+            <a:lvl5pPr marL="0" marR="0" lvl="4" indent="0" algn="r">
+              <a:lnSpc>
+                <a:spcPct val="100000"/>
+              </a:lnSpc>
+              <a:spcBef>
+                <a:spcPts val="0"/>
+              </a:spcBef>
+              <a:spcAft>
+                <a:spcPts val="0"/>
+              </a:spcAft>
+              <a:buClr>
+                <a:srgbClr val="000000"/>
+              </a:buClr>
+              <a:buSzPts val="1000"/>
+              <a:buFont typeface="Arial"/>
+              <a:buNone/>
+              <a:defRPr sz="1000" b="0" i="0" u="none" strike="noStrike" cap="none">
                 <a:solidFill>
                   <a:schemeClr val="lt1"/>
                 </a:solidFill>
@@ -7245,23 +7350,23 @@
                 <a:sym typeface="Economica"/>
               </a:defRPr>
             </a:lvl5pPr>
-            <a:lvl6pPr indent="0" lvl="5" marL="0" marR="0" algn="r">
-              <a:lnSpc>
-                <a:spcPct val="100000"/>
-              </a:lnSpc>
-              <a:spcBef>
-                <a:spcPts val="0"/>
-              </a:spcBef>
-              <a:spcAft>
-                <a:spcPts val="0"/>
-              </a:spcAft>
-              <a:buClr>
-                <a:srgbClr val="000000"/>
-              </a:buClr>
-              <a:buSzPts val="1000"/>
-              <a:buFont typeface="Arial"/>
-              <a:buNone/>
-              <a:defRPr b="0" i="0" sz="1000" u="none" cap="none" strike="noStrike">
+            <a:lvl6pPr marL="0" marR="0" lvl="5" indent="0" algn="r">
+              <a:lnSpc>
+                <a:spcPct val="100000"/>
+              </a:lnSpc>
+              <a:spcBef>
+                <a:spcPts val="0"/>
+              </a:spcBef>
+              <a:spcAft>
+                <a:spcPts val="0"/>
+              </a:spcAft>
+              <a:buClr>
+                <a:srgbClr val="000000"/>
+              </a:buClr>
+              <a:buSzPts val="1000"/>
+              <a:buFont typeface="Arial"/>
+              <a:buNone/>
+              <a:defRPr sz="1000" b="0" i="0" u="none" strike="noStrike" cap="none">
                 <a:solidFill>
                   <a:schemeClr val="lt1"/>
                 </a:solidFill>
@@ -7271,23 +7376,23 @@
                 <a:sym typeface="Economica"/>
               </a:defRPr>
             </a:lvl6pPr>
-            <a:lvl7pPr indent="0" lvl="6" marL="0" marR="0" algn="r">
-              <a:lnSpc>
-                <a:spcPct val="100000"/>
-              </a:lnSpc>
-              <a:spcBef>
-                <a:spcPts val="0"/>
-              </a:spcBef>
-              <a:spcAft>
-                <a:spcPts val="0"/>
-              </a:spcAft>
-              <a:buClr>
-                <a:srgbClr val="000000"/>
-              </a:buClr>
-              <a:buSzPts val="1000"/>
-              <a:buFont typeface="Arial"/>
-              <a:buNone/>
-              <a:defRPr b="0" i="0" sz="1000" u="none" cap="none" strike="noStrike">
+            <a:lvl7pPr marL="0" marR="0" lvl="6" indent="0" algn="r">
+              <a:lnSpc>
+                <a:spcPct val="100000"/>
+              </a:lnSpc>
+              <a:spcBef>
+                <a:spcPts val="0"/>
+              </a:spcBef>
+              <a:spcAft>
+                <a:spcPts val="0"/>
+              </a:spcAft>
+              <a:buClr>
+                <a:srgbClr val="000000"/>
+              </a:buClr>
+              <a:buSzPts val="1000"/>
+              <a:buFont typeface="Arial"/>
+              <a:buNone/>
+              <a:defRPr sz="1000" b="0" i="0" u="none" strike="noStrike" cap="none">
                 <a:solidFill>
                   <a:schemeClr val="lt1"/>
                 </a:solidFill>
@@ -7297,23 +7402,23 @@
                 <a:sym typeface="Economica"/>
               </a:defRPr>
             </a:lvl7pPr>
-            <a:lvl8pPr indent="0" lvl="7" marL="0" marR="0" algn="r">
-              <a:lnSpc>
-                <a:spcPct val="100000"/>
-              </a:lnSpc>
-              <a:spcBef>
-                <a:spcPts val="0"/>
-              </a:spcBef>
-              <a:spcAft>
-                <a:spcPts val="0"/>
-              </a:spcAft>
-              <a:buClr>
-                <a:srgbClr val="000000"/>
-              </a:buClr>
-              <a:buSzPts val="1000"/>
-              <a:buFont typeface="Arial"/>
-              <a:buNone/>
-              <a:defRPr b="0" i="0" sz="1000" u="none" cap="none" strike="noStrike">
+            <a:lvl8pPr marL="0" marR="0" lvl="7" indent="0" algn="r">
+              <a:lnSpc>
+                <a:spcPct val="100000"/>
+              </a:lnSpc>
+              <a:spcBef>
+                <a:spcPts val="0"/>
+              </a:spcBef>
+              <a:spcAft>
+                <a:spcPts val="0"/>
+              </a:spcAft>
+              <a:buClr>
+                <a:srgbClr val="000000"/>
+              </a:buClr>
+              <a:buSzPts val="1000"/>
+              <a:buFont typeface="Arial"/>
+              <a:buNone/>
+              <a:defRPr sz="1000" b="0" i="0" u="none" strike="noStrike" cap="none">
                 <a:solidFill>
                   <a:schemeClr val="lt1"/>
                 </a:solidFill>
@@ -7323,23 +7428,23 @@
                 <a:sym typeface="Economica"/>
               </a:defRPr>
             </a:lvl8pPr>
-            <a:lvl9pPr indent="0" lvl="8" marL="0" marR="0" algn="r">
-              <a:lnSpc>
-                <a:spcPct val="100000"/>
-              </a:lnSpc>
-              <a:spcBef>
-                <a:spcPts val="0"/>
-              </a:spcBef>
-              <a:spcAft>
-                <a:spcPts val="0"/>
-              </a:spcAft>
-              <a:buClr>
-                <a:srgbClr val="000000"/>
-              </a:buClr>
-              <a:buSzPts val="1000"/>
-              <a:buFont typeface="Arial"/>
-              <a:buNone/>
-              <a:defRPr b="0" i="0" sz="1000" u="none" cap="none" strike="noStrike">
+            <a:lvl9pPr marL="0" marR="0" lvl="8" indent="0" algn="r">
+              <a:lnSpc>
+                <a:spcPct val="100000"/>
+              </a:lnSpc>
+              <a:spcBef>
+                <a:spcPts val="0"/>
+              </a:spcBef>
+              <a:spcAft>
+                <a:spcPts val="0"/>
+              </a:spcAft>
+              <a:buClr>
+                <a:srgbClr val="000000"/>
+              </a:buClr>
+              <a:buSzPts val="1000"/>
+              <a:buFont typeface="Arial"/>
+              <a:buNone/>
+              <a:defRPr sz="1000" b="0" i="0" u="none" strike="noStrike" cap="none">
                 <a:solidFill>
                   <a:schemeClr val="lt1"/>
                 </a:solidFill>
@@ -7351,7 +7456,7 @@
             </a:lvl9pPr>
           </a:lstStyle>
           <a:p>
-            <a:pPr indent="0" lvl="0" marL="0" rtl="0" algn="r">
+            <a:pPr marL="0" lvl="0" indent="0" algn="r" rtl="0">
               <a:spcBef>
                 <a:spcPts val="0"/>
               </a:spcBef>
@@ -7377,11 +7482,11 @@
 </file>
 
 <file path=ppt/slideLayouts/slideLayout9.xml><?xml version="1.0" encoding="utf-8"?>
-<p:sldLayout xmlns:a="http://schemas.openxmlformats.org/drawingml/2006/main" xmlns:r="http://schemas.openxmlformats.org/officeDocument/2006/relationships" xmlns:mc="http://schemas.openxmlformats.org/markup-compatibility/2006" xmlns:mv="urn:schemas-microsoft-com:mac:vml" xmlns:p="http://schemas.openxmlformats.org/presentationml/2006/main" xmlns:c="http://schemas.openxmlformats.org/drawingml/2006/chart" xmlns:dgm="http://schemas.openxmlformats.org/drawingml/2006/diagram" xmlns:o="urn:schemas-microsoft-com:office:office" xmlns:v="urn:schemas-microsoft-com:vml" xmlns:pvml="urn:schemas-microsoft-com:office:powerpoint" xmlns:com="http://schemas.openxmlformats.org/drawingml/2006/compatibility" xmlns:p14="http://schemas.microsoft.com/office/powerpoint/2010/main" xmlns:p15="http://schemas.microsoft.com/office/powerpoint/2012/main" xmlns:ahyp="http://schemas.microsoft.com/office/drawing/2018/hyperlinkcolor" matchingName="Caption">
+<p:sldLayout xmlns:a="http://schemas.openxmlformats.org/drawingml/2006/main" xmlns:r="http://schemas.openxmlformats.org/officeDocument/2006/relationships" xmlns:p="http://schemas.openxmlformats.org/presentationml/2006/main" matchingName="Caption">
   <p:cSld name="CAPTION_ONLY">
     <p:spTree>
       <p:nvGrpSpPr>
-        <p:cNvPr id="48" name="Shape 48"/>
+        <p:cNvPr id="1" name="Shape 48"/>
         <p:cNvGrpSpPr/>
         <p:nvPr/>
       </p:nvGrpSpPr>
@@ -7396,9 +7501,11 @@
       <p:sp>
         <p:nvSpPr>
           <p:cNvPr id="49" name="Google Shape;49;p11"/>
-          <p:cNvSpPr txBox="1"/>
+          <p:cNvSpPr txBox="1">
+            <a:spLocks noGrp="1"/>
+          </p:cNvSpPr>
           <p:nvPr>
-            <p:ph idx="1" type="body"/>
+            <p:ph type="body" idx="1"/>
           </p:nvPr>
         </p:nvSpPr>
         <p:spPr>
@@ -7415,11 +7522,11 @@
           </a:ln>
         </p:spPr>
         <p:txBody>
-          <a:bodyPr anchorCtr="0" anchor="ctr" bIns="91425" lIns="91425" spcFirstLastPara="1" rIns="91425" wrap="square" tIns="91425">
+          <a:bodyPr spcFirstLastPara="1" wrap="square" lIns="91425" tIns="91425" rIns="91425" bIns="91425" anchor="ctr" anchorCtr="0">
             <a:noAutofit/>
           </a:bodyPr>
           <a:lstStyle>
-            <a:lvl1pPr indent="-228600" lvl="0" marL="457200" algn="l">
+            <a:lvl1pPr marL="457200" lvl="0" indent="-228600" algn="l">
               <a:lnSpc>
                 <a:spcPct val="100000"/>
               </a:lnSpc>
@@ -7440,15 +7547,19 @@
               </a:defRPr>
             </a:lvl1pPr>
           </a:lstStyle>
-          <a:p/>
+          <a:p>
+            <a:endParaRPr/>
+          </a:p>
         </p:txBody>
       </p:sp>
       <p:sp>
         <p:nvSpPr>
           <p:cNvPr id="50" name="Google Shape;50;p11"/>
-          <p:cNvSpPr txBox="1"/>
+          <p:cNvSpPr txBox="1">
+            <a:spLocks noGrp="1"/>
+          </p:cNvSpPr>
           <p:nvPr>
-            <p:ph idx="12" type="sldNum"/>
+            <p:ph type="sldNum" idx="12"/>
           </p:nvPr>
         </p:nvSpPr>
         <p:spPr>
@@ -7465,27 +7576,27 @@
           </a:ln>
         </p:spPr>
         <p:txBody>
-          <a:bodyPr anchorCtr="0" anchor="ctr" bIns="91425" lIns="91425" spcFirstLastPara="1" rIns="91425" wrap="square" tIns="91425">
+          <a:bodyPr spcFirstLastPara="1" wrap="square" lIns="91425" tIns="91425" rIns="91425" bIns="91425" anchor="ctr" anchorCtr="0">
             <a:noAutofit/>
           </a:bodyPr>
           <a:lstStyle>
-            <a:lvl1pPr indent="0" lvl="0" marL="0" marR="0" algn="r">
-              <a:lnSpc>
-                <a:spcPct val="100000"/>
-              </a:lnSpc>
-              <a:spcBef>
-                <a:spcPts val="0"/>
-              </a:spcBef>
-              <a:spcAft>
-                <a:spcPts val="0"/>
-              </a:spcAft>
-              <a:buClr>
-                <a:srgbClr val="000000"/>
-              </a:buClr>
-              <a:buSzPts val="1000"/>
-              <a:buFont typeface="Arial"/>
-              <a:buNone/>
-              <a:defRPr b="0" i="0" sz="1000" u="none" cap="none" strike="noStrike">
+            <a:lvl1pPr marL="0" marR="0" lvl="0" indent="0" algn="r">
+              <a:lnSpc>
+                <a:spcPct val="100000"/>
+              </a:lnSpc>
+              <a:spcBef>
+                <a:spcPts val="0"/>
+              </a:spcBef>
+              <a:spcAft>
+                <a:spcPts val="0"/>
+              </a:spcAft>
+              <a:buClr>
+                <a:srgbClr val="000000"/>
+              </a:buClr>
+              <a:buSzPts val="1000"/>
+              <a:buFont typeface="Arial"/>
+              <a:buNone/>
+              <a:defRPr sz="1000" b="0" i="0" u="none" strike="noStrike" cap="none">
                 <a:solidFill>
                   <a:schemeClr val="dk1"/>
                 </a:solidFill>
@@ -7495,23 +7606,23 @@
                 <a:sym typeface="Economica"/>
               </a:defRPr>
             </a:lvl1pPr>
-            <a:lvl2pPr indent="0" lvl="1" marL="0" marR="0" algn="r">
-              <a:lnSpc>
-                <a:spcPct val="100000"/>
-              </a:lnSpc>
-              <a:spcBef>
-                <a:spcPts val="0"/>
-              </a:spcBef>
-              <a:spcAft>
-                <a:spcPts val="0"/>
-              </a:spcAft>
-              <a:buClr>
-                <a:srgbClr val="000000"/>
-              </a:buClr>
-              <a:buSzPts val="1000"/>
-              <a:buFont typeface="Arial"/>
-              <a:buNone/>
-              <a:defRPr b="0" i="0" sz="1000" u="none" cap="none" strike="noStrike">
+            <a:lvl2pPr marL="0" marR="0" lvl="1" indent="0" algn="r">
+              <a:lnSpc>
+                <a:spcPct val="100000"/>
+              </a:lnSpc>
+              <a:spcBef>
+                <a:spcPts val="0"/>
+              </a:spcBef>
+              <a:spcAft>
+                <a:spcPts val="0"/>
+              </a:spcAft>
+              <a:buClr>
+                <a:srgbClr val="000000"/>
+              </a:buClr>
+              <a:buSzPts val="1000"/>
+              <a:buFont typeface="Arial"/>
+              <a:buNone/>
+              <a:defRPr sz="1000" b="0" i="0" u="none" strike="noStrike" cap="none">
                 <a:solidFill>
                   <a:schemeClr val="dk1"/>
                 </a:solidFill>
@@ -7521,23 +7632,23 @@
                 <a:sym typeface="Economica"/>
               </a:defRPr>
             </a:lvl2pPr>
-            <a:lvl3pPr indent="0" lvl="2" marL="0" marR="0" algn="r">
-              <a:lnSpc>
-                <a:spcPct val="100000"/>
-              </a:lnSpc>
-              <a:spcBef>
-                <a:spcPts val="0"/>
-              </a:spcBef>
-              <a:spcAft>
-                <a:spcPts val="0"/>
-              </a:spcAft>
-              <a:buClr>
-                <a:srgbClr val="000000"/>
-              </a:buClr>
-              <a:buSzPts val="1000"/>
-              <a:buFont typeface="Arial"/>
-              <a:buNone/>
-              <a:defRPr b="0" i="0" sz="1000" u="none" cap="none" strike="noStrike">
+            <a:lvl3pPr marL="0" marR="0" lvl="2" indent="0" algn="r">
+              <a:lnSpc>
+                <a:spcPct val="100000"/>
+              </a:lnSpc>
+              <a:spcBef>
+                <a:spcPts val="0"/>
+              </a:spcBef>
+              <a:spcAft>
+                <a:spcPts val="0"/>
+              </a:spcAft>
+              <a:buClr>
+                <a:srgbClr val="000000"/>
+              </a:buClr>
+              <a:buSzPts val="1000"/>
+              <a:buFont typeface="Arial"/>
+              <a:buNone/>
+              <a:defRPr sz="1000" b="0" i="0" u="none" strike="noStrike" cap="none">
                 <a:solidFill>
                   <a:schemeClr val="dk1"/>
                 </a:solidFill>
@@ -7547,23 +7658,23 @@
                 <a:sym typeface="Economica"/>
               </a:defRPr>
             </a:lvl3pPr>
-            <a:lvl4pPr indent="0" lvl="3" marL="0" marR="0" algn="r">
-              <a:lnSpc>
-                <a:spcPct val="100000"/>
-              </a:lnSpc>
-              <a:spcBef>
-                <a:spcPts val="0"/>
-              </a:spcBef>
-              <a:spcAft>
-                <a:spcPts val="0"/>
-              </a:spcAft>
-              <a:buClr>
-                <a:srgbClr val="000000"/>
-              </a:buClr>
-              <a:buSzPts val="1000"/>
-              <a:buFont typeface="Arial"/>
-              <a:buNone/>
-              <a:defRPr b="0" i="0" sz="1000" u="none" cap="none" strike="noStrike">
+            <a:lvl4pPr marL="0" marR="0" lvl="3" indent="0" algn="r">
+              <a:lnSpc>
+                <a:spcPct val="100000"/>
+              </a:lnSpc>
+              <a:spcBef>
+                <a:spcPts val="0"/>
+              </a:spcBef>
+              <a:spcAft>
+                <a:spcPts val="0"/>
+              </a:spcAft>
+              <a:buClr>
+                <a:srgbClr val="000000"/>
+              </a:buClr>
+              <a:buSzPts val="1000"/>
+              <a:buFont typeface="Arial"/>
+              <a:buNone/>
+              <a:defRPr sz="1000" b="0" i="0" u="none" strike="noStrike" cap="none">
                 <a:solidFill>
                   <a:schemeClr val="dk1"/>
                 </a:solidFill>
@@ -7573,23 +7684,23 @@
                 <a:sym typeface="Economica"/>
               </a:defRPr>
             </a:lvl4pPr>
-            <a:lvl5pPr indent="0" lvl="4" marL="0" marR="0" algn="r">
-              <a:lnSpc>
-                <a:spcPct val="100000"/>
-              </a:lnSpc>
-              <a:spcBef>
-                <a:spcPts val="0"/>
-              </a:spcBef>
-              <a:spcAft>
-                <a:spcPts val="0"/>
-              </a:spcAft>
-              <a:buClr>
-                <a:srgbClr val="000000"/>
-              </a:buClr>
-              <a:buSzPts val="1000"/>
-              <a:buFont typeface="Arial"/>
-              <a:buNone/>
-              <a:defRPr b="0" i="0" sz="1000" u="none" cap="none" strike="noStrike">
+            <a:lvl5pPr marL="0" marR="0" lvl="4" indent="0" algn="r">
+              <a:lnSpc>
+                <a:spcPct val="100000"/>
+              </a:lnSpc>
+              <a:spcBef>
+                <a:spcPts val="0"/>
+              </a:spcBef>
+              <a:spcAft>
+                <a:spcPts val="0"/>
+              </a:spcAft>
+              <a:buClr>
+                <a:srgbClr val="000000"/>
+              </a:buClr>
+              <a:buSzPts val="1000"/>
+              <a:buFont typeface="Arial"/>
+              <a:buNone/>
+              <a:defRPr sz="1000" b="0" i="0" u="none" strike="noStrike" cap="none">
                 <a:solidFill>
                   <a:schemeClr val="dk1"/>
                 </a:solidFill>
@@ -7599,23 +7710,23 @@
                 <a:sym typeface="Economica"/>
               </a:defRPr>
             </a:lvl5pPr>
-            <a:lvl6pPr indent="0" lvl="5" marL="0" marR="0" algn="r">
-              <a:lnSpc>
-                <a:spcPct val="100000"/>
-              </a:lnSpc>
-              <a:spcBef>
-                <a:spcPts val="0"/>
-              </a:spcBef>
-              <a:spcAft>
-                <a:spcPts val="0"/>
-              </a:spcAft>
-              <a:buClr>
-                <a:srgbClr val="000000"/>
-              </a:buClr>
-              <a:buSzPts val="1000"/>
-              <a:buFont typeface="Arial"/>
-              <a:buNone/>
-              <a:defRPr b="0" i="0" sz="1000" u="none" cap="none" strike="noStrike">
+            <a:lvl6pPr marL="0" marR="0" lvl="5" indent="0" algn="r">
+              <a:lnSpc>
+                <a:spcPct val="100000"/>
+              </a:lnSpc>
+              <a:spcBef>
+                <a:spcPts val="0"/>
+              </a:spcBef>
+              <a:spcAft>
+                <a:spcPts val="0"/>
+              </a:spcAft>
+              <a:buClr>
+                <a:srgbClr val="000000"/>
+              </a:buClr>
+              <a:buSzPts val="1000"/>
+              <a:buFont typeface="Arial"/>
+              <a:buNone/>
+              <a:defRPr sz="1000" b="0" i="0" u="none" strike="noStrike" cap="none">
                 <a:solidFill>
                   <a:schemeClr val="dk1"/>
                 </a:solidFill>
@@ -7625,23 +7736,23 @@
                 <a:sym typeface="Economica"/>
               </a:defRPr>
             </a:lvl6pPr>
-            <a:lvl7pPr indent="0" lvl="6" marL="0" marR="0" algn="r">
-              <a:lnSpc>
-                <a:spcPct val="100000"/>
-              </a:lnSpc>
-              <a:spcBef>
-                <a:spcPts val="0"/>
-              </a:spcBef>
-              <a:spcAft>
-                <a:spcPts val="0"/>
-              </a:spcAft>
-              <a:buClr>
-                <a:srgbClr val="000000"/>
-              </a:buClr>
-              <a:buSzPts val="1000"/>
-              <a:buFont typeface="Arial"/>
-              <a:buNone/>
-              <a:defRPr b="0" i="0" sz="1000" u="none" cap="none" strike="noStrike">
+            <a:lvl7pPr marL="0" marR="0" lvl="6" indent="0" algn="r">
+              <a:lnSpc>
+                <a:spcPct val="100000"/>
+              </a:lnSpc>
+              <a:spcBef>
+                <a:spcPts val="0"/>
+              </a:spcBef>
+              <a:spcAft>
+                <a:spcPts val="0"/>
+              </a:spcAft>
+              <a:buClr>
+                <a:srgbClr val="000000"/>
+              </a:buClr>
+              <a:buSzPts val="1000"/>
+              <a:buFont typeface="Arial"/>
+              <a:buNone/>
+              <a:defRPr sz="1000" b="0" i="0" u="none" strike="noStrike" cap="none">
                 <a:solidFill>
                   <a:schemeClr val="dk1"/>
                 </a:solidFill>
@@ -7651,23 +7762,23 @@
                 <a:sym typeface="Economica"/>
               </a:defRPr>
             </a:lvl7pPr>
-            <a:lvl8pPr indent="0" lvl="7" marL="0" marR="0" algn="r">
-              <a:lnSpc>
-                <a:spcPct val="100000"/>
-              </a:lnSpc>
-              <a:spcBef>
-                <a:spcPts val="0"/>
-              </a:spcBef>
-              <a:spcAft>
-                <a:spcPts val="0"/>
-              </a:spcAft>
-              <a:buClr>
-                <a:srgbClr val="000000"/>
-              </a:buClr>
-              <a:buSzPts val="1000"/>
-              <a:buFont typeface="Arial"/>
-              <a:buNone/>
-              <a:defRPr b="0" i="0" sz="1000" u="none" cap="none" strike="noStrike">
+            <a:lvl8pPr marL="0" marR="0" lvl="7" indent="0" algn="r">
+              <a:lnSpc>
+                <a:spcPct val="100000"/>
+              </a:lnSpc>
+              <a:spcBef>
+                <a:spcPts val="0"/>
+              </a:spcBef>
+              <a:spcAft>
+                <a:spcPts val="0"/>
+              </a:spcAft>
+              <a:buClr>
+                <a:srgbClr val="000000"/>
+              </a:buClr>
+              <a:buSzPts val="1000"/>
+              <a:buFont typeface="Arial"/>
+              <a:buNone/>
+              <a:defRPr sz="1000" b="0" i="0" u="none" strike="noStrike" cap="none">
                 <a:solidFill>
                   <a:schemeClr val="dk1"/>
                 </a:solidFill>
@@ -7677,23 +7788,23 @@
                 <a:sym typeface="Economica"/>
               </a:defRPr>
             </a:lvl8pPr>
-            <a:lvl9pPr indent="0" lvl="8" marL="0" marR="0" algn="r">
-              <a:lnSpc>
-                <a:spcPct val="100000"/>
-              </a:lnSpc>
-              <a:spcBef>
-                <a:spcPts val="0"/>
-              </a:spcBef>
-              <a:spcAft>
-                <a:spcPts val="0"/>
-              </a:spcAft>
-              <a:buClr>
-                <a:srgbClr val="000000"/>
-              </a:buClr>
-              <a:buSzPts val="1000"/>
-              <a:buFont typeface="Arial"/>
-              <a:buNone/>
-              <a:defRPr b="0" i="0" sz="1000" u="none" cap="none" strike="noStrike">
+            <a:lvl9pPr marL="0" marR="0" lvl="8" indent="0" algn="r">
+              <a:lnSpc>
+                <a:spcPct val="100000"/>
+              </a:lnSpc>
+              <a:spcBef>
+                <a:spcPts val="0"/>
+              </a:spcBef>
+              <a:spcAft>
+                <a:spcPts val="0"/>
+              </a:spcAft>
+              <a:buClr>
+                <a:srgbClr val="000000"/>
+              </a:buClr>
+              <a:buSzPts val="1000"/>
+              <a:buFont typeface="Arial"/>
+              <a:buNone/>
+              <a:defRPr sz="1000" b="0" i="0" u="none" strike="noStrike" cap="none">
                 <a:solidFill>
                   <a:schemeClr val="dk1"/>
                 </a:solidFill>
@@ -7705,7 +7816,7 @@
             </a:lvl9pPr>
           </a:lstStyle>
           <a:p>
-            <a:pPr indent="0" lvl="0" marL="0" rtl="0" algn="r">
+            <a:pPr marL="0" lvl="0" indent="0" algn="r" rtl="0">
               <a:spcBef>
                 <a:spcPts val="0"/>
               </a:spcBef>
@@ -7731,18 +7842,19 @@
 </file>
 
 <file path=ppt/slideMasters/slideMaster1.xml><?xml version="1.0" encoding="utf-8"?>
-<p:sldMaster xmlns:a="http://schemas.openxmlformats.org/drawingml/2006/main" xmlns:r="http://schemas.openxmlformats.org/officeDocument/2006/relationships" xmlns:mc="http://schemas.openxmlformats.org/markup-compatibility/2006" xmlns:mv="urn:schemas-microsoft-com:mac:vml" xmlns:p="http://schemas.openxmlformats.org/presentationml/2006/main" xmlns:c="http://schemas.openxmlformats.org/drawingml/2006/chart" xmlns:dgm="http://schemas.openxmlformats.org/drawingml/2006/diagram" xmlns:o="urn:schemas-microsoft-com:office:office" xmlns:v="urn:schemas-microsoft-com:vml" xmlns:pvml="urn:schemas-microsoft-com:office:powerpoint" xmlns:com="http://schemas.openxmlformats.org/drawingml/2006/compatibility" xmlns:p14="http://schemas.microsoft.com/office/powerpoint/2010/main" xmlns:p15="http://schemas.microsoft.com/office/powerpoint/2012/main" xmlns:ahyp="http://schemas.microsoft.com/office/drawing/2018/hyperlinkcolor">
+<p:sldMaster xmlns:a="http://schemas.openxmlformats.org/drawingml/2006/main" xmlns:r="http://schemas.openxmlformats.org/officeDocument/2006/relationships" xmlns:p="http://schemas.openxmlformats.org/presentationml/2006/main">
   <p:cSld name="luxe">
     <p:bg>
       <p:bgPr>
         <a:solidFill>
           <a:schemeClr val="lt1"/>
         </a:solidFill>
+        <a:effectLst/>
       </p:bgPr>
     </p:bg>
     <p:spTree>
       <p:nvGrpSpPr>
-        <p:cNvPr id="5" name="Shape 5"/>
+        <p:cNvPr id="1" name="Shape 5"/>
         <p:cNvGrpSpPr/>
         <p:nvPr/>
       </p:nvGrpSpPr>
@@ -7757,7 +7869,9 @@
       <p:sp>
         <p:nvSpPr>
           <p:cNvPr id="6" name="Google Shape;6;p2"/>
-          <p:cNvSpPr txBox="1"/>
+          <p:cNvSpPr txBox="1">
+            <a:spLocks noGrp="1"/>
+          </p:cNvSpPr>
           <p:nvPr>
             <p:ph type="title"/>
           </p:nvPr>
@@ -7776,11 +7890,11 @@
           </a:ln>
         </p:spPr>
         <p:txBody>
-          <a:bodyPr anchorCtr="0" anchor="b" bIns="91425" lIns="91425" spcFirstLastPara="1" rIns="91425" wrap="square" tIns="91425">
+          <a:bodyPr spcFirstLastPara="1" wrap="square" lIns="91425" tIns="91425" rIns="91425" bIns="91425" anchor="b" anchorCtr="0">
             <a:noAutofit/>
           </a:bodyPr>
           <a:lstStyle>
-            <a:lvl1pPr lvl="0" marR="0" rtl="0" algn="l">
+            <a:lvl1pPr marR="0" lvl="0" algn="l" rtl="0">
               <a:lnSpc>
                 <a:spcPct val="100000"/>
               </a:lnSpc>
@@ -7796,7 +7910,7 @@
               <a:buSzPts val="4200"/>
               <a:buFont typeface="Economica"/>
               <a:buNone/>
-              <a:defRPr b="0" i="0" sz="4200" u="none" cap="none" strike="noStrike">
+              <a:defRPr sz="4200" b="0" i="0" u="none" strike="noStrike" cap="none">
                 <a:solidFill>
                   <a:schemeClr val="dk1"/>
                 </a:solidFill>
@@ -7806,7 +7920,7 @@
                 <a:sym typeface="Economica"/>
               </a:defRPr>
             </a:lvl1pPr>
-            <a:lvl2pPr lvl="1" marR="0" rtl="0" algn="l">
+            <a:lvl2pPr marR="0" lvl="1" algn="l" rtl="0">
               <a:lnSpc>
                 <a:spcPct val="100000"/>
               </a:lnSpc>
@@ -7822,7 +7936,7 @@
               <a:buSzPts val="4200"/>
               <a:buFont typeface="Economica"/>
               <a:buNone/>
-              <a:defRPr b="0" i="0" sz="4200" u="none" cap="none" strike="noStrike">
+              <a:defRPr sz="4200" b="0" i="0" u="none" strike="noStrike" cap="none">
                 <a:solidFill>
                   <a:schemeClr val="dk1"/>
                 </a:solidFill>
@@ -7832,7 +7946,7 @@
                 <a:sym typeface="Economica"/>
               </a:defRPr>
             </a:lvl2pPr>
-            <a:lvl3pPr lvl="2" marR="0" rtl="0" algn="l">
+            <a:lvl3pPr marR="0" lvl="2" algn="l" rtl="0">
               <a:lnSpc>
                 <a:spcPct val="100000"/>
               </a:lnSpc>
@@ -7848,7 +7962,7 @@
               <a:buSzPts val="4200"/>
               <a:buFont typeface="Economica"/>
               <a:buNone/>
-              <a:defRPr b="0" i="0" sz="4200" u="none" cap="none" strike="noStrike">
+              <a:defRPr sz="4200" b="0" i="0" u="none" strike="noStrike" cap="none">
                 <a:solidFill>
                   <a:schemeClr val="dk1"/>
                 </a:solidFill>
@@ -7858,7 +7972,7 @@
                 <a:sym typeface="Economica"/>
               </a:defRPr>
             </a:lvl3pPr>
-            <a:lvl4pPr lvl="3" marR="0" rtl="0" algn="l">
+            <a:lvl4pPr marR="0" lvl="3" algn="l" rtl="0">
               <a:lnSpc>
                 <a:spcPct val="100000"/>
               </a:lnSpc>
@@ -7874,7 +7988,7 @@
               <a:buSzPts val="4200"/>
               <a:buFont typeface="Economica"/>
               <a:buNone/>
-              <a:defRPr b="0" i="0" sz="4200" u="none" cap="none" strike="noStrike">
+              <a:defRPr sz="4200" b="0" i="0" u="none" strike="noStrike" cap="none">
                 <a:solidFill>
                   <a:schemeClr val="dk1"/>
                 </a:solidFill>
@@ -7884,7 +7998,7 @@
                 <a:sym typeface="Economica"/>
               </a:defRPr>
             </a:lvl4pPr>
-            <a:lvl5pPr lvl="4" marR="0" rtl="0" algn="l">
+            <a:lvl5pPr marR="0" lvl="4" algn="l" rtl="0">
               <a:lnSpc>
                 <a:spcPct val="100000"/>
               </a:lnSpc>
@@ -7900,7 +8014,7 @@
               <a:buSzPts val="4200"/>
               <a:buFont typeface="Economica"/>
               <a:buNone/>
-              <a:defRPr b="0" i="0" sz="4200" u="none" cap="none" strike="noStrike">
+              <a:defRPr sz="4200" b="0" i="0" u="none" strike="noStrike" cap="none">
                 <a:solidFill>
                   <a:schemeClr val="dk1"/>
                 </a:solidFill>
@@ -7910,7 +8024,7 @@
                 <a:sym typeface="Economica"/>
               </a:defRPr>
             </a:lvl5pPr>
-            <a:lvl6pPr lvl="5" marR="0" rtl="0" algn="l">
+            <a:lvl6pPr marR="0" lvl="5" algn="l" rtl="0">
               <a:lnSpc>
                 <a:spcPct val="100000"/>
               </a:lnSpc>
@@ -7926,7 +8040,7 @@
               <a:buSzPts val="4200"/>
               <a:buFont typeface="Economica"/>
               <a:buNone/>
-              <a:defRPr b="0" i="0" sz="4200" u="none" cap="none" strike="noStrike">
+              <a:defRPr sz="4200" b="0" i="0" u="none" strike="noStrike" cap="none">
                 <a:solidFill>
                   <a:schemeClr val="dk1"/>
                 </a:solidFill>
@@ -7936,7 +8050,7 @@
                 <a:sym typeface="Economica"/>
               </a:defRPr>
             </a:lvl6pPr>
-            <a:lvl7pPr lvl="6" marR="0" rtl="0" algn="l">
+            <a:lvl7pPr marR="0" lvl="6" algn="l" rtl="0">
               <a:lnSpc>
                 <a:spcPct val="100000"/>
               </a:lnSpc>
@@ -7952,7 +8066,7 @@
               <a:buSzPts val="4200"/>
               <a:buFont typeface="Economica"/>
               <a:buNone/>
-              <a:defRPr b="0" i="0" sz="4200" u="none" cap="none" strike="noStrike">
+              <a:defRPr sz="4200" b="0" i="0" u="none" strike="noStrike" cap="none">
                 <a:solidFill>
                   <a:schemeClr val="dk1"/>
                 </a:solidFill>
@@ -7962,7 +8076,7 @@
                 <a:sym typeface="Economica"/>
               </a:defRPr>
             </a:lvl7pPr>
-            <a:lvl8pPr lvl="7" marR="0" rtl="0" algn="l">
+            <a:lvl8pPr marR="0" lvl="7" algn="l" rtl="0">
               <a:lnSpc>
                 <a:spcPct val="100000"/>
               </a:lnSpc>
@@ -7978,7 +8092,7 @@
               <a:buSzPts val="4200"/>
               <a:buFont typeface="Economica"/>
               <a:buNone/>
-              <a:defRPr b="0" i="0" sz="4200" u="none" cap="none" strike="noStrike">
+              <a:defRPr sz="4200" b="0" i="0" u="none" strike="noStrike" cap="none">
                 <a:solidFill>
                   <a:schemeClr val="dk1"/>
                 </a:solidFill>
@@ -7988,7 +8102,7 @@
                 <a:sym typeface="Economica"/>
               </a:defRPr>
             </a:lvl8pPr>
-            <a:lvl9pPr lvl="8" marR="0" rtl="0" algn="l">
+            <a:lvl9pPr marR="0" lvl="8" algn="l" rtl="0">
               <a:lnSpc>
                 <a:spcPct val="100000"/>
               </a:lnSpc>
@@ -8004,7 +8118,7 @@
               <a:buSzPts val="4200"/>
               <a:buFont typeface="Economica"/>
               <a:buNone/>
-              <a:defRPr b="0" i="0" sz="4200" u="none" cap="none" strike="noStrike">
+              <a:defRPr sz="4200" b="0" i="0" u="none" strike="noStrike" cap="none">
                 <a:solidFill>
                   <a:schemeClr val="dk1"/>
                 </a:solidFill>
@@ -8015,15 +8129,19 @@
               </a:defRPr>
             </a:lvl9pPr>
           </a:lstStyle>
-          <a:p/>
+          <a:p>
+            <a:endParaRPr/>
+          </a:p>
         </p:txBody>
       </p:sp>
       <p:sp>
         <p:nvSpPr>
           <p:cNvPr id="7" name="Google Shape;7;p2"/>
-          <p:cNvSpPr txBox="1"/>
+          <p:cNvSpPr txBox="1">
+            <a:spLocks noGrp="1"/>
+          </p:cNvSpPr>
           <p:nvPr>
-            <p:ph idx="1" type="body"/>
+            <p:ph type="body" idx="1"/>
           </p:nvPr>
         </p:nvSpPr>
         <p:spPr>
@@ -8040,11 +8158,11 @@
           </a:ln>
         </p:spPr>
         <p:txBody>
-          <a:bodyPr anchorCtr="0" anchor="t" bIns="91425" lIns="91425" spcFirstLastPara="1" rIns="91425" wrap="square" tIns="91425">
+          <a:bodyPr spcFirstLastPara="1" wrap="square" lIns="91425" tIns="91425" rIns="91425" bIns="91425" anchor="t" anchorCtr="0">
             <a:noAutofit/>
           </a:bodyPr>
           <a:lstStyle>
-            <a:lvl1pPr indent="-342900" lvl="0" marL="457200" marR="0" rtl="0" algn="l">
+            <a:lvl1pPr marL="457200" marR="0" lvl="0" indent="-342900" algn="l" rtl="0">
               <a:lnSpc>
                 <a:spcPct val="115000"/>
               </a:lnSpc>
@@ -8060,7 +8178,7 @@
               <a:buSzPts val="1800"/>
               <a:buFont typeface="Open Sans"/>
               <a:buChar char="●"/>
-              <a:defRPr b="0" i="0" sz="1800" u="none" cap="none" strike="noStrike">
+              <a:defRPr sz="1800" b="0" i="0" u="none" strike="noStrike" cap="none">
                 <a:solidFill>
                   <a:schemeClr val="dk1"/>
                 </a:solidFill>
@@ -8070,7 +8188,7 @@
                 <a:sym typeface="Open Sans"/>
               </a:defRPr>
             </a:lvl1pPr>
-            <a:lvl2pPr indent="-317500" lvl="1" marL="914400" marR="0" rtl="0" algn="l">
+            <a:lvl2pPr marL="914400" marR="0" lvl="1" indent="-317500" algn="l" rtl="0">
               <a:lnSpc>
                 <a:spcPct val="115000"/>
               </a:lnSpc>
@@ -8086,7 +8204,7 @@
               <a:buSzPts val="1400"/>
               <a:buFont typeface="Open Sans"/>
               <a:buChar char="○"/>
-              <a:defRPr b="0" i="0" sz="1400" u="none" cap="none" strike="noStrike">
+              <a:defRPr sz="1400" b="0" i="0" u="none" strike="noStrike" cap="none">
                 <a:solidFill>
                   <a:schemeClr val="dk1"/>
                 </a:solidFill>
@@ -8096,7 +8214,7 @@
                 <a:sym typeface="Open Sans"/>
               </a:defRPr>
             </a:lvl2pPr>
-            <a:lvl3pPr indent="-317500" lvl="2" marL="1371600" marR="0" rtl="0" algn="l">
+            <a:lvl3pPr marL="1371600" marR="0" lvl="2" indent="-317500" algn="l" rtl="0">
               <a:lnSpc>
                 <a:spcPct val="115000"/>
               </a:lnSpc>
@@ -8112,7 +8230,7 @@
               <a:buSzPts val="1400"/>
               <a:buFont typeface="Open Sans"/>
               <a:buChar char="■"/>
-              <a:defRPr b="0" i="0" sz="1400" u="none" cap="none" strike="noStrike">
+              <a:defRPr sz="1400" b="0" i="0" u="none" strike="noStrike" cap="none">
                 <a:solidFill>
                   <a:schemeClr val="dk1"/>
                 </a:solidFill>
@@ -8122,7 +8240,7 @@
                 <a:sym typeface="Open Sans"/>
               </a:defRPr>
             </a:lvl3pPr>
-            <a:lvl4pPr indent="-317500" lvl="3" marL="1828800" marR="0" rtl="0" algn="l">
+            <a:lvl4pPr marL="1828800" marR="0" lvl="3" indent="-317500" algn="l" rtl="0">
               <a:lnSpc>
                 <a:spcPct val="115000"/>
               </a:lnSpc>
@@ -8138,7 +8256,7 @@
               <a:buSzPts val="1400"/>
               <a:buFont typeface="Open Sans"/>
               <a:buChar char="●"/>
-              <a:defRPr b="0" i="0" sz="1400" u="none" cap="none" strike="noStrike">
+              <a:defRPr sz="1400" b="0" i="0" u="none" strike="noStrike" cap="none">
                 <a:solidFill>
                   <a:schemeClr val="dk1"/>
                 </a:solidFill>
@@ -8148,7 +8266,7 @@
                 <a:sym typeface="Open Sans"/>
               </a:defRPr>
             </a:lvl4pPr>
-            <a:lvl5pPr indent="-317500" lvl="4" marL="2286000" marR="0" rtl="0" algn="l">
+            <a:lvl5pPr marL="2286000" marR="0" lvl="4" indent="-317500" algn="l" rtl="0">
               <a:lnSpc>
                 <a:spcPct val="115000"/>
               </a:lnSpc>
@@ -8164,7 +8282,7 @@
               <a:buSzPts val="1400"/>
               <a:buFont typeface="Open Sans"/>
               <a:buChar char="○"/>
-              <a:defRPr b="0" i="0" sz="1400" u="none" cap="none" strike="noStrike">
+              <a:defRPr sz="1400" b="0" i="0" u="none" strike="noStrike" cap="none">
                 <a:solidFill>
                   <a:schemeClr val="dk1"/>
                 </a:solidFill>
@@ -8174,7 +8292,7 @@
                 <a:sym typeface="Open Sans"/>
               </a:defRPr>
             </a:lvl5pPr>
-            <a:lvl6pPr indent="-317500" lvl="5" marL="2743200" marR="0" rtl="0" algn="l">
+            <a:lvl6pPr marL="2743200" marR="0" lvl="5" indent="-317500" algn="l" rtl="0">
               <a:lnSpc>
                 <a:spcPct val="115000"/>
               </a:lnSpc>
@@ -8190,7 +8308,7 @@
               <a:buSzPts val="1400"/>
               <a:buFont typeface="Open Sans"/>
               <a:buChar char="■"/>
-              <a:defRPr b="0" i="0" sz="1400" u="none" cap="none" strike="noStrike">
+              <a:defRPr sz="1400" b="0" i="0" u="none" strike="noStrike" cap="none">
                 <a:solidFill>
                   <a:schemeClr val="dk1"/>
                 </a:solidFill>
@@ -8200,7 +8318,7 @@
                 <a:sym typeface="Open Sans"/>
               </a:defRPr>
             </a:lvl6pPr>
-            <a:lvl7pPr indent="-317500" lvl="6" marL="3200400" marR="0" rtl="0" algn="l">
+            <a:lvl7pPr marL="3200400" marR="0" lvl="6" indent="-317500" algn="l" rtl="0">
               <a:lnSpc>
                 <a:spcPct val="115000"/>
               </a:lnSpc>
@@ -8216,7 +8334,7 @@
               <a:buSzPts val="1400"/>
               <a:buFont typeface="Open Sans"/>
               <a:buChar char="●"/>
-              <a:defRPr b="0" i="0" sz="1400" u="none" cap="none" strike="noStrike">
+              <a:defRPr sz="1400" b="0" i="0" u="none" strike="noStrike" cap="none">
                 <a:solidFill>
                   <a:schemeClr val="dk1"/>
                 </a:solidFill>
@@ -8226,7 +8344,7 @@
                 <a:sym typeface="Open Sans"/>
               </a:defRPr>
             </a:lvl7pPr>
-            <a:lvl8pPr indent="-317500" lvl="7" marL="3657600" marR="0" rtl="0" algn="l">
+            <a:lvl8pPr marL="3657600" marR="0" lvl="7" indent="-317500" algn="l" rtl="0">
               <a:lnSpc>
                 <a:spcPct val="115000"/>
               </a:lnSpc>
@@ -8242,7 +8360,7 @@
               <a:buSzPts val="1400"/>
               <a:buFont typeface="Open Sans"/>
               <a:buChar char="○"/>
-              <a:defRPr b="0" i="0" sz="1400" u="none" cap="none" strike="noStrike">
+              <a:defRPr sz="1400" b="0" i="0" u="none" strike="noStrike" cap="none">
                 <a:solidFill>
                   <a:schemeClr val="dk1"/>
                 </a:solidFill>
@@ -8252,7 +8370,7 @@
                 <a:sym typeface="Open Sans"/>
               </a:defRPr>
             </a:lvl8pPr>
-            <a:lvl9pPr indent="-317500" lvl="8" marL="4114800" marR="0" rtl="0" algn="l">
+            <a:lvl9pPr marL="4114800" marR="0" lvl="8" indent="-317500" algn="l" rtl="0">
               <a:lnSpc>
                 <a:spcPct val="115000"/>
               </a:lnSpc>
@@ -8268,7 +8386,7 @@
               <a:buSzPts val="1400"/>
               <a:buFont typeface="Open Sans"/>
               <a:buChar char="■"/>
-              <a:defRPr b="0" i="0" sz="1400" u="none" cap="none" strike="noStrike">
+              <a:defRPr sz="1400" b="0" i="0" u="none" strike="noStrike" cap="none">
                 <a:solidFill>
                   <a:schemeClr val="dk1"/>
                 </a:solidFill>
@@ -8279,15 +8397,19 @@
               </a:defRPr>
             </a:lvl9pPr>
           </a:lstStyle>
-          <a:p/>
+          <a:p>
+            <a:endParaRPr/>
+          </a:p>
         </p:txBody>
       </p:sp>
       <p:sp>
         <p:nvSpPr>
           <p:cNvPr id="8" name="Google Shape;8;p2"/>
-          <p:cNvSpPr txBox="1"/>
+          <p:cNvSpPr txBox="1">
+            <a:spLocks noGrp="1"/>
+          </p:cNvSpPr>
           <p:nvPr>
-            <p:ph idx="12" type="sldNum"/>
+            <p:ph type="sldNum" idx="12"/>
           </p:nvPr>
         </p:nvSpPr>
         <p:spPr>
@@ -8304,27 +8426,27 @@
           </a:ln>
         </p:spPr>
         <p:txBody>
-          <a:bodyPr anchorCtr="0" anchor="ctr" bIns="91425" lIns="91425" spcFirstLastPara="1" rIns="91425" wrap="square" tIns="91425">
+          <a:bodyPr spcFirstLastPara="1" wrap="square" lIns="91425" tIns="91425" rIns="91425" bIns="91425" anchor="ctr" anchorCtr="0">
             <a:noAutofit/>
           </a:bodyPr>
           <a:lstStyle>
-            <a:lvl1pPr indent="0" lvl="0" marL="0" marR="0" rtl="0" algn="r">
-              <a:lnSpc>
-                <a:spcPct val="100000"/>
-              </a:lnSpc>
-              <a:spcBef>
-                <a:spcPts val="0"/>
-              </a:spcBef>
-              <a:spcAft>
-                <a:spcPts val="0"/>
-              </a:spcAft>
-              <a:buClr>
-                <a:srgbClr val="000000"/>
-              </a:buClr>
-              <a:buSzPts val="1000"/>
-              <a:buFont typeface="Arial"/>
-              <a:buNone/>
-              <a:defRPr b="0" i="0" sz="1000" u="none" cap="none" strike="noStrike">
+            <a:lvl1pPr marL="0" marR="0" lvl="0" indent="0" algn="r" rtl="0">
+              <a:lnSpc>
+                <a:spcPct val="100000"/>
+              </a:lnSpc>
+              <a:spcBef>
+                <a:spcPts val="0"/>
+              </a:spcBef>
+              <a:spcAft>
+                <a:spcPts val="0"/>
+              </a:spcAft>
+              <a:buClr>
+                <a:srgbClr val="000000"/>
+              </a:buClr>
+              <a:buSzPts val="1000"/>
+              <a:buFont typeface="Arial"/>
+              <a:buNone/>
+              <a:defRPr sz="1000" b="0" i="0" u="none" strike="noStrike" cap="none">
                 <a:solidFill>
                   <a:schemeClr val="dk1"/>
                 </a:solidFill>
@@ -8334,23 +8456,23 @@
                 <a:sym typeface="Economica"/>
               </a:defRPr>
             </a:lvl1pPr>
-            <a:lvl2pPr indent="0" lvl="1" marL="0" marR="0" rtl="0" algn="r">
-              <a:lnSpc>
-                <a:spcPct val="100000"/>
-              </a:lnSpc>
-              <a:spcBef>
-                <a:spcPts val="0"/>
-              </a:spcBef>
-              <a:spcAft>
-                <a:spcPts val="0"/>
-              </a:spcAft>
-              <a:buClr>
-                <a:srgbClr val="000000"/>
-              </a:buClr>
-              <a:buSzPts val="1000"/>
-              <a:buFont typeface="Arial"/>
-              <a:buNone/>
-              <a:defRPr b="0" i="0" sz="1000" u="none" cap="none" strike="noStrike">
+            <a:lvl2pPr marL="0" marR="0" lvl="1" indent="0" algn="r" rtl="0">
+              <a:lnSpc>
+                <a:spcPct val="100000"/>
+              </a:lnSpc>
+              <a:spcBef>
+                <a:spcPts val="0"/>
+              </a:spcBef>
+              <a:spcAft>
+                <a:spcPts val="0"/>
+              </a:spcAft>
+              <a:buClr>
+                <a:srgbClr val="000000"/>
+              </a:buClr>
+              <a:buSzPts val="1000"/>
+              <a:buFont typeface="Arial"/>
+              <a:buNone/>
+              <a:defRPr sz="1000" b="0" i="0" u="none" strike="noStrike" cap="none">
                 <a:solidFill>
                   <a:schemeClr val="dk1"/>
                 </a:solidFill>
@@ -8360,23 +8482,23 @@
                 <a:sym typeface="Economica"/>
               </a:defRPr>
             </a:lvl2pPr>
-            <a:lvl3pPr indent="0" lvl="2" marL="0" marR="0" rtl="0" algn="r">
-              <a:lnSpc>
-                <a:spcPct val="100000"/>
-              </a:lnSpc>
-              <a:spcBef>
-                <a:spcPts val="0"/>
-              </a:spcBef>
-              <a:spcAft>
-                <a:spcPts val="0"/>
-              </a:spcAft>
-              <a:buClr>
-                <a:srgbClr val="000000"/>
-              </a:buClr>
-              <a:buSzPts val="1000"/>
-              <a:buFont typeface="Arial"/>
-              <a:buNone/>
-              <a:defRPr b="0" i="0" sz="1000" u="none" cap="none" strike="noStrike">
+            <a:lvl3pPr marL="0" marR="0" lvl="2" indent="0" algn="r" rtl="0">
+              <a:lnSpc>
+                <a:spcPct val="100000"/>
+              </a:lnSpc>
+              <a:spcBef>
+                <a:spcPts val="0"/>
+              </a:spcBef>
+              <a:spcAft>
+                <a:spcPts val="0"/>
+              </a:spcAft>
+              <a:buClr>
+                <a:srgbClr val="000000"/>
+              </a:buClr>
+              <a:buSzPts val="1000"/>
+              <a:buFont typeface="Arial"/>
+              <a:buNone/>
+              <a:defRPr sz="1000" b="0" i="0" u="none" strike="noStrike" cap="none">
                 <a:solidFill>
                   <a:schemeClr val="dk1"/>
                 </a:solidFill>
@@ -8386,23 +8508,23 @@
                 <a:sym typeface="Economica"/>
               </a:defRPr>
             </a:lvl3pPr>
-            <a:lvl4pPr indent="0" lvl="3" marL="0" marR="0" rtl="0" algn="r">
-              <a:lnSpc>
-                <a:spcPct val="100000"/>
-              </a:lnSpc>
-              <a:spcBef>
-                <a:spcPts val="0"/>
-              </a:spcBef>
-              <a:spcAft>
-                <a:spcPts val="0"/>
-              </a:spcAft>
-              <a:buClr>
-                <a:srgbClr val="000000"/>
-              </a:buClr>
-              <a:buSzPts val="1000"/>
-              <a:buFont typeface="Arial"/>
-              <a:buNone/>
-              <a:defRPr b="0" i="0" sz="1000" u="none" cap="none" strike="noStrike">
+            <a:lvl4pPr marL="0" marR="0" lvl="3" indent="0" algn="r" rtl="0">
+              <a:lnSpc>
+                <a:spcPct val="100000"/>
+              </a:lnSpc>
+              <a:spcBef>
+                <a:spcPts val="0"/>
+              </a:spcBef>
+              <a:spcAft>
+                <a:spcPts val="0"/>
+              </a:spcAft>
+              <a:buClr>
+                <a:srgbClr val="000000"/>
+              </a:buClr>
+              <a:buSzPts val="1000"/>
+              <a:buFont typeface="Arial"/>
+              <a:buNone/>
+              <a:defRPr sz="1000" b="0" i="0" u="none" strike="noStrike" cap="none">
                 <a:solidFill>
                   <a:schemeClr val="dk1"/>
                 </a:solidFill>
@@ -8412,23 +8534,23 @@
                 <a:sym typeface="Economica"/>
               </a:defRPr>
             </a:lvl4pPr>
-            <a:lvl5pPr indent="0" lvl="4" marL="0" marR="0" rtl="0" algn="r">
-              <a:lnSpc>
-                <a:spcPct val="100000"/>
-              </a:lnSpc>
-              <a:spcBef>
-                <a:spcPts val="0"/>
-              </a:spcBef>
-              <a:spcAft>
-                <a:spcPts val="0"/>
-              </a:spcAft>
-              <a:buClr>
-                <a:srgbClr val="000000"/>
-              </a:buClr>
-              <a:buSzPts val="1000"/>
-              <a:buFont typeface="Arial"/>
-              <a:buNone/>
-              <a:defRPr b="0" i="0" sz="1000" u="none" cap="none" strike="noStrike">
+            <a:lvl5pPr marL="0" marR="0" lvl="4" indent="0" algn="r" rtl="0">
+              <a:lnSpc>
+                <a:spcPct val="100000"/>
+              </a:lnSpc>
+              <a:spcBef>
+                <a:spcPts val="0"/>
+              </a:spcBef>
+              <a:spcAft>
+                <a:spcPts val="0"/>
+              </a:spcAft>
+              <a:buClr>
+                <a:srgbClr val="000000"/>
+              </a:buClr>
+              <a:buSzPts val="1000"/>
+              <a:buFont typeface="Arial"/>
+              <a:buNone/>
+              <a:defRPr sz="1000" b="0" i="0" u="none" strike="noStrike" cap="none">
                 <a:solidFill>
                   <a:schemeClr val="dk1"/>
                 </a:solidFill>
@@ -8438,23 +8560,23 @@
                 <a:sym typeface="Economica"/>
               </a:defRPr>
             </a:lvl5pPr>
-            <a:lvl6pPr indent="0" lvl="5" marL="0" marR="0" rtl="0" algn="r">
-              <a:lnSpc>
-                <a:spcPct val="100000"/>
-              </a:lnSpc>
-              <a:spcBef>
-                <a:spcPts val="0"/>
-              </a:spcBef>
-              <a:spcAft>
-                <a:spcPts val="0"/>
-              </a:spcAft>
-              <a:buClr>
-                <a:srgbClr val="000000"/>
-              </a:buClr>
-              <a:buSzPts val="1000"/>
-              <a:buFont typeface="Arial"/>
-              <a:buNone/>
-              <a:defRPr b="0" i="0" sz="1000" u="none" cap="none" strike="noStrike">
+            <a:lvl6pPr marL="0" marR="0" lvl="5" indent="0" algn="r" rtl="0">
+              <a:lnSpc>
+                <a:spcPct val="100000"/>
+              </a:lnSpc>
+              <a:spcBef>
+                <a:spcPts val="0"/>
+              </a:spcBef>
+              <a:spcAft>
+                <a:spcPts val="0"/>
+              </a:spcAft>
+              <a:buClr>
+                <a:srgbClr val="000000"/>
+              </a:buClr>
+              <a:buSzPts val="1000"/>
+              <a:buFont typeface="Arial"/>
+              <a:buNone/>
+              <a:defRPr sz="1000" b="0" i="0" u="none" strike="noStrike" cap="none">
                 <a:solidFill>
                   <a:schemeClr val="dk1"/>
                 </a:solidFill>
@@ -8464,23 +8586,23 @@
                 <a:sym typeface="Economica"/>
               </a:defRPr>
             </a:lvl6pPr>
-            <a:lvl7pPr indent="0" lvl="6" marL="0" marR="0" rtl="0" algn="r">
-              <a:lnSpc>
-                <a:spcPct val="100000"/>
-              </a:lnSpc>
-              <a:spcBef>
-                <a:spcPts val="0"/>
-              </a:spcBef>
-              <a:spcAft>
-                <a:spcPts val="0"/>
-              </a:spcAft>
-              <a:buClr>
-                <a:srgbClr val="000000"/>
-              </a:buClr>
-              <a:buSzPts val="1000"/>
-              <a:buFont typeface="Arial"/>
-              <a:buNone/>
-              <a:defRPr b="0" i="0" sz="1000" u="none" cap="none" strike="noStrike">
+            <a:lvl7pPr marL="0" marR="0" lvl="6" indent="0" algn="r" rtl="0">
+              <a:lnSpc>
+                <a:spcPct val="100000"/>
+              </a:lnSpc>
+              <a:spcBef>
+                <a:spcPts val="0"/>
+              </a:spcBef>
+              <a:spcAft>
+                <a:spcPts val="0"/>
+              </a:spcAft>
+              <a:buClr>
+                <a:srgbClr val="000000"/>
+              </a:buClr>
+              <a:buSzPts val="1000"/>
+              <a:buFont typeface="Arial"/>
+              <a:buNone/>
+              <a:defRPr sz="1000" b="0" i="0" u="none" strike="noStrike" cap="none">
                 <a:solidFill>
                   <a:schemeClr val="dk1"/>
                 </a:solidFill>
@@ -8490,23 +8612,23 @@
                 <a:sym typeface="Economica"/>
               </a:defRPr>
             </a:lvl7pPr>
-            <a:lvl8pPr indent="0" lvl="7" marL="0" marR="0" rtl="0" algn="r">
-              <a:lnSpc>
-                <a:spcPct val="100000"/>
-              </a:lnSpc>
-              <a:spcBef>
-                <a:spcPts val="0"/>
-              </a:spcBef>
-              <a:spcAft>
-                <a:spcPts val="0"/>
-              </a:spcAft>
-              <a:buClr>
-                <a:srgbClr val="000000"/>
-              </a:buClr>
-              <a:buSzPts val="1000"/>
-              <a:buFont typeface="Arial"/>
-              <a:buNone/>
-              <a:defRPr b="0" i="0" sz="1000" u="none" cap="none" strike="noStrike">
+            <a:lvl8pPr marL="0" marR="0" lvl="7" indent="0" algn="r" rtl="0">
+              <a:lnSpc>
+                <a:spcPct val="100000"/>
+              </a:lnSpc>
+              <a:spcBef>
+                <a:spcPts val="0"/>
+              </a:spcBef>
+              <a:spcAft>
+                <a:spcPts val="0"/>
+              </a:spcAft>
+              <a:buClr>
+                <a:srgbClr val="000000"/>
+              </a:buClr>
+              <a:buSzPts val="1000"/>
+              <a:buFont typeface="Arial"/>
+              <a:buNone/>
+              <a:defRPr sz="1000" b="0" i="0" u="none" strike="noStrike" cap="none">
                 <a:solidFill>
                   <a:schemeClr val="dk1"/>
                 </a:solidFill>
@@ -8516,23 +8638,23 @@
                 <a:sym typeface="Economica"/>
               </a:defRPr>
             </a:lvl8pPr>
-            <a:lvl9pPr indent="0" lvl="8" marL="0" marR="0" rtl="0" algn="r">
-              <a:lnSpc>
-                <a:spcPct val="100000"/>
-              </a:lnSpc>
-              <a:spcBef>
-                <a:spcPts val="0"/>
-              </a:spcBef>
-              <a:spcAft>
-                <a:spcPts val="0"/>
-              </a:spcAft>
-              <a:buClr>
-                <a:srgbClr val="000000"/>
-              </a:buClr>
-              <a:buSzPts val="1000"/>
-              <a:buFont typeface="Arial"/>
-              <a:buNone/>
-              <a:defRPr b="0" i="0" sz="1000" u="none" cap="none" strike="noStrike">
+            <a:lvl9pPr marL="0" marR="0" lvl="8" indent="0" algn="r" rtl="0">
+              <a:lnSpc>
+                <a:spcPct val="100000"/>
+              </a:lnSpc>
+              <a:spcBef>
+                <a:spcPts val="0"/>
+              </a:spcBef>
+              <a:spcAft>
+                <a:spcPts val="0"/>
+              </a:spcAft>
+              <a:buClr>
+                <a:srgbClr val="000000"/>
+              </a:buClr>
+              <a:buSzPts val="1000"/>
+              <a:buFont typeface="Arial"/>
+              <a:buNone/>
+              <a:defRPr sz="1000" b="0" i="0" u="none" strike="noStrike" cap="none">
                 <a:solidFill>
                   <a:schemeClr val="dk1"/>
                 </a:solidFill>
@@ -8544,7 +8666,7 @@
             </a:lvl9pPr>
           </a:lstStyle>
           <a:p>
-            <a:pPr indent="0" lvl="0" marL="0" rtl="0" algn="r">
+            <a:pPr marL="0" lvl="0" indent="0" algn="r" rtl="0">
               <a:spcBef>
                 <a:spcPts val="0"/>
               </a:spcBef>
@@ -8563,7 +8685,7 @@
       </p:sp>
     </p:spTree>
   </p:cSld>
-  <p:clrMap accent1="accent1" accent2="accent2" accent3="accent3" accent4="accent4" accent5="accent5" accent6="accent6" bg1="lt1" bg2="dk2" tx1="dk1" tx2="lt2" folHlink="folHlink" hlink="hlink"/>
+  <p:clrMap bg1="lt1" tx1="dk1" bg2="dk2" tx2="lt2" accent1="accent1" accent2="accent2" accent3="accent3" accent4="accent4" accent5="accent5" accent6="accent6" hlink="hlink" folHlink="folHlink"/>
   <p:sldLayoutIdLst>
     <p:sldLayoutId id="2147483649" r:id="rId1"/>
     <p:sldLayoutId id="2147483650" r:id="rId2"/>
@@ -8577,10 +8699,10 @@
     <p:sldLayoutId id="2147483658" r:id="rId10"/>
     <p:sldLayoutId id="2147483659" r:id="rId11"/>
   </p:sldLayoutIdLst>
-  <p:hf dt="0" ftr="0" hdr="0" sldNum="0"/>
+  <p:hf sldNum="0" hdr="0" ftr="0" dt="0"/>
   <p:txStyles>
     <p:titleStyle>
-      <a:defPPr lvl="0" marR="0" rtl="0" algn="l">
+      <a:defPPr marR="0" lvl="0" algn="l" rtl="0">
         <a:lnSpc>
           <a:spcPct val="100000"/>
         </a:lnSpc>
@@ -8591,7 +8713,7 @@
           <a:spcPts val="0"/>
         </a:spcAft>
       </a:defPPr>
-      <a:lvl1pPr lvl="0" marR="0" rtl="0" algn="l">
+      <a:lvl1pPr marR="0" lvl="0" algn="l" rtl="0">
         <a:lnSpc>
           <a:spcPct val="100000"/>
         </a:lnSpc>
@@ -8605,7 +8727,7 @@
           <a:srgbClr val="000000"/>
         </a:buClr>
         <a:buFont typeface="Arial"/>
-        <a:defRPr b="0" i="0" sz="1400" u="none" cap="none" strike="noStrike">
+        <a:defRPr sz="1400" b="0" i="0" u="none" strike="noStrike" cap="none">
           <a:solidFill>
             <a:srgbClr val="000000"/>
           </a:solidFill>
@@ -8615,7 +8737,7 @@
           <a:sym typeface="Arial"/>
         </a:defRPr>
       </a:lvl1pPr>
-      <a:lvl2pPr lvl="1" marR="0" rtl="0" algn="l">
+      <a:lvl2pPr marR="0" lvl="1" algn="l" rtl="0">
         <a:lnSpc>
           <a:spcPct val="100000"/>
         </a:lnSpc>
@@ -8629,7 +8751,7 @@
           <a:srgbClr val="000000"/>
         </a:buClr>
         <a:buFont typeface="Arial"/>
-        <a:defRPr b="0" i="0" sz="1400" u="none" cap="none" strike="noStrike">
+        <a:defRPr sz="1400" b="0" i="0" u="none" strike="noStrike" cap="none">
           <a:solidFill>
             <a:srgbClr val="000000"/>
           </a:solidFill>
@@ -8639,7 +8761,7 @@
           <a:sym typeface="Arial"/>
         </a:defRPr>
       </a:lvl2pPr>
-      <a:lvl3pPr lvl="2" marR="0" rtl="0" algn="l">
+      <a:lvl3pPr marR="0" lvl="2" algn="l" rtl="0">
         <a:lnSpc>
           <a:spcPct val="100000"/>
         </a:lnSpc>
@@ -8653,7 +8775,7 @@
           <a:srgbClr val="000000"/>
         </a:buClr>
         <a:buFont typeface="Arial"/>
-        <a:defRPr b="0" i="0" sz="1400" u="none" cap="none" strike="noStrike">
+        <a:defRPr sz="1400" b="0" i="0" u="none" strike="noStrike" cap="none">
           <a:solidFill>
             <a:srgbClr val="000000"/>
           </a:solidFill>
@@ -8663,7 +8785,7 @@
           <a:sym typeface="Arial"/>
         </a:defRPr>
       </a:lvl3pPr>
-      <a:lvl4pPr lvl="3" marR="0" rtl="0" algn="l">
+      <a:lvl4pPr marR="0" lvl="3" algn="l" rtl="0">
         <a:lnSpc>
           <a:spcPct val="100000"/>
         </a:lnSpc>
@@ -8677,7 +8799,7 @@
           <a:srgbClr val="000000"/>
         </a:buClr>
         <a:buFont typeface="Arial"/>
-        <a:defRPr b="0" i="0" sz="1400" u="none" cap="none" strike="noStrike">
+        <a:defRPr sz="1400" b="0" i="0" u="none" strike="noStrike" cap="none">
           <a:solidFill>
             <a:srgbClr val="000000"/>
           </a:solidFill>
@@ -8687,7 +8809,7 @@
           <a:sym typeface="Arial"/>
         </a:defRPr>
       </a:lvl4pPr>
-      <a:lvl5pPr lvl="4" marR="0" rtl="0" algn="l">
+      <a:lvl5pPr marR="0" lvl="4" algn="l" rtl="0">
         <a:lnSpc>
           <a:spcPct val="100000"/>
         </a:lnSpc>
@@ -8701,7 +8823,7 @@
           <a:srgbClr val="000000"/>
         </a:buClr>
         <a:buFont typeface="Arial"/>
-        <a:defRPr b="0" i="0" sz="1400" u="none" cap="none" strike="noStrike">
+        <a:defRPr sz="1400" b="0" i="0" u="none" strike="noStrike" cap="none">
           <a:solidFill>
             <a:srgbClr val="000000"/>
           </a:solidFill>
@@ -8711,7 +8833,7 @@
           <a:sym typeface="Arial"/>
         </a:defRPr>
       </a:lvl5pPr>
-      <a:lvl6pPr lvl="5" marR="0" rtl="0" algn="l">
+      <a:lvl6pPr marR="0" lvl="5" algn="l" rtl="0">
         <a:lnSpc>
           <a:spcPct val="100000"/>
         </a:lnSpc>
@@ -8725,7 +8847,7 @@
           <a:srgbClr val="000000"/>
         </a:buClr>
         <a:buFont typeface="Arial"/>
-        <a:defRPr b="0" i="0" sz="1400" u="none" cap="none" strike="noStrike">
+        <a:defRPr sz="1400" b="0" i="0" u="none" strike="noStrike" cap="none">
           <a:solidFill>
             <a:srgbClr val="000000"/>
           </a:solidFill>
@@ -8735,7 +8857,7 @@
           <a:sym typeface="Arial"/>
         </a:defRPr>
       </a:lvl6pPr>
-      <a:lvl7pPr lvl="6" marR="0" rtl="0" algn="l">
+      <a:lvl7pPr marR="0" lvl="6" algn="l" rtl="0">
         <a:lnSpc>
           <a:spcPct val="100000"/>
         </a:lnSpc>
@@ -8749,7 +8871,7 @@
           <a:srgbClr val="000000"/>
         </a:buClr>
         <a:buFont typeface="Arial"/>
-        <a:defRPr b="0" i="0" sz="1400" u="none" cap="none" strike="noStrike">
+        <a:defRPr sz="1400" b="0" i="0" u="none" strike="noStrike" cap="none">
           <a:solidFill>
             <a:srgbClr val="000000"/>
           </a:solidFill>
@@ -8759,7 +8881,7 @@
           <a:sym typeface="Arial"/>
         </a:defRPr>
       </a:lvl7pPr>
-      <a:lvl8pPr lvl="7" marR="0" rtl="0" algn="l">
+      <a:lvl8pPr marR="0" lvl="7" algn="l" rtl="0">
         <a:lnSpc>
           <a:spcPct val="100000"/>
         </a:lnSpc>
@@ -8773,7 +8895,7 @@
           <a:srgbClr val="000000"/>
         </a:buClr>
         <a:buFont typeface="Arial"/>
-        <a:defRPr b="0" i="0" sz="1400" u="none" cap="none" strike="noStrike">
+        <a:defRPr sz="1400" b="0" i="0" u="none" strike="noStrike" cap="none">
           <a:solidFill>
             <a:srgbClr val="000000"/>
           </a:solidFill>
@@ -8783,7 +8905,7 @@
           <a:sym typeface="Arial"/>
         </a:defRPr>
       </a:lvl8pPr>
-      <a:lvl9pPr lvl="8" marR="0" rtl="0" algn="l">
+      <a:lvl9pPr marR="0" lvl="8" algn="l" rtl="0">
         <a:lnSpc>
           <a:spcPct val="100000"/>
         </a:lnSpc>
@@ -8797,7 +8919,7 @@
           <a:srgbClr val="000000"/>
         </a:buClr>
         <a:buFont typeface="Arial"/>
-        <a:defRPr b="0" i="0" sz="1400" u="none" cap="none" strike="noStrike">
+        <a:defRPr sz="1400" b="0" i="0" u="none" strike="noStrike" cap="none">
           <a:solidFill>
             <a:srgbClr val="000000"/>
           </a:solidFill>
@@ -8809,7 +8931,7 @@
       </a:lvl9pPr>
     </p:titleStyle>
     <p:bodyStyle>
-      <a:defPPr lvl="0" marR="0" rtl="0" algn="l">
+      <a:defPPr marR="0" lvl="0" algn="l" rtl="0">
         <a:lnSpc>
           <a:spcPct val="100000"/>
         </a:lnSpc>
@@ -8820,7 +8942,7 @@
           <a:spcPts val="0"/>
         </a:spcAft>
       </a:defPPr>
-      <a:lvl1pPr lvl="0" marR="0" rtl="0" algn="l">
+      <a:lvl1pPr marR="0" lvl="0" algn="l" rtl="0">
         <a:lnSpc>
           <a:spcPct val="100000"/>
         </a:lnSpc>
@@ -8834,7 +8956,7 @@
           <a:srgbClr val="000000"/>
         </a:buClr>
         <a:buFont typeface="Arial"/>
-        <a:defRPr b="0" i="0" sz="1400" u="none" cap="none" strike="noStrike">
+        <a:defRPr sz="1400" b="0" i="0" u="none" strike="noStrike" cap="none">
           <a:solidFill>
             <a:srgbClr val="000000"/>
           </a:solidFill>
@@ -8844,7 +8966,7 @@
           <a:sym typeface="Arial"/>
         </a:defRPr>
       </a:lvl1pPr>
-      <a:lvl2pPr lvl="1" marR="0" rtl="0" algn="l">
+      <a:lvl2pPr marR="0" lvl="1" algn="l" rtl="0">
         <a:lnSpc>
           <a:spcPct val="100000"/>
         </a:lnSpc>
@@ -8858,7 +8980,7 @@
           <a:srgbClr val="000000"/>
         </a:buClr>
         <a:buFont typeface="Arial"/>
-        <a:defRPr b="0" i="0" sz="1400" u="none" cap="none" strike="noStrike">
+        <a:defRPr sz="1400" b="0" i="0" u="none" strike="noStrike" cap="none">
           <a:solidFill>
             <a:srgbClr val="000000"/>
           </a:solidFill>
@@ -8868,7 +8990,7 @@
           <a:sym typeface="Arial"/>
         </a:defRPr>
       </a:lvl2pPr>
-      <a:lvl3pPr lvl="2" marR="0" rtl="0" algn="l">
+      <a:lvl3pPr marR="0" lvl="2" algn="l" rtl="0">
         <a:lnSpc>
           <a:spcPct val="100000"/>
         </a:lnSpc>
@@ -8882,7 +9004,7 @@
           <a:srgbClr val="000000"/>
         </a:buClr>
         <a:buFont typeface="Arial"/>
-        <a:defRPr b="0" i="0" sz="1400" u="none" cap="none" strike="noStrike">
+        <a:defRPr sz="1400" b="0" i="0" u="none" strike="noStrike" cap="none">
           <a:solidFill>
             <a:srgbClr val="000000"/>
           </a:solidFill>
@@ -8892,7 +9014,7 @@
           <a:sym typeface="Arial"/>
         </a:defRPr>
       </a:lvl3pPr>
-      <a:lvl4pPr lvl="3" marR="0" rtl="0" algn="l">
+      <a:lvl4pPr marR="0" lvl="3" algn="l" rtl="0">
         <a:lnSpc>
           <a:spcPct val="100000"/>
         </a:lnSpc>
@@ -8906,7 +9028,7 @@
           <a:srgbClr val="000000"/>
         </a:buClr>
         <a:buFont typeface="Arial"/>
-        <a:defRPr b="0" i="0" sz="1400" u="none" cap="none" strike="noStrike">
+        <a:defRPr sz="1400" b="0" i="0" u="none" strike="noStrike" cap="none">
           <a:solidFill>
             <a:srgbClr val="000000"/>
           </a:solidFill>
@@ -8916,7 +9038,7 @@
           <a:sym typeface="Arial"/>
         </a:defRPr>
       </a:lvl4pPr>
-      <a:lvl5pPr lvl="4" marR="0" rtl="0" algn="l">
+      <a:lvl5pPr marR="0" lvl="4" algn="l" rtl="0">
         <a:lnSpc>
           <a:spcPct val="100000"/>
         </a:lnSpc>
@@ -8930,7 +9052,7 @@
           <a:srgbClr val="000000"/>
         </a:buClr>
         <a:buFont typeface="Arial"/>
-        <a:defRPr b="0" i="0" sz="1400" u="none" cap="none" strike="noStrike">
+        <a:defRPr sz="1400" b="0" i="0" u="none" strike="noStrike" cap="none">
           <a:solidFill>
             <a:srgbClr val="000000"/>
           </a:solidFill>
@@ -8940,7 +9062,7 @@
           <a:sym typeface="Arial"/>
         </a:defRPr>
       </a:lvl5pPr>
-      <a:lvl6pPr lvl="5" marR="0" rtl="0" algn="l">
+      <a:lvl6pPr marR="0" lvl="5" algn="l" rtl="0">
         <a:lnSpc>
           <a:spcPct val="100000"/>
         </a:lnSpc>
@@ -8954,7 +9076,7 @@
           <a:srgbClr val="000000"/>
         </a:buClr>
         <a:buFont typeface="Arial"/>
-        <a:defRPr b="0" i="0" sz="1400" u="none" cap="none" strike="noStrike">
+        <a:defRPr sz="1400" b="0" i="0" u="none" strike="noStrike" cap="none">
           <a:solidFill>
             <a:srgbClr val="000000"/>
           </a:solidFill>
@@ -8964,7 +9086,7 @@
           <a:sym typeface="Arial"/>
         </a:defRPr>
       </a:lvl6pPr>
-      <a:lvl7pPr lvl="6" marR="0" rtl="0" algn="l">
+      <a:lvl7pPr marR="0" lvl="6" algn="l" rtl="0">
         <a:lnSpc>
           <a:spcPct val="100000"/>
         </a:lnSpc>
@@ -8978,7 +9100,7 @@
           <a:srgbClr val="000000"/>
         </a:buClr>
         <a:buFont typeface="Arial"/>
-        <a:defRPr b="0" i="0" sz="1400" u="none" cap="none" strike="noStrike">
+        <a:defRPr sz="1400" b="0" i="0" u="none" strike="noStrike" cap="none">
           <a:solidFill>
             <a:srgbClr val="000000"/>
           </a:solidFill>
@@ -8988,7 +9110,7 @@
           <a:sym typeface="Arial"/>
         </a:defRPr>
       </a:lvl7pPr>
-      <a:lvl8pPr lvl="7" marR="0" rtl="0" algn="l">
+      <a:lvl8pPr marR="0" lvl="7" algn="l" rtl="0">
         <a:lnSpc>
           <a:spcPct val="100000"/>
         </a:lnSpc>
@@ -9002,7 +9124,7 @@
           <a:srgbClr val="000000"/>
         </a:buClr>
         <a:buFont typeface="Arial"/>
-        <a:defRPr b="0" i="0" sz="1400" u="none" cap="none" strike="noStrike">
+        <a:defRPr sz="1400" b="0" i="0" u="none" strike="noStrike" cap="none">
           <a:solidFill>
             <a:srgbClr val="000000"/>
           </a:solidFill>
@@ -9012,7 +9134,7 @@
           <a:sym typeface="Arial"/>
         </a:defRPr>
       </a:lvl8pPr>
-      <a:lvl9pPr lvl="8" marR="0" rtl="0" algn="l">
+      <a:lvl9pPr marR="0" lvl="8" algn="l" rtl="0">
         <a:lnSpc>
           <a:spcPct val="100000"/>
         </a:lnSpc>
@@ -9026,7 +9148,7 @@
           <a:srgbClr val="000000"/>
         </a:buClr>
         <a:buFont typeface="Arial"/>
-        <a:defRPr b="0" i="0" sz="1400" u="none" cap="none" strike="noStrike">
+        <a:defRPr sz="1400" b="0" i="0" u="none" strike="noStrike" cap="none">
           <a:solidFill>
             <a:srgbClr val="000000"/>
           </a:solidFill>
@@ -9038,7 +9160,7 @@
       </a:lvl9pPr>
     </p:bodyStyle>
     <p:otherStyle>
-      <a:defPPr lvl="0" marR="0" rtl="0" algn="l">
+      <a:defPPr marR="0" lvl="0" algn="l" rtl="0">
         <a:lnSpc>
           <a:spcPct val="100000"/>
         </a:lnSpc>
@@ -9049,7 +9171,7 @@
           <a:spcPts val="0"/>
         </a:spcAft>
       </a:defPPr>
-      <a:lvl1pPr lvl="0" marR="0" rtl="0" algn="l">
+      <a:lvl1pPr marR="0" lvl="0" algn="l" rtl="0">
         <a:lnSpc>
           <a:spcPct val="100000"/>
         </a:lnSpc>
@@ -9063,7 +9185,7 @@
           <a:srgbClr val="000000"/>
         </a:buClr>
         <a:buFont typeface="Arial"/>
-        <a:defRPr b="0" i="0" sz="1400" u="none" cap="none" strike="noStrike">
+        <a:defRPr sz="1400" b="0" i="0" u="none" strike="noStrike" cap="none">
           <a:solidFill>
             <a:srgbClr val="000000"/>
           </a:solidFill>
@@ -9073,7 +9195,7 @@
           <a:sym typeface="Arial"/>
         </a:defRPr>
       </a:lvl1pPr>
-      <a:lvl2pPr lvl="1" marR="0" rtl="0" algn="l">
+      <a:lvl2pPr marR="0" lvl="1" algn="l" rtl="0">
         <a:lnSpc>
           <a:spcPct val="100000"/>
         </a:lnSpc>
@@ -9087,7 +9209,7 @@
           <a:srgbClr val="000000"/>
         </a:buClr>
         <a:buFont typeface="Arial"/>
-        <a:defRPr b="0" i="0" sz="1400" u="none" cap="none" strike="noStrike">
+        <a:defRPr sz="1400" b="0" i="0" u="none" strike="noStrike" cap="none">
           <a:solidFill>
             <a:srgbClr val="000000"/>
           </a:solidFill>
@@ -9097,7 +9219,7 @@
           <a:sym typeface="Arial"/>
         </a:defRPr>
       </a:lvl2pPr>
-      <a:lvl3pPr lvl="2" marR="0" rtl="0" algn="l">
+      <a:lvl3pPr marR="0" lvl="2" algn="l" rtl="0">
         <a:lnSpc>
           <a:spcPct val="100000"/>
         </a:lnSpc>
@@ -9111,7 +9233,7 @@
           <a:srgbClr val="000000"/>
         </a:buClr>
         <a:buFont typeface="Arial"/>
-        <a:defRPr b="0" i="0" sz="1400" u="none" cap="none" strike="noStrike">
+        <a:defRPr sz="1400" b="0" i="0" u="none" strike="noStrike" cap="none">
           <a:solidFill>
             <a:srgbClr val="000000"/>
           </a:solidFill>
@@ -9121,7 +9243,7 @@
           <a:sym typeface="Arial"/>
         </a:defRPr>
       </a:lvl3pPr>
-      <a:lvl4pPr lvl="3" marR="0" rtl="0" algn="l">
+      <a:lvl4pPr marR="0" lvl="3" algn="l" rtl="0">
         <a:lnSpc>
           <a:spcPct val="100000"/>
         </a:lnSpc>
@@ -9135,7 +9257,7 @@
           <a:srgbClr val="000000"/>
         </a:buClr>
         <a:buFont typeface="Arial"/>
-        <a:defRPr b="0" i="0" sz="1400" u="none" cap="none" strike="noStrike">
+        <a:defRPr sz="1400" b="0" i="0" u="none" strike="noStrike" cap="none">
           <a:solidFill>
             <a:srgbClr val="000000"/>
           </a:solidFill>
@@ -9145,7 +9267,7 @@
           <a:sym typeface="Arial"/>
         </a:defRPr>
       </a:lvl4pPr>
-      <a:lvl5pPr lvl="4" marR="0" rtl="0" algn="l">
+      <a:lvl5pPr marR="0" lvl="4" algn="l" rtl="0">
         <a:lnSpc>
           <a:spcPct val="100000"/>
         </a:lnSpc>
@@ -9159,7 +9281,7 @@
           <a:srgbClr val="000000"/>
         </a:buClr>
         <a:buFont typeface="Arial"/>
-        <a:defRPr b="0" i="0" sz="1400" u="none" cap="none" strike="noStrike">
+        <a:defRPr sz="1400" b="0" i="0" u="none" strike="noStrike" cap="none">
           <a:solidFill>
             <a:srgbClr val="000000"/>
           </a:solidFill>
@@ -9169,7 +9291,7 @@
           <a:sym typeface="Arial"/>
         </a:defRPr>
       </a:lvl5pPr>
-      <a:lvl6pPr lvl="5" marR="0" rtl="0" algn="l">
+      <a:lvl6pPr marR="0" lvl="5" algn="l" rtl="0">
         <a:lnSpc>
           <a:spcPct val="100000"/>
         </a:lnSpc>
@@ -9183,7 +9305,7 @@
           <a:srgbClr val="000000"/>
         </a:buClr>
         <a:buFont typeface="Arial"/>
-        <a:defRPr b="0" i="0" sz="1400" u="none" cap="none" strike="noStrike">
+        <a:defRPr sz="1400" b="0" i="0" u="none" strike="noStrike" cap="none">
           <a:solidFill>
             <a:srgbClr val="000000"/>
           </a:solidFill>
@@ -9193,7 +9315,7 @@
           <a:sym typeface="Arial"/>
         </a:defRPr>
       </a:lvl6pPr>
-      <a:lvl7pPr lvl="6" marR="0" rtl="0" algn="l">
+      <a:lvl7pPr marR="0" lvl="6" algn="l" rtl="0">
         <a:lnSpc>
           <a:spcPct val="100000"/>
         </a:lnSpc>
@@ -9207,7 +9329,7 @@
           <a:srgbClr val="000000"/>
         </a:buClr>
         <a:buFont typeface="Arial"/>
-        <a:defRPr b="0" i="0" sz="1400" u="none" cap="none" strike="noStrike">
+        <a:defRPr sz="1400" b="0" i="0" u="none" strike="noStrike" cap="none">
           <a:solidFill>
             <a:srgbClr val="000000"/>
           </a:solidFill>
@@ -9217,7 +9339,7 @@
           <a:sym typeface="Arial"/>
         </a:defRPr>
       </a:lvl7pPr>
-      <a:lvl8pPr lvl="7" marR="0" rtl="0" algn="l">
+      <a:lvl8pPr marR="0" lvl="7" algn="l" rtl="0">
         <a:lnSpc>
           <a:spcPct val="100000"/>
         </a:lnSpc>
@@ -9231,7 +9353,7 @@
           <a:srgbClr val="000000"/>
         </a:buClr>
         <a:buFont typeface="Arial"/>
-        <a:defRPr b="0" i="0" sz="1400" u="none" cap="none" strike="noStrike">
+        <a:defRPr sz="1400" b="0" i="0" u="none" strike="noStrike" cap="none">
           <a:solidFill>
             <a:srgbClr val="000000"/>
           </a:solidFill>
@@ -9241,7 +9363,7 @@
           <a:sym typeface="Arial"/>
         </a:defRPr>
       </a:lvl8pPr>
-      <a:lvl9pPr lvl="8" marR="0" rtl="0" algn="l">
+      <a:lvl9pPr marR="0" lvl="8" algn="l" rtl="0">
         <a:lnSpc>
           <a:spcPct val="100000"/>
         </a:lnSpc>
@@ -9255,7 +9377,7 @@
           <a:srgbClr val="000000"/>
         </a:buClr>
         <a:buFont typeface="Arial"/>
-        <a:defRPr b="0" i="0" sz="1400" u="none" cap="none" strike="noStrike">
+        <a:defRPr sz="1400" b="0" i="0" u="none" strike="noStrike" cap="none">
           <a:solidFill>
             <a:srgbClr val="000000"/>
           </a:solidFill>
@@ -9271,11 +9393,11 @@
 </file>
 
 <file path=ppt/slides/slide1.xml><?xml version="1.0" encoding="utf-8"?>
-<p:sld xmlns:a="http://schemas.openxmlformats.org/drawingml/2006/main" xmlns:r="http://schemas.openxmlformats.org/officeDocument/2006/relationships" xmlns:mc="http://schemas.openxmlformats.org/markup-compatibility/2006" xmlns:mv="urn:schemas-microsoft-com:mac:vml" xmlns:p="http://schemas.openxmlformats.org/presentationml/2006/main" xmlns:c="http://schemas.openxmlformats.org/drawingml/2006/chart" xmlns:dgm="http://schemas.openxmlformats.org/drawingml/2006/diagram" xmlns:o="urn:schemas-microsoft-com:office:office" xmlns:v="urn:schemas-microsoft-com:vml" xmlns:pvml="urn:schemas-microsoft-com:office:powerpoint" xmlns:com="http://schemas.openxmlformats.org/drawingml/2006/compatibility" xmlns:p14="http://schemas.microsoft.com/office/powerpoint/2010/main" xmlns:p15="http://schemas.microsoft.com/office/powerpoint/2012/main" xmlns:ahyp="http://schemas.microsoft.com/office/drawing/2018/hyperlinkcolor">
+<p:sld xmlns:a="http://schemas.openxmlformats.org/drawingml/2006/main" xmlns:r="http://schemas.openxmlformats.org/officeDocument/2006/relationships" xmlns:p="http://schemas.openxmlformats.org/presentationml/2006/main">
   <p:cSld>
     <p:spTree>
       <p:nvGrpSpPr>
-        <p:cNvPr id="61" name="Shape 61"/>
+        <p:cNvPr id="1" name="Shape 61"/>
         <p:cNvGrpSpPr/>
         <p:nvPr/>
       </p:nvGrpSpPr>
@@ -9290,7 +9412,9 @@
       <p:sp>
         <p:nvSpPr>
           <p:cNvPr id="62" name="Google Shape;62;p1"/>
-          <p:cNvSpPr txBox="1"/>
+          <p:cNvSpPr txBox="1">
+            <a:spLocks noGrp="1"/>
+          </p:cNvSpPr>
           <p:nvPr>
             <p:ph type="title"/>
           </p:nvPr>
@@ -9309,12 +9433,12 @@
           </a:ln>
         </p:spPr>
         <p:txBody>
-          <a:bodyPr anchorCtr="0" anchor="t" bIns="91425" lIns="91425" spcFirstLastPara="1" rIns="91425" wrap="square" tIns="91425">
+          <a:bodyPr spcFirstLastPara="1" wrap="square" lIns="91425" tIns="91425" rIns="91425" bIns="91425" anchor="t" anchorCtr="0">
             <a:noAutofit/>
           </a:bodyPr>
           <a:lstStyle/>
           <a:p>
-            <a:pPr indent="0" lvl="0" marL="0" rtl="0" algn="ctr">
+            <a:pPr marL="0" lvl="0" indent="0" algn="ctr" rtl="0">
               <a:lnSpc>
                 <a:spcPct val="100000"/>
               </a:lnSpc>
@@ -9328,13 +9452,13 @@
               <a:buNone/>
             </a:pPr>
             <a:r>
-              <a:rPr lang="en"/>
+              <a:rPr lang="en" dirty="0"/>
               <a:t>Exploring National Park Visitation</a:t>
             </a:r>
-            <a:endParaRPr/>
+            <a:endParaRPr dirty="0"/>
           </a:p>
           <a:p>
-            <a:pPr indent="0" lvl="0" marL="0" rtl="0" algn="ctr">
+            <a:pPr marL="0" lvl="0" indent="0" algn="ctr" rtl="0">
               <a:lnSpc>
                 <a:spcPct val="100000"/>
               </a:lnSpc>
@@ -9347,10 +9471,7 @@
               <a:buSzPts val="4200"/>
               <a:buNone/>
             </a:pPr>
-            <a:r>
-              <a:t/>
-            </a:r>
-            <a:endParaRPr/>
+            <a:endParaRPr dirty="0"/>
           </a:p>
         </p:txBody>
       </p:sp>
@@ -9369,14 +9490,14 @@
             <a:avLst/>
           </a:prstGeom>
           <a:noFill/>
-          <a:ln cap="flat" cmpd="sng" w="28575">
+          <a:ln w="28575" cap="flat" cmpd="sng">
             <a:solidFill>
               <a:schemeClr val="lt2"/>
             </a:solidFill>
             <a:prstDash val="solid"/>
             <a:round/>
-            <a:headEnd len="sm" w="sm" type="none"/>
-            <a:tailEnd len="sm" w="sm" type="none"/>
+            <a:headEnd type="none" w="sm" len="sm"/>
+            <a:tailEnd type="none" w="sm" len="sm"/>
           </a:ln>
         </p:spPr>
       </p:cxnSp>
@@ -9409,23 +9530,23 @@
               <a:avLst/>
             </a:prstGeom>
             <a:noFill/>
-            <a:ln cap="flat" cmpd="sng" w="9525">
+            <a:ln w="9525" cap="flat" cmpd="sng">
               <a:solidFill>
                 <a:schemeClr val="lt2"/>
               </a:solidFill>
               <a:prstDash val="solid"/>
               <a:round/>
-              <a:headEnd len="sm" w="sm" type="none"/>
-              <a:tailEnd len="sm" w="sm" type="none"/>
+              <a:headEnd type="none" w="sm" len="sm"/>
+              <a:tailEnd type="none" w="sm" len="sm"/>
             </a:ln>
           </p:spPr>
           <p:txBody>
-            <a:bodyPr anchorCtr="0" anchor="ctr" bIns="91425" lIns="91425" spcFirstLastPara="1" rIns="91425" wrap="square" tIns="91425">
+            <a:bodyPr spcFirstLastPara="1" wrap="square" lIns="91425" tIns="91425" rIns="91425" bIns="91425" anchor="ctr" anchorCtr="0">
               <a:noAutofit/>
             </a:bodyPr>
             <a:lstStyle/>
             <a:p>
-              <a:pPr indent="0" lvl="0" marL="0" marR="0" rtl="0" algn="l">
+              <a:pPr marL="0" marR="0" lvl="0" indent="0" algn="l" rtl="0">
                 <a:lnSpc>
                   <a:spcPct val="100000"/>
                 </a:lnSpc>
@@ -9442,10 +9563,7 @@
                 <a:buFont typeface="Arial"/>
                 <a:buNone/>
               </a:pPr>
-              <a:r>
-                <a:t/>
-              </a:r>
-              <a:endParaRPr b="0" i="0" sz="1400" u="none" cap="none" strike="noStrike">
+              <a:endParaRPr sz="1400" b="0" i="0" u="none" strike="noStrike" cap="none">
                 <a:solidFill>
                   <a:srgbClr val="000000"/>
                 </a:solidFill>
@@ -9479,12 +9597,12 @@
             </a:ln>
           </p:spPr>
           <p:txBody>
-            <a:bodyPr anchorCtr="0" anchor="ctr" bIns="91425" lIns="91425" spcFirstLastPara="1" rIns="91425" wrap="square" tIns="91425">
+            <a:bodyPr spcFirstLastPara="1" wrap="square" lIns="91425" tIns="91425" rIns="91425" bIns="91425" anchor="ctr" anchorCtr="0">
               <a:noAutofit/>
             </a:bodyPr>
             <a:lstStyle/>
             <a:p>
-              <a:pPr indent="0" lvl="0" marL="0" marR="0" rtl="0" algn="l">
+              <a:pPr marL="0" marR="0" lvl="0" indent="0" algn="l" rtl="0">
                 <a:lnSpc>
                   <a:spcPct val="100000"/>
                 </a:lnSpc>
@@ -9501,10 +9619,7 @@
                 <a:buFont typeface="Arial"/>
                 <a:buNone/>
               </a:pPr>
-              <a:r>
-                <a:t/>
-              </a:r>
-              <a:endParaRPr b="0" i="0" sz="1400" u="none" cap="none" strike="noStrike">
+              <a:endParaRPr sz="1400" b="0" i="0" u="none" strike="noStrike" cap="none">
                 <a:solidFill>
                   <a:srgbClr val="000000"/>
                 </a:solidFill>
@@ -9520,9 +9635,11 @@
       <p:sp>
         <p:nvSpPr>
           <p:cNvPr id="67" name="Google Shape;67;p1"/>
-          <p:cNvSpPr txBox="1"/>
+          <p:cNvSpPr txBox="1">
+            <a:spLocks noGrp="1"/>
+          </p:cNvSpPr>
           <p:nvPr>
-            <p:ph idx="4294967295" type="body"/>
+            <p:ph type="body" idx="4294967295"/>
           </p:nvPr>
         </p:nvSpPr>
         <p:spPr>
@@ -9539,12 +9656,12 @@
           </a:ln>
         </p:spPr>
         <p:txBody>
-          <a:bodyPr anchorCtr="0" anchor="t" bIns="91425" lIns="91425" spcFirstLastPara="1" rIns="91425" wrap="square" tIns="91425">
+          <a:bodyPr spcFirstLastPara="1" wrap="square" lIns="91425" tIns="91425" rIns="91425" bIns="91425" anchor="t" anchorCtr="0">
             <a:noAutofit/>
           </a:bodyPr>
           <a:lstStyle/>
           <a:p>
-            <a:pPr indent="0" lvl="0" marL="0" rtl="0" algn="l">
+            <a:pPr marL="0" lvl="0" indent="0" algn="l" rtl="0">
               <a:lnSpc>
                 <a:spcPct val="115000"/>
               </a:lnSpc>
@@ -9576,9 +9693,11 @@
       <p:sp>
         <p:nvSpPr>
           <p:cNvPr id="68" name="Google Shape;68;p1"/>
-          <p:cNvSpPr txBox="1"/>
+          <p:cNvSpPr txBox="1">
+            <a:spLocks noGrp="1"/>
+          </p:cNvSpPr>
           <p:nvPr>
-            <p:ph idx="4294967295" type="body"/>
+            <p:ph type="body" idx="4294967295"/>
           </p:nvPr>
         </p:nvSpPr>
         <p:spPr>
@@ -9595,12 +9714,12 @@
           </a:ln>
         </p:spPr>
         <p:txBody>
-          <a:bodyPr anchorCtr="0" anchor="t" bIns="91425" lIns="91425" spcFirstLastPara="1" rIns="91425" wrap="square" tIns="91425">
+          <a:bodyPr spcFirstLastPara="1" wrap="square" lIns="91425" tIns="91425" rIns="91425" bIns="91425" anchor="t" anchorCtr="0">
             <a:noAutofit/>
           </a:bodyPr>
           <a:lstStyle/>
           <a:p>
-            <a:pPr indent="-298450" lvl="0" marL="457200" rtl="0" algn="l">
+            <a:pPr marL="457200" lvl="0" indent="-298450" algn="l" rtl="0">
               <a:lnSpc>
                 <a:spcPct val="100000"/>
               </a:lnSpc>
@@ -9614,13 +9733,13 @@
               <a:buChar char="●"/>
             </a:pPr>
             <a:r>
-              <a:rPr b="1" lang="en" sz="1100"/>
+              <a:rPr lang="en" sz="1100" b="1" dirty="0"/>
               <a:t>National Parks Data</a:t>
             </a:r>
-            <a:endParaRPr sz="1700"/>
+            <a:endParaRPr sz="1700" dirty="0"/>
           </a:p>
           <a:p>
-            <a:pPr indent="-298450" lvl="1" marL="914400" rtl="0" algn="l">
+            <a:pPr marL="914400" lvl="1" indent="-298450" algn="l" rtl="0">
               <a:lnSpc>
                 <a:spcPct val="100000"/>
               </a:lnSpc>
@@ -9634,13 +9753,13 @@
               <a:buChar char="○"/>
             </a:pPr>
             <a:r>
-              <a:rPr lang="en" sz="700"/>
+              <a:rPr lang="en" sz="700" dirty="0"/>
               <a:t>Locations</a:t>
             </a:r>
-            <a:endParaRPr sz="1300"/>
+            <a:endParaRPr sz="1300" dirty="0"/>
           </a:p>
           <a:p>
-            <a:pPr indent="-298450" lvl="1" marL="914400" rtl="0" algn="l">
+            <a:pPr marL="914400" lvl="1" indent="-298450" algn="l" rtl="0">
               <a:lnSpc>
                 <a:spcPct val="100000"/>
               </a:lnSpc>
@@ -9654,13 +9773,13 @@
               <a:buChar char="○"/>
             </a:pPr>
             <a:r>
-              <a:rPr lang="en" sz="700"/>
+              <a:rPr lang="en" sz="700" dirty="0"/>
               <a:t>Acreage</a:t>
             </a:r>
-            <a:endParaRPr sz="1300"/>
+            <a:endParaRPr sz="1300" dirty="0"/>
           </a:p>
           <a:p>
-            <a:pPr indent="-298450" lvl="1" marL="914400" rtl="0" algn="l">
+            <a:pPr marL="914400" lvl="1" indent="-298450" algn="l" rtl="0">
               <a:lnSpc>
                 <a:spcPct val="100000"/>
               </a:lnSpc>
@@ -9674,13 +9793,13 @@
               <a:buChar char="○"/>
             </a:pPr>
             <a:r>
-              <a:rPr lang="en" sz="700"/>
+              <a:rPr lang="en" sz="700" dirty="0"/>
               <a:t>Visitation</a:t>
             </a:r>
-            <a:endParaRPr sz="1300"/>
+            <a:endParaRPr sz="1300" dirty="0"/>
           </a:p>
           <a:p>
-            <a:pPr indent="-298450" lvl="0" marL="457200" rtl="0" algn="l">
+            <a:pPr marL="457200" lvl="0" indent="-298450" algn="l" rtl="0">
               <a:lnSpc>
                 <a:spcPct val="115000"/>
               </a:lnSpc>
@@ -9694,13 +9813,13 @@
               <a:buChar char="●"/>
             </a:pPr>
             <a:r>
-              <a:rPr b="1" lang="en" sz="1100"/>
+              <a:rPr lang="en" sz="1100" b="1" dirty="0"/>
               <a:t>NOAA Climate Data</a:t>
             </a:r>
-            <a:endParaRPr sz="1700"/>
+            <a:endParaRPr sz="1700" dirty="0"/>
           </a:p>
           <a:p>
-            <a:pPr indent="-298450" lvl="1" marL="914400" rtl="0" algn="l">
+            <a:pPr marL="914400" lvl="1" indent="-298450" algn="l" rtl="0">
               <a:lnSpc>
                 <a:spcPct val="100000"/>
               </a:lnSpc>
@@ -9714,13 +9833,13 @@
               <a:buChar char="○"/>
             </a:pPr>
             <a:r>
-              <a:rPr lang="en" sz="700"/>
+              <a:rPr lang="en" sz="700" dirty="0"/>
               <a:t>Station/Latitude/Longitude</a:t>
             </a:r>
-            <a:endParaRPr sz="1300"/>
+            <a:endParaRPr sz="1300" dirty="0"/>
           </a:p>
           <a:p>
-            <a:pPr indent="-298450" lvl="1" marL="914400" rtl="0" algn="l">
+            <a:pPr marL="914400" lvl="1" indent="-298450" algn="l" rtl="0">
               <a:lnSpc>
                 <a:spcPct val="100000"/>
               </a:lnSpc>
@@ -9734,13 +9853,13 @@
               <a:buChar char="○"/>
             </a:pPr>
             <a:r>
-              <a:rPr lang="en" sz="700"/>
+              <a:rPr lang="en" sz="700" dirty="0"/>
               <a:t>Precipitation</a:t>
             </a:r>
-            <a:endParaRPr b="1" sz="700"/>
+            <a:endParaRPr sz="700" b="1" dirty="0"/>
           </a:p>
           <a:p>
-            <a:pPr indent="-298450" lvl="0" marL="457200" rtl="0" algn="l">
+            <a:pPr marL="457200" lvl="0" indent="-298450" algn="l" rtl="0">
               <a:lnSpc>
                 <a:spcPct val="115000"/>
               </a:lnSpc>
@@ -9754,13 +9873,13 @@
               <a:buChar char="●"/>
             </a:pPr>
             <a:r>
-              <a:rPr b="1" lang="en" sz="1100"/>
+              <a:rPr lang="en" sz="1100" b="1" dirty="0"/>
               <a:t>Poverty Data</a:t>
             </a:r>
-            <a:endParaRPr sz="1700"/>
+            <a:endParaRPr sz="1700" dirty="0"/>
           </a:p>
           <a:p>
-            <a:pPr indent="-298450" lvl="1" marL="914400" rtl="0" algn="l">
+            <a:pPr marL="914400" lvl="1" indent="-298450" algn="l" rtl="0">
               <a:lnSpc>
                 <a:spcPct val="100000"/>
               </a:lnSpc>
@@ -9774,13 +9893,13 @@
               <a:buChar char="○"/>
             </a:pPr>
             <a:r>
-              <a:rPr lang="en" sz="700"/>
+              <a:rPr lang="en" sz="700" dirty="0"/>
               <a:t>Percent of State Living in Poverty (by Age)</a:t>
             </a:r>
-            <a:endParaRPr sz="1300"/>
+            <a:endParaRPr sz="1300" dirty="0"/>
           </a:p>
           <a:p>
-            <a:pPr indent="-298450" lvl="1" marL="914400" rtl="0" algn="l">
+            <a:pPr marL="914400" lvl="1" indent="-298450" algn="l" rtl="0">
               <a:lnSpc>
                 <a:spcPct val="100000"/>
               </a:lnSpc>
@@ -9794,13 +9913,13 @@
               <a:buChar char="○"/>
             </a:pPr>
             <a:r>
-              <a:rPr lang="en" sz="700"/>
+              <a:rPr lang="en" sz="700" dirty="0"/>
               <a:t>Median Household income</a:t>
             </a:r>
-            <a:endParaRPr sz="1300"/>
+            <a:endParaRPr sz="1300" dirty="0"/>
           </a:p>
           <a:p>
-            <a:pPr indent="-228600" lvl="0" marL="457200" rtl="0" algn="l">
+            <a:pPr marL="457200" lvl="0" indent="-228600" algn="l" rtl="0">
               <a:lnSpc>
                 <a:spcPct val="100000"/>
               </a:lnSpc>
@@ -9813,13 +9932,10 @@
               <a:buSzPts val="1200"/>
               <a:buNone/>
             </a:pPr>
-            <a:r>
-              <a:t/>
-            </a:r>
-            <a:endParaRPr b="1" sz="1100"/>
+            <a:endParaRPr sz="1100" b="1" dirty="0"/>
           </a:p>
           <a:p>
-            <a:pPr indent="-298450" lvl="0" marL="457200" rtl="0" algn="l">
+            <a:pPr marL="457200" lvl="0" indent="-298450" algn="l" rtl="0">
               <a:lnSpc>
                 <a:spcPct val="100000"/>
               </a:lnSpc>
@@ -9833,13 +9949,13 @@
               <a:buChar char="●"/>
             </a:pPr>
             <a:r>
-              <a:rPr b="1" lang="en" sz="1100"/>
+              <a:rPr lang="en" sz="1100" b="1" dirty="0"/>
               <a:t>Resulting Dataset</a:t>
             </a:r>
-            <a:endParaRPr b="1" sz="1100"/>
+            <a:endParaRPr sz="1100" b="1" dirty="0"/>
           </a:p>
           <a:p>
-            <a:pPr indent="-273050" lvl="1" marL="914400" rtl="0" algn="l">
+            <a:pPr marL="914400" lvl="1" indent="-273050" algn="l" rtl="0">
               <a:lnSpc>
                 <a:spcPct val="100000"/>
               </a:lnSpc>
@@ -9853,13 +9969,13 @@
               <a:buChar char="○"/>
             </a:pPr>
             <a:r>
-              <a:rPr lang="en" sz="700"/>
+              <a:rPr lang="en" sz="700" dirty="0"/>
               <a:t>One line per park, per month from 1995-2018</a:t>
             </a:r>
-            <a:endParaRPr sz="1300"/>
+            <a:endParaRPr sz="1300" dirty="0"/>
           </a:p>
           <a:p>
-            <a:pPr indent="-228600" lvl="1" marL="914400" rtl="0" algn="l">
+            <a:pPr marL="914400" lvl="1" indent="-228600" algn="l" rtl="0">
               <a:lnSpc>
                 <a:spcPct val="100000"/>
               </a:lnSpc>
@@ -9872,10 +9988,7 @@
               <a:buSzPts val="1200"/>
               <a:buNone/>
             </a:pPr>
-            <a:r>
-              <a:t/>
-            </a:r>
-            <a:endParaRPr sz="800"/>
+            <a:endParaRPr sz="800" dirty="0"/>
           </a:p>
         </p:txBody>
       </p:sp>
@@ -9908,23 +10021,23 @@
               <a:avLst/>
             </a:prstGeom>
             <a:noFill/>
-            <a:ln cap="flat" cmpd="sng" w="9525">
+            <a:ln w="9525" cap="flat" cmpd="sng">
               <a:solidFill>
                 <a:schemeClr val="lt2"/>
               </a:solidFill>
               <a:prstDash val="solid"/>
               <a:round/>
-              <a:headEnd len="sm" w="sm" type="none"/>
-              <a:tailEnd len="sm" w="sm" type="none"/>
+              <a:headEnd type="none" w="sm" len="sm"/>
+              <a:tailEnd type="none" w="sm" len="sm"/>
             </a:ln>
           </p:spPr>
           <p:txBody>
-            <a:bodyPr anchorCtr="0" anchor="ctr" bIns="91425" lIns="91425" spcFirstLastPara="1" rIns="91425" wrap="square" tIns="91425">
+            <a:bodyPr spcFirstLastPara="1" wrap="square" lIns="91425" tIns="91425" rIns="91425" bIns="91425" anchor="ctr" anchorCtr="0">
               <a:noAutofit/>
             </a:bodyPr>
             <a:lstStyle/>
             <a:p>
-              <a:pPr indent="0" lvl="0" marL="0" marR="0" rtl="0" algn="l">
+              <a:pPr marL="0" marR="0" lvl="0" indent="0" algn="l" rtl="0">
                 <a:lnSpc>
                   <a:spcPct val="100000"/>
                 </a:lnSpc>
@@ -9941,10 +10054,7 @@
                 <a:buFont typeface="Arial"/>
                 <a:buNone/>
               </a:pPr>
-              <a:r>
-                <a:t/>
-              </a:r>
-              <a:endParaRPr b="0" i="0" sz="1400" u="none" cap="none" strike="noStrike">
+              <a:endParaRPr sz="1400" b="0" i="0" u="none" strike="noStrike" cap="none">
                 <a:solidFill>
                   <a:srgbClr val="000000"/>
                 </a:solidFill>
@@ -9978,12 +10088,12 @@
             </a:ln>
           </p:spPr>
           <p:txBody>
-            <a:bodyPr anchorCtr="0" anchor="ctr" bIns="91425" lIns="91425" spcFirstLastPara="1" rIns="91425" wrap="square" tIns="91425">
+            <a:bodyPr spcFirstLastPara="1" wrap="square" lIns="91425" tIns="91425" rIns="91425" bIns="91425" anchor="ctr" anchorCtr="0">
               <a:noAutofit/>
             </a:bodyPr>
             <a:lstStyle/>
             <a:p>
-              <a:pPr indent="0" lvl="0" marL="0" marR="0" rtl="0" algn="l">
+              <a:pPr marL="0" marR="0" lvl="0" indent="0" algn="l" rtl="0">
                 <a:lnSpc>
                   <a:spcPct val="100000"/>
                 </a:lnSpc>
@@ -10000,10 +10110,7 @@
                 <a:buFont typeface="Arial"/>
                 <a:buNone/>
               </a:pPr>
-              <a:r>
-                <a:t/>
-              </a:r>
-              <a:endParaRPr b="0" i="0" sz="1400" u="none" cap="none" strike="noStrike">
+              <a:endParaRPr sz="1400" b="0" i="0" u="none" strike="noStrike" cap="none">
                 <a:solidFill>
                   <a:srgbClr val="000000"/>
                 </a:solidFill>
@@ -10019,9 +10126,11 @@
       <p:sp>
         <p:nvSpPr>
           <p:cNvPr id="72" name="Google Shape;72;p1"/>
-          <p:cNvSpPr txBox="1"/>
+          <p:cNvSpPr txBox="1">
+            <a:spLocks noGrp="1"/>
+          </p:cNvSpPr>
           <p:nvPr>
-            <p:ph idx="4294967295" type="body"/>
+            <p:ph type="body" idx="4294967295"/>
           </p:nvPr>
         </p:nvSpPr>
         <p:spPr>
@@ -10038,12 +10147,12 @@
           </a:ln>
         </p:spPr>
         <p:txBody>
-          <a:bodyPr anchorCtr="0" anchor="t" bIns="91425" lIns="91425" spcFirstLastPara="1" rIns="91425" wrap="square" tIns="91425">
+          <a:bodyPr spcFirstLastPara="1" wrap="square" lIns="91425" tIns="91425" rIns="91425" bIns="91425" anchor="t" anchorCtr="0">
             <a:noAutofit/>
           </a:bodyPr>
           <a:lstStyle/>
           <a:p>
-            <a:pPr indent="0" lvl="0" marL="0" rtl="0" algn="l">
+            <a:pPr marL="0" lvl="0" indent="0" algn="l" rtl="0">
               <a:lnSpc>
                 <a:spcPct val="115000"/>
               </a:lnSpc>
@@ -10057,14 +10166,14 @@
               <a:buNone/>
             </a:pPr>
             <a:r>
-              <a:rPr lang="en">
+              <a:rPr lang="en" dirty="0">
                 <a:solidFill>
                   <a:schemeClr val="lt1"/>
                 </a:solidFill>
               </a:rPr>
               <a:t>The Questions</a:t>
             </a:r>
-            <a:endParaRPr>
+            <a:endParaRPr dirty="0">
               <a:solidFill>
                 <a:schemeClr val="lt1"/>
               </a:solidFill>
@@ -10075,9 +10184,11 @@
       <p:sp>
         <p:nvSpPr>
           <p:cNvPr id="73" name="Google Shape;73;p1"/>
-          <p:cNvSpPr txBox="1"/>
+          <p:cNvSpPr txBox="1">
+            <a:spLocks noGrp="1"/>
+          </p:cNvSpPr>
           <p:nvPr>
-            <p:ph idx="4294967295" type="body"/>
+            <p:ph type="body" idx="4294967295"/>
           </p:nvPr>
         </p:nvSpPr>
         <p:spPr>
@@ -10094,12 +10205,12 @@
           </a:ln>
         </p:spPr>
         <p:txBody>
-          <a:bodyPr anchorCtr="0" anchor="t" bIns="91425" lIns="91425" spcFirstLastPara="1" rIns="91425" wrap="square" tIns="91425">
+          <a:bodyPr spcFirstLastPara="1" wrap="square" lIns="91425" tIns="91425" rIns="91425" bIns="91425" anchor="t" anchorCtr="0">
             <a:noAutofit/>
           </a:bodyPr>
           <a:lstStyle/>
           <a:p>
-            <a:pPr indent="-292100" lvl="0" marL="457200" rtl="0" algn="l">
+            <a:pPr marL="457200" lvl="0" indent="-292100" algn="l" rtl="0">
               <a:lnSpc>
                 <a:spcPct val="115000"/>
               </a:lnSpc>
@@ -10113,13 +10224,13 @@
               <a:buChar char="●"/>
             </a:pPr>
             <a:r>
-              <a:rPr b="1" lang="en" sz="1000"/>
+              <a:rPr lang="en" sz="1000" b="1" dirty="0"/>
               <a:t>When</a:t>
             </a:r>
-            <a:endParaRPr b="1" sz="1000"/>
+            <a:endParaRPr sz="1000" b="1" dirty="0"/>
           </a:p>
           <a:p>
-            <a:pPr indent="-292100" lvl="1" marL="914400" rtl="0" algn="l">
+            <a:pPr marL="914400" lvl="1" indent="-292100" algn="l" rtl="0">
               <a:lnSpc>
                 <a:spcPct val="115000"/>
               </a:lnSpc>
@@ -10133,17 +10244,13 @@
               <a:buChar char="○"/>
             </a:pPr>
             <a:r>
-              <a:rPr lang="en" sz="1000"/>
-              <a:t>D</a:t>
+              <a:rPr lang="en" sz="1000" dirty="0"/>
+              <a:t>Do National Parks receive the most visitors?</a:t>
             </a:r>
-            <a:r>
-              <a:rPr lang="en" sz="1000"/>
-              <a:t>o National Parks receive the most visitors?</a:t>
-            </a:r>
-            <a:endParaRPr sz="1000"/>
+            <a:endParaRPr sz="1000" dirty="0"/>
           </a:p>
           <a:p>
-            <a:pPr indent="-292100" lvl="0" marL="457200" rtl="0" algn="l">
+            <a:pPr marL="457200" lvl="0" indent="-292100" algn="l" rtl="0">
               <a:lnSpc>
                 <a:spcPct val="115000"/>
               </a:lnSpc>
@@ -10157,13 +10264,13 @@
               <a:buChar char="●"/>
             </a:pPr>
             <a:r>
-              <a:rPr b="1" lang="en" sz="1000"/>
+              <a:rPr lang="en" sz="1000" b="1" dirty="0"/>
               <a:t>Who</a:t>
             </a:r>
-            <a:endParaRPr b="1" sz="1000"/>
+            <a:endParaRPr sz="1000" b="1" dirty="0"/>
           </a:p>
           <a:p>
-            <a:pPr indent="-292100" lvl="1" marL="914400" rtl="0" algn="l">
+            <a:pPr marL="914400" lvl="1" indent="-292100" algn="l" rtl="0">
               <a:lnSpc>
                 <a:spcPct val="115000"/>
               </a:lnSpc>
@@ -10177,13 +10284,13 @@
               <a:buChar char="○"/>
             </a:pPr>
             <a:r>
-              <a:rPr lang="en" sz="1000"/>
+              <a:rPr lang="en" sz="1000" dirty="0"/>
               <a:t>Among the states supports parks the most?</a:t>
             </a:r>
-            <a:endParaRPr sz="1000"/>
+            <a:endParaRPr sz="1000" dirty="0"/>
           </a:p>
           <a:p>
-            <a:pPr indent="-292100" lvl="1" marL="914400" rtl="0" algn="l">
+            <a:pPr marL="914400" lvl="1" indent="-292100" algn="l" rtl="0">
               <a:lnSpc>
                 <a:spcPct val="115000"/>
               </a:lnSpc>
@@ -10197,13 +10304,13 @@
               <a:buChar char="○"/>
             </a:pPr>
             <a:r>
-              <a:rPr lang="en" sz="1000"/>
+              <a:rPr lang="en" sz="1000" dirty="0"/>
               <a:t>Between state and federal governments spend the most on parks?</a:t>
             </a:r>
-            <a:endParaRPr sz="1000"/>
+            <a:endParaRPr sz="1000" dirty="0"/>
           </a:p>
           <a:p>
-            <a:pPr indent="-292100" lvl="0" marL="457200" rtl="0" algn="l">
+            <a:pPr marL="457200" lvl="0" indent="-292100" algn="l" rtl="0">
               <a:lnSpc>
                 <a:spcPct val="115000"/>
               </a:lnSpc>
@@ -10217,13 +10324,13 @@
               <a:buChar char="●"/>
             </a:pPr>
             <a:r>
-              <a:rPr b="1" lang="en" sz="1000"/>
+              <a:rPr lang="en" sz="1000" b="1" dirty="0"/>
               <a:t>How</a:t>
             </a:r>
-            <a:endParaRPr b="1" sz="1000"/>
+            <a:endParaRPr sz="1000" b="1" dirty="0"/>
           </a:p>
           <a:p>
-            <a:pPr indent="-292100" lvl="1" marL="914400" rtl="0" algn="l">
+            <a:pPr marL="914400" lvl="1" indent="-292100" algn="l" rtl="0">
               <a:lnSpc>
                 <a:spcPct val="115000"/>
               </a:lnSpc>
@@ -10237,10 +10344,10 @@
               <a:buChar char="○"/>
             </a:pPr>
             <a:r>
-              <a:rPr lang="en" sz="1000"/>
+              <a:rPr lang="en" sz="1000" dirty="0"/>
               <a:t>Do park visitations vary in light of socio-political factors?</a:t>
             </a:r>
-            <a:endParaRPr sz="1000"/>
+            <a:endParaRPr sz="1000" dirty="0"/>
           </a:p>
         </p:txBody>
       </p:sp>
@@ -10273,23 +10380,23 @@
               <a:avLst/>
             </a:prstGeom>
             <a:noFill/>
-            <a:ln cap="flat" cmpd="sng" w="9525">
+            <a:ln w="9525" cap="flat" cmpd="sng">
               <a:solidFill>
                 <a:schemeClr val="lt2"/>
               </a:solidFill>
               <a:prstDash val="solid"/>
               <a:round/>
-              <a:headEnd len="sm" w="sm" type="none"/>
-              <a:tailEnd len="sm" w="sm" type="none"/>
+              <a:headEnd type="none" w="sm" len="sm"/>
+              <a:tailEnd type="none" w="sm" len="sm"/>
             </a:ln>
           </p:spPr>
           <p:txBody>
-            <a:bodyPr anchorCtr="0" anchor="ctr" bIns="91425" lIns="91425" spcFirstLastPara="1" rIns="91425" wrap="square" tIns="91425">
+            <a:bodyPr spcFirstLastPara="1" wrap="square" lIns="91425" tIns="91425" rIns="91425" bIns="91425" anchor="ctr" anchorCtr="0">
               <a:noAutofit/>
             </a:bodyPr>
             <a:lstStyle/>
             <a:p>
-              <a:pPr indent="0" lvl="0" marL="0" marR="0" rtl="0" algn="l">
+              <a:pPr marL="0" marR="0" lvl="0" indent="0" algn="l" rtl="0">
                 <a:lnSpc>
                   <a:spcPct val="100000"/>
                 </a:lnSpc>
@@ -10306,10 +10413,7 @@
                 <a:buFont typeface="Arial"/>
                 <a:buNone/>
               </a:pPr>
-              <a:r>
-                <a:t/>
-              </a:r>
-              <a:endParaRPr b="0" i="0" sz="1400" u="none" cap="none" strike="noStrike">
+              <a:endParaRPr sz="1400" b="0" i="0" u="none" strike="noStrike" cap="none">
                 <a:solidFill>
                   <a:srgbClr val="000000"/>
                 </a:solidFill>
@@ -10343,12 +10447,12 @@
             </a:ln>
           </p:spPr>
           <p:txBody>
-            <a:bodyPr anchorCtr="0" anchor="ctr" bIns="91425" lIns="91425" spcFirstLastPara="1" rIns="91425" wrap="square" tIns="91425">
+            <a:bodyPr spcFirstLastPara="1" wrap="square" lIns="91425" tIns="91425" rIns="91425" bIns="91425" anchor="ctr" anchorCtr="0">
               <a:noAutofit/>
             </a:bodyPr>
             <a:lstStyle/>
             <a:p>
-              <a:pPr indent="0" lvl="0" marL="0" marR="0" rtl="0" algn="l">
+              <a:pPr marL="0" marR="0" lvl="0" indent="0" algn="l" rtl="0">
                 <a:lnSpc>
                   <a:spcPct val="100000"/>
                 </a:lnSpc>
@@ -10365,10 +10469,7 @@
                 <a:buFont typeface="Arial"/>
                 <a:buNone/>
               </a:pPr>
-              <a:r>
-                <a:t/>
-              </a:r>
-              <a:endParaRPr b="0" i="0" sz="1400" u="none" cap="none" strike="noStrike">
+              <a:endParaRPr sz="1400" b="0" i="0" u="none" strike="noStrike" cap="none">
                 <a:solidFill>
                   <a:srgbClr val="000000"/>
                 </a:solidFill>
@@ -10384,9 +10485,11 @@
       <p:sp>
         <p:nvSpPr>
           <p:cNvPr id="77" name="Google Shape;77;p1"/>
-          <p:cNvSpPr txBox="1"/>
+          <p:cNvSpPr txBox="1">
+            <a:spLocks noGrp="1"/>
+          </p:cNvSpPr>
           <p:nvPr>
-            <p:ph idx="4294967295" type="body"/>
+            <p:ph type="body" idx="4294967295"/>
           </p:nvPr>
         </p:nvSpPr>
         <p:spPr>
@@ -10403,12 +10506,12 @@
           </a:ln>
         </p:spPr>
         <p:txBody>
-          <a:bodyPr anchorCtr="0" anchor="t" bIns="91425" lIns="91425" spcFirstLastPara="1" rIns="91425" wrap="square" tIns="91425">
+          <a:bodyPr spcFirstLastPara="1" wrap="square" lIns="91425" tIns="91425" rIns="91425" bIns="91425" anchor="t" anchorCtr="0">
             <a:noAutofit/>
           </a:bodyPr>
           <a:lstStyle/>
           <a:p>
-            <a:pPr indent="0" lvl="0" marL="0" rtl="0" algn="l">
+            <a:pPr marL="0" lvl="0" indent="0" algn="l" rtl="0">
               <a:lnSpc>
                 <a:spcPct val="115000"/>
               </a:lnSpc>
@@ -10440,9 +10543,11 @@
       <p:sp>
         <p:nvSpPr>
           <p:cNvPr id="78" name="Google Shape;78;p1"/>
-          <p:cNvSpPr txBox="1"/>
+          <p:cNvSpPr txBox="1">
+            <a:spLocks noGrp="1"/>
+          </p:cNvSpPr>
           <p:nvPr>
-            <p:ph idx="4294967295" type="body"/>
+            <p:ph type="body" idx="4294967295"/>
           </p:nvPr>
         </p:nvSpPr>
         <p:spPr>
@@ -10459,12 +10564,12 @@
           </a:ln>
         </p:spPr>
         <p:txBody>
-          <a:bodyPr anchorCtr="0" anchor="t" bIns="91425" lIns="91425" spcFirstLastPara="1" rIns="91425" wrap="square" tIns="91425">
+          <a:bodyPr spcFirstLastPara="1" wrap="square" lIns="91425" tIns="91425" rIns="91425" bIns="91425" anchor="t" anchorCtr="0">
             <a:noAutofit/>
           </a:bodyPr>
           <a:lstStyle/>
           <a:p>
-            <a:pPr indent="0" lvl="0" marL="0" rtl="0" algn="l">
+            <a:pPr marL="0" lvl="0" indent="0" algn="l" rtl="0">
               <a:lnSpc>
                 <a:spcPct val="115000"/>
               </a:lnSpc>
@@ -10478,13 +10583,13 @@
               <a:buNone/>
             </a:pPr>
             <a:r>
-              <a:rPr b="1" lang="en" sz="1100"/>
+              <a:rPr lang="en" sz="1100" b="1"/>
               <a:t>Clustering</a:t>
             </a:r>
-            <a:endParaRPr b="1" sz="1100"/>
+            <a:endParaRPr sz="1100" b="1"/>
           </a:p>
           <a:p>
-            <a:pPr indent="-285750" lvl="0" marL="457200" rtl="0" algn="l">
+            <a:pPr marL="457200" lvl="0" indent="-285750" algn="l" rtl="0">
               <a:lnSpc>
                 <a:spcPct val="115000"/>
               </a:lnSpc>
@@ -10504,7 +10609,7 @@
             <a:endParaRPr sz="900"/>
           </a:p>
           <a:p>
-            <a:pPr indent="-285750" lvl="0" marL="457200" rtl="0" algn="l">
+            <a:pPr marL="457200" lvl="0" indent="-285750" algn="l" rtl="0">
               <a:lnSpc>
                 <a:spcPct val="115000"/>
               </a:lnSpc>
@@ -10524,7 +10629,7 @@
             <a:endParaRPr sz="900"/>
           </a:p>
           <a:p>
-            <a:pPr indent="0" lvl="0" marL="0" rtl="0" algn="l">
+            <a:pPr marL="0" lvl="0" indent="0" algn="l" rtl="0">
               <a:lnSpc>
                 <a:spcPct val="115000"/>
               </a:lnSpc>
@@ -10538,13 +10643,13 @@
               <a:buNone/>
             </a:pPr>
             <a:r>
-              <a:rPr b="1" lang="en" sz="1100"/>
+              <a:rPr lang="en" sz="1100" b="1"/>
               <a:t>Time Series</a:t>
             </a:r>
-            <a:endParaRPr b="1" sz="1100"/>
+            <a:endParaRPr sz="1100" b="1"/>
           </a:p>
           <a:p>
-            <a:pPr indent="-285750" lvl="0" marL="457200" rtl="0" algn="l">
+            <a:pPr marL="457200" lvl="0" indent="-285750" algn="l" rtl="0">
               <a:lnSpc>
                 <a:spcPct val="115000"/>
               </a:lnSpc>
@@ -10564,7 +10669,7 @@
             <a:endParaRPr sz="900"/>
           </a:p>
           <a:p>
-            <a:pPr indent="0" lvl="0" marL="0" rtl="0" algn="l">
+            <a:pPr marL="0" lvl="0" indent="0" algn="l" rtl="0">
               <a:lnSpc>
                 <a:spcPct val="115000"/>
               </a:lnSpc>
@@ -10578,13 +10683,13 @@
               <a:buNone/>
             </a:pPr>
             <a:r>
-              <a:rPr b="1" lang="en" sz="1100"/>
+              <a:rPr lang="en" sz="1100" b="1"/>
               <a:t>Boosting and Neural Nets</a:t>
             </a:r>
-            <a:endParaRPr b="1" sz="1100"/>
+            <a:endParaRPr sz="1100" b="1"/>
           </a:p>
           <a:p>
-            <a:pPr indent="-285750" lvl="0" marL="457200" rtl="0" algn="l">
+            <a:pPr marL="457200" lvl="0" indent="-285750" algn="l" rtl="0">
               <a:lnSpc>
                 <a:spcPct val="115000"/>
               </a:lnSpc>
@@ -10625,12 +10730,12 @@
           </a:ln>
         </p:spPr>
         <p:txBody>
-          <a:bodyPr anchorCtr="0" anchor="t" bIns="91425" lIns="91425" spcFirstLastPara="1" rIns="91425" wrap="square" tIns="91425">
+          <a:bodyPr spcFirstLastPara="1" wrap="square" lIns="91425" tIns="91425" rIns="91425" bIns="91425" anchor="t" anchorCtr="0">
             <a:noAutofit/>
           </a:bodyPr>
           <a:lstStyle/>
           <a:p>
-            <a:pPr indent="0" lvl="0" marL="0" marR="0" rtl="0" algn="ctr">
+            <a:pPr marL="0" marR="0" lvl="0" indent="0" algn="ctr" rtl="0">
               <a:lnSpc>
                 <a:spcPct val="100000"/>
               </a:lnSpc>
@@ -10648,7 +10753,7 @@
               <a:buNone/>
             </a:pPr>
             <a:r>
-              <a:rPr b="0" i="0" lang="en" sz="1400" u="none" cap="none" strike="noStrike">
+              <a:rPr lang="en" sz="1400" b="0" i="0" u="none" strike="noStrike" cap="none" dirty="0">
                 <a:solidFill>
                   <a:schemeClr val="dk1"/>
                 </a:solidFill>
@@ -10659,7 +10764,7 @@
               </a:rPr>
               <a:t>Aubrey Smiley McAuliffe, Beau Findley, Jason Viehman</a:t>
             </a:r>
-            <a:endParaRPr b="0" i="0" sz="1400" u="none" cap="none" strike="noStrike">
+            <a:endParaRPr sz="1400" b="0" i="0" u="none" strike="noStrike" cap="none" dirty="0">
               <a:solidFill>
                 <a:srgbClr val="000000"/>
               </a:solidFill>
@@ -10680,7 +10785,288 @@
 </file>
 
 <file path=ppt/theme/theme1.xml><?xml version="1.0" encoding="utf-8"?>
-<a:theme xmlns:a="http://schemas.openxmlformats.org/drawingml/2006/main" xmlns:r="http://schemas.openxmlformats.org/officeDocument/2006/relationships">
+<a:theme xmlns:a="http://schemas.openxmlformats.org/drawingml/2006/main" name="Luxe">
+  <a:themeElements>
+    <a:clrScheme name="Luxe">
+      <a:dk1>
+        <a:srgbClr val="000000"/>
+      </a:dk1>
+      <a:lt1>
+        <a:srgbClr val="FFFFFF"/>
+      </a:lt1>
+      <a:dk2>
+        <a:srgbClr val="B7B7B7"/>
+      </a:dk2>
+      <a:lt2>
+        <a:srgbClr val="CCA677"/>
+      </a:lt2>
+      <a:accent1>
+        <a:srgbClr val="5D4037"/>
+      </a:accent1>
+      <a:accent2>
+        <a:srgbClr val="455A64"/>
+      </a:accent2>
+      <a:accent3>
+        <a:srgbClr val="607D8B"/>
+      </a:accent3>
+      <a:accent4>
+        <a:srgbClr val="78909C"/>
+      </a:accent4>
+      <a:accent5>
+        <a:srgbClr val="57BB8A"/>
+      </a:accent5>
+      <a:accent6>
+        <a:srgbClr val="DCE755"/>
+      </a:accent6>
+      <a:hlink>
+        <a:srgbClr val="57BB8A"/>
+      </a:hlink>
+      <a:folHlink>
+        <a:srgbClr val="57BB8A"/>
+      </a:folHlink>
+    </a:clrScheme>
+    <a:fontScheme name="Office">
+      <a:majorFont>
+        <a:latin typeface="Arial"/>
+        <a:ea typeface=""/>
+        <a:cs typeface=""/>
+        <a:font script="Jpan" typeface="ＭＳ Ｐゴシック"/>
+        <a:font script="Hang" typeface="맑은 고딕"/>
+        <a:font script="Hans" typeface="宋体"/>
+        <a:font script="Hant" typeface="新細明體"/>
+        <a:font script="Arab" typeface="Times New Roman"/>
+        <a:font script="Hebr" typeface="Times New Roman"/>
+        <a:font script="Thai" typeface="Angsana New"/>
+        <a:font script="Ethi" typeface="Nyala"/>
+        <a:font script="Beng" typeface="Vrinda"/>
+        <a:font script="Gujr" typeface="Shruti"/>
+        <a:font script="Khmr" typeface="MoolBoran"/>
+        <a:font script="Knda" typeface="Tunga"/>
+        <a:font script="Guru" typeface="Raavi"/>
+        <a:font script="Cans" typeface="Euphemia"/>
+        <a:font script="Cher" typeface="Plantagenet Cherokee"/>
+        <a:font script="Yiii" typeface="Microsoft Yi Baiti"/>
+        <a:font script="Tibt" typeface="Microsoft Himalaya"/>
+        <a:font script="Thaa" typeface="MV Boli"/>
+        <a:font script="Deva" typeface="Mangal"/>
+        <a:font script="Telu" typeface="Gautami"/>
+        <a:font script="Taml" typeface="Latha"/>
+        <a:font script="Syrc" typeface="Estrangelo Edessa"/>
+        <a:font script="Orya" typeface="Kalinga"/>
+        <a:font script="Mlym" typeface="Kartika"/>
+        <a:font script="Laoo" typeface="DokChampa"/>
+        <a:font script="Sinh" typeface="Iskoola Pota"/>
+        <a:font script="Mong" typeface="Mongolian Baiti"/>
+        <a:font script="Viet" typeface="Times New Roman"/>
+        <a:font script="Uigh" typeface="Microsoft Uighur"/>
+        <a:font script="Geor" typeface="Sylfaen"/>
+      </a:majorFont>
+      <a:minorFont>
+        <a:latin typeface="Arial"/>
+        <a:ea typeface=""/>
+        <a:cs typeface=""/>
+        <a:font script="Jpan" typeface="ＭＳ Ｐゴシック"/>
+        <a:font script="Hang" typeface="맑은 고딕"/>
+        <a:font script="Hans" typeface="宋体"/>
+        <a:font script="Hant" typeface="新細明體"/>
+        <a:font script="Arab" typeface="Arial"/>
+        <a:font script="Hebr" typeface="Arial"/>
+        <a:font script="Thai" typeface="Cordia New"/>
+        <a:font script="Ethi" typeface="Nyala"/>
+        <a:font script="Beng" typeface="Vrinda"/>
+        <a:font script="Gujr" typeface="Shruti"/>
+        <a:font script="Khmr" typeface="DaunPenh"/>
+        <a:font script="Knda" typeface="Tunga"/>
+        <a:font script="Guru" typeface="Raavi"/>
+        <a:font script="Cans" typeface="Euphemia"/>
+        <a:font script="Cher" typeface="Plantagenet Cherokee"/>
+        <a:font script="Yiii" typeface="Microsoft Yi Baiti"/>
+        <a:font script="Tibt" typeface="Microsoft Himalaya"/>
+        <a:font script="Thaa" typeface="MV Boli"/>
+        <a:font script="Deva" typeface="Mangal"/>
+        <a:font script="Telu" typeface="Gautami"/>
+        <a:font script="Taml" typeface="Latha"/>
+        <a:font script="Syrc" typeface="Estrangelo Edessa"/>
+        <a:font script="Orya" typeface="Kalinga"/>
+        <a:font script="Mlym" typeface="Kartika"/>
+        <a:font script="Laoo" typeface="DokChampa"/>
+        <a:font script="Sinh" typeface="Iskoola Pota"/>
+        <a:font script="Mong" typeface="Mongolian Baiti"/>
+        <a:font script="Viet" typeface="Arial"/>
+        <a:font script="Uigh" typeface="Microsoft Uighur"/>
+        <a:font script="Geor" typeface="Sylfaen"/>
+      </a:minorFont>
+    </a:fontScheme>
+    <a:fmtScheme name="Office">
+      <a:fillStyleLst>
+        <a:solidFill>
+          <a:schemeClr val="phClr"/>
+        </a:solidFill>
+        <a:gradFill rotWithShape="1">
+          <a:gsLst>
+            <a:gs pos="0">
+              <a:schemeClr val="phClr">
+                <a:tint val="50000"/>
+                <a:satMod val="300000"/>
+              </a:schemeClr>
+            </a:gs>
+            <a:gs pos="35000">
+              <a:schemeClr val="phClr">
+                <a:tint val="37000"/>
+                <a:satMod val="300000"/>
+              </a:schemeClr>
+            </a:gs>
+            <a:gs pos="100000">
+              <a:schemeClr val="phClr">
+                <a:tint val="15000"/>
+                <a:satMod val="350000"/>
+              </a:schemeClr>
+            </a:gs>
+          </a:gsLst>
+          <a:lin ang="16200000" scaled="1"/>
+        </a:gradFill>
+        <a:gradFill rotWithShape="1">
+          <a:gsLst>
+            <a:gs pos="0">
+              <a:schemeClr val="phClr">
+                <a:tint val="100000"/>
+                <a:shade val="100000"/>
+                <a:satMod val="130000"/>
+              </a:schemeClr>
+            </a:gs>
+            <a:gs pos="100000">
+              <a:schemeClr val="phClr">
+                <a:tint val="50000"/>
+                <a:shade val="100000"/>
+                <a:satMod val="350000"/>
+              </a:schemeClr>
+            </a:gs>
+          </a:gsLst>
+          <a:lin ang="16200000" scaled="0"/>
+        </a:gradFill>
+      </a:fillStyleLst>
+      <a:lnStyleLst>
+        <a:ln w="9525" cap="flat" cmpd="sng" algn="ctr">
+          <a:solidFill>
+            <a:schemeClr val="phClr">
+              <a:shade val="95000"/>
+              <a:satMod val="105000"/>
+            </a:schemeClr>
+          </a:solidFill>
+          <a:prstDash val="solid"/>
+        </a:ln>
+        <a:ln w="25400" cap="flat" cmpd="sng" algn="ctr">
+          <a:solidFill>
+            <a:schemeClr val="phClr"/>
+          </a:solidFill>
+          <a:prstDash val="solid"/>
+        </a:ln>
+        <a:ln w="38100" cap="flat" cmpd="sng" algn="ctr">
+          <a:solidFill>
+            <a:schemeClr val="phClr"/>
+          </a:solidFill>
+          <a:prstDash val="solid"/>
+        </a:ln>
+      </a:lnStyleLst>
+      <a:effectStyleLst>
+        <a:effectStyle>
+          <a:effectLst>
+            <a:outerShdw blurRad="40000" dist="20000" dir="5400000" rotWithShape="0">
+              <a:srgbClr val="000000">
+                <a:alpha val="38000"/>
+              </a:srgbClr>
+            </a:outerShdw>
+          </a:effectLst>
+        </a:effectStyle>
+        <a:effectStyle>
+          <a:effectLst>
+            <a:outerShdw blurRad="40000" dist="23000" dir="5400000" rotWithShape="0">
+              <a:srgbClr val="000000">
+                <a:alpha val="35000"/>
+              </a:srgbClr>
+            </a:outerShdw>
+          </a:effectLst>
+        </a:effectStyle>
+        <a:effectStyle>
+          <a:effectLst>
+            <a:outerShdw blurRad="40000" dist="23000" dir="5400000" rotWithShape="0">
+              <a:srgbClr val="000000">
+                <a:alpha val="35000"/>
+              </a:srgbClr>
+            </a:outerShdw>
+          </a:effectLst>
+          <a:scene3d>
+            <a:camera prst="orthographicFront">
+              <a:rot lat="0" lon="0" rev="0"/>
+            </a:camera>
+            <a:lightRig rig="threePt" dir="t">
+              <a:rot lat="0" lon="0" rev="1200000"/>
+            </a:lightRig>
+          </a:scene3d>
+          <a:sp3d>
+            <a:bevelT w="63500" h="25400"/>
+          </a:sp3d>
+        </a:effectStyle>
+      </a:effectStyleLst>
+      <a:bgFillStyleLst>
+        <a:solidFill>
+          <a:schemeClr val="phClr"/>
+        </a:solidFill>
+        <a:gradFill rotWithShape="1">
+          <a:gsLst>
+            <a:gs pos="0">
+              <a:schemeClr val="phClr">
+                <a:tint val="40000"/>
+                <a:satMod val="350000"/>
+              </a:schemeClr>
+            </a:gs>
+            <a:gs pos="40000">
+              <a:schemeClr val="phClr">
+                <a:tint val="45000"/>
+                <a:shade val="99000"/>
+                <a:satMod val="350000"/>
+              </a:schemeClr>
+            </a:gs>
+            <a:gs pos="100000">
+              <a:schemeClr val="phClr">
+                <a:shade val="20000"/>
+                <a:satMod val="255000"/>
+              </a:schemeClr>
+            </a:gs>
+          </a:gsLst>
+          <a:path path="circle">
+            <a:fillToRect l="50000" t="-80000" r="50000" b="180000"/>
+          </a:path>
+        </a:gradFill>
+        <a:gradFill rotWithShape="1">
+          <a:gsLst>
+            <a:gs pos="0">
+              <a:schemeClr val="phClr">
+                <a:tint val="80000"/>
+                <a:satMod val="300000"/>
+              </a:schemeClr>
+            </a:gs>
+            <a:gs pos="100000">
+              <a:schemeClr val="phClr">
+                <a:shade val="30000"/>
+                <a:satMod val="200000"/>
+              </a:schemeClr>
+            </a:gs>
+          </a:gsLst>
+          <a:path path="circle">
+            <a:fillToRect l="50000" t="50000" r="50000" b="50000"/>
+          </a:path>
+        </a:gradFill>
+      </a:bgFillStyleLst>
+    </a:fmtScheme>
+  </a:themeElements>
+  <a:objectDefaults/>
+  <a:extraClrSchemeLst/>
+</a:theme>
+</file>
+
+<file path=ppt/theme/theme2.xml><?xml version="1.0" encoding="utf-8"?>
+<a:theme xmlns:a="http://schemas.openxmlformats.org/drawingml/2006/main">
   <a:themeElements>
     <a:clrScheme name="Default">
       <a:dk1>
@@ -10955,284 +11341,7 @@
       </a:bgFillStyleLst>
     </a:fmtScheme>
   </a:themeElements>
-</a:theme>
-</file>
-
-<file path=ppt/theme/theme2.xml><?xml version="1.0" encoding="utf-8"?>
-<a:theme xmlns:a="http://schemas.openxmlformats.org/drawingml/2006/main" xmlns:r="http://schemas.openxmlformats.org/officeDocument/2006/relationships" name="Luxe">
-  <a:themeElements>
-    <a:clrScheme name="Luxe">
-      <a:dk1>
-        <a:srgbClr val="000000"/>
-      </a:dk1>
-      <a:lt1>
-        <a:srgbClr val="FFFFFF"/>
-      </a:lt1>
-      <a:dk2>
-        <a:srgbClr val="B7B7B7"/>
-      </a:dk2>
-      <a:lt2>
-        <a:srgbClr val="CCA677"/>
-      </a:lt2>
-      <a:accent1>
-        <a:srgbClr val="5D4037"/>
-      </a:accent1>
-      <a:accent2>
-        <a:srgbClr val="455A64"/>
-      </a:accent2>
-      <a:accent3>
-        <a:srgbClr val="607D8B"/>
-      </a:accent3>
-      <a:accent4>
-        <a:srgbClr val="78909C"/>
-      </a:accent4>
-      <a:accent5>
-        <a:srgbClr val="57BB8A"/>
-      </a:accent5>
-      <a:accent6>
-        <a:srgbClr val="DCE755"/>
-      </a:accent6>
-      <a:hlink>
-        <a:srgbClr val="57BB8A"/>
-      </a:hlink>
-      <a:folHlink>
-        <a:srgbClr val="57BB8A"/>
-      </a:folHlink>
-    </a:clrScheme>
-    <a:fontScheme name="Office">
-      <a:majorFont>
-        <a:latin typeface="Arial"/>
-        <a:ea typeface=""/>
-        <a:cs typeface=""/>
-        <a:font script="Jpan" typeface="ＭＳ Ｐゴシック"/>
-        <a:font script="Hang" typeface="맑은 고딕"/>
-        <a:font script="Hans" typeface="宋体"/>
-        <a:font script="Hant" typeface="新細明體"/>
-        <a:font script="Arab" typeface="Times New Roman"/>
-        <a:font script="Hebr" typeface="Times New Roman"/>
-        <a:font script="Thai" typeface="Angsana New"/>
-        <a:font script="Ethi" typeface="Nyala"/>
-        <a:font script="Beng" typeface="Vrinda"/>
-        <a:font script="Gujr" typeface="Shruti"/>
-        <a:font script="Khmr" typeface="MoolBoran"/>
-        <a:font script="Knda" typeface="Tunga"/>
-        <a:font script="Guru" typeface="Raavi"/>
-        <a:font script="Cans" typeface="Euphemia"/>
-        <a:font script="Cher" typeface="Plantagenet Cherokee"/>
-        <a:font script="Yiii" typeface="Microsoft Yi Baiti"/>
-        <a:font script="Tibt" typeface="Microsoft Himalaya"/>
-        <a:font script="Thaa" typeface="MV Boli"/>
-        <a:font script="Deva" typeface="Mangal"/>
-        <a:font script="Telu" typeface="Gautami"/>
-        <a:font script="Taml" typeface="Latha"/>
-        <a:font script="Syrc" typeface="Estrangelo Edessa"/>
-        <a:font script="Orya" typeface="Kalinga"/>
-        <a:font script="Mlym" typeface="Kartika"/>
-        <a:font script="Laoo" typeface="DokChampa"/>
-        <a:font script="Sinh" typeface="Iskoola Pota"/>
-        <a:font script="Mong" typeface="Mongolian Baiti"/>
-        <a:font script="Viet" typeface="Times New Roman"/>
-        <a:font script="Uigh" typeface="Microsoft Uighur"/>
-        <a:font script="Geor" typeface="Sylfaen"/>
-      </a:majorFont>
-      <a:minorFont>
-        <a:latin typeface="Arial"/>
-        <a:ea typeface=""/>
-        <a:cs typeface=""/>
-        <a:font script="Jpan" typeface="ＭＳ Ｐゴシック"/>
-        <a:font script="Hang" typeface="맑은 고딕"/>
-        <a:font script="Hans" typeface="宋体"/>
-        <a:font script="Hant" typeface="新細明體"/>
-        <a:font script="Arab" typeface="Arial"/>
-        <a:font script="Hebr" typeface="Arial"/>
-        <a:font script="Thai" typeface="Cordia New"/>
-        <a:font script="Ethi" typeface="Nyala"/>
-        <a:font script="Beng" typeface="Vrinda"/>
-        <a:font script="Gujr" typeface="Shruti"/>
-        <a:font script="Khmr" typeface="DaunPenh"/>
-        <a:font script="Knda" typeface="Tunga"/>
-        <a:font script="Guru" typeface="Raavi"/>
-        <a:font script="Cans" typeface="Euphemia"/>
-        <a:font script="Cher" typeface="Plantagenet Cherokee"/>
-        <a:font script="Yiii" typeface="Microsoft Yi Baiti"/>
-        <a:font script="Tibt" typeface="Microsoft Himalaya"/>
-        <a:font script="Thaa" typeface="MV Boli"/>
-        <a:font script="Deva" typeface="Mangal"/>
-        <a:font script="Telu" typeface="Gautami"/>
-        <a:font script="Taml" typeface="Latha"/>
-        <a:font script="Syrc" typeface="Estrangelo Edessa"/>
-        <a:font script="Orya" typeface="Kalinga"/>
-        <a:font script="Mlym" typeface="Kartika"/>
-        <a:font script="Laoo" typeface="DokChampa"/>
-        <a:font script="Sinh" typeface="Iskoola Pota"/>
-        <a:font script="Mong" typeface="Mongolian Baiti"/>
-        <a:font script="Viet" typeface="Arial"/>
-        <a:font script="Uigh" typeface="Microsoft Uighur"/>
-        <a:font script="Geor" typeface="Sylfaen"/>
-      </a:minorFont>
-    </a:fontScheme>
-    <a:fmtScheme name="Office">
-      <a:fillStyleLst>
-        <a:solidFill>
-          <a:schemeClr val="phClr"/>
-        </a:solidFill>
-        <a:gradFill rotWithShape="1">
-          <a:gsLst>
-            <a:gs pos="0">
-              <a:schemeClr val="phClr">
-                <a:tint val="50000"/>
-                <a:satMod val="300000"/>
-              </a:schemeClr>
-            </a:gs>
-            <a:gs pos="35000">
-              <a:schemeClr val="phClr">
-                <a:tint val="37000"/>
-                <a:satMod val="300000"/>
-              </a:schemeClr>
-            </a:gs>
-            <a:gs pos="100000">
-              <a:schemeClr val="phClr">
-                <a:tint val="15000"/>
-                <a:satMod val="350000"/>
-              </a:schemeClr>
-            </a:gs>
-          </a:gsLst>
-          <a:lin ang="16200000" scaled="1"/>
-        </a:gradFill>
-        <a:gradFill rotWithShape="1">
-          <a:gsLst>
-            <a:gs pos="0">
-              <a:schemeClr val="phClr">
-                <a:tint val="100000"/>
-                <a:shade val="100000"/>
-                <a:satMod val="130000"/>
-              </a:schemeClr>
-            </a:gs>
-            <a:gs pos="100000">
-              <a:schemeClr val="phClr">
-                <a:tint val="50000"/>
-                <a:shade val="100000"/>
-                <a:satMod val="350000"/>
-              </a:schemeClr>
-            </a:gs>
-          </a:gsLst>
-          <a:lin ang="16200000" scaled="0"/>
-        </a:gradFill>
-      </a:fillStyleLst>
-      <a:lnStyleLst>
-        <a:ln w="9525" cap="flat" cmpd="sng" algn="ctr">
-          <a:solidFill>
-            <a:schemeClr val="phClr">
-              <a:shade val="95000"/>
-              <a:satMod val="105000"/>
-            </a:schemeClr>
-          </a:solidFill>
-          <a:prstDash val="solid"/>
-        </a:ln>
-        <a:ln w="25400" cap="flat" cmpd="sng" algn="ctr">
-          <a:solidFill>
-            <a:schemeClr val="phClr"/>
-          </a:solidFill>
-          <a:prstDash val="solid"/>
-        </a:ln>
-        <a:ln w="38100" cap="flat" cmpd="sng" algn="ctr">
-          <a:solidFill>
-            <a:schemeClr val="phClr"/>
-          </a:solidFill>
-          <a:prstDash val="solid"/>
-        </a:ln>
-      </a:lnStyleLst>
-      <a:effectStyleLst>
-        <a:effectStyle>
-          <a:effectLst>
-            <a:outerShdw blurRad="40000" dist="20000" dir="5400000" rotWithShape="0">
-              <a:srgbClr val="000000">
-                <a:alpha val="38000"/>
-              </a:srgbClr>
-            </a:outerShdw>
-          </a:effectLst>
-        </a:effectStyle>
-        <a:effectStyle>
-          <a:effectLst>
-            <a:outerShdw blurRad="40000" dist="23000" dir="5400000" rotWithShape="0">
-              <a:srgbClr val="000000">
-                <a:alpha val="35000"/>
-              </a:srgbClr>
-            </a:outerShdw>
-          </a:effectLst>
-        </a:effectStyle>
-        <a:effectStyle>
-          <a:effectLst>
-            <a:outerShdw blurRad="40000" dist="23000" dir="5400000" rotWithShape="0">
-              <a:srgbClr val="000000">
-                <a:alpha val="35000"/>
-              </a:srgbClr>
-            </a:outerShdw>
-          </a:effectLst>
-          <a:scene3d>
-            <a:camera prst="orthographicFront">
-              <a:rot lat="0" lon="0" rev="0"/>
-            </a:camera>
-            <a:lightRig rig="threePt" dir="t">
-              <a:rot lat="0" lon="0" rev="1200000"/>
-            </a:lightRig>
-          </a:scene3d>
-          <a:sp3d>
-            <a:bevelT w="63500" h="25400"/>
-          </a:sp3d>
-        </a:effectStyle>
-      </a:effectStyleLst>
-      <a:bgFillStyleLst>
-        <a:solidFill>
-          <a:schemeClr val="phClr"/>
-        </a:solidFill>
-        <a:gradFill rotWithShape="1">
-          <a:gsLst>
-            <a:gs pos="0">
-              <a:schemeClr val="phClr">
-                <a:tint val="40000"/>
-                <a:satMod val="350000"/>
-              </a:schemeClr>
-            </a:gs>
-            <a:gs pos="40000">
-              <a:schemeClr val="phClr">
-                <a:tint val="45000"/>
-                <a:shade val="99000"/>
-                <a:satMod val="350000"/>
-              </a:schemeClr>
-            </a:gs>
-            <a:gs pos="100000">
-              <a:schemeClr val="phClr">
-                <a:shade val="20000"/>
-                <a:satMod val="255000"/>
-              </a:schemeClr>
-            </a:gs>
-          </a:gsLst>
-          <a:path path="circle">
-            <a:fillToRect l="50000" t="-80000" r="50000" b="180000"/>
-          </a:path>
-        </a:gradFill>
-        <a:gradFill rotWithShape="1">
-          <a:gsLst>
-            <a:gs pos="0">
-              <a:schemeClr val="phClr">
-                <a:tint val="80000"/>
-                <a:satMod val="300000"/>
-              </a:schemeClr>
-            </a:gs>
-            <a:gs pos="100000">
-              <a:schemeClr val="phClr">
-                <a:shade val="30000"/>
-                <a:satMod val="200000"/>
-              </a:schemeClr>
-            </a:gs>
-          </a:gsLst>
-          <a:path path="circle">
-            <a:fillToRect l="50000" t="50000" r="50000" b="50000"/>
-          </a:path>
-        </a:gradFill>
-      </a:bgFillStyleLst>
-    </a:fmtScheme>
-  </a:themeElements>
+  <a:objectDefaults/>
+  <a:extraClrSchemeLst/>
 </a:theme>
 </file>